--- a/발표자료/CCMCT_중간발표.pptx
+++ b/발표자료/CCMCT_중간발표.pptx
@@ -264,7 +264,7 @@
           <a:p>
             <a:fld id="{E7B65EDB-652F-4E7A-AE52-E3012E96CC71}" type="datetimeFigureOut">
               <a:rPr lang="ko-KR" altLang="en-US" smtClean="0"/>
-              <a:t>2021-08-18</a:t>
+              <a:t>2021-08-19</a:t>
             </a:fld>
             <a:endParaRPr lang="ko-KR" altLang="en-US"/>
           </a:p>
@@ -462,7 +462,7 @@
           <a:p>
             <a:fld id="{E7B65EDB-652F-4E7A-AE52-E3012E96CC71}" type="datetimeFigureOut">
               <a:rPr lang="ko-KR" altLang="en-US" smtClean="0"/>
-              <a:t>2021-08-18</a:t>
+              <a:t>2021-08-19</a:t>
             </a:fld>
             <a:endParaRPr lang="ko-KR" altLang="en-US"/>
           </a:p>
@@ -670,7 +670,7 @@
           <a:p>
             <a:fld id="{E7B65EDB-652F-4E7A-AE52-E3012E96CC71}" type="datetimeFigureOut">
               <a:rPr lang="ko-KR" altLang="en-US" smtClean="0"/>
-              <a:t>2021-08-18</a:t>
+              <a:t>2021-08-19</a:t>
             </a:fld>
             <a:endParaRPr lang="ko-KR" altLang="en-US"/>
           </a:p>
@@ -868,7 +868,7 @@
           <a:p>
             <a:fld id="{E7B65EDB-652F-4E7A-AE52-E3012E96CC71}" type="datetimeFigureOut">
               <a:rPr lang="ko-KR" altLang="en-US" smtClean="0"/>
-              <a:t>2021-08-18</a:t>
+              <a:t>2021-08-19</a:t>
             </a:fld>
             <a:endParaRPr lang="ko-KR" altLang="en-US"/>
           </a:p>
@@ -1143,7 +1143,7 @@
           <a:p>
             <a:fld id="{E7B65EDB-652F-4E7A-AE52-E3012E96CC71}" type="datetimeFigureOut">
               <a:rPr lang="ko-KR" altLang="en-US" smtClean="0"/>
-              <a:t>2021-08-18</a:t>
+              <a:t>2021-08-19</a:t>
             </a:fld>
             <a:endParaRPr lang="ko-KR" altLang="en-US"/>
           </a:p>
@@ -1408,7 +1408,7 @@
           <a:p>
             <a:fld id="{E7B65EDB-652F-4E7A-AE52-E3012E96CC71}" type="datetimeFigureOut">
               <a:rPr lang="ko-KR" altLang="en-US" smtClean="0"/>
-              <a:t>2021-08-18</a:t>
+              <a:t>2021-08-19</a:t>
             </a:fld>
             <a:endParaRPr lang="ko-KR" altLang="en-US"/>
           </a:p>
@@ -1820,7 +1820,7 @@
           <a:p>
             <a:fld id="{E7B65EDB-652F-4E7A-AE52-E3012E96CC71}" type="datetimeFigureOut">
               <a:rPr lang="ko-KR" altLang="en-US" smtClean="0"/>
-              <a:t>2021-08-18</a:t>
+              <a:t>2021-08-19</a:t>
             </a:fld>
             <a:endParaRPr lang="ko-KR" altLang="en-US"/>
           </a:p>
@@ -1961,7 +1961,7 @@
           <a:p>
             <a:fld id="{E7B65EDB-652F-4E7A-AE52-E3012E96CC71}" type="datetimeFigureOut">
               <a:rPr lang="ko-KR" altLang="en-US" smtClean="0"/>
-              <a:t>2021-08-18</a:t>
+              <a:t>2021-08-19</a:t>
             </a:fld>
             <a:endParaRPr lang="ko-KR" altLang="en-US"/>
           </a:p>
@@ -2074,7 +2074,7 @@
           <a:p>
             <a:fld id="{E7B65EDB-652F-4E7A-AE52-E3012E96CC71}" type="datetimeFigureOut">
               <a:rPr lang="ko-KR" altLang="en-US" smtClean="0"/>
-              <a:t>2021-08-18</a:t>
+              <a:t>2021-08-19</a:t>
             </a:fld>
             <a:endParaRPr lang="ko-KR" altLang="en-US"/>
           </a:p>
@@ -2385,7 +2385,7 @@
           <a:p>
             <a:fld id="{E7B65EDB-652F-4E7A-AE52-E3012E96CC71}" type="datetimeFigureOut">
               <a:rPr lang="ko-KR" altLang="en-US" smtClean="0"/>
-              <a:t>2021-08-18</a:t>
+              <a:t>2021-08-19</a:t>
             </a:fld>
             <a:endParaRPr lang="ko-KR" altLang="en-US"/>
           </a:p>
@@ -2673,7 +2673,7 @@
           <a:p>
             <a:fld id="{E7B65EDB-652F-4E7A-AE52-E3012E96CC71}" type="datetimeFigureOut">
               <a:rPr lang="ko-KR" altLang="en-US" smtClean="0"/>
-              <a:t>2021-08-18</a:t>
+              <a:t>2021-08-19</a:t>
             </a:fld>
             <a:endParaRPr lang="ko-KR" altLang="en-US"/>
           </a:p>
@@ -2914,7 +2914,7 @@
           <a:p>
             <a:fld id="{E7B65EDB-652F-4E7A-AE52-E3012E96CC71}" type="datetimeFigureOut">
               <a:rPr lang="ko-KR" altLang="en-US" smtClean="0"/>
-              <a:t>2021-08-18</a:t>
+              <a:t>2021-08-19</a:t>
             </a:fld>
             <a:endParaRPr lang="ko-KR" altLang="en-US"/>
           </a:p>
@@ -4724,7 +4724,7 @@
         </p:nvCxnSpPr>
         <p:spPr>
           <a:xfrm rot="16200000" flipH="1">
-            <a:off x="3732954" y="3827663"/>
+            <a:off x="3734048" y="3827661"/>
             <a:ext cx="2373960" cy="1419764"/>
           </a:xfrm>
           <a:prstGeom prst="bentConnector3">
@@ -5527,7 +5527,7 @@
                     <a:p>
                       <a:pPr algn="ctr" fontAlgn="ctr"/>
                       <a:r>
-                        <a:rPr lang="en-US" altLang="ko-KR" sz="1400" b="0" i="0" u="none" strike="noStrike">
+                        <a:rPr lang="en-US" altLang="ko-KR" sz="1400" b="0" i="0" u="none" strike="noStrike" dirty="0">
                           <a:solidFill>
                             <a:srgbClr val="000000"/>
                           </a:solidFill>
@@ -5760,7 +5760,7 @@
                     <a:p>
                       <a:pPr algn="ctr" fontAlgn="ctr"/>
                       <a:r>
-                        <a:rPr lang="en-US" altLang="ko-KR" sz="1400" b="0" i="0" u="none" strike="noStrike">
+                        <a:rPr lang="en-US" altLang="ko-KR" sz="1400" b="0" i="0" u="none" strike="noStrike" dirty="0">
                           <a:solidFill>
                             <a:srgbClr val="000000"/>
                           </a:solidFill>
@@ -6528,7 +6528,7 @@
                     <a:p>
                       <a:pPr algn="ctr" fontAlgn="ctr"/>
                       <a:r>
-                        <a:rPr lang="en-US" altLang="ko-KR" sz="1400" b="0" i="0" u="none" strike="noStrike">
+                        <a:rPr lang="en-US" altLang="ko-KR" sz="1400" b="0" i="0" u="none" strike="noStrike" dirty="0">
                           <a:solidFill>
                             <a:srgbClr val="000000"/>
                           </a:solidFill>
@@ -8798,7 +8798,7 @@
         </p:blipFill>
         <p:spPr>
           <a:xfrm>
-            <a:off x="6525643" y="1306945"/>
+            <a:off x="7030468" y="1268845"/>
             <a:ext cx="4066799" cy="3345912"/>
           </a:xfrm>
           <a:prstGeom prst="rect">
@@ -8820,7 +8820,7 @@
         </p:nvSpPr>
         <p:spPr>
           <a:xfrm>
-            <a:off x="1056342" y="506724"/>
+            <a:off x="1561167" y="468624"/>
             <a:ext cx="3472297" cy="800219"/>
           </a:xfrm>
           <a:prstGeom prst="rect">
@@ -8871,7 +8871,7 @@
         </p:blipFill>
         <p:spPr>
           <a:xfrm>
-            <a:off x="662625" y="1450378"/>
+            <a:off x="1167450" y="1412278"/>
             <a:ext cx="4259729" cy="4309608"/>
           </a:xfrm>
           <a:prstGeom prst="rect">
@@ -8893,7 +8893,7 @@
         </p:nvSpPr>
         <p:spPr>
           <a:xfrm>
-            <a:off x="5251860" y="3295900"/>
+            <a:off x="5756685" y="3257800"/>
             <a:ext cx="1120588" cy="618564"/>
           </a:xfrm>
           <a:prstGeom prst="rightArrow">
@@ -8942,7 +8942,7 @@
         </p:nvSpPr>
         <p:spPr>
           <a:xfrm>
-            <a:off x="7460824" y="506725"/>
+            <a:off x="7965649" y="468625"/>
             <a:ext cx="2361544" cy="800219"/>
           </a:xfrm>
           <a:prstGeom prst="rect">
@@ -8989,7 +8989,7 @@
         </p:nvSpPr>
         <p:spPr>
           <a:xfrm>
-            <a:off x="8310283" y="4849908"/>
+            <a:off x="8815108" y="4811808"/>
             <a:ext cx="502022" cy="484094"/>
           </a:xfrm>
           <a:prstGeom prst="plus">
@@ -9040,7 +9040,7 @@
         </p:nvSpPr>
         <p:spPr>
           <a:xfrm>
-            <a:off x="5876364" y="5551055"/>
+            <a:off x="6381189" y="5512955"/>
             <a:ext cx="1162498" cy="800219"/>
           </a:xfrm>
           <a:prstGeom prst="rect">
@@ -9091,7 +9091,7 @@
         </p:blipFill>
         <p:spPr>
           <a:xfrm>
-            <a:off x="7076105" y="5384657"/>
+            <a:off x="7580930" y="5346557"/>
             <a:ext cx="2965873" cy="1248789"/>
           </a:xfrm>
           <a:prstGeom prst="rect">

--- a/발표자료/CCMCT_중간발표.pptx
+++ b/발표자료/CCMCT_중간발표.pptx
@@ -11,6 +11,7 @@
     <p:sldId id="258" r:id="rId5"/>
     <p:sldId id="256" r:id="rId6"/>
     <p:sldId id="257" r:id="rId7"/>
+    <p:sldId id="262" r:id="rId8"/>
   </p:sldIdLst>
   <p:sldSz cx="12192000" cy="6858000"/>
   <p:notesSz cx="6858000" cy="9144000"/>
@@ -264,7 +265,7 @@
           <a:p>
             <a:fld id="{E7B65EDB-652F-4E7A-AE52-E3012E96CC71}" type="datetimeFigureOut">
               <a:rPr lang="ko-KR" altLang="en-US" smtClean="0"/>
-              <a:t>2021-08-19</a:t>
+              <a:t>2021-08-20</a:t>
             </a:fld>
             <a:endParaRPr lang="ko-KR" altLang="en-US"/>
           </a:p>
@@ -462,7 +463,7 @@
           <a:p>
             <a:fld id="{E7B65EDB-652F-4E7A-AE52-E3012E96CC71}" type="datetimeFigureOut">
               <a:rPr lang="ko-KR" altLang="en-US" smtClean="0"/>
-              <a:t>2021-08-19</a:t>
+              <a:t>2021-08-20</a:t>
             </a:fld>
             <a:endParaRPr lang="ko-KR" altLang="en-US"/>
           </a:p>
@@ -670,7 +671,7 @@
           <a:p>
             <a:fld id="{E7B65EDB-652F-4E7A-AE52-E3012E96CC71}" type="datetimeFigureOut">
               <a:rPr lang="ko-KR" altLang="en-US" smtClean="0"/>
-              <a:t>2021-08-19</a:t>
+              <a:t>2021-08-20</a:t>
             </a:fld>
             <a:endParaRPr lang="ko-KR" altLang="en-US"/>
           </a:p>
@@ -868,7 +869,7 @@
           <a:p>
             <a:fld id="{E7B65EDB-652F-4E7A-AE52-E3012E96CC71}" type="datetimeFigureOut">
               <a:rPr lang="ko-KR" altLang="en-US" smtClean="0"/>
-              <a:t>2021-08-19</a:t>
+              <a:t>2021-08-20</a:t>
             </a:fld>
             <a:endParaRPr lang="ko-KR" altLang="en-US"/>
           </a:p>
@@ -1143,7 +1144,7 @@
           <a:p>
             <a:fld id="{E7B65EDB-652F-4E7A-AE52-E3012E96CC71}" type="datetimeFigureOut">
               <a:rPr lang="ko-KR" altLang="en-US" smtClean="0"/>
-              <a:t>2021-08-19</a:t>
+              <a:t>2021-08-20</a:t>
             </a:fld>
             <a:endParaRPr lang="ko-KR" altLang="en-US"/>
           </a:p>
@@ -1408,7 +1409,7 @@
           <a:p>
             <a:fld id="{E7B65EDB-652F-4E7A-AE52-E3012E96CC71}" type="datetimeFigureOut">
               <a:rPr lang="ko-KR" altLang="en-US" smtClean="0"/>
-              <a:t>2021-08-19</a:t>
+              <a:t>2021-08-20</a:t>
             </a:fld>
             <a:endParaRPr lang="ko-KR" altLang="en-US"/>
           </a:p>
@@ -1820,7 +1821,7 @@
           <a:p>
             <a:fld id="{E7B65EDB-652F-4E7A-AE52-E3012E96CC71}" type="datetimeFigureOut">
               <a:rPr lang="ko-KR" altLang="en-US" smtClean="0"/>
-              <a:t>2021-08-19</a:t>
+              <a:t>2021-08-20</a:t>
             </a:fld>
             <a:endParaRPr lang="ko-KR" altLang="en-US"/>
           </a:p>
@@ -1961,7 +1962,7 @@
           <a:p>
             <a:fld id="{E7B65EDB-652F-4E7A-AE52-E3012E96CC71}" type="datetimeFigureOut">
               <a:rPr lang="ko-KR" altLang="en-US" smtClean="0"/>
-              <a:t>2021-08-19</a:t>
+              <a:t>2021-08-20</a:t>
             </a:fld>
             <a:endParaRPr lang="ko-KR" altLang="en-US"/>
           </a:p>
@@ -2074,7 +2075,7 @@
           <a:p>
             <a:fld id="{E7B65EDB-652F-4E7A-AE52-E3012E96CC71}" type="datetimeFigureOut">
               <a:rPr lang="ko-KR" altLang="en-US" smtClean="0"/>
-              <a:t>2021-08-19</a:t>
+              <a:t>2021-08-20</a:t>
             </a:fld>
             <a:endParaRPr lang="ko-KR" altLang="en-US"/>
           </a:p>
@@ -2385,7 +2386,7 @@
           <a:p>
             <a:fld id="{E7B65EDB-652F-4E7A-AE52-E3012E96CC71}" type="datetimeFigureOut">
               <a:rPr lang="ko-KR" altLang="en-US" smtClean="0"/>
-              <a:t>2021-08-19</a:t>
+              <a:t>2021-08-20</a:t>
             </a:fld>
             <a:endParaRPr lang="ko-KR" altLang="en-US"/>
           </a:p>
@@ -2673,7 +2674,7 @@
           <a:p>
             <a:fld id="{E7B65EDB-652F-4E7A-AE52-E3012E96CC71}" type="datetimeFigureOut">
               <a:rPr lang="ko-KR" altLang="en-US" smtClean="0"/>
-              <a:t>2021-08-19</a:t>
+              <a:t>2021-08-20</a:t>
             </a:fld>
             <a:endParaRPr lang="ko-KR" altLang="en-US"/>
           </a:p>
@@ -2914,7 +2915,7 @@
           <a:p>
             <a:fld id="{E7B65EDB-652F-4E7A-AE52-E3012E96CC71}" type="datetimeFigureOut">
               <a:rPr lang="ko-KR" altLang="en-US" smtClean="0"/>
-              <a:t>2021-08-19</a:t>
+              <a:t>2021-08-20</a:t>
             </a:fld>
             <a:endParaRPr lang="ko-KR" altLang="en-US"/>
           </a:p>
@@ -8971,6 +8972,22 @@
               <a:rPr lang="en-US" altLang="ko-KR" b="1" dirty="0" err="1"/>
               <a:t>png</a:t>
             </a:r>
+            <a:r>
+              <a:rPr lang="en-US" altLang="ko-KR" b="1" dirty="0"/>
+              <a:t> </a:t>
+            </a:r>
+            <a:r>
+              <a:rPr lang="en-US" altLang="ko-KR" sz="1400" b="1" dirty="0"/>
+              <a:t>(640 x</a:t>
+            </a:r>
+            <a:r>
+              <a:rPr lang="ko-KR" altLang="en-US" sz="1400" b="1" dirty="0"/>
+              <a:t> </a:t>
+            </a:r>
+            <a:r>
+              <a:rPr lang="en-US" altLang="ko-KR" sz="1400" b="1" dirty="0"/>
+              <a:t>640)</a:t>
+            </a:r>
             <a:endParaRPr lang="ko-KR" altLang="en-US" b="1" dirty="0"/>
           </a:p>
         </p:txBody>
@@ -9131,10 +9148,10 @@
       </p:grpSpPr>
       <p:pic>
         <p:nvPicPr>
-          <p:cNvPr id="5" name="그림 4" descr="텍스트이(가) 표시된 사진&#10;&#10;자동 생성된 설명">
-            <a:extLst>
-              <a:ext uri="{FF2B5EF4-FFF2-40B4-BE49-F238E27FC236}">
-                <a16:creationId xmlns:a16="http://schemas.microsoft.com/office/drawing/2014/main" id="{711476B2-2F87-446A-B420-1361C384BB6E}"/>
+          <p:cNvPr id="3" name="그림 2">
+            <a:extLst>
+              <a:ext uri="{FF2B5EF4-FFF2-40B4-BE49-F238E27FC236}">
+                <a16:creationId xmlns:a16="http://schemas.microsoft.com/office/drawing/2014/main" id="{58FAC1BB-57D1-40D1-AF10-C68AD013AF20}"/>
               </a:ext>
             </a:extLst>
           </p:cNvPr>
@@ -9151,20 +9168,55 @@
         </p:blipFill>
         <p:spPr>
           <a:xfrm>
-            <a:off x="5410199" y="4895850"/>
-            <a:ext cx="3171825" cy="1619250"/>
+            <a:off x="852487" y="713534"/>
+            <a:ext cx="8353425" cy="1743075"/>
           </a:xfrm>
           <a:prstGeom prst="rect">
             <a:avLst/>
           </a:prstGeom>
         </p:spPr>
       </p:pic>
+      <p:sp>
+        <p:nvSpPr>
+          <p:cNvPr id="4" name="TextBox 3">
+            <a:extLst>
+              <a:ext uri="{FF2B5EF4-FFF2-40B4-BE49-F238E27FC236}">
+                <a16:creationId xmlns:a16="http://schemas.microsoft.com/office/drawing/2014/main" id="{04826813-8F9A-4E92-9DDA-EE4230BA7D22}"/>
+              </a:ext>
+            </a:extLst>
+          </p:cNvPr>
+          <p:cNvSpPr txBox="1"/>
+          <p:nvPr/>
+        </p:nvSpPr>
+        <p:spPr>
+          <a:xfrm>
+            <a:off x="842962" y="528868"/>
+            <a:ext cx="6027419" cy="369332"/>
+          </a:xfrm>
+          <a:prstGeom prst="rect">
+            <a:avLst/>
+          </a:prstGeom>
+          <a:noFill/>
+        </p:spPr>
+        <p:txBody>
+          <a:bodyPr wrap="square" rtlCol="0">
+            <a:spAutoFit/>
+          </a:bodyPr>
+          <a:lstStyle/>
+          <a:p>
+            <a:r>
+              <a:rPr lang="ko-KR" altLang="en-US" dirty="0"/>
+              <a:t>데이터셋 생성 과정</a:t>
+            </a:r>
+          </a:p>
+        </p:txBody>
+      </p:sp>
       <p:pic>
         <p:nvPicPr>
-          <p:cNvPr id="7" name="그림 6">
-            <a:extLst>
-              <a:ext uri="{FF2B5EF4-FFF2-40B4-BE49-F238E27FC236}">
-                <a16:creationId xmlns:a16="http://schemas.microsoft.com/office/drawing/2014/main" id="{543E3B02-96A6-4B0C-AA7C-A683078ABF05}"/>
+          <p:cNvPr id="8" name="그림 7" descr="텍스트, 스크린샷이(가) 표시된 사진&#10;&#10;자동 생성된 설명">
+            <a:extLst>
+              <a:ext uri="{FF2B5EF4-FFF2-40B4-BE49-F238E27FC236}">
+                <a16:creationId xmlns:a16="http://schemas.microsoft.com/office/drawing/2014/main" id="{66962B84-9702-4315-A13F-719AD349F6D1}"/>
               </a:ext>
             </a:extLst>
           </p:cNvPr>
@@ -9181,8 +9233,8 @@
         </p:blipFill>
         <p:spPr>
           <a:xfrm>
-            <a:off x="9344025" y="5057775"/>
-            <a:ext cx="2200275" cy="1295400"/>
+            <a:off x="852487" y="2641275"/>
+            <a:ext cx="8201025" cy="3495675"/>
           </a:xfrm>
           <a:prstGeom prst="rect">
             <a:avLst/>
@@ -9193,6 +9245,101 @@
     <p:extLst>
       <p:ext uri="{BB962C8B-B14F-4D97-AF65-F5344CB8AC3E}">
         <p14:creationId xmlns:p14="http://schemas.microsoft.com/office/powerpoint/2010/main" val="3969011409"/>
+      </p:ext>
+    </p:extLst>
+  </p:cSld>
+  <p:clrMapOvr>
+    <a:masterClrMapping/>
+  </p:clrMapOvr>
+</p:sld>
+</file>
+
+<file path=ppt/slides/slide7.xml><?xml version="1.0" encoding="utf-8"?>
+<p:sld xmlns:a="http://schemas.openxmlformats.org/drawingml/2006/main" xmlns:r="http://schemas.openxmlformats.org/officeDocument/2006/relationships" xmlns:p="http://schemas.openxmlformats.org/presentationml/2006/main">
+  <p:cSld>
+    <p:spTree>
+      <p:nvGrpSpPr>
+        <p:cNvPr id="1" name=""/>
+        <p:cNvGrpSpPr/>
+        <p:nvPr/>
+      </p:nvGrpSpPr>
+      <p:grpSpPr>
+        <a:xfrm>
+          <a:off x="0" y="0"/>
+          <a:ext cx="0" cy="0"/>
+          <a:chOff x="0" y="0"/>
+          <a:chExt cx="0" cy="0"/>
+        </a:xfrm>
+      </p:grpSpPr>
+      <p:pic>
+        <p:nvPicPr>
+          <p:cNvPr id="5" name="그림 4">
+            <a:extLst>
+              <a:ext uri="{FF2B5EF4-FFF2-40B4-BE49-F238E27FC236}">
+                <a16:creationId xmlns:a16="http://schemas.microsoft.com/office/drawing/2014/main" id="{2350F916-9018-4944-9954-1F6D9C3F168A}"/>
+              </a:ext>
+            </a:extLst>
+          </p:cNvPr>
+          <p:cNvPicPr>
+            <a:picLocks noChangeAspect="1"/>
+          </p:cNvPicPr>
+          <p:nvPr/>
+        </p:nvPicPr>
+        <p:blipFill>
+          <a:blip r:embed="rId2"/>
+          <a:stretch>
+            <a:fillRect/>
+          </a:stretch>
+        </p:blipFill>
+        <p:spPr>
+          <a:xfrm>
+            <a:off x="857250" y="1233487"/>
+            <a:ext cx="8343900" cy="2066925"/>
+          </a:xfrm>
+          <a:prstGeom prst="rect">
+            <a:avLst/>
+          </a:prstGeom>
+        </p:spPr>
+      </p:pic>
+      <p:sp>
+        <p:nvSpPr>
+          <p:cNvPr id="6" name="TextBox 5">
+            <a:extLst>
+              <a:ext uri="{FF2B5EF4-FFF2-40B4-BE49-F238E27FC236}">
+                <a16:creationId xmlns:a16="http://schemas.microsoft.com/office/drawing/2014/main" id="{2AEF1D8F-7A8A-4DB6-91DB-5EE821587054}"/>
+              </a:ext>
+            </a:extLst>
+          </p:cNvPr>
+          <p:cNvSpPr txBox="1"/>
+          <p:nvPr/>
+        </p:nvSpPr>
+        <p:spPr>
+          <a:xfrm>
+            <a:off x="857250" y="638175"/>
+            <a:ext cx="5379719" cy="369332"/>
+          </a:xfrm>
+          <a:prstGeom prst="rect">
+            <a:avLst/>
+          </a:prstGeom>
+          <a:noFill/>
+        </p:spPr>
+        <p:txBody>
+          <a:bodyPr wrap="square" rtlCol="0">
+            <a:spAutoFit/>
+          </a:bodyPr>
+          <a:lstStyle/>
+          <a:p>
+            <a:r>
+              <a:rPr lang="ko-KR" altLang="en-US" dirty="0"/>
+              <a:t>모호 클래스 결정 과정</a:t>
+            </a:r>
+          </a:p>
+        </p:txBody>
+      </p:sp>
+    </p:spTree>
+    <p:extLst>
+      <p:ext uri="{BB962C8B-B14F-4D97-AF65-F5344CB8AC3E}">
+        <p14:creationId xmlns:p14="http://schemas.microsoft.com/office/powerpoint/2010/main" val="2978650128"/>
       </p:ext>
     </p:extLst>
   </p:cSld>

--- a/발표자료/CCMCT_중간발표.pptx
+++ b/발표자료/CCMCT_중간발표.pptx
@@ -8,10 +8,15 @@
     <p:sldId id="259" r:id="rId2"/>
     <p:sldId id="260" r:id="rId3"/>
     <p:sldId id="261" r:id="rId4"/>
-    <p:sldId id="258" r:id="rId5"/>
-    <p:sldId id="256" r:id="rId6"/>
-    <p:sldId id="257" r:id="rId7"/>
-    <p:sldId id="262" r:id="rId8"/>
+    <p:sldId id="257" r:id="rId5"/>
+    <p:sldId id="262" r:id="rId6"/>
+    <p:sldId id="258" r:id="rId7"/>
+    <p:sldId id="256" r:id="rId8"/>
+    <p:sldId id="264" r:id="rId9"/>
+    <p:sldId id="265" r:id="rId10"/>
+    <p:sldId id="266" r:id="rId11"/>
+    <p:sldId id="263" r:id="rId12"/>
+    <p:sldId id="267" r:id="rId13"/>
   </p:sldIdLst>
   <p:sldSz cx="12192000" cy="6858000"/>
   <p:notesSz cx="6858000" cy="9144000"/>
@@ -265,7 +270,7 @@
           <a:p>
             <a:fld id="{E7B65EDB-652F-4E7A-AE52-E3012E96CC71}" type="datetimeFigureOut">
               <a:rPr lang="ko-KR" altLang="en-US" smtClean="0"/>
-              <a:t>2021-08-20</a:t>
+              <a:t>2021-08-24</a:t>
             </a:fld>
             <a:endParaRPr lang="ko-KR" altLang="en-US"/>
           </a:p>
@@ -463,7 +468,7 @@
           <a:p>
             <a:fld id="{E7B65EDB-652F-4E7A-AE52-E3012E96CC71}" type="datetimeFigureOut">
               <a:rPr lang="ko-KR" altLang="en-US" smtClean="0"/>
-              <a:t>2021-08-20</a:t>
+              <a:t>2021-08-24</a:t>
             </a:fld>
             <a:endParaRPr lang="ko-KR" altLang="en-US"/>
           </a:p>
@@ -671,7 +676,7 @@
           <a:p>
             <a:fld id="{E7B65EDB-652F-4E7A-AE52-E3012E96CC71}" type="datetimeFigureOut">
               <a:rPr lang="ko-KR" altLang="en-US" smtClean="0"/>
-              <a:t>2021-08-20</a:t>
+              <a:t>2021-08-24</a:t>
             </a:fld>
             <a:endParaRPr lang="ko-KR" altLang="en-US"/>
           </a:p>
@@ -869,7 +874,7 @@
           <a:p>
             <a:fld id="{E7B65EDB-652F-4E7A-AE52-E3012E96CC71}" type="datetimeFigureOut">
               <a:rPr lang="ko-KR" altLang="en-US" smtClean="0"/>
-              <a:t>2021-08-20</a:t>
+              <a:t>2021-08-24</a:t>
             </a:fld>
             <a:endParaRPr lang="ko-KR" altLang="en-US"/>
           </a:p>
@@ -1144,7 +1149,7 @@
           <a:p>
             <a:fld id="{E7B65EDB-652F-4E7A-AE52-E3012E96CC71}" type="datetimeFigureOut">
               <a:rPr lang="ko-KR" altLang="en-US" smtClean="0"/>
-              <a:t>2021-08-20</a:t>
+              <a:t>2021-08-24</a:t>
             </a:fld>
             <a:endParaRPr lang="ko-KR" altLang="en-US"/>
           </a:p>
@@ -1409,7 +1414,7 @@
           <a:p>
             <a:fld id="{E7B65EDB-652F-4E7A-AE52-E3012E96CC71}" type="datetimeFigureOut">
               <a:rPr lang="ko-KR" altLang="en-US" smtClean="0"/>
-              <a:t>2021-08-20</a:t>
+              <a:t>2021-08-24</a:t>
             </a:fld>
             <a:endParaRPr lang="ko-KR" altLang="en-US"/>
           </a:p>
@@ -1821,7 +1826,7 @@
           <a:p>
             <a:fld id="{E7B65EDB-652F-4E7A-AE52-E3012E96CC71}" type="datetimeFigureOut">
               <a:rPr lang="ko-KR" altLang="en-US" smtClean="0"/>
-              <a:t>2021-08-20</a:t>
+              <a:t>2021-08-24</a:t>
             </a:fld>
             <a:endParaRPr lang="ko-KR" altLang="en-US"/>
           </a:p>
@@ -1962,7 +1967,7 @@
           <a:p>
             <a:fld id="{E7B65EDB-652F-4E7A-AE52-E3012E96CC71}" type="datetimeFigureOut">
               <a:rPr lang="ko-KR" altLang="en-US" smtClean="0"/>
-              <a:t>2021-08-20</a:t>
+              <a:t>2021-08-24</a:t>
             </a:fld>
             <a:endParaRPr lang="ko-KR" altLang="en-US"/>
           </a:p>
@@ -2075,7 +2080,7 @@
           <a:p>
             <a:fld id="{E7B65EDB-652F-4E7A-AE52-E3012E96CC71}" type="datetimeFigureOut">
               <a:rPr lang="ko-KR" altLang="en-US" smtClean="0"/>
-              <a:t>2021-08-20</a:t>
+              <a:t>2021-08-24</a:t>
             </a:fld>
             <a:endParaRPr lang="ko-KR" altLang="en-US"/>
           </a:p>
@@ -2386,7 +2391,7 @@
           <a:p>
             <a:fld id="{E7B65EDB-652F-4E7A-AE52-E3012E96CC71}" type="datetimeFigureOut">
               <a:rPr lang="ko-KR" altLang="en-US" smtClean="0"/>
-              <a:t>2021-08-20</a:t>
+              <a:t>2021-08-24</a:t>
             </a:fld>
             <a:endParaRPr lang="ko-KR" altLang="en-US"/>
           </a:p>
@@ -2674,7 +2679,7 @@
           <a:p>
             <a:fld id="{E7B65EDB-652F-4E7A-AE52-E3012E96CC71}" type="datetimeFigureOut">
               <a:rPr lang="ko-KR" altLang="en-US" smtClean="0"/>
-              <a:t>2021-08-20</a:t>
+              <a:t>2021-08-24</a:t>
             </a:fld>
             <a:endParaRPr lang="ko-KR" altLang="en-US"/>
           </a:p>
@@ -2915,7 +2920,7 @@
           <a:p>
             <a:fld id="{E7B65EDB-652F-4E7A-AE52-E3012E96CC71}" type="datetimeFigureOut">
               <a:rPr lang="ko-KR" altLang="en-US" smtClean="0"/>
-              <a:t>2021-08-20</a:t>
+              <a:t>2021-08-24</a:t>
             </a:fld>
             <a:endParaRPr lang="ko-KR" altLang="en-US"/>
           </a:p>
@@ -4762,6 +4767,657 @@
 </p:sld>
 </file>
 
+<file path=ppt/slides/slide10.xml><?xml version="1.0" encoding="utf-8"?>
+<p:sld xmlns:a="http://schemas.openxmlformats.org/drawingml/2006/main" xmlns:r="http://schemas.openxmlformats.org/officeDocument/2006/relationships" xmlns:p="http://schemas.openxmlformats.org/presentationml/2006/main">
+  <p:cSld>
+    <p:spTree>
+      <p:nvGrpSpPr>
+        <p:cNvPr id="1" name=""/>
+        <p:cNvGrpSpPr/>
+        <p:nvPr/>
+      </p:nvGrpSpPr>
+      <p:grpSpPr>
+        <a:xfrm>
+          <a:off x="0" y="0"/>
+          <a:ext cx="0" cy="0"/>
+          <a:chOff x="0" y="0"/>
+          <a:chExt cx="0" cy="0"/>
+        </a:xfrm>
+      </p:grpSpPr>
+      <p:pic>
+        <p:nvPicPr>
+          <p:cNvPr id="5" name="그림 4" descr="텍스트이(가) 표시된 사진&#10;&#10;자동 생성된 설명">
+            <a:extLst>
+              <a:ext uri="{FF2B5EF4-FFF2-40B4-BE49-F238E27FC236}">
+                <a16:creationId xmlns:a16="http://schemas.microsoft.com/office/drawing/2014/main" id="{2CBA8066-4E1F-4755-BE8A-82348FB45F0F}"/>
+              </a:ext>
+            </a:extLst>
+          </p:cNvPr>
+          <p:cNvPicPr>
+            <a:picLocks noChangeAspect="1"/>
+          </p:cNvPicPr>
+          <p:nvPr/>
+        </p:nvPicPr>
+        <p:blipFill>
+          <a:blip r:embed="rId2"/>
+          <a:stretch>
+            <a:fillRect/>
+          </a:stretch>
+        </p:blipFill>
+        <p:spPr>
+          <a:xfrm>
+            <a:off x="709284" y="3747052"/>
+            <a:ext cx="5810250" cy="2124075"/>
+          </a:xfrm>
+          <a:prstGeom prst="rect">
+            <a:avLst/>
+          </a:prstGeom>
+        </p:spPr>
+      </p:pic>
+      <p:pic>
+        <p:nvPicPr>
+          <p:cNvPr id="6" name="그림 5" descr="텍스트이(가) 표시된 사진&#10;&#10;자동 생성된 설명">
+            <a:extLst>
+              <a:ext uri="{FF2B5EF4-FFF2-40B4-BE49-F238E27FC236}">
+                <a16:creationId xmlns:a16="http://schemas.microsoft.com/office/drawing/2014/main" id="{619BBC28-D851-4F92-ACEF-AE3F607C8182}"/>
+              </a:ext>
+            </a:extLst>
+          </p:cNvPr>
+          <p:cNvPicPr>
+            <a:picLocks noChangeAspect="1"/>
+          </p:cNvPicPr>
+          <p:nvPr/>
+        </p:nvPicPr>
+        <p:blipFill>
+          <a:blip r:embed="rId3"/>
+          <a:stretch>
+            <a:fillRect/>
+          </a:stretch>
+        </p:blipFill>
+        <p:spPr>
+          <a:xfrm>
+            <a:off x="598783" y="2309979"/>
+            <a:ext cx="7062788" cy="1282847"/>
+          </a:xfrm>
+          <a:prstGeom prst="rect">
+            <a:avLst/>
+          </a:prstGeom>
+        </p:spPr>
+      </p:pic>
+      <p:sp>
+        <p:nvSpPr>
+          <p:cNvPr id="7" name="TextBox 6">
+            <a:extLst>
+              <a:ext uri="{FF2B5EF4-FFF2-40B4-BE49-F238E27FC236}">
+                <a16:creationId xmlns:a16="http://schemas.microsoft.com/office/drawing/2014/main" id="{01A9E543-DABC-41BC-A334-8C0788E5A1B4}"/>
+              </a:ext>
+            </a:extLst>
+          </p:cNvPr>
+          <p:cNvSpPr txBox="1"/>
+          <p:nvPr/>
+        </p:nvSpPr>
+        <p:spPr>
+          <a:xfrm>
+            <a:off x="7930049" y="3841330"/>
+            <a:ext cx="2838450" cy="646331"/>
+          </a:xfrm>
+          <a:prstGeom prst="rect">
+            <a:avLst/>
+          </a:prstGeom>
+          <a:noFill/>
+        </p:spPr>
+        <p:txBody>
+          <a:bodyPr wrap="square" rtlCol="0">
+            <a:spAutoFit/>
+          </a:bodyPr>
+          <a:lstStyle/>
+          <a:p>
+            <a:r>
+              <a:rPr lang="en-US" altLang="ko-KR" dirty="0"/>
+              <a:t>640 x 640</a:t>
+            </a:r>
+            <a:r>
+              <a:rPr lang="ko-KR" altLang="en-US" dirty="0"/>
+              <a:t>당 평균 몇 개의 </a:t>
+            </a:r>
+            <a:r>
+              <a:rPr lang="en-US" altLang="ko-KR" dirty="0"/>
+              <a:t>Mitotic cell </a:t>
+            </a:r>
+            <a:r>
+              <a:rPr lang="ko-KR" altLang="en-US" dirty="0"/>
+              <a:t>이 있는가</a:t>
+            </a:r>
+          </a:p>
+        </p:txBody>
+      </p:sp>
+      <p:sp>
+        <p:nvSpPr>
+          <p:cNvPr id="8" name="TextBox 7">
+            <a:extLst>
+              <a:ext uri="{FF2B5EF4-FFF2-40B4-BE49-F238E27FC236}">
+                <a16:creationId xmlns:a16="http://schemas.microsoft.com/office/drawing/2014/main" id="{6F436CDC-80A1-4A39-BA59-E91EF2702634}"/>
+              </a:ext>
+            </a:extLst>
+          </p:cNvPr>
+          <p:cNvSpPr txBox="1"/>
+          <p:nvPr/>
+        </p:nvSpPr>
+        <p:spPr>
+          <a:xfrm>
+            <a:off x="815788" y="580508"/>
+            <a:ext cx="7915835" cy="369332"/>
+          </a:xfrm>
+          <a:prstGeom prst="rect">
+            <a:avLst/>
+          </a:prstGeom>
+          <a:noFill/>
+        </p:spPr>
+        <p:txBody>
+          <a:bodyPr wrap="square">
+            <a:spAutoFit/>
+          </a:bodyPr>
+          <a:lstStyle/>
+          <a:p>
+            <a:r>
+              <a:rPr lang="ko-KR" altLang="en-US" b="1" dirty="0"/>
+              <a:t>현재 데이터에서 </a:t>
+            </a:r>
+            <a:r>
+              <a:rPr lang="en-US" altLang="ko-KR" b="1" dirty="0"/>
+              <a:t>MC(Mitotic</a:t>
+            </a:r>
+            <a:r>
+              <a:rPr lang="ko-KR" altLang="en-US" b="1" dirty="0"/>
+              <a:t> </a:t>
+            </a:r>
+            <a:r>
+              <a:rPr lang="en-US" altLang="ko-KR" b="1" dirty="0"/>
+              <a:t>count)</a:t>
+            </a:r>
+            <a:r>
+              <a:rPr lang="ko-KR" altLang="en-US" b="1" dirty="0"/>
+              <a:t> 측정</a:t>
+            </a:r>
+            <a:endParaRPr lang="ko-KR" altLang="en-US" dirty="0"/>
+          </a:p>
+        </p:txBody>
+      </p:sp>
+    </p:spTree>
+    <p:extLst>
+      <p:ext uri="{BB962C8B-B14F-4D97-AF65-F5344CB8AC3E}">
+        <p14:creationId xmlns:p14="http://schemas.microsoft.com/office/powerpoint/2010/main" val="4208308462"/>
+      </p:ext>
+    </p:extLst>
+  </p:cSld>
+  <p:clrMapOvr>
+    <a:masterClrMapping/>
+  </p:clrMapOvr>
+</p:sld>
+</file>
+
+<file path=ppt/slides/slide11.xml><?xml version="1.0" encoding="utf-8"?>
+<p:sld xmlns:a="http://schemas.openxmlformats.org/drawingml/2006/main" xmlns:r="http://schemas.openxmlformats.org/officeDocument/2006/relationships" xmlns:p="http://schemas.openxmlformats.org/presentationml/2006/main">
+  <p:cSld>
+    <p:spTree>
+      <p:nvGrpSpPr>
+        <p:cNvPr id="1" name=""/>
+        <p:cNvGrpSpPr/>
+        <p:nvPr/>
+      </p:nvGrpSpPr>
+      <p:grpSpPr>
+        <a:xfrm>
+          <a:off x="0" y="0"/>
+          <a:ext cx="0" cy="0"/>
+          <a:chOff x="0" y="0"/>
+          <a:chExt cx="0" cy="0"/>
+        </a:xfrm>
+      </p:grpSpPr>
+      <p:pic>
+        <p:nvPicPr>
+          <p:cNvPr id="7" name="그림 6">
+            <a:extLst>
+              <a:ext uri="{FF2B5EF4-FFF2-40B4-BE49-F238E27FC236}">
+                <a16:creationId xmlns:a16="http://schemas.microsoft.com/office/drawing/2014/main" id="{52C50A1C-0379-4C9D-86DA-BE5269178CE5}"/>
+              </a:ext>
+            </a:extLst>
+          </p:cNvPr>
+          <p:cNvPicPr>
+            <a:picLocks noChangeAspect="1"/>
+          </p:cNvPicPr>
+          <p:nvPr/>
+        </p:nvPicPr>
+        <p:blipFill>
+          <a:blip r:embed="rId2"/>
+          <a:stretch>
+            <a:fillRect/>
+          </a:stretch>
+        </p:blipFill>
+        <p:spPr>
+          <a:xfrm>
+            <a:off x="815788" y="2163176"/>
+            <a:ext cx="7811060" cy="2531648"/>
+          </a:xfrm>
+          <a:prstGeom prst="rect">
+            <a:avLst/>
+          </a:prstGeom>
+        </p:spPr>
+      </p:pic>
+      <p:sp>
+        <p:nvSpPr>
+          <p:cNvPr id="8" name="TextBox 7">
+            <a:extLst>
+              <a:ext uri="{FF2B5EF4-FFF2-40B4-BE49-F238E27FC236}">
+                <a16:creationId xmlns:a16="http://schemas.microsoft.com/office/drawing/2014/main" id="{517B3557-8AE8-4FA4-82DA-550A87889C3E}"/>
+              </a:ext>
+            </a:extLst>
+          </p:cNvPr>
+          <p:cNvSpPr txBox="1"/>
+          <p:nvPr/>
+        </p:nvSpPr>
+        <p:spPr>
+          <a:xfrm>
+            <a:off x="815788" y="580508"/>
+            <a:ext cx="7915835" cy="646331"/>
+          </a:xfrm>
+          <a:prstGeom prst="rect">
+            <a:avLst/>
+          </a:prstGeom>
+          <a:noFill/>
+        </p:spPr>
+        <p:txBody>
+          <a:bodyPr wrap="square">
+            <a:spAutoFit/>
+          </a:bodyPr>
+          <a:lstStyle/>
+          <a:p>
+            <a:r>
+              <a:rPr lang="ko-KR" altLang="en-US" b="1" dirty="0"/>
+              <a:t>특정 범위에 </a:t>
+            </a:r>
+            <a:r>
+              <a:rPr lang="en-US" altLang="ko-KR" b="1" dirty="0"/>
+              <a:t>Mitotic Cell</a:t>
+            </a:r>
+            <a:r>
+              <a:rPr lang="ko-KR" altLang="en-US" b="1" dirty="0"/>
+              <a:t>이 얼마나 분포되어 있는지도 기수 판별의 주 요소 </a:t>
+            </a:r>
+          </a:p>
+          <a:p>
+            <a:pPr lvl="1"/>
+            <a:r>
+              <a:rPr lang="en-US" altLang="ko-KR" dirty="0"/>
+              <a:t>-&gt;</a:t>
+            </a:r>
+            <a:r>
+              <a:rPr lang="ko-KR" altLang="en-US" dirty="0"/>
+              <a:t> </a:t>
+            </a:r>
+            <a:r>
+              <a:rPr lang="en-US" altLang="ko-KR" dirty="0"/>
+              <a:t>MC</a:t>
+            </a:r>
+            <a:r>
+              <a:rPr lang="ko-KR" altLang="en-US" dirty="0"/>
+              <a:t> 분포 시각화</a:t>
+            </a:r>
+          </a:p>
+        </p:txBody>
+      </p:sp>
+    </p:spTree>
+    <p:extLst>
+      <p:ext uri="{BB962C8B-B14F-4D97-AF65-F5344CB8AC3E}">
+        <p14:creationId xmlns:p14="http://schemas.microsoft.com/office/powerpoint/2010/main" val="2681682413"/>
+      </p:ext>
+    </p:extLst>
+  </p:cSld>
+  <p:clrMapOvr>
+    <a:masterClrMapping/>
+  </p:clrMapOvr>
+</p:sld>
+</file>
+
+<file path=ppt/slides/slide12.xml><?xml version="1.0" encoding="utf-8"?>
+<p:sld xmlns:a="http://schemas.openxmlformats.org/drawingml/2006/main" xmlns:r="http://schemas.openxmlformats.org/officeDocument/2006/relationships" xmlns:p="http://schemas.openxmlformats.org/presentationml/2006/main">
+  <p:cSld>
+    <p:spTree>
+      <p:nvGrpSpPr>
+        <p:cNvPr id="1" name=""/>
+        <p:cNvGrpSpPr/>
+        <p:nvPr/>
+      </p:nvGrpSpPr>
+      <p:grpSpPr>
+        <a:xfrm>
+          <a:off x="0" y="0"/>
+          <a:ext cx="0" cy="0"/>
+          <a:chOff x="0" y="0"/>
+          <a:chExt cx="0" cy="0"/>
+        </a:xfrm>
+      </p:grpSpPr>
+      <p:sp>
+        <p:nvSpPr>
+          <p:cNvPr id="5" name="TextBox 4">
+            <a:extLst>
+              <a:ext uri="{FF2B5EF4-FFF2-40B4-BE49-F238E27FC236}">
+                <a16:creationId xmlns:a16="http://schemas.microsoft.com/office/drawing/2014/main" id="{CF9FE0CA-3DAC-4BFE-9617-75D21A49ADD6}"/>
+              </a:ext>
+            </a:extLst>
+          </p:cNvPr>
+          <p:cNvSpPr txBox="1"/>
+          <p:nvPr/>
+        </p:nvSpPr>
+        <p:spPr>
+          <a:xfrm>
+            <a:off x="546848" y="1119698"/>
+            <a:ext cx="6096000" cy="369332"/>
+          </a:xfrm>
+          <a:prstGeom prst="rect">
+            <a:avLst/>
+          </a:prstGeom>
+          <a:noFill/>
+        </p:spPr>
+        <p:txBody>
+          <a:bodyPr wrap="square">
+            <a:spAutoFit/>
+          </a:bodyPr>
+          <a:lstStyle/>
+          <a:p>
+            <a:r>
+              <a:rPr lang="ko-KR" altLang="en-US" dirty="0"/>
+              <a:t>https://www.nature.com/articles/s41597-019-0290-4</a:t>
+            </a:r>
+          </a:p>
+        </p:txBody>
+      </p:sp>
+      <p:sp>
+        <p:nvSpPr>
+          <p:cNvPr id="6" name="TextBox 5">
+            <a:extLst>
+              <a:ext uri="{FF2B5EF4-FFF2-40B4-BE49-F238E27FC236}">
+                <a16:creationId xmlns:a16="http://schemas.microsoft.com/office/drawing/2014/main" id="{2004FDD7-65CE-40ED-83D9-771F10BCD1A5}"/>
+              </a:ext>
+            </a:extLst>
+          </p:cNvPr>
+          <p:cNvSpPr txBox="1"/>
+          <p:nvPr/>
+        </p:nvSpPr>
+        <p:spPr>
+          <a:xfrm>
+            <a:off x="546848" y="393557"/>
+            <a:ext cx="6096000" cy="523220"/>
+          </a:xfrm>
+          <a:prstGeom prst="rect">
+            <a:avLst/>
+          </a:prstGeom>
+          <a:noFill/>
+        </p:spPr>
+        <p:txBody>
+          <a:bodyPr wrap="square">
+            <a:spAutoFit/>
+          </a:bodyPr>
+          <a:lstStyle/>
+          <a:p>
+            <a:r>
+              <a:rPr lang="ko-KR" altLang="en-US" sz="2800" b="1" dirty="0"/>
+              <a:t>출처</a:t>
+            </a:r>
+          </a:p>
+        </p:txBody>
+      </p:sp>
+      <p:sp>
+        <p:nvSpPr>
+          <p:cNvPr id="7" name="TextBox 6">
+            <a:extLst>
+              <a:ext uri="{FF2B5EF4-FFF2-40B4-BE49-F238E27FC236}">
+                <a16:creationId xmlns:a16="http://schemas.microsoft.com/office/drawing/2014/main" id="{3295E44A-992B-424A-88BF-1B3980E92D60}"/>
+              </a:ext>
+            </a:extLst>
+          </p:cNvPr>
+          <p:cNvSpPr txBox="1"/>
+          <p:nvPr/>
+        </p:nvSpPr>
+        <p:spPr>
+          <a:xfrm>
+            <a:off x="546848" y="1691951"/>
+            <a:ext cx="10201834" cy="369332"/>
+          </a:xfrm>
+          <a:prstGeom prst="rect">
+            <a:avLst/>
+          </a:prstGeom>
+          <a:noFill/>
+        </p:spPr>
+        <p:txBody>
+          <a:bodyPr wrap="square">
+            <a:spAutoFit/>
+          </a:bodyPr>
+          <a:lstStyle/>
+          <a:p>
+            <a:r>
+              <a:rPr lang="ko-KR" altLang="en-US" dirty="0">
+                <a:hlinkClick r:id="rId2"/>
+              </a:rPr>
+              <a:t>https://www.kaggle.com/marcaubreville/first-steps-with-the-mitos-wsi-ccmct-data-set</a:t>
+            </a:r>
+            <a:endParaRPr lang="ko-KR" altLang="en-US" dirty="0"/>
+          </a:p>
+        </p:txBody>
+      </p:sp>
+      <p:sp>
+        <p:nvSpPr>
+          <p:cNvPr id="8" name="TextBox 7">
+            <a:extLst>
+              <a:ext uri="{FF2B5EF4-FFF2-40B4-BE49-F238E27FC236}">
+                <a16:creationId xmlns:a16="http://schemas.microsoft.com/office/drawing/2014/main" id="{7505E8EE-727E-4274-A799-DD8DAF408453}"/>
+              </a:ext>
+            </a:extLst>
+          </p:cNvPr>
+          <p:cNvSpPr txBox="1"/>
+          <p:nvPr/>
+        </p:nvSpPr>
+        <p:spPr>
+          <a:xfrm>
+            <a:off x="546848" y="3149967"/>
+            <a:ext cx="10554259" cy="338554"/>
+          </a:xfrm>
+          <a:prstGeom prst="rect">
+            <a:avLst/>
+          </a:prstGeom>
+          <a:noFill/>
+        </p:spPr>
+        <p:txBody>
+          <a:bodyPr wrap="square">
+            <a:spAutoFit/>
+          </a:bodyPr>
+          <a:lstStyle/>
+          <a:p>
+            <a:r>
+              <a:rPr lang="en-US" altLang="ko-KR" sz="1600" b="0" i="0" dirty="0">
+                <a:solidFill>
+                  <a:schemeClr val="tx1">
+                    <a:lumMod val="50000"/>
+                    <a:lumOff val="50000"/>
+                  </a:schemeClr>
+                </a:solidFill>
+                <a:effectLst/>
+                <a:latin typeface="Roboto" panose="020B0604020202020204" pitchFamily="2" charset="0"/>
+              </a:rPr>
+              <a:t>Histopathology and prognostic panels to aid in the diagnosis and management</a:t>
+            </a:r>
+            <a:endParaRPr lang="ko-KR" altLang="en-US" sz="1600" dirty="0">
+              <a:solidFill>
+                <a:schemeClr val="tx1">
+                  <a:lumMod val="50000"/>
+                  <a:lumOff val="50000"/>
+                </a:schemeClr>
+              </a:solidFill>
+            </a:endParaRPr>
+          </a:p>
+        </p:txBody>
+      </p:sp>
+      <p:sp>
+        <p:nvSpPr>
+          <p:cNvPr id="10" name="TextBox 9">
+            <a:extLst>
+              <a:ext uri="{FF2B5EF4-FFF2-40B4-BE49-F238E27FC236}">
+                <a16:creationId xmlns:a16="http://schemas.microsoft.com/office/drawing/2014/main" id="{A838AAED-99C7-4BDB-8F69-4AE0D505DE9F}"/>
+              </a:ext>
+            </a:extLst>
+          </p:cNvPr>
+          <p:cNvSpPr txBox="1"/>
+          <p:nvPr/>
+        </p:nvSpPr>
+        <p:spPr>
+          <a:xfrm>
+            <a:off x="546848" y="3663531"/>
+            <a:ext cx="8534399" cy="646331"/>
+          </a:xfrm>
+          <a:prstGeom prst="rect">
+            <a:avLst/>
+          </a:prstGeom>
+          <a:noFill/>
+        </p:spPr>
+        <p:txBody>
+          <a:bodyPr wrap="square">
+            <a:spAutoFit/>
+          </a:bodyPr>
+          <a:lstStyle/>
+          <a:p>
+            <a:r>
+              <a:rPr lang="en-US" altLang="ko-KR" dirty="0">
+                <a:solidFill>
+                  <a:schemeClr val="tx1">
+                    <a:lumMod val="50000"/>
+                    <a:lumOff val="50000"/>
+                  </a:schemeClr>
+                </a:solidFill>
+              </a:rPr>
+              <a:t>Computerized Calculation of Mitotic Count Distribution in Canine Cutaneous Mast Cell Tumor Sections: Mitotic Count Is Area Dependent</a:t>
+            </a:r>
+            <a:endParaRPr lang="ko-KR" altLang="en-US" dirty="0">
+              <a:solidFill>
+                <a:schemeClr val="tx1">
+                  <a:lumMod val="50000"/>
+                  <a:lumOff val="50000"/>
+                </a:schemeClr>
+              </a:solidFill>
+            </a:endParaRPr>
+          </a:p>
+        </p:txBody>
+      </p:sp>
+      <p:sp>
+        <p:nvSpPr>
+          <p:cNvPr id="11" name="TextBox 10">
+            <a:extLst>
+              <a:ext uri="{FF2B5EF4-FFF2-40B4-BE49-F238E27FC236}">
+                <a16:creationId xmlns:a16="http://schemas.microsoft.com/office/drawing/2014/main" id="{2B50A4C7-A6EF-4ADF-A02C-827774D8EF9F}"/>
+              </a:ext>
+            </a:extLst>
+          </p:cNvPr>
+          <p:cNvSpPr txBox="1"/>
+          <p:nvPr/>
+        </p:nvSpPr>
+        <p:spPr>
+          <a:xfrm>
+            <a:off x="546848" y="2574847"/>
+            <a:ext cx="6096000" cy="400110"/>
+          </a:xfrm>
+          <a:prstGeom prst="rect">
+            <a:avLst/>
+          </a:prstGeom>
+          <a:noFill/>
+        </p:spPr>
+        <p:txBody>
+          <a:bodyPr wrap="square">
+            <a:spAutoFit/>
+          </a:bodyPr>
+          <a:lstStyle/>
+          <a:p>
+            <a:r>
+              <a:rPr lang="ko-KR" altLang="en-US" sz="2000" b="1"/>
+              <a:t>논문</a:t>
+            </a:r>
+            <a:endParaRPr lang="ko-KR" altLang="en-US" sz="2000" b="1" dirty="0"/>
+          </a:p>
+        </p:txBody>
+      </p:sp>
+      <p:graphicFrame>
+        <p:nvGraphicFramePr>
+          <p:cNvPr id="13" name="개체 12">
+            <a:hlinkClick r:id="" action="ppaction://ole?verb=0"/>
+            <a:extLst>
+              <a:ext uri="{FF2B5EF4-FFF2-40B4-BE49-F238E27FC236}">
+                <a16:creationId xmlns:a16="http://schemas.microsoft.com/office/drawing/2014/main" id="{5C9536E6-009E-482D-AEE2-73041754395F}"/>
+              </a:ext>
+            </a:extLst>
+          </p:cNvPr>
+          <p:cNvGraphicFramePr>
+            <a:graphicFrameLocks noChangeAspect="1"/>
+          </p:cNvGraphicFramePr>
+          <p:nvPr>
+            <p:extLst>
+              <p:ext uri="{D42A27DB-BD31-4B8C-83A1-F6EECF244321}">
+                <p14:modId xmlns:p14="http://schemas.microsoft.com/office/powerpoint/2010/main" val="4292594884"/>
+              </p:ext>
+            </p:extLst>
+          </p:nvPr>
+        </p:nvGraphicFramePr>
+        <p:xfrm>
+          <a:off x="7928723" y="2667180"/>
+          <a:ext cx="1541869" cy="821341"/>
+        </p:xfrm>
+        <a:graphic>
+          <a:graphicData uri="http://schemas.openxmlformats.org/presentationml/2006/ole">
+            <mc:AlternateContent xmlns:mc="http://schemas.openxmlformats.org/markup-compatibility/2006">
+              <mc:Choice xmlns:v="urn:schemas-microsoft-com:vml" Requires="v">
+                <p:oleObj name="포장기 셸 개체" showAsIcon="1" r:id="rId3" imgW="825480" imgH="439560" progId="Package">
+                  <p:embed/>
+                </p:oleObj>
+              </mc:Choice>
+              <mc:Fallback>
+                <p:oleObj name="포장기 셸 개체" showAsIcon="1" r:id="rId3" imgW="825480" imgH="439560" progId="Package">
+                  <p:embed/>
+                  <p:pic>
+                    <p:nvPicPr>
+                      <p:cNvPr id="0" name=""/>
+                      <p:cNvPicPr/>
+                      <p:nvPr/>
+                    </p:nvPicPr>
+                    <p:blipFill>
+                      <a:blip r:embed="rId4"/>
+                      <a:stretch>
+                        <a:fillRect/>
+                      </a:stretch>
+                    </p:blipFill>
+                    <p:spPr>
+                      <a:xfrm>
+                        <a:off x="7928723" y="2667180"/>
+                        <a:ext cx="1541869" cy="821341"/>
+                      </a:xfrm>
+                      <a:prstGeom prst="rect">
+                        <a:avLst/>
+                      </a:prstGeom>
+                    </p:spPr>
+                  </p:pic>
+                </p:oleObj>
+              </mc:Fallback>
+            </mc:AlternateContent>
+          </a:graphicData>
+        </a:graphic>
+      </p:graphicFrame>
+    </p:spTree>
+    <p:extLst>
+      <p:ext uri="{BB962C8B-B14F-4D97-AF65-F5344CB8AC3E}">
+        <p14:creationId xmlns:p14="http://schemas.microsoft.com/office/powerpoint/2010/main" val="554509317"/>
+      </p:ext>
+    </p:extLst>
+  </p:cSld>
+  <p:clrMapOvr>
+    <a:masterClrMapping/>
+  </p:clrMapOvr>
+</p:sld>
+</file>
+
 <file path=ppt/slides/slide2.xml><?xml version="1.0" encoding="utf-8"?>
 <p:sld xmlns:a="http://schemas.openxmlformats.org/drawingml/2006/main" xmlns:r="http://schemas.openxmlformats.org/officeDocument/2006/relationships" xmlns:p="http://schemas.openxmlformats.org/presentationml/2006/main">
   <p:cSld>
@@ -5272,7 +5928,7 @@
                     <a:p>
                       <a:pPr algn="ctr" fontAlgn="ctr"/>
                       <a:r>
-                        <a:rPr lang="en-US" altLang="ko-KR" sz="1400" b="0" i="0" u="none" strike="noStrike">
+                        <a:rPr lang="en-US" altLang="ko-KR" sz="1400" b="0" i="0" u="none" strike="noStrike" dirty="0">
                           <a:solidFill>
                             <a:srgbClr val="000000"/>
                           </a:solidFill>
@@ -8546,7 +9202,7 @@
         <p:spPr>
           <a:xfrm>
             <a:off x="4519720" y="1234440"/>
-            <a:ext cx="1971675" cy="2479040"/>
+            <a:ext cx="2517574" cy="2479040"/>
           </a:xfrm>
           <a:prstGeom prst="rect">
             <a:avLst/>
@@ -8588,6 +9244,306 @@
           <p:cNvPr id="3" name="그림 2">
             <a:extLst>
               <a:ext uri="{FF2B5EF4-FFF2-40B4-BE49-F238E27FC236}">
+                <a16:creationId xmlns:a16="http://schemas.microsoft.com/office/drawing/2014/main" id="{58FAC1BB-57D1-40D1-AF10-C68AD013AF20}"/>
+              </a:ext>
+            </a:extLst>
+          </p:cNvPr>
+          <p:cNvPicPr>
+            <a:picLocks noChangeAspect="1"/>
+          </p:cNvPicPr>
+          <p:nvPr/>
+        </p:nvPicPr>
+        <p:blipFill>
+          <a:blip r:embed="rId2"/>
+          <a:stretch>
+            <a:fillRect/>
+          </a:stretch>
+        </p:blipFill>
+        <p:spPr>
+          <a:xfrm>
+            <a:off x="852487" y="713534"/>
+            <a:ext cx="8353425" cy="1743075"/>
+          </a:xfrm>
+          <a:prstGeom prst="rect">
+            <a:avLst/>
+          </a:prstGeom>
+        </p:spPr>
+      </p:pic>
+      <p:sp>
+        <p:nvSpPr>
+          <p:cNvPr id="4" name="TextBox 3">
+            <a:extLst>
+              <a:ext uri="{FF2B5EF4-FFF2-40B4-BE49-F238E27FC236}">
+                <a16:creationId xmlns:a16="http://schemas.microsoft.com/office/drawing/2014/main" id="{04826813-8F9A-4E92-9DDA-EE4230BA7D22}"/>
+              </a:ext>
+            </a:extLst>
+          </p:cNvPr>
+          <p:cNvSpPr txBox="1"/>
+          <p:nvPr/>
+        </p:nvSpPr>
+        <p:spPr>
+          <a:xfrm>
+            <a:off x="842962" y="528868"/>
+            <a:ext cx="6027419" cy="369332"/>
+          </a:xfrm>
+          <a:prstGeom prst="rect">
+            <a:avLst/>
+          </a:prstGeom>
+          <a:noFill/>
+        </p:spPr>
+        <p:txBody>
+          <a:bodyPr wrap="square" rtlCol="0">
+            <a:spAutoFit/>
+          </a:bodyPr>
+          <a:lstStyle/>
+          <a:p>
+            <a:r>
+              <a:rPr lang="ko-KR" altLang="en-US" dirty="0"/>
+              <a:t>데이터셋 생성 과정 </a:t>
+            </a:r>
+            <a:r>
+              <a:rPr lang="en-US" altLang="ko-KR" dirty="0"/>
+              <a:t>(MEL)</a:t>
+            </a:r>
+            <a:endParaRPr lang="ko-KR" altLang="en-US" dirty="0"/>
+          </a:p>
+        </p:txBody>
+      </p:sp>
+      <p:pic>
+        <p:nvPicPr>
+          <p:cNvPr id="8" name="그림 7" descr="텍스트, 스크린샷이(가) 표시된 사진&#10;&#10;자동 생성된 설명">
+            <a:extLst>
+              <a:ext uri="{FF2B5EF4-FFF2-40B4-BE49-F238E27FC236}">
+                <a16:creationId xmlns:a16="http://schemas.microsoft.com/office/drawing/2014/main" id="{66962B84-9702-4315-A13F-719AD349F6D1}"/>
+              </a:ext>
+            </a:extLst>
+          </p:cNvPr>
+          <p:cNvPicPr>
+            <a:picLocks noChangeAspect="1"/>
+          </p:cNvPicPr>
+          <p:nvPr/>
+        </p:nvPicPr>
+        <p:blipFill>
+          <a:blip r:embed="rId3"/>
+          <a:stretch>
+            <a:fillRect/>
+          </a:stretch>
+        </p:blipFill>
+        <p:spPr>
+          <a:xfrm>
+            <a:off x="852487" y="2641275"/>
+            <a:ext cx="8201025" cy="3495675"/>
+          </a:xfrm>
+          <a:prstGeom prst="rect">
+            <a:avLst/>
+          </a:prstGeom>
+        </p:spPr>
+      </p:pic>
+    </p:spTree>
+    <p:extLst>
+      <p:ext uri="{BB962C8B-B14F-4D97-AF65-F5344CB8AC3E}">
+        <p14:creationId xmlns:p14="http://schemas.microsoft.com/office/powerpoint/2010/main" val="3969011409"/>
+      </p:ext>
+    </p:extLst>
+  </p:cSld>
+  <p:clrMapOvr>
+    <a:masterClrMapping/>
+  </p:clrMapOvr>
+</p:sld>
+</file>
+
+<file path=ppt/slides/slide5.xml><?xml version="1.0" encoding="utf-8"?>
+<p:sld xmlns:a="http://schemas.openxmlformats.org/drawingml/2006/main" xmlns:r="http://schemas.openxmlformats.org/officeDocument/2006/relationships" xmlns:p="http://schemas.openxmlformats.org/presentationml/2006/main">
+  <p:cSld>
+    <p:spTree>
+      <p:nvGrpSpPr>
+        <p:cNvPr id="1" name=""/>
+        <p:cNvGrpSpPr/>
+        <p:nvPr/>
+      </p:nvGrpSpPr>
+      <p:grpSpPr>
+        <a:xfrm>
+          <a:off x="0" y="0"/>
+          <a:ext cx="0" cy="0"/>
+          <a:chOff x="0" y="0"/>
+          <a:chExt cx="0" cy="0"/>
+        </a:xfrm>
+      </p:grpSpPr>
+      <p:pic>
+        <p:nvPicPr>
+          <p:cNvPr id="5" name="그림 4">
+            <a:extLst>
+              <a:ext uri="{FF2B5EF4-FFF2-40B4-BE49-F238E27FC236}">
+                <a16:creationId xmlns:a16="http://schemas.microsoft.com/office/drawing/2014/main" id="{2350F916-9018-4944-9954-1F6D9C3F168A}"/>
+              </a:ext>
+            </a:extLst>
+          </p:cNvPr>
+          <p:cNvPicPr>
+            <a:picLocks noChangeAspect="1"/>
+          </p:cNvPicPr>
+          <p:nvPr/>
+        </p:nvPicPr>
+        <p:blipFill>
+          <a:blip r:embed="rId2"/>
+          <a:stretch>
+            <a:fillRect/>
+          </a:stretch>
+        </p:blipFill>
+        <p:spPr>
+          <a:xfrm>
+            <a:off x="804862" y="1007507"/>
+            <a:ext cx="8343900" cy="2066925"/>
+          </a:xfrm>
+          <a:prstGeom prst="rect">
+            <a:avLst/>
+          </a:prstGeom>
+        </p:spPr>
+      </p:pic>
+      <p:sp>
+        <p:nvSpPr>
+          <p:cNvPr id="6" name="TextBox 5">
+            <a:extLst>
+              <a:ext uri="{FF2B5EF4-FFF2-40B4-BE49-F238E27FC236}">
+                <a16:creationId xmlns:a16="http://schemas.microsoft.com/office/drawing/2014/main" id="{2AEF1D8F-7A8A-4DB6-91DB-5EE821587054}"/>
+              </a:ext>
+            </a:extLst>
+          </p:cNvPr>
+          <p:cNvSpPr txBox="1"/>
+          <p:nvPr/>
+        </p:nvSpPr>
+        <p:spPr>
+          <a:xfrm>
+            <a:off x="857250" y="638175"/>
+            <a:ext cx="5379719" cy="369332"/>
+          </a:xfrm>
+          <a:prstGeom prst="rect">
+            <a:avLst/>
+          </a:prstGeom>
+          <a:noFill/>
+        </p:spPr>
+        <p:txBody>
+          <a:bodyPr wrap="square" rtlCol="0">
+            <a:spAutoFit/>
+          </a:bodyPr>
+          <a:lstStyle/>
+          <a:p>
+            <a:r>
+              <a:rPr lang="ko-KR" altLang="en-US" dirty="0"/>
+              <a:t>모호 클래스 데이터셋 결정 과정</a:t>
+            </a:r>
+            <a:r>
+              <a:rPr lang="en-US" altLang="ko-KR" dirty="0"/>
+              <a:t>(HEAL)</a:t>
+            </a:r>
+            <a:endParaRPr lang="ko-KR" altLang="en-US" dirty="0"/>
+          </a:p>
+        </p:txBody>
+      </p:sp>
+      <p:pic>
+        <p:nvPicPr>
+          <p:cNvPr id="3" name="그림 2">
+            <a:extLst>
+              <a:ext uri="{FF2B5EF4-FFF2-40B4-BE49-F238E27FC236}">
+                <a16:creationId xmlns:a16="http://schemas.microsoft.com/office/drawing/2014/main" id="{DE7F68BC-434C-4422-828A-631B796B85AB}"/>
+              </a:ext>
+            </a:extLst>
+          </p:cNvPr>
+          <p:cNvPicPr>
+            <a:picLocks noChangeAspect="1"/>
+          </p:cNvPicPr>
+          <p:nvPr/>
+        </p:nvPicPr>
+        <p:blipFill>
+          <a:blip r:embed="rId3"/>
+          <a:stretch>
+            <a:fillRect/>
+          </a:stretch>
+        </p:blipFill>
+        <p:spPr>
+          <a:xfrm>
+            <a:off x="804862" y="3580180"/>
+            <a:ext cx="8448675" cy="2952750"/>
+          </a:xfrm>
+          <a:prstGeom prst="rect">
+            <a:avLst/>
+          </a:prstGeom>
+        </p:spPr>
+      </p:pic>
+      <p:sp>
+        <p:nvSpPr>
+          <p:cNvPr id="7" name="TextBox 6">
+            <a:extLst>
+              <a:ext uri="{FF2B5EF4-FFF2-40B4-BE49-F238E27FC236}">
+                <a16:creationId xmlns:a16="http://schemas.microsoft.com/office/drawing/2014/main" id="{44243207-87FC-42A1-924C-AFD807A53D64}"/>
+              </a:ext>
+            </a:extLst>
+          </p:cNvPr>
+          <p:cNvSpPr txBox="1"/>
+          <p:nvPr/>
+        </p:nvSpPr>
+        <p:spPr>
+          <a:xfrm>
+            <a:off x="857250" y="3277820"/>
+            <a:ext cx="6699997" cy="369332"/>
+          </a:xfrm>
+          <a:prstGeom prst="rect">
+            <a:avLst/>
+          </a:prstGeom>
+          <a:noFill/>
+        </p:spPr>
+        <p:txBody>
+          <a:bodyPr wrap="square" rtlCol="0">
+            <a:spAutoFit/>
+          </a:bodyPr>
+          <a:lstStyle/>
+          <a:p>
+            <a:r>
+              <a:rPr lang="ko-KR" altLang="en-US" dirty="0"/>
+              <a:t>잠재적 유사분열 클래스 데이터셋 결정 과정</a:t>
+            </a:r>
+            <a:r>
+              <a:rPr lang="en-US" altLang="ko-KR" dirty="0"/>
+              <a:t>(ODEAL)</a:t>
+            </a:r>
+            <a:endParaRPr lang="ko-KR" altLang="en-US" dirty="0"/>
+          </a:p>
+        </p:txBody>
+      </p:sp>
+    </p:spTree>
+    <p:extLst>
+      <p:ext uri="{BB962C8B-B14F-4D97-AF65-F5344CB8AC3E}">
+        <p14:creationId xmlns:p14="http://schemas.microsoft.com/office/powerpoint/2010/main" val="2978650128"/>
+      </p:ext>
+    </p:extLst>
+  </p:cSld>
+  <p:clrMapOvr>
+    <a:masterClrMapping/>
+  </p:clrMapOvr>
+</p:sld>
+</file>
+
+<file path=ppt/slides/slide6.xml><?xml version="1.0" encoding="utf-8"?>
+<p:sld xmlns:a="http://schemas.openxmlformats.org/drawingml/2006/main" xmlns:r="http://schemas.openxmlformats.org/officeDocument/2006/relationships" xmlns:p="http://schemas.openxmlformats.org/presentationml/2006/main">
+  <p:cSld>
+    <p:spTree>
+      <p:nvGrpSpPr>
+        <p:cNvPr id="1" name=""/>
+        <p:cNvGrpSpPr/>
+        <p:nvPr/>
+      </p:nvGrpSpPr>
+      <p:grpSpPr>
+        <a:xfrm>
+          <a:off x="0" y="0"/>
+          <a:ext cx="0" cy="0"/>
+          <a:chOff x="0" y="0"/>
+          <a:chExt cx="0" cy="0"/>
+        </a:xfrm>
+      </p:grpSpPr>
+      <p:pic>
+        <p:nvPicPr>
+          <p:cNvPr id="3" name="그림 2">
+            <a:extLst>
+              <a:ext uri="{FF2B5EF4-FFF2-40B4-BE49-F238E27FC236}">
                 <a16:creationId xmlns:a16="http://schemas.microsoft.com/office/drawing/2014/main" id="{9EAB3580-8171-4281-A46C-2DB20499C82A}"/>
               </a:ext>
             </a:extLst>
@@ -8643,44 +9599,6 @@
           </a:prstGeom>
         </p:spPr>
       </p:pic>
-      <p:sp>
-        <p:nvSpPr>
-          <p:cNvPr id="9" name="TextBox 8">
-            <a:extLst>
-              <a:ext uri="{FF2B5EF4-FFF2-40B4-BE49-F238E27FC236}">
-                <a16:creationId xmlns:a16="http://schemas.microsoft.com/office/drawing/2014/main" id="{288C552A-F68B-4453-8DFF-D7516A81FAAF}"/>
-              </a:ext>
-            </a:extLst>
-          </p:cNvPr>
-          <p:cNvSpPr txBox="1"/>
-          <p:nvPr/>
-        </p:nvSpPr>
-        <p:spPr>
-          <a:xfrm>
-            <a:off x="292475" y="6279341"/>
-            <a:ext cx="6554322" cy="276999"/>
-          </a:xfrm>
-          <a:prstGeom prst="rect">
-            <a:avLst/>
-          </a:prstGeom>
-          <a:noFill/>
-        </p:spPr>
-        <p:txBody>
-          <a:bodyPr wrap="square">
-            <a:spAutoFit/>
-          </a:bodyPr>
-          <a:lstStyle/>
-          <a:p>
-            <a:r>
-              <a:rPr lang="ko-KR" altLang="en-US" sz="1200" dirty="0">
-                <a:hlinkClick r:id="rId4"/>
-              </a:rPr>
-              <a:t>https://www.kaggle.com/marcaubreville/first-steps-with-the-mitos-wsi-ccmct-data-set</a:t>
-            </a:r>
-            <a:endParaRPr lang="ko-KR" altLang="en-US" sz="1200" dirty="0"/>
-          </a:p>
-        </p:txBody>
-      </p:sp>
       <p:pic>
         <p:nvPicPr>
           <p:cNvPr id="11" name="그림 10">
@@ -8696,7 +9614,7 @@
           <p:nvPr/>
         </p:nvPicPr>
         <p:blipFill>
-          <a:blip r:embed="rId5"/>
+          <a:blip r:embed="rId4"/>
           <a:stretch>
             <a:fillRect/>
           </a:stretch>
@@ -8760,7 +9678,7 @@
 </p:sld>
 </file>
 
-<file path=ppt/slides/slide5.xml><?xml version="1.0" encoding="utf-8"?>
+<file path=ppt/slides/slide7.xml><?xml version="1.0" encoding="utf-8"?>
 <p:sld xmlns:a="http://schemas.openxmlformats.org/drawingml/2006/main" xmlns:r="http://schemas.openxmlformats.org/officeDocument/2006/relationships" xmlns:p="http://schemas.openxmlformats.org/presentationml/2006/main">
   <p:cSld>
     <p:spTree>
@@ -9129,7 +10047,7 @@
 </p:sld>
 </file>
 
-<file path=ppt/slides/slide6.xml><?xml version="1.0" encoding="utf-8"?>
+<file path=ppt/slides/slide8.xml><?xml version="1.0" encoding="utf-8"?>
 <p:sld xmlns:a="http://schemas.openxmlformats.org/drawingml/2006/main" xmlns:r="http://schemas.openxmlformats.org/officeDocument/2006/relationships" xmlns:p="http://schemas.openxmlformats.org/presentationml/2006/main">
   <p:cSld>
     <p:spTree>
@@ -9146,12 +10064,48 @@
           <a:chExt cx="0" cy="0"/>
         </a:xfrm>
       </p:grpSpPr>
+      <p:sp>
+        <p:nvSpPr>
+          <p:cNvPr id="4" name="TextBox 3">
+            <a:extLst>
+              <a:ext uri="{FF2B5EF4-FFF2-40B4-BE49-F238E27FC236}">
+                <a16:creationId xmlns:a16="http://schemas.microsoft.com/office/drawing/2014/main" id="{830DC942-E220-432B-8AF7-AC8818D34143}"/>
+              </a:ext>
+            </a:extLst>
+          </p:cNvPr>
+          <p:cNvSpPr txBox="1"/>
+          <p:nvPr/>
+        </p:nvSpPr>
+        <p:spPr>
+          <a:xfrm>
+            <a:off x="592979" y="361048"/>
+            <a:ext cx="4350871" cy="523220"/>
+          </a:xfrm>
+          <a:prstGeom prst="rect">
+            <a:avLst/>
+          </a:prstGeom>
+          <a:noFill/>
+        </p:spPr>
+        <p:txBody>
+          <a:bodyPr wrap="none" rtlCol="0">
+            <a:spAutoFit/>
+          </a:bodyPr>
+          <a:lstStyle/>
+          <a:p>
+            <a:r>
+              <a:rPr lang="en-US" altLang="ko-KR" sz="2800" b="1" dirty="0"/>
+              <a:t>Imgsz-640 / epochs-100</a:t>
+            </a:r>
+            <a:endParaRPr lang="ko-KR" altLang="en-US" b="1" dirty="0"/>
+          </a:p>
+        </p:txBody>
+      </p:sp>
       <p:pic>
         <p:nvPicPr>
-          <p:cNvPr id="3" name="그림 2">
-            <a:extLst>
-              <a:ext uri="{FF2B5EF4-FFF2-40B4-BE49-F238E27FC236}">
-                <a16:creationId xmlns:a16="http://schemas.microsoft.com/office/drawing/2014/main" id="{58FAC1BB-57D1-40D1-AF10-C68AD013AF20}"/>
+          <p:cNvPr id="6" name="그림 5">
+            <a:extLst>
+              <a:ext uri="{FF2B5EF4-FFF2-40B4-BE49-F238E27FC236}">
+                <a16:creationId xmlns:a16="http://schemas.microsoft.com/office/drawing/2014/main" id="{FB221281-B44E-43A0-964B-D84FBB92E570}"/>
               </a:ext>
             </a:extLst>
           </p:cNvPr>
@@ -9168,55 +10122,20 @@
         </p:blipFill>
         <p:spPr>
           <a:xfrm>
-            <a:off x="852487" y="713534"/>
-            <a:ext cx="8353425" cy="1743075"/>
+            <a:off x="5271247" y="361048"/>
+            <a:ext cx="5525538" cy="4294873"/>
           </a:xfrm>
           <a:prstGeom prst="rect">
             <a:avLst/>
           </a:prstGeom>
         </p:spPr>
       </p:pic>
-      <p:sp>
-        <p:nvSpPr>
-          <p:cNvPr id="4" name="TextBox 3">
-            <a:extLst>
-              <a:ext uri="{FF2B5EF4-FFF2-40B4-BE49-F238E27FC236}">
-                <a16:creationId xmlns:a16="http://schemas.microsoft.com/office/drawing/2014/main" id="{04826813-8F9A-4E92-9DDA-EE4230BA7D22}"/>
-              </a:ext>
-            </a:extLst>
-          </p:cNvPr>
-          <p:cNvSpPr txBox="1"/>
-          <p:nvPr/>
-        </p:nvSpPr>
-        <p:spPr>
-          <a:xfrm>
-            <a:off x="842962" y="528868"/>
-            <a:ext cx="6027419" cy="369332"/>
-          </a:xfrm>
-          <a:prstGeom prst="rect">
-            <a:avLst/>
-          </a:prstGeom>
-          <a:noFill/>
-        </p:spPr>
-        <p:txBody>
-          <a:bodyPr wrap="square" rtlCol="0">
-            <a:spAutoFit/>
-          </a:bodyPr>
-          <a:lstStyle/>
-          <a:p>
-            <a:r>
-              <a:rPr lang="ko-KR" altLang="en-US" dirty="0"/>
-              <a:t>데이터셋 생성 과정</a:t>
-            </a:r>
-          </a:p>
-        </p:txBody>
-      </p:sp>
       <p:pic>
         <p:nvPicPr>
-          <p:cNvPr id="8" name="그림 7" descr="텍스트, 스크린샷이(가) 표시된 사진&#10;&#10;자동 생성된 설명">
-            <a:extLst>
-              <a:ext uri="{FF2B5EF4-FFF2-40B4-BE49-F238E27FC236}">
-                <a16:creationId xmlns:a16="http://schemas.microsoft.com/office/drawing/2014/main" id="{66962B84-9702-4315-A13F-719AD349F6D1}"/>
+          <p:cNvPr id="8" name="그림 7" descr="텍스트이(가) 표시된 사진&#10;&#10;자동 생성된 설명">
+            <a:extLst>
+              <a:ext uri="{FF2B5EF4-FFF2-40B4-BE49-F238E27FC236}">
+                <a16:creationId xmlns:a16="http://schemas.microsoft.com/office/drawing/2014/main" id="{C142CBCF-51F9-448D-A02E-E0E433901969}"/>
               </a:ext>
             </a:extLst>
           </p:cNvPr>
@@ -9233,18 +10152,58 @@
         </p:blipFill>
         <p:spPr>
           <a:xfrm>
-            <a:off x="852487" y="2641275"/>
-            <a:ext cx="8201025" cy="3495675"/>
+            <a:off x="0" y="5200759"/>
+            <a:ext cx="12192000" cy="1657241"/>
           </a:xfrm>
           <a:prstGeom prst="rect">
             <a:avLst/>
           </a:prstGeom>
         </p:spPr>
       </p:pic>
+      <p:sp>
+        <p:nvSpPr>
+          <p:cNvPr id="9" name="TextBox 8">
+            <a:extLst>
+              <a:ext uri="{FF2B5EF4-FFF2-40B4-BE49-F238E27FC236}">
+                <a16:creationId xmlns:a16="http://schemas.microsoft.com/office/drawing/2014/main" id="{97EE43DE-9104-4D1E-BE8C-C9B4F9A8CDD4}"/>
+              </a:ext>
+            </a:extLst>
+          </p:cNvPr>
+          <p:cNvSpPr txBox="1"/>
+          <p:nvPr/>
+        </p:nvSpPr>
+        <p:spPr>
+          <a:xfrm>
+            <a:off x="592978" y="1429106"/>
+            <a:ext cx="5195653" cy="523220"/>
+          </a:xfrm>
+          <a:prstGeom prst="rect">
+            <a:avLst/>
+          </a:prstGeom>
+          <a:noFill/>
+        </p:spPr>
+        <p:txBody>
+          <a:bodyPr wrap="none" rtlCol="0">
+            <a:spAutoFit/>
+          </a:bodyPr>
+          <a:lstStyle/>
+          <a:p>
+            <a:r>
+              <a:rPr lang="en-US" altLang="ko-KR" sz="2800" b="1" dirty="0"/>
+              <a:t>Imgsz-320 / epochs-250 </a:t>
+            </a:r>
+            <a:r>
+              <a:rPr lang="ko-KR" altLang="en-US" sz="2800" b="1" dirty="0"/>
+              <a:t>교체</a:t>
+            </a:r>
+            <a:endParaRPr lang="ko-KR" altLang="en-US" b="1" dirty="0"/>
+          </a:p>
+        </p:txBody>
+      </p:sp>
     </p:spTree>
     <p:extLst>
       <p:ext uri="{BB962C8B-B14F-4D97-AF65-F5344CB8AC3E}">
-        <p14:creationId xmlns:p14="http://schemas.microsoft.com/office/powerpoint/2010/main" val="3969011409"/>
+        <p14:creationId xmlns:p14="http://schemas.microsoft.com/office/powerpoint/2010/main" val="511152781"/>
       </p:ext>
     </p:extLst>
   </p:cSld>
@@ -9254,7 +10213,7 @@
 </p:sld>
 </file>
 
-<file path=ppt/slides/slide7.xml><?xml version="1.0" encoding="utf-8"?>
+<file path=ppt/slides/slide9.xml><?xml version="1.0" encoding="utf-8"?>
 <p:sld xmlns:a="http://schemas.openxmlformats.org/drawingml/2006/main" xmlns:r="http://schemas.openxmlformats.org/officeDocument/2006/relationships" xmlns:p="http://schemas.openxmlformats.org/presentationml/2006/main">
   <p:cSld>
     <p:spTree>
@@ -9271,12 +10230,135 @@
           <a:chExt cx="0" cy="0"/>
         </a:xfrm>
       </p:grpSpPr>
+      <p:sp>
+        <p:nvSpPr>
+          <p:cNvPr id="5" name="TextBox 4">
+            <a:extLst>
+              <a:ext uri="{FF2B5EF4-FFF2-40B4-BE49-F238E27FC236}">
+                <a16:creationId xmlns:a16="http://schemas.microsoft.com/office/drawing/2014/main" id="{42371601-B9F2-4BB4-BCEB-1B99B7EA1AFD}"/>
+              </a:ext>
+            </a:extLst>
+          </p:cNvPr>
+          <p:cNvSpPr txBox="1"/>
+          <p:nvPr/>
+        </p:nvSpPr>
+        <p:spPr>
+          <a:xfrm>
+            <a:off x="815788" y="580508"/>
+            <a:ext cx="7915835" cy="2677656"/>
+          </a:xfrm>
+          <a:prstGeom prst="rect">
+            <a:avLst/>
+          </a:prstGeom>
+          <a:noFill/>
+        </p:spPr>
+        <p:txBody>
+          <a:bodyPr wrap="square">
+            <a:spAutoFit/>
+          </a:bodyPr>
+          <a:lstStyle/>
+          <a:p>
+            <a:r>
+              <a:rPr lang="ko-KR" altLang="en-US" sz="2400" b="1" dirty="0"/>
+              <a:t>개 비만 세포 종양 (CMCT)</a:t>
+            </a:r>
+          </a:p>
+          <a:p>
+            <a:r>
+              <a:rPr lang="ko-KR" altLang="en-US" b="1" dirty="0"/>
+              <a:t>예후, 기수 판별에 MC(</a:t>
+            </a:r>
+            <a:r>
+              <a:rPr lang="ko-KR" altLang="en-US" b="1" dirty="0" err="1"/>
+              <a:t>Mitotic</a:t>
+            </a:r>
+            <a:r>
+              <a:rPr lang="ko-KR" altLang="en-US" b="1" dirty="0"/>
+              <a:t> </a:t>
+            </a:r>
+            <a:r>
+              <a:rPr lang="ko-KR" altLang="en-US" b="1" dirty="0" err="1"/>
+              <a:t>count</a:t>
+            </a:r>
+            <a:r>
+              <a:rPr lang="ko-KR" altLang="en-US" b="1" dirty="0"/>
+              <a:t>)가 주요 요소로 작용</a:t>
+            </a:r>
+          </a:p>
+          <a:p>
+            <a:pPr lvl="1"/>
+            <a:r>
+              <a:rPr lang="ko-KR" altLang="en-US" dirty="0"/>
+              <a:t> </a:t>
+            </a:r>
+          </a:p>
+          <a:p>
+            <a:pPr lvl="1"/>
+            <a:endParaRPr lang="en-US" altLang="ko-KR" dirty="0"/>
+          </a:p>
+          <a:p>
+            <a:pPr lvl="1"/>
+            <a:r>
+              <a:rPr lang="ko-KR" altLang="en-US" dirty="0"/>
+              <a:t>MC - 현미경 10배율 당 유사분열체 수</a:t>
+            </a:r>
+          </a:p>
+          <a:p>
+            <a:pPr lvl="1"/>
+            <a:r>
+              <a:rPr lang="ko-KR" altLang="en-US" dirty="0" err="1"/>
+              <a:t>AgNOR</a:t>
+            </a:r>
+            <a:r>
+              <a:rPr lang="ko-KR" altLang="en-US" dirty="0"/>
+              <a:t> - 세포주기 진행속도</a:t>
+            </a:r>
+          </a:p>
+          <a:p>
+            <a:pPr lvl="1"/>
+            <a:r>
+              <a:rPr lang="ko-KR" altLang="en-US" dirty="0"/>
+              <a:t>Ni67 - 성장을 식별하는 면역조직화학(IHC)방법 분수</a:t>
+            </a:r>
+          </a:p>
+          <a:p>
+            <a:pPr lvl="1"/>
+            <a:r>
+              <a:rPr lang="ko-KR" altLang="en-US" dirty="0"/>
+              <a:t>AG67 - </a:t>
+            </a:r>
+            <a:r>
+              <a:rPr lang="ko-KR" altLang="en-US" dirty="0" err="1"/>
+              <a:t>AgNor</a:t>
+            </a:r>
+            <a:r>
+              <a:rPr lang="ko-KR" altLang="en-US" dirty="0"/>
+              <a:t>, Ni67 측정에서 </a:t>
+            </a:r>
+            <a:r>
+              <a:rPr lang="ko-KR" altLang="en-US" dirty="0" err="1"/>
+              <a:t>얻을수</a:t>
+            </a:r>
+            <a:r>
+              <a:rPr lang="ko-KR" altLang="en-US" dirty="0"/>
+              <a:t> 있는 인자</a:t>
+            </a:r>
+          </a:p>
+          <a:p>
+            <a:pPr lvl="1"/>
+            <a:r>
+              <a:rPr lang="ko-KR" altLang="en-US" dirty="0"/>
+              <a:t>...</a:t>
+            </a:r>
+          </a:p>
+        </p:txBody>
+      </p:sp>
       <p:pic>
         <p:nvPicPr>
-          <p:cNvPr id="5" name="그림 4">
-            <a:extLst>
-              <a:ext uri="{FF2B5EF4-FFF2-40B4-BE49-F238E27FC236}">
-                <a16:creationId xmlns:a16="http://schemas.microsoft.com/office/drawing/2014/main" id="{2350F916-9018-4944-9954-1F6D9C3F168A}"/>
+          <p:cNvPr id="6" name="그림 5">
+            <a:extLst>
+              <a:ext uri="{FF2B5EF4-FFF2-40B4-BE49-F238E27FC236}">
+                <a16:creationId xmlns:a16="http://schemas.microsoft.com/office/drawing/2014/main" id="{97E2D630-FCE7-47C8-9F18-111D11853F51}"/>
               </a:ext>
             </a:extLst>
           </p:cNvPr>
@@ -9293,53 +10375,18 @@
         </p:blipFill>
         <p:spPr>
           <a:xfrm>
-            <a:off x="857250" y="1233487"/>
-            <a:ext cx="8343900" cy="2066925"/>
+            <a:off x="818870" y="3727076"/>
+            <a:ext cx="10554260" cy="1826072"/>
           </a:xfrm>
           <a:prstGeom prst="rect">
             <a:avLst/>
           </a:prstGeom>
         </p:spPr>
       </p:pic>
-      <p:sp>
-        <p:nvSpPr>
-          <p:cNvPr id="6" name="TextBox 5">
-            <a:extLst>
-              <a:ext uri="{FF2B5EF4-FFF2-40B4-BE49-F238E27FC236}">
-                <a16:creationId xmlns:a16="http://schemas.microsoft.com/office/drawing/2014/main" id="{2AEF1D8F-7A8A-4DB6-91DB-5EE821587054}"/>
-              </a:ext>
-            </a:extLst>
-          </p:cNvPr>
-          <p:cNvSpPr txBox="1"/>
-          <p:nvPr/>
-        </p:nvSpPr>
-        <p:spPr>
-          <a:xfrm>
-            <a:off x="857250" y="638175"/>
-            <a:ext cx="5379719" cy="369332"/>
-          </a:xfrm>
-          <a:prstGeom prst="rect">
-            <a:avLst/>
-          </a:prstGeom>
-          <a:noFill/>
-        </p:spPr>
-        <p:txBody>
-          <a:bodyPr wrap="square" rtlCol="0">
-            <a:spAutoFit/>
-          </a:bodyPr>
-          <a:lstStyle/>
-          <a:p>
-            <a:r>
-              <a:rPr lang="ko-KR" altLang="en-US" dirty="0"/>
-              <a:t>모호 클래스 결정 과정</a:t>
-            </a:r>
-          </a:p>
-        </p:txBody>
-      </p:sp>
     </p:spTree>
     <p:extLst>
       <p:ext uri="{BB962C8B-B14F-4D97-AF65-F5344CB8AC3E}">
-        <p14:creationId xmlns:p14="http://schemas.microsoft.com/office/powerpoint/2010/main" val="2978650128"/>
+        <p14:creationId xmlns:p14="http://schemas.microsoft.com/office/powerpoint/2010/main" val="366933108"/>
       </p:ext>
     </p:extLst>
   </p:cSld>

--- a/발표자료/CCMCT_중간발표.pptx
+++ b/발표자료/CCMCT_중간발표.pptx
@@ -9,14 +9,15 @@
     <p:sldId id="260" r:id="rId3"/>
     <p:sldId id="261" r:id="rId4"/>
     <p:sldId id="257" r:id="rId5"/>
-    <p:sldId id="262" r:id="rId6"/>
-    <p:sldId id="258" r:id="rId7"/>
-    <p:sldId id="256" r:id="rId8"/>
-    <p:sldId id="264" r:id="rId9"/>
-    <p:sldId id="265" r:id="rId10"/>
-    <p:sldId id="266" r:id="rId11"/>
-    <p:sldId id="263" r:id="rId12"/>
-    <p:sldId id="267" r:id="rId13"/>
+    <p:sldId id="268" r:id="rId6"/>
+    <p:sldId id="262" r:id="rId7"/>
+    <p:sldId id="258" r:id="rId8"/>
+    <p:sldId id="256" r:id="rId9"/>
+    <p:sldId id="264" r:id="rId10"/>
+    <p:sldId id="265" r:id="rId11"/>
+    <p:sldId id="266" r:id="rId12"/>
+    <p:sldId id="263" r:id="rId13"/>
+    <p:sldId id="267" r:id="rId14"/>
   </p:sldIdLst>
   <p:sldSz cx="12192000" cy="6858000"/>
   <p:notesSz cx="6858000" cy="9144000"/>
@@ -4784,12 +4785,135 @@
           <a:chExt cx="0" cy="0"/>
         </a:xfrm>
       </p:grpSpPr>
+      <p:sp>
+        <p:nvSpPr>
+          <p:cNvPr id="5" name="TextBox 4">
+            <a:extLst>
+              <a:ext uri="{FF2B5EF4-FFF2-40B4-BE49-F238E27FC236}">
+                <a16:creationId xmlns:a16="http://schemas.microsoft.com/office/drawing/2014/main" id="{42371601-B9F2-4BB4-BCEB-1B99B7EA1AFD}"/>
+              </a:ext>
+            </a:extLst>
+          </p:cNvPr>
+          <p:cNvSpPr txBox="1"/>
+          <p:nvPr/>
+        </p:nvSpPr>
+        <p:spPr>
+          <a:xfrm>
+            <a:off x="815788" y="580508"/>
+            <a:ext cx="7915835" cy="2677656"/>
+          </a:xfrm>
+          <a:prstGeom prst="rect">
+            <a:avLst/>
+          </a:prstGeom>
+          <a:noFill/>
+        </p:spPr>
+        <p:txBody>
+          <a:bodyPr wrap="square">
+            <a:spAutoFit/>
+          </a:bodyPr>
+          <a:lstStyle/>
+          <a:p>
+            <a:r>
+              <a:rPr lang="ko-KR" altLang="en-US" sz="2400" b="1" dirty="0"/>
+              <a:t>개 비만 세포 종양 (CMCT)</a:t>
+            </a:r>
+          </a:p>
+          <a:p>
+            <a:r>
+              <a:rPr lang="ko-KR" altLang="en-US" b="1" dirty="0"/>
+              <a:t>예후, 기수 판별에 MC(</a:t>
+            </a:r>
+            <a:r>
+              <a:rPr lang="ko-KR" altLang="en-US" b="1" dirty="0" err="1"/>
+              <a:t>Mitotic</a:t>
+            </a:r>
+            <a:r>
+              <a:rPr lang="ko-KR" altLang="en-US" b="1" dirty="0"/>
+              <a:t> </a:t>
+            </a:r>
+            <a:r>
+              <a:rPr lang="ko-KR" altLang="en-US" b="1" dirty="0" err="1"/>
+              <a:t>count</a:t>
+            </a:r>
+            <a:r>
+              <a:rPr lang="ko-KR" altLang="en-US" b="1" dirty="0"/>
+              <a:t>)가 주요 요소로 작용</a:t>
+            </a:r>
+          </a:p>
+          <a:p>
+            <a:pPr lvl="1"/>
+            <a:r>
+              <a:rPr lang="ko-KR" altLang="en-US" dirty="0"/>
+              <a:t> </a:t>
+            </a:r>
+          </a:p>
+          <a:p>
+            <a:pPr lvl="1"/>
+            <a:endParaRPr lang="en-US" altLang="ko-KR" dirty="0"/>
+          </a:p>
+          <a:p>
+            <a:pPr lvl="1"/>
+            <a:r>
+              <a:rPr lang="ko-KR" altLang="en-US" dirty="0"/>
+              <a:t>MC - 현미경 10배율 당 유사분열체 수</a:t>
+            </a:r>
+          </a:p>
+          <a:p>
+            <a:pPr lvl="1"/>
+            <a:r>
+              <a:rPr lang="ko-KR" altLang="en-US" dirty="0" err="1"/>
+              <a:t>AgNOR</a:t>
+            </a:r>
+            <a:r>
+              <a:rPr lang="ko-KR" altLang="en-US" dirty="0"/>
+              <a:t> - 세포주기 진행속도</a:t>
+            </a:r>
+          </a:p>
+          <a:p>
+            <a:pPr lvl="1"/>
+            <a:r>
+              <a:rPr lang="ko-KR" altLang="en-US" dirty="0"/>
+              <a:t>Ni67 - 성장을 식별하는 면역조직화학(IHC)방법 분수</a:t>
+            </a:r>
+          </a:p>
+          <a:p>
+            <a:pPr lvl="1"/>
+            <a:r>
+              <a:rPr lang="ko-KR" altLang="en-US" dirty="0"/>
+              <a:t>AG67 - </a:t>
+            </a:r>
+            <a:r>
+              <a:rPr lang="ko-KR" altLang="en-US" dirty="0" err="1"/>
+              <a:t>AgNor</a:t>
+            </a:r>
+            <a:r>
+              <a:rPr lang="ko-KR" altLang="en-US" dirty="0"/>
+              <a:t>, Ni67 측정에서 </a:t>
+            </a:r>
+            <a:r>
+              <a:rPr lang="ko-KR" altLang="en-US" dirty="0" err="1"/>
+              <a:t>얻을수</a:t>
+            </a:r>
+            <a:r>
+              <a:rPr lang="ko-KR" altLang="en-US" dirty="0"/>
+              <a:t> 있는 인자</a:t>
+            </a:r>
+          </a:p>
+          <a:p>
+            <a:pPr lvl="1"/>
+            <a:r>
+              <a:rPr lang="ko-KR" altLang="en-US" dirty="0"/>
+              <a:t>...</a:t>
+            </a:r>
+          </a:p>
+        </p:txBody>
+      </p:sp>
       <p:pic>
         <p:nvPicPr>
-          <p:cNvPr id="5" name="그림 4" descr="텍스트이(가) 표시된 사진&#10;&#10;자동 생성된 설명">
-            <a:extLst>
-              <a:ext uri="{FF2B5EF4-FFF2-40B4-BE49-F238E27FC236}">
-                <a16:creationId xmlns:a16="http://schemas.microsoft.com/office/drawing/2014/main" id="{2CBA8066-4E1F-4755-BE8A-82348FB45F0F}"/>
+          <p:cNvPr id="6" name="그림 5">
+            <a:extLst>
+              <a:ext uri="{FF2B5EF4-FFF2-40B4-BE49-F238E27FC236}">
+                <a16:creationId xmlns:a16="http://schemas.microsoft.com/office/drawing/2014/main" id="{97E2D630-FCE7-47C8-9F18-111D11853F51}"/>
               </a:ext>
             </a:extLst>
           </p:cNvPr>
@@ -4806,147 +4930,18 @@
         </p:blipFill>
         <p:spPr>
           <a:xfrm>
-            <a:off x="709284" y="3747052"/>
-            <a:ext cx="5810250" cy="2124075"/>
+            <a:off x="818870" y="3727076"/>
+            <a:ext cx="10554260" cy="1826072"/>
           </a:xfrm>
           <a:prstGeom prst="rect">
             <a:avLst/>
           </a:prstGeom>
         </p:spPr>
       </p:pic>
-      <p:pic>
-        <p:nvPicPr>
-          <p:cNvPr id="6" name="그림 5" descr="텍스트이(가) 표시된 사진&#10;&#10;자동 생성된 설명">
-            <a:extLst>
-              <a:ext uri="{FF2B5EF4-FFF2-40B4-BE49-F238E27FC236}">
-                <a16:creationId xmlns:a16="http://schemas.microsoft.com/office/drawing/2014/main" id="{619BBC28-D851-4F92-ACEF-AE3F607C8182}"/>
-              </a:ext>
-            </a:extLst>
-          </p:cNvPr>
-          <p:cNvPicPr>
-            <a:picLocks noChangeAspect="1"/>
-          </p:cNvPicPr>
-          <p:nvPr/>
-        </p:nvPicPr>
-        <p:blipFill>
-          <a:blip r:embed="rId3"/>
-          <a:stretch>
-            <a:fillRect/>
-          </a:stretch>
-        </p:blipFill>
-        <p:spPr>
-          <a:xfrm>
-            <a:off x="598783" y="2309979"/>
-            <a:ext cx="7062788" cy="1282847"/>
-          </a:xfrm>
-          <a:prstGeom prst="rect">
-            <a:avLst/>
-          </a:prstGeom>
-        </p:spPr>
-      </p:pic>
-      <p:sp>
-        <p:nvSpPr>
-          <p:cNvPr id="7" name="TextBox 6">
-            <a:extLst>
-              <a:ext uri="{FF2B5EF4-FFF2-40B4-BE49-F238E27FC236}">
-                <a16:creationId xmlns:a16="http://schemas.microsoft.com/office/drawing/2014/main" id="{01A9E543-DABC-41BC-A334-8C0788E5A1B4}"/>
-              </a:ext>
-            </a:extLst>
-          </p:cNvPr>
-          <p:cNvSpPr txBox="1"/>
-          <p:nvPr/>
-        </p:nvSpPr>
-        <p:spPr>
-          <a:xfrm>
-            <a:off x="7930049" y="3841330"/>
-            <a:ext cx="2838450" cy="646331"/>
-          </a:xfrm>
-          <a:prstGeom prst="rect">
-            <a:avLst/>
-          </a:prstGeom>
-          <a:noFill/>
-        </p:spPr>
-        <p:txBody>
-          <a:bodyPr wrap="square" rtlCol="0">
-            <a:spAutoFit/>
-          </a:bodyPr>
-          <a:lstStyle/>
-          <a:p>
-            <a:r>
-              <a:rPr lang="en-US" altLang="ko-KR" dirty="0"/>
-              <a:t>640 x 640</a:t>
-            </a:r>
-            <a:r>
-              <a:rPr lang="ko-KR" altLang="en-US" dirty="0"/>
-              <a:t>당 평균 몇 개의 </a:t>
-            </a:r>
-            <a:r>
-              <a:rPr lang="en-US" altLang="ko-KR" dirty="0"/>
-              <a:t>Mitotic cell </a:t>
-            </a:r>
-            <a:r>
-              <a:rPr lang="ko-KR" altLang="en-US" dirty="0"/>
-              <a:t>이 있는가</a:t>
-            </a:r>
-          </a:p>
-        </p:txBody>
-      </p:sp>
-      <p:sp>
-        <p:nvSpPr>
-          <p:cNvPr id="8" name="TextBox 7">
-            <a:extLst>
-              <a:ext uri="{FF2B5EF4-FFF2-40B4-BE49-F238E27FC236}">
-                <a16:creationId xmlns:a16="http://schemas.microsoft.com/office/drawing/2014/main" id="{6F436CDC-80A1-4A39-BA59-E91EF2702634}"/>
-              </a:ext>
-            </a:extLst>
-          </p:cNvPr>
-          <p:cNvSpPr txBox="1"/>
-          <p:nvPr/>
-        </p:nvSpPr>
-        <p:spPr>
-          <a:xfrm>
-            <a:off x="815788" y="580508"/>
-            <a:ext cx="7915835" cy="369332"/>
-          </a:xfrm>
-          <a:prstGeom prst="rect">
-            <a:avLst/>
-          </a:prstGeom>
-          <a:noFill/>
-        </p:spPr>
-        <p:txBody>
-          <a:bodyPr wrap="square">
-            <a:spAutoFit/>
-          </a:bodyPr>
-          <a:lstStyle/>
-          <a:p>
-            <a:r>
-              <a:rPr lang="ko-KR" altLang="en-US" b="1" dirty="0"/>
-              <a:t>현재 데이터에서 </a:t>
-            </a:r>
-            <a:r>
-              <a:rPr lang="en-US" altLang="ko-KR" b="1" dirty="0"/>
-              <a:t>MC(Mitotic</a:t>
-            </a:r>
-            <a:r>
-              <a:rPr lang="ko-KR" altLang="en-US" b="1" dirty="0"/>
-              <a:t> </a:t>
-            </a:r>
-            <a:r>
-              <a:rPr lang="en-US" altLang="ko-KR" b="1" dirty="0"/>
-              <a:t>count)</a:t>
-            </a:r>
-            <a:r>
-              <a:rPr lang="ko-KR" altLang="en-US" b="1" dirty="0"/>
-              <a:t> 측정</a:t>
-            </a:r>
-            <a:endParaRPr lang="ko-KR" altLang="en-US" dirty="0"/>
-          </a:p>
-        </p:txBody>
-      </p:sp>
     </p:spTree>
     <p:extLst>
       <p:ext uri="{BB962C8B-B14F-4D97-AF65-F5344CB8AC3E}">
-        <p14:creationId xmlns:p14="http://schemas.microsoft.com/office/powerpoint/2010/main" val="4208308462"/>
+        <p14:creationId xmlns:p14="http://schemas.microsoft.com/office/powerpoint/2010/main" val="366933108"/>
       </p:ext>
     </p:extLst>
   </p:cSld>
@@ -4975,6 +4970,195 @@
       </p:grpSpPr>
       <p:pic>
         <p:nvPicPr>
+          <p:cNvPr id="5" name="그림 4" descr="텍스트이(가) 표시된 사진&#10;&#10;자동 생성된 설명">
+            <a:extLst>
+              <a:ext uri="{FF2B5EF4-FFF2-40B4-BE49-F238E27FC236}">
+                <a16:creationId xmlns:a16="http://schemas.microsoft.com/office/drawing/2014/main" id="{2CBA8066-4E1F-4755-BE8A-82348FB45F0F}"/>
+              </a:ext>
+            </a:extLst>
+          </p:cNvPr>
+          <p:cNvPicPr>
+            <a:picLocks noChangeAspect="1"/>
+          </p:cNvPicPr>
+          <p:nvPr/>
+        </p:nvPicPr>
+        <p:blipFill>
+          <a:blip r:embed="rId2"/>
+          <a:stretch>
+            <a:fillRect/>
+          </a:stretch>
+        </p:blipFill>
+        <p:spPr>
+          <a:xfrm>
+            <a:off x="709284" y="3747052"/>
+            <a:ext cx="5810250" cy="2124075"/>
+          </a:xfrm>
+          <a:prstGeom prst="rect">
+            <a:avLst/>
+          </a:prstGeom>
+        </p:spPr>
+      </p:pic>
+      <p:pic>
+        <p:nvPicPr>
+          <p:cNvPr id="6" name="그림 5" descr="텍스트이(가) 표시된 사진&#10;&#10;자동 생성된 설명">
+            <a:extLst>
+              <a:ext uri="{FF2B5EF4-FFF2-40B4-BE49-F238E27FC236}">
+                <a16:creationId xmlns:a16="http://schemas.microsoft.com/office/drawing/2014/main" id="{619BBC28-D851-4F92-ACEF-AE3F607C8182}"/>
+              </a:ext>
+            </a:extLst>
+          </p:cNvPr>
+          <p:cNvPicPr>
+            <a:picLocks noChangeAspect="1"/>
+          </p:cNvPicPr>
+          <p:nvPr/>
+        </p:nvPicPr>
+        <p:blipFill>
+          <a:blip r:embed="rId3"/>
+          <a:stretch>
+            <a:fillRect/>
+          </a:stretch>
+        </p:blipFill>
+        <p:spPr>
+          <a:xfrm>
+            <a:off x="598783" y="2309979"/>
+            <a:ext cx="7062788" cy="1282847"/>
+          </a:xfrm>
+          <a:prstGeom prst="rect">
+            <a:avLst/>
+          </a:prstGeom>
+        </p:spPr>
+      </p:pic>
+      <p:sp>
+        <p:nvSpPr>
+          <p:cNvPr id="7" name="TextBox 6">
+            <a:extLst>
+              <a:ext uri="{FF2B5EF4-FFF2-40B4-BE49-F238E27FC236}">
+                <a16:creationId xmlns:a16="http://schemas.microsoft.com/office/drawing/2014/main" id="{01A9E543-DABC-41BC-A334-8C0788E5A1B4}"/>
+              </a:ext>
+            </a:extLst>
+          </p:cNvPr>
+          <p:cNvSpPr txBox="1"/>
+          <p:nvPr/>
+        </p:nvSpPr>
+        <p:spPr>
+          <a:xfrm>
+            <a:off x="7930049" y="3841330"/>
+            <a:ext cx="2838450" cy="646331"/>
+          </a:xfrm>
+          <a:prstGeom prst="rect">
+            <a:avLst/>
+          </a:prstGeom>
+          <a:noFill/>
+        </p:spPr>
+        <p:txBody>
+          <a:bodyPr wrap="square" rtlCol="0">
+            <a:spAutoFit/>
+          </a:bodyPr>
+          <a:lstStyle/>
+          <a:p>
+            <a:r>
+              <a:rPr lang="en-US" altLang="ko-KR" dirty="0"/>
+              <a:t>640 x 640</a:t>
+            </a:r>
+            <a:r>
+              <a:rPr lang="ko-KR" altLang="en-US" dirty="0"/>
+              <a:t>당 평균 몇 개의 </a:t>
+            </a:r>
+            <a:r>
+              <a:rPr lang="en-US" altLang="ko-KR" dirty="0"/>
+              <a:t>Mitotic cell </a:t>
+            </a:r>
+            <a:r>
+              <a:rPr lang="ko-KR" altLang="en-US" dirty="0"/>
+              <a:t>이 있는가</a:t>
+            </a:r>
+          </a:p>
+        </p:txBody>
+      </p:sp>
+      <p:sp>
+        <p:nvSpPr>
+          <p:cNvPr id="8" name="TextBox 7">
+            <a:extLst>
+              <a:ext uri="{FF2B5EF4-FFF2-40B4-BE49-F238E27FC236}">
+                <a16:creationId xmlns:a16="http://schemas.microsoft.com/office/drawing/2014/main" id="{6F436CDC-80A1-4A39-BA59-E91EF2702634}"/>
+              </a:ext>
+            </a:extLst>
+          </p:cNvPr>
+          <p:cNvSpPr txBox="1"/>
+          <p:nvPr/>
+        </p:nvSpPr>
+        <p:spPr>
+          <a:xfrm>
+            <a:off x="815788" y="580508"/>
+            <a:ext cx="7915835" cy="369332"/>
+          </a:xfrm>
+          <a:prstGeom prst="rect">
+            <a:avLst/>
+          </a:prstGeom>
+          <a:noFill/>
+        </p:spPr>
+        <p:txBody>
+          <a:bodyPr wrap="square">
+            <a:spAutoFit/>
+          </a:bodyPr>
+          <a:lstStyle/>
+          <a:p>
+            <a:r>
+              <a:rPr lang="ko-KR" altLang="en-US" b="1" dirty="0"/>
+              <a:t>현재 데이터에서 </a:t>
+            </a:r>
+            <a:r>
+              <a:rPr lang="en-US" altLang="ko-KR" b="1" dirty="0"/>
+              <a:t>MC(Mitotic</a:t>
+            </a:r>
+            <a:r>
+              <a:rPr lang="ko-KR" altLang="en-US" b="1" dirty="0"/>
+              <a:t> </a:t>
+            </a:r>
+            <a:r>
+              <a:rPr lang="en-US" altLang="ko-KR" b="1" dirty="0"/>
+              <a:t>count)</a:t>
+            </a:r>
+            <a:r>
+              <a:rPr lang="ko-KR" altLang="en-US" b="1" dirty="0"/>
+              <a:t> 측정</a:t>
+            </a:r>
+            <a:endParaRPr lang="ko-KR" altLang="en-US" dirty="0"/>
+          </a:p>
+        </p:txBody>
+      </p:sp>
+    </p:spTree>
+    <p:extLst>
+      <p:ext uri="{BB962C8B-B14F-4D97-AF65-F5344CB8AC3E}">
+        <p14:creationId xmlns:p14="http://schemas.microsoft.com/office/powerpoint/2010/main" val="4208308462"/>
+      </p:ext>
+    </p:extLst>
+  </p:cSld>
+  <p:clrMapOvr>
+    <a:masterClrMapping/>
+  </p:clrMapOvr>
+</p:sld>
+</file>
+
+<file path=ppt/slides/slide12.xml><?xml version="1.0" encoding="utf-8"?>
+<p:sld xmlns:a="http://schemas.openxmlformats.org/drawingml/2006/main" xmlns:r="http://schemas.openxmlformats.org/officeDocument/2006/relationships" xmlns:p="http://schemas.openxmlformats.org/presentationml/2006/main">
+  <p:cSld>
+    <p:spTree>
+      <p:nvGrpSpPr>
+        <p:cNvPr id="1" name=""/>
+        <p:cNvGrpSpPr/>
+        <p:nvPr/>
+      </p:nvGrpSpPr>
+      <p:grpSpPr>
+        <a:xfrm>
+          <a:off x="0" y="0"/>
+          <a:ext cx="0" cy="0"/>
+          <a:chOff x="0" y="0"/>
+          <a:chExt cx="0" cy="0"/>
+        </a:xfrm>
+      </p:grpSpPr>
+      <p:pic>
+        <p:nvPicPr>
           <p:cNvPr id="7" name="그림 6">
             <a:extLst>
               <a:ext uri="{FF2B5EF4-FFF2-40B4-BE49-F238E27FC236}">
@@ -5078,7 +5262,7 @@
 </p:sld>
 </file>
 
-<file path=ppt/slides/slide12.xml><?xml version="1.0" encoding="utf-8"?>
+<file path=ppt/slides/slide13.xml><?xml version="1.0" encoding="utf-8"?>
 <p:sld xmlns:a="http://schemas.openxmlformats.org/drawingml/2006/main" xmlns:r="http://schemas.openxmlformats.org/officeDocument/2006/relationships" xmlns:p="http://schemas.openxmlformats.org/presentationml/2006/main">
   <p:cSld>
     <p:spTree>
@@ -9369,42 +9553,12 @@
           <a:chExt cx="0" cy="0"/>
         </a:xfrm>
       </p:grpSpPr>
-      <p:pic>
-        <p:nvPicPr>
-          <p:cNvPr id="5" name="그림 4">
-            <a:extLst>
-              <a:ext uri="{FF2B5EF4-FFF2-40B4-BE49-F238E27FC236}">
-                <a16:creationId xmlns:a16="http://schemas.microsoft.com/office/drawing/2014/main" id="{2350F916-9018-4944-9954-1F6D9C3F168A}"/>
-              </a:ext>
-            </a:extLst>
-          </p:cNvPr>
-          <p:cNvPicPr>
-            <a:picLocks noChangeAspect="1"/>
-          </p:cNvPicPr>
-          <p:nvPr/>
-        </p:nvPicPr>
-        <p:blipFill>
-          <a:blip r:embed="rId2"/>
-          <a:stretch>
-            <a:fillRect/>
-          </a:stretch>
-        </p:blipFill>
-        <p:spPr>
-          <a:xfrm>
-            <a:off x="804862" y="1007507"/>
-            <a:ext cx="8343900" cy="2066925"/>
-          </a:xfrm>
-          <a:prstGeom prst="rect">
-            <a:avLst/>
-          </a:prstGeom>
-        </p:spPr>
-      </p:pic>
       <p:sp>
         <p:nvSpPr>
-          <p:cNvPr id="6" name="TextBox 5">
-            <a:extLst>
-              <a:ext uri="{FF2B5EF4-FFF2-40B4-BE49-F238E27FC236}">
-                <a16:creationId xmlns:a16="http://schemas.microsoft.com/office/drawing/2014/main" id="{2AEF1D8F-7A8A-4DB6-91DB-5EE821587054}"/>
+          <p:cNvPr id="5" name="TextBox 4">
+            <a:extLst>
+              <a:ext uri="{FF2B5EF4-FFF2-40B4-BE49-F238E27FC236}">
+                <a16:creationId xmlns:a16="http://schemas.microsoft.com/office/drawing/2014/main" id="{82D05277-2A5D-41EA-8F5F-F2469E9FBF2D}"/>
               </a:ext>
             </a:extLst>
           </p:cNvPr>
@@ -9413,8 +9567,8 @@
         </p:nvSpPr>
         <p:spPr>
           <a:xfrm>
-            <a:off x="857250" y="638175"/>
-            <a:ext cx="5379719" cy="369332"/>
+            <a:off x="380222" y="446926"/>
+            <a:ext cx="8306577" cy="3970318"/>
           </a:xfrm>
           <a:prstGeom prst="rect">
             <a:avLst/>
@@ -9422,89 +9576,214 @@
           <a:noFill/>
         </p:spPr>
         <p:txBody>
-          <a:bodyPr wrap="square" rtlCol="0">
+          <a:bodyPr wrap="square">
             <a:spAutoFit/>
           </a:bodyPr>
           <a:lstStyle/>
           <a:p>
             <a:r>
               <a:rPr lang="ko-KR" altLang="en-US" dirty="0"/>
-              <a:t>모호 클래스 데이터셋 결정 과정</a:t>
-            </a:r>
-            <a:r>
-              <a:rPr lang="en-US" altLang="ko-KR" dirty="0"/>
-              <a:t>(HEAL)</a:t>
-            </a:r>
+              <a:t>MEL - </a:t>
+            </a:r>
+            <a:r>
+              <a:rPr lang="ko-KR" altLang="en-US" dirty="0" err="1"/>
+              <a:t>manually</a:t>
+            </a:r>
+            <a:r>
+              <a:rPr lang="ko-KR" altLang="en-US" dirty="0"/>
+              <a:t>, </a:t>
+            </a:r>
+            <a:r>
+              <a:rPr lang="ko-KR" altLang="en-US" dirty="0" err="1"/>
+              <a:t>expert-labelled</a:t>
+            </a:r>
+            <a:r>
+              <a:rPr lang="ko-KR" altLang="en-US" dirty="0"/>
+              <a:t> </a:t>
+            </a:r>
+            <a:r>
+              <a:rPr lang="ko-KR" altLang="en-US" dirty="0" err="1"/>
+              <a:t>dataset</a:t>
+            </a:r>
+            <a:r>
+              <a:rPr lang="ko-KR" altLang="en-US" dirty="0"/>
+              <a:t> - 기존 전문가 데이터셋</a:t>
+            </a:r>
+          </a:p>
+          <a:p>
             <a:endParaRPr lang="ko-KR" altLang="en-US" dirty="0"/>
           </a:p>
-        </p:txBody>
-      </p:sp>
-      <p:pic>
-        <p:nvPicPr>
-          <p:cNvPr id="3" name="그림 2">
-            <a:extLst>
-              <a:ext uri="{FF2B5EF4-FFF2-40B4-BE49-F238E27FC236}">
-                <a16:creationId xmlns:a16="http://schemas.microsoft.com/office/drawing/2014/main" id="{DE7F68BC-434C-4422-828A-631B796B85AB}"/>
-              </a:ext>
-            </a:extLst>
-          </p:cNvPr>
-          <p:cNvPicPr>
-            <a:picLocks noChangeAspect="1"/>
-          </p:cNvPicPr>
-          <p:nvPr/>
-        </p:nvPicPr>
-        <p:blipFill>
-          <a:blip r:embed="rId3"/>
-          <a:stretch>
-            <a:fillRect/>
-          </a:stretch>
-        </p:blipFill>
-        <p:spPr>
-          <a:xfrm>
-            <a:off x="804862" y="3580180"/>
-            <a:ext cx="8448675" cy="2952750"/>
-          </a:xfrm>
-          <a:prstGeom prst="rect">
-            <a:avLst/>
-          </a:prstGeom>
-        </p:spPr>
-      </p:pic>
-      <p:sp>
-        <p:nvSpPr>
-          <p:cNvPr id="7" name="TextBox 6">
-            <a:extLst>
-              <a:ext uri="{FF2B5EF4-FFF2-40B4-BE49-F238E27FC236}">
-                <a16:creationId xmlns:a16="http://schemas.microsoft.com/office/drawing/2014/main" id="{44243207-87FC-42A1-924C-AFD807A53D64}"/>
-              </a:ext>
-            </a:extLst>
-          </p:cNvPr>
-          <p:cNvSpPr txBox="1"/>
-          <p:nvPr/>
-        </p:nvSpPr>
-        <p:spPr>
-          <a:xfrm>
-            <a:off x="857250" y="3277820"/>
-            <a:ext cx="6699997" cy="369332"/>
-          </a:xfrm>
-          <a:prstGeom prst="rect">
-            <a:avLst/>
-          </a:prstGeom>
-          <a:noFill/>
-        </p:spPr>
-        <p:txBody>
-          <a:bodyPr wrap="square" rtlCol="0">
-            <a:spAutoFit/>
-          </a:bodyPr>
-          <a:lstStyle/>
           <a:p>
             <a:r>
               <a:rPr lang="ko-KR" altLang="en-US" dirty="0"/>
-              <a:t>잠재적 유사분열 클래스 데이터셋 결정 과정</a:t>
-            </a:r>
-            <a:r>
-              <a:rPr lang="en-US" altLang="ko-KR" dirty="0"/>
-              <a:t>(ODEAL)</a:t>
-            </a:r>
+              <a:t>이걸 변형시켜서 </a:t>
+            </a:r>
+          </a:p>
+          <a:p>
+            <a:endParaRPr lang="ko-KR" altLang="en-US" dirty="0"/>
+          </a:p>
+          <a:p>
+            <a:r>
+              <a:rPr lang="ko-KR" altLang="en-US" dirty="0"/>
+              <a:t>HEAL - </a:t>
+            </a:r>
+            <a:r>
+              <a:rPr lang="ko-KR" altLang="en-US" dirty="0" err="1"/>
+              <a:t>Hard-example</a:t>
+            </a:r>
+            <a:r>
+              <a:rPr lang="ko-KR" altLang="en-US" dirty="0"/>
+              <a:t> </a:t>
+            </a:r>
+            <a:r>
+              <a:rPr lang="ko-KR" altLang="en-US" dirty="0" err="1"/>
+              <a:t>augmented</a:t>
+            </a:r>
+            <a:r>
+              <a:rPr lang="ko-KR" altLang="en-US" dirty="0"/>
+              <a:t> </a:t>
+            </a:r>
+            <a:r>
+              <a:rPr lang="ko-KR" altLang="en-US" dirty="0" err="1"/>
+              <a:t>expert</a:t>
+            </a:r>
+            <a:r>
+              <a:rPr lang="ko-KR" altLang="en-US" dirty="0"/>
+              <a:t> </a:t>
+            </a:r>
+            <a:r>
+              <a:rPr lang="ko-KR" altLang="en-US" dirty="0" err="1"/>
+              <a:t>labelled</a:t>
+            </a:r>
+            <a:r>
+              <a:rPr lang="ko-KR" altLang="en-US" dirty="0"/>
+              <a:t> </a:t>
+            </a:r>
+            <a:r>
+              <a:rPr lang="ko-KR" altLang="en-US" dirty="0" err="1"/>
+              <a:t>dataset</a:t>
+            </a:r>
+            <a:r>
+              <a:rPr lang="ko-KR" altLang="en-US" dirty="0"/>
+              <a:t> </a:t>
+            </a:r>
+            <a:r>
+              <a:rPr lang="ko-KR" altLang="en-US" dirty="0" err="1"/>
+              <a:t>variant</a:t>
+            </a:r>
+            <a:endParaRPr lang="ko-KR" altLang="en-US" dirty="0"/>
+          </a:p>
+          <a:p>
+            <a:r>
+              <a:rPr lang="ko-KR" altLang="en-US" dirty="0"/>
+              <a:t>증강 전문가 데이터셋 1</a:t>
+            </a:r>
+          </a:p>
+          <a:p>
+            <a:endParaRPr lang="ko-KR" altLang="en-US" dirty="0"/>
+          </a:p>
+          <a:p>
+            <a:r>
+              <a:rPr lang="ko-KR" altLang="en-US" dirty="0"/>
+              <a:t>ODAEL - </a:t>
+            </a:r>
+            <a:r>
+              <a:rPr lang="ko-KR" altLang="en-US" dirty="0" err="1"/>
+              <a:t>Object-detection</a:t>
+            </a:r>
+            <a:r>
+              <a:rPr lang="ko-KR" altLang="en-US" dirty="0"/>
+              <a:t> </a:t>
+            </a:r>
+            <a:r>
+              <a:rPr lang="ko-KR" altLang="en-US" dirty="0" err="1"/>
+              <a:t>augmented</a:t>
+            </a:r>
+            <a:r>
+              <a:rPr lang="ko-KR" altLang="en-US" dirty="0"/>
+              <a:t> </a:t>
+            </a:r>
+            <a:r>
+              <a:rPr lang="ko-KR" altLang="en-US" dirty="0" err="1"/>
+              <a:t>expert</a:t>
+            </a:r>
+            <a:r>
+              <a:rPr lang="ko-KR" altLang="en-US" dirty="0"/>
+              <a:t> </a:t>
+            </a:r>
+            <a:r>
+              <a:rPr lang="ko-KR" altLang="en-US" dirty="0" err="1"/>
+              <a:t>labelled</a:t>
+            </a:r>
+            <a:r>
+              <a:rPr lang="ko-KR" altLang="en-US" dirty="0"/>
+              <a:t> </a:t>
+            </a:r>
+            <a:r>
+              <a:rPr lang="ko-KR" altLang="en-US" dirty="0" err="1"/>
+              <a:t>dataset</a:t>
+            </a:r>
+            <a:r>
+              <a:rPr lang="ko-KR" altLang="en-US" dirty="0"/>
+              <a:t> </a:t>
+            </a:r>
+            <a:r>
+              <a:rPr lang="ko-KR" altLang="en-US" dirty="0" err="1"/>
+              <a:t>variant</a:t>
+            </a:r>
+            <a:r>
+              <a:rPr lang="ko-KR" altLang="en-US" dirty="0"/>
+              <a:t> </a:t>
+            </a:r>
+          </a:p>
+          <a:p>
+            <a:r>
+              <a:rPr lang="ko-KR" altLang="en-US" dirty="0"/>
+              <a:t>잠재적 유사 분열 </a:t>
+            </a:r>
+            <a:r>
+              <a:rPr lang="ko-KR" altLang="en-US" dirty="0" err="1"/>
+              <a:t>figure을</a:t>
+            </a:r>
+            <a:r>
+              <a:rPr lang="ko-KR" altLang="en-US" dirty="0"/>
+              <a:t> </a:t>
+            </a:r>
+            <a:r>
+              <a:rPr lang="en-US" altLang="ko-KR" dirty="0" err="1"/>
+              <a:t>DeepLearning</a:t>
+            </a:r>
+            <a:r>
+              <a:rPr lang="ko-KR" altLang="en-US" dirty="0"/>
+              <a:t>을 이용해 추가로 제안, 전문가가 데이터 세트의 다른 그룹으로 등급을 지정하고 할당.</a:t>
+            </a:r>
+          </a:p>
+          <a:p>
+            <a:endParaRPr lang="ko-KR" altLang="en-US" dirty="0"/>
+          </a:p>
+          <a:p>
+            <a:r>
+              <a:rPr lang="ko-KR" altLang="en-US" dirty="0" err="1"/>
+              <a:t>granulocyte</a:t>
+            </a:r>
+            <a:r>
+              <a:rPr lang="ko-KR" altLang="en-US" dirty="0"/>
+              <a:t> - </a:t>
+            </a:r>
+            <a:r>
+              <a:rPr lang="ko-KR" altLang="en-US" dirty="0" err="1"/>
+              <a:t>과립구</a:t>
+            </a:r>
+            <a:r>
+              <a:rPr lang="ko-KR" altLang="en-US" dirty="0"/>
+              <a:t> - 세포질에 과립이 있는 백혈구</a:t>
+            </a:r>
+            <a:endParaRPr lang="en-US" altLang="ko-KR" dirty="0"/>
+          </a:p>
+          <a:p>
+            <a:endParaRPr lang="en-US" altLang="ko-KR" dirty="0"/>
+          </a:p>
+          <a:p>
             <a:endParaRPr lang="ko-KR" altLang="en-US" dirty="0"/>
           </a:p>
         </p:txBody>
@@ -9512,7 +9791,7 @@
     </p:spTree>
     <p:extLst>
       <p:ext uri="{BB962C8B-B14F-4D97-AF65-F5344CB8AC3E}">
-        <p14:creationId xmlns:p14="http://schemas.microsoft.com/office/powerpoint/2010/main" val="2978650128"/>
+        <p14:creationId xmlns:p14="http://schemas.microsoft.com/office/powerpoint/2010/main" val="2326840119"/>
       </p:ext>
     </p:extLst>
   </p:cSld>
@@ -9541,6 +9820,176 @@
       </p:grpSpPr>
       <p:pic>
         <p:nvPicPr>
+          <p:cNvPr id="5" name="그림 4">
+            <a:extLst>
+              <a:ext uri="{FF2B5EF4-FFF2-40B4-BE49-F238E27FC236}">
+                <a16:creationId xmlns:a16="http://schemas.microsoft.com/office/drawing/2014/main" id="{2350F916-9018-4944-9954-1F6D9C3F168A}"/>
+              </a:ext>
+            </a:extLst>
+          </p:cNvPr>
+          <p:cNvPicPr>
+            <a:picLocks noChangeAspect="1"/>
+          </p:cNvPicPr>
+          <p:nvPr/>
+        </p:nvPicPr>
+        <p:blipFill>
+          <a:blip r:embed="rId2"/>
+          <a:stretch>
+            <a:fillRect/>
+          </a:stretch>
+        </p:blipFill>
+        <p:spPr>
+          <a:xfrm>
+            <a:off x="804862" y="1007507"/>
+            <a:ext cx="8343900" cy="2066925"/>
+          </a:xfrm>
+          <a:prstGeom prst="rect">
+            <a:avLst/>
+          </a:prstGeom>
+        </p:spPr>
+      </p:pic>
+      <p:sp>
+        <p:nvSpPr>
+          <p:cNvPr id="6" name="TextBox 5">
+            <a:extLst>
+              <a:ext uri="{FF2B5EF4-FFF2-40B4-BE49-F238E27FC236}">
+                <a16:creationId xmlns:a16="http://schemas.microsoft.com/office/drawing/2014/main" id="{2AEF1D8F-7A8A-4DB6-91DB-5EE821587054}"/>
+              </a:ext>
+            </a:extLst>
+          </p:cNvPr>
+          <p:cNvSpPr txBox="1"/>
+          <p:nvPr/>
+        </p:nvSpPr>
+        <p:spPr>
+          <a:xfrm>
+            <a:off x="857250" y="638175"/>
+            <a:ext cx="5379719" cy="369332"/>
+          </a:xfrm>
+          <a:prstGeom prst="rect">
+            <a:avLst/>
+          </a:prstGeom>
+          <a:noFill/>
+        </p:spPr>
+        <p:txBody>
+          <a:bodyPr wrap="square" rtlCol="0">
+            <a:spAutoFit/>
+          </a:bodyPr>
+          <a:lstStyle/>
+          <a:p>
+            <a:r>
+              <a:rPr lang="ko-KR" altLang="en-US" dirty="0"/>
+              <a:t>모호 클래스 데이터셋 결정 과정</a:t>
+            </a:r>
+            <a:r>
+              <a:rPr lang="en-US" altLang="ko-KR" dirty="0"/>
+              <a:t>(HEAL)</a:t>
+            </a:r>
+            <a:endParaRPr lang="ko-KR" altLang="en-US" dirty="0"/>
+          </a:p>
+        </p:txBody>
+      </p:sp>
+      <p:pic>
+        <p:nvPicPr>
+          <p:cNvPr id="3" name="그림 2">
+            <a:extLst>
+              <a:ext uri="{FF2B5EF4-FFF2-40B4-BE49-F238E27FC236}">
+                <a16:creationId xmlns:a16="http://schemas.microsoft.com/office/drawing/2014/main" id="{DE7F68BC-434C-4422-828A-631B796B85AB}"/>
+              </a:ext>
+            </a:extLst>
+          </p:cNvPr>
+          <p:cNvPicPr>
+            <a:picLocks noChangeAspect="1"/>
+          </p:cNvPicPr>
+          <p:nvPr/>
+        </p:nvPicPr>
+        <p:blipFill>
+          <a:blip r:embed="rId3"/>
+          <a:stretch>
+            <a:fillRect/>
+          </a:stretch>
+        </p:blipFill>
+        <p:spPr>
+          <a:xfrm>
+            <a:off x="804862" y="3580180"/>
+            <a:ext cx="8448675" cy="2952750"/>
+          </a:xfrm>
+          <a:prstGeom prst="rect">
+            <a:avLst/>
+          </a:prstGeom>
+        </p:spPr>
+      </p:pic>
+      <p:sp>
+        <p:nvSpPr>
+          <p:cNvPr id="7" name="TextBox 6">
+            <a:extLst>
+              <a:ext uri="{FF2B5EF4-FFF2-40B4-BE49-F238E27FC236}">
+                <a16:creationId xmlns:a16="http://schemas.microsoft.com/office/drawing/2014/main" id="{44243207-87FC-42A1-924C-AFD807A53D64}"/>
+              </a:ext>
+            </a:extLst>
+          </p:cNvPr>
+          <p:cNvSpPr txBox="1"/>
+          <p:nvPr/>
+        </p:nvSpPr>
+        <p:spPr>
+          <a:xfrm>
+            <a:off x="857250" y="3277820"/>
+            <a:ext cx="6699997" cy="369332"/>
+          </a:xfrm>
+          <a:prstGeom prst="rect">
+            <a:avLst/>
+          </a:prstGeom>
+          <a:noFill/>
+        </p:spPr>
+        <p:txBody>
+          <a:bodyPr wrap="square" rtlCol="0">
+            <a:spAutoFit/>
+          </a:bodyPr>
+          <a:lstStyle/>
+          <a:p>
+            <a:r>
+              <a:rPr lang="ko-KR" altLang="en-US" dirty="0"/>
+              <a:t>잠재적 유사분열 클래스 데이터셋 결정 과정</a:t>
+            </a:r>
+            <a:r>
+              <a:rPr lang="en-US" altLang="ko-KR" dirty="0"/>
+              <a:t>(ODEAL)</a:t>
+            </a:r>
+            <a:endParaRPr lang="ko-KR" altLang="en-US" dirty="0"/>
+          </a:p>
+        </p:txBody>
+      </p:sp>
+    </p:spTree>
+    <p:extLst>
+      <p:ext uri="{BB962C8B-B14F-4D97-AF65-F5344CB8AC3E}">
+        <p14:creationId xmlns:p14="http://schemas.microsoft.com/office/powerpoint/2010/main" val="2978650128"/>
+      </p:ext>
+    </p:extLst>
+  </p:cSld>
+  <p:clrMapOvr>
+    <a:masterClrMapping/>
+  </p:clrMapOvr>
+</p:sld>
+</file>
+
+<file path=ppt/slides/slide7.xml><?xml version="1.0" encoding="utf-8"?>
+<p:sld xmlns:a="http://schemas.openxmlformats.org/drawingml/2006/main" xmlns:r="http://schemas.openxmlformats.org/officeDocument/2006/relationships" xmlns:p="http://schemas.openxmlformats.org/presentationml/2006/main">
+  <p:cSld>
+    <p:spTree>
+      <p:nvGrpSpPr>
+        <p:cNvPr id="1" name=""/>
+        <p:cNvGrpSpPr/>
+        <p:nvPr/>
+      </p:nvGrpSpPr>
+      <p:grpSpPr>
+        <a:xfrm>
+          <a:off x="0" y="0"/>
+          <a:ext cx="0" cy="0"/>
+          <a:chOff x="0" y="0"/>
+          <a:chExt cx="0" cy="0"/>
+        </a:xfrm>
+      </p:grpSpPr>
+      <p:pic>
+        <p:nvPicPr>
           <p:cNvPr id="3" name="그림 2">
             <a:extLst>
               <a:ext uri="{FF2B5EF4-FFF2-40B4-BE49-F238E27FC236}">
@@ -9678,7 +10127,7 @@
 </p:sld>
 </file>
 
-<file path=ppt/slides/slide7.xml><?xml version="1.0" encoding="utf-8"?>
+<file path=ppt/slides/slide8.xml><?xml version="1.0" encoding="utf-8"?>
 <p:sld xmlns:a="http://schemas.openxmlformats.org/drawingml/2006/main" xmlns:r="http://schemas.openxmlformats.org/officeDocument/2006/relationships" xmlns:p="http://schemas.openxmlformats.org/presentationml/2006/main">
   <p:cSld>
     <p:spTree>
@@ -10047,7 +10496,7 @@
 </p:sld>
 </file>
 
-<file path=ppt/slides/slide8.xml><?xml version="1.0" encoding="utf-8"?>
+<file path=ppt/slides/slide9.xml><?xml version="1.0" encoding="utf-8"?>
 <p:sld xmlns:a="http://schemas.openxmlformats.org/drawingml/2006/main" xmlns:r="http://schemas.openxmlformats.org/officeDocument/2006/relationships" xmlns:p="http://schemas.openxmlformats.org/presentationml/2006/main">
   <p:cSld>
     <p:spTree>
@@ -10204,189 +10653,6 @@
     <p:extLst>
       <p:ext uri="{BB962C8B-B14F-4D97-AF65-F5344CB8AC3E}">
         <p14:creationId xmlns:p14="http://schemas.microsoft.com/office/powerpoint/2010/main" val="511152781"/>
-      </p:ext>
-    </p:extLst>
-  </p:cSld>
-  <p:clrMapOvr>
-    <a:masterClrMapping/>
-  </p:clrMapOvr>
-</p:sld>
-</file>
-
-<file path=ppt/slides/slide9.xml><?xml version="1.0" encoding="utf-8"?>
-<p:sld xmlns:a="http://schemas.openxmlformats.org/drawingml/2006/main" xmlns:r="http://schemas.openxmlformats.org/officeDocument/2006/relationships" xmlns:p="http://schemas.openxmlformats.org/presentationml/2006/main">
-  <p:cSld>
-    <p:spTree>
-      <p:nvGrpSpPr>
-        <p:cNvPr id="1" name=""/>
-        <p:cNvGrpSpPr/>
-        <p:nvPr/>
-      </p:nvGrpSpPr>
-      <p:grpSpPr>
-        <a:xfrm>
-          <a:off x="0" y="0"/>
-          <a:ext cx="0" cy="0"/>
-          <a:chOff x="0" y="0"/>
-          <a:chExt cx="0" cy="0"/>
-        </a:xfrm>
-      </p:grpSpPr>
-      <p:sp>
-        <p:nvSpPr>
-          <p:cNvPr id="5" name="TextBox 4">
-            <a:extLst>
-              <a:ext uri="{FF2B5EF4-FFF2-40B4-BE49-F238E27FC236}">
-                <a16:creationId xmlns:a16="http://schemas.microsoft.com/office/drawing/2014/main" id="{42371601-B9F2-4BB4-BCEB-1B99B7EA1AFD}"/>
-              </a:ext>
-            </a:extLst>
-          </p:cNvPr>
-          <p:cNvSpPr txBox="1"/>
-          <p:nvPr/>
-        </p:nvSpPr>
-        <p:spPr>
-          <a:xfrm>
-            <a:off x="815788" y="580508"/>
-            <a:ext cx="7915835" cy="2677656"/>
-          </a:xfrm>
-          <a:prstGeom prst="rect">
-            <a:avLst/>
-          </a:prstGeom>
-          <a:noFill/>
-        </p:spPr>
-        <p:txBody>
-          <a:bodyPr wrap="square">
-            <a:spAutoFit/>
-          </a:bodyPr>
-          <a:lstStyle/>
-          <a:p>
-            <a:r>
-              <a:rPr lang="ko-KR" altLang="en-US" sz="2400" b="1" dirty="0"/>
-              <a:t>개 비만 세포 종양 (CMCT)</a:t>
-            </a:r>
-          </a:p>
-          <a:p>
-            <a:r>
-              <a:rPr lang="ko-KR" altLang="en-US" b="1" dirty="0"/>
-              <a:t>예후, 기수 판별에 MC(</a:t>
-            </a:r>
-            <a:r>
-              <a:rPr lang="ko-KR" altLang="en-US" b="1" dirty="0" err="1"/>
-              <a:t>Mitotic</a:t>
-            </a:r>
-            <a:r>
-              <a:rPr lang="ko-KR" altLang="en-US" b="1" dirty="0"/>
-              <a:t> </a:t>
-            </a:r>
-            <a:r>
-              <a:rPr lang="ko-KR" altLang="en-US" b="1" dirty="0" err="1"/>
-              <a:t>count</a:t>
-            </a:r>
-            <a:r>
-              <a:rPr lang="ko-KR" altLang="en-US" b="1" dirty="0"/>
-              <a:t>)가 주요 요소로 작용</a:t>
-            </a:r>
-          </a:p>
-          <a:p>
-            <a:pPr lvl="1"/>
-            <a:r>
-              <a:rPr lang="ko-KR" altLang="en-US" dirty="0"/>
-              <a:t> </a:t>
-            </a:r>
-          </a:p>
-          <a:p>
-            <a:pPr lvl="1"/>
-            <a:endParaRPr lang="en-US" altLang="ko-KR" dirty="0"/>
-          </a:p>
-          <a:p>
-            <a:pPr lvl="1"/>
-            <a:r>
-              <a:rPr lang="ko-KR" altLang="en-US" dirty="0"/>
-              <a:t>MC - 현미경 10배율 당 유사분열체 수</a:t>
-            </a:r>
-          </a:p>
-          <a:p>
-            <a:pPr lvl="1"/>
-            <a:r>
-              <a:rPr lang="ko-KR" altLang="en-US" dirty="0" err="1"/>
-              <a:t>AgNOR</a:t>
-            </a:r>
-            <a:r>
-              <a:rPr lang="ko-KR" altLang="en-US" dirty="0"/>
-              <a:t> - 세포주기 진행속도</a:t>
-            </a:r>
-          </a:p>
-          <a:p>
-            <a:pPr lvl="1"/>
-            <a:r>
-              <a:rPr lang="ko-KR" altLang="en-US" dirty="0"/>
-              <a:t>Ni67 - 성장을 식별하는 면역조직화학(IHC)방법 분수</a:t>
-            </a:r>
-          </a:p>
-          <a:p>
-            <a:pPr lvl="1"/>
-            <a:r>
-              <a:rPr lang="ko-KR" altLang="en-US" dirty="0"/>
-              <a:t>AG67 - </a:t>
-            </a:r>
-            <a:r>
-              <a:rPr lang="ko-KR" altLang="en-US" dirty="0" err="1"/>
-              <a:t>AgNor</a:t>
-            </a:r>
-            <a:r>
-              <a:rPr lang="ko-KR" altLang="en-US" dirty="0"/>
-              <a:t>, Ni67 측정에서 </a:t>
-            </a:r>
-            <a:r>
-              <a:rPr lang="ko-KR" altLang="en-US" dirty="0" err="1"/>
-              <a:t>얻을수</a:t>
-            </a:r>
-            <a:r>
-              <a:rPr lang="ko-KR" altLang="en-US" dirty="0"/>
-              <a:t> 있는 인자</a:t>
-            </a:r>
-          </a:p>
-          <a:p>
-            <a:pPr lvl="1"/>
-            <a:r>
-              <a:rPr lang="ko-KR" altLang="en-US" dirty="0"/>
-              <a:t>...</a:t>
-            </a:r>
-          </a:p>
-        </p:txBody>
-      </p:sp>
-      <p:pic>
-        <p:nvPicPr>
-          <p:cNvPr id="6" name="그림 5">
-            <a:extLst>
-              <a:ext uri="{FF2B5EF4-FFF2-40B4-BE49-F238E27FC236}">
-                <a16:creationId xmlns:a16="http://schemas.microsoft.com/office/drawing/2014/main" id="{97E2D630-FCE7-47C8-9F18-111D11853F51}"/>
-              </a:ext>
-            </a:extLst>
-          </p:cNvPr>
-          <p:cNvPicPr>
-            <a:picLocks noChangeAspect="1"/>
-          </p:cNvPicPr>
-          <p:nvPr/>
-        </p:nvPicPr>
-        <p:blipFill>
-          <a:blip r:embed="rId2"/>
-          <a:stretch>
-            <a:fillRect/>
-          </a:stretch>
-        </p:blipFill>
-        <p:spPr>
-          <a:xfrm>
-            <a:off x="818870" y="3727076"/>
-            <a:ext cx="10554260" cy="1826072"/>
-          </a:xfrm>
-          <a:prstGeom prst="rect">
-            <a:avLst/>
-          </a:prstGeom>
-        </p:spPr>
-      </p:pic>
-    </p:spTree>
-    <p:extLst>
-      <p:ext uri="{BB962C8B-B14F-4D97-AF65-F5344CB8AC3E}">
-        <p14:creationId xmlns:p14="http://schemas.microsoft.com/office/powerpoint/2010/main" val="366933108"/>
       </p:ext>
     </p:extLst>
   </p:cSld>

--- a/발표자료/CCMCT_중간발표.pptx
+++ b/발표자료/CCMCT_중간발표.pptx
@@ -18,6 +18,7 @@
     <p:sldId id="266" r:id="rId12"/>
     <p:sldId id="263" r:id="rId13"/>
     <p:sldId id="267" r:id="rId14"/>
+    <p:sldId id="269" r:id="rId15"/>
   </p:sldIdLst>
   <p:sldSz cx="12192000" cy="6858000"/>
   <p:notesSz cx="6858000" cy="9144000"/>
@@ -4930,7 +4931,7 @@
         </p:blipFill>
         <p:spPr>
           <a:xfrm>
-            <a:off x="818870" y="3727076"/>
+            <a:off x="818870" y="3932350"/>
             <a:ext cx="10554260" cy="1826072"/>
           </a:xfrm>
           <a:prstGeom prst="rect">
@@ -5602,6 +5603,219 @@
 </p:sld>
 </file>
 
+<file path=ppt/slides/slide14.xml><?xml version="1.0" encoding="utf-8"?>
+<p:sld xmlns:a="http://schemas.openxmlformats.org/drawingml/2006/main" xmlns:r="http://schemas.openxmlformats.org/officeDocument/2006/relationships" xmlns:p="http://schemas.openxmlformats.org/presentationml/2006/main">
+  <p:cSld>
+    <p:spTree>
+      <p:nvGrpSpPr>
+        <p:cNvPr id="1" name=""/>
+        <p:cNvGrpSpPr/>
+        <p:nvPr/>
+      </p:nvGrpSpPr>
+      <p:grpSpPr>
+        <a:xfrm>
+          <a:off x="0" y="0"/>
+          <a:ext cx="0" cy="0"/>
+          <a:chOff x="0" y="0"/>
+          <a:chExt cx="0" cy="0"/>
+        </a:xfrm>
+      </p:grpSpPr>
+      <p:sp>
+        <p:nvSpPr>
+          <p:cNvPr id="4" name="TextBox 3">
+            <a:extLst>
+              <a:ext uri="{FF2B5EF4-FFF2-40B4-BE49-F238E27FC236}">
+                <a16:creationId xmlns:a16="http://schemas.microsoft.com/office/drawing/2014/main" id="{92F8DAC5-4575-4671-8AC5-0BBB967E14D7}"/>
+              </a:ext>
+            </a:extLst>
+          </p:cNvPr>
+          <p:cNvSpPr txBox="1"/>
+          <p:nvPr/>
+        </p:nvSpPr>
+        <p:spPr>
+          <a:xfrm>
+            <a:off x="815788" y="580508"/>
+            <a:ext cx="7915835" cy="3693319"/>
+          </a:xfrm>
+          <a:prstGeom prst="rect">
+            <a:avLst/>
+          </a:prstGeom>
+          <a:noFill/>
+        </p:spPr>
+        <p:txBody>
+          <a:bodyPr wrap="square">
+            <a:spAutoFit/>
+          </a:bodyPr>
+          <a:lstStyle/>
+          <a:p>
+            <a:r>
+              <a:rPr lang="ko-KR" altLang="en-US" dirty="0"/>
+              <a:t>과정</a:t>
+            </a:r>
+            <a:endParaRPr lang="en-US" altLang="ko-KR" dirty="0"/>
+          </a:p>
+          <a:p>
+            <a:r>
+              <a:rPr lang="en-US" altLang="ko-KR" dirty="0"/>
+              <a:t>	</a:t>
+            </a:r>
+            <a:r>
+              <a:rPr lang="ko-KR" altLang="en-US" dirty="0" err="1"/>
+              <a:t>전처리</a:t>
+            </a:r>
+            <a:r>
+              <a:rPr lang="ko-KR" altLang="en-US" dirty="0"/>
+              <a:t> </a:t>
+            </a:r>
+            <a:r>
+              <a:rPr lang="en-US" altLang="ko-KR" dirty="0"/>
+              <a:t>– </a:t>
+            </a:r>
+            <a:r>
+              <a:rPr lang="en-US" altLang="ko-KR" dirty="0" err="1"/>
+              <a:t>dcm</a:t>
+            </a:r>
+            <a:r>
+              <a:rPr lang="en-US" altLang="ko-KR" dirty="0"/>
+              <a:t> to </a:t>
+            </a:r>
+            <a:r>
+              <a:rPr lang="en-US" altLang="ko-KR" dirty="0" err="1"/>
+              <a:t>png</a:t>
+            </a:r>
+            <a:r>
+              <a:rPr lang="en-US" altLang="ko-KR" dirty="0"/>
+              <a:t> (640, 320, 256)</a:t>
+            </a:r>
+          </a:p>
+          <a:p>
+            <a:endParaRPr lang="en-US" altLang="ko-KR" dirty="0"/>
+          </a:p>
+          <a:p>
+            <a:r>
+              <a:rPr lang="en-US" altLang="ko-KR" dirty="0"/>
+              <a:t>	1. yolov5s</a:t>
+            </a:r>
+            <a:r>
+              <a:rPr lang="ko-KR" altLang="en-US" dirty="0"/>
+              <a:t> </a:t>
+            </a:r>
+            <a:r>
+              <a:rPr lang="en-US" altLang="ko-KR" dirty="0"/>
+              <a:t>–</a:t>
+            </a:r>
+            <a:r>
+              <a:rPr lang="ko-KR" altLang="en-US" dirty="0"/>
+              <a:t> </a:t>
+            </a:r>
+            <a:r>
+              <a:rPr lang="en-US" altLang="ko-KR" dirty="0"/>
+              <a:t>img640</a:t>
+            </a:r>
+            <a:r>
+              <a:rPr lang="ko-KR" altLang="en-US" dirty="0"/>
+              <a:t> </a:t>
+            </a:r>
+            <a:r>
+              <a:rPr lang="en-US" altLang="ko-KR" dirty="0"/>
+              <a:t>epochs</a:t>
+            </a:r>
+            <a:r>
+              <a:rPr lang="ko-KR" altLang="en-US" dirty="0"/>
+              <a:t> </a:t>
+            </a:r>
+            <a:r>
+              <a:rPr lang="en-US" altLang="ko-KR" dirty="0"/>
+              <a:t>100</a:t>
+            </a:r>
+          </a:p>
+          <a:p>
+            <a:r>
+              <a:rPr lang="en-US" altLang="ko-KR" dirty="0"/>
+              <a:t>	2. yolov5s – img320 epochs 230</a:t>
+            </a:r>
+          </a:p>
+          <a:p>
+            <a:r>
+              <a:rPr lang="en-US" altLang="ko-KR" dirty="0"/>
+              <a:t>	3. yolov5l – img320 epochs 300</a:t>
+            </a:r>
+          </a:p>
+          <a:p>
+            <a:r>
+              <a:rPr lang="en-US" altLang="ko-KR" dirty="0"/>
+              <a:t> </a:t>
+            </a:r>
+          </a:p>
+          <a:p>
+            <a:r>
+              <a:rPr lang="ko-KR" altLang="en-US" dirty="0" err="1"/>
+              <a:t>해볼거</a:t>
+            </a:r>
+            <a:endParaRPr lang="en-US" altLang="ko-KR" dirty="0"/>
+          </a:p>
+          <a:p>
+            <a:r>
+              <a:rPr lang="en-US" altLang="ko-KR" dirty="0"/>
+              <a:t>	1. yolov5 + Efficient Net</a:t>
+            </a:r>
+          </a:p>
+          <a:p>
+            <a:r>
+              <a:rPr lang="en-US" altLang="ko-KR" dirty="0"/>
+              <a:t>	2. Faster R-CNN</a:t>
+            </a:r>
+          </a:p>
+          <a:p>
+            <a:r>
+              <a:rPr lang="en-US" altLang="ko-KR" dirty="0"/>
+              <a:t>	3. None</a:t>
+            </a:r>
+            <a:r>
+              <a:rPr lang="ko-KR" altLang="en-US" dirty="0"/>
+              <a:t> 라벨 추가</a:t>
+            </a:r>
+            <a:endParaRPr lang="en-US" altLang="ko-KR" dirty="0"/>
+          </a:p>
+          <a:p>
+            <a:r>
+              <a:rPr lang="en-US" altLang="ko-KR" dirty="0"/>
+              <a:t>	4. </a:t>
+            </a:r>
+            <a:r>
+              <a:rPr lang="ko-KR" altLang="en-US" dirty="0"/>
+              <a:t>상업화 </a:t>
+            </a:r>
+            <a:r>
+              <a:rPr lang="en-US" altLang="ko-KR" dirty="0"/>
+              <a:t>– mitotic  cell visualization, mitotic count</a:t>
+            </a:r>
+          </a:p>
+          <a:p>
+            <a:r>
+              <a:rPr lang="en-US" altLang="ko-KR" dirty="0"/>
+              <a:t>	5. </a:t>
+            </a:r>
+            <a:r>
+              <a:rPr lang="ko-KR" altLang="en-US" dirty="0"/>
+              <a:t>모델링 데이터 전부 끌어와서 비교</a:t>
+            </a:r>
+          </a:p>
+        </p:txBody>
+      </p:sp>
+    </p:spTree>
+    <p:extLst>
+      <p:ext uri="{BB962C8B-B14F-4D97-AF65-F5344CB8AC3E}">
+        <p14:creationId xmlns:p14="http://schemas.microsoft.com/office/powerpoint/2010/main" val="2636447043"/>
+      </p:ext>
+    </p:extLst>
+  </p:cSld>
+  <p:clrMapOvr>
+    <a:masterClrMapping/>
+  </p:clrMapOvr>
+</p:sld>
+</file>
+
 <file path=ppt/slides/slide2.xml><?xml version="1.0" encoding="utf-8"?>
 <p:sld xmlns:a="http://schemas.openxmlformats.org/drawingml/2006/main" xmlns:r="http://schemas.openxmlformats.org/officeDocument/2006/relationships" xmlns:p="http://schemas.openxmlformats.org/presentationml/2006/main">
   <p:cSld>
@@ -10646,6 +10860,46 @@
               <a:t>교체</a:t>
             </a:r>
             <a:endParaRPr lang="ko-KR" altLang="en-US" b="1" dirty="0"/>
+          </a:p>
+        </p:txBody>
+      </p:sp>
+      <p:sp>
+        <p:nvSpPr>
+          <p:cNvPr id="2" name="TextBox 1">
+            <a:extLst>
+              <a:ext uri="{FF2B5EF4-FFF2-40B4-BE49-F238E27FC236}">
+                <a16:creationId xmlns:a16="http://schemas.microsoft.com/office/drawing/2014/main" id="{20691CF4-CAEB-4F73-9823-C6C1DFA6669F}"/>
+              </a:ext>
+            </a:extLst>
+          </p:cNvPr>
+          <p:cNvSpPr txBox="1"/>
+          <p:nvPr/>
+        </p:nvSpPr>
+        <p:spPr>
+          <a:xfrm>
+            <a:off x="0" y="4831427"/>
+            <a:ext cx="3307316" cy="369332"/>
+          </a:xfrm>
+          <a:prstGeom prst="rect">
+            <a:avLst/>
+          </a:prstGeom>
+          <a:noFill/>
+        </p:spPr>
+        <p:txBody>
+          <a:bodyPr wrap="none" rtlCol="0">
+            <a:spAutoFit/>
+          </a:bodyPr>
+          <a:lstStyle/>
+          <a:p>
+            <a:r>
+              <a:rPr lang="ko-KR" altLang="en-US" dirty="0"/>
+              <a:t>연구기관 결과 </a:t>
+            </a:r>
+            <a:r>
+              <a:rPr lang="en-US" altLang="ko-KR" dirty="0"/>
+              <a:t>: Accuracy 0.91</a:t>
+            </a:r>
+            <a:endParaRPr lang="ko-KR" altLang="en-US" dirty="0"/>
           </a:p>
         </p:txBody>
       </p:sp>

--- a/발표자료/CCMCT_중간발표.pptx
+++ b/발표자료/CCMCT_중간발표.pptx
@@ -272,7 +272,7 @@
           <a:p>
             <a:fld id="{E7B65EDB-652F-4E7A-AE52-E3012E96CC71}" type="datetimeFigureOut">
               <a:rPr lang="ko-KR" altLang="en-US" smtClean="0"/>
-              <a:t>2021-08-24</a:t>
+              <a:t>2021-08-25</a:t>
             </a:fld>
             <a:endParaRPr lang="ko-KR" altLang="en-US"/>
           </a:p>
@@ -470,7 +470,7 @@
           <a:p>
             <a:fld id="{E7B65EDB-652F-4E7A-AE52-E3012E96CC71}" type="datetimeFigureOut">
               <a:rPr lang="ko-KR" altLang="en-US" smtClean="0"/>
-              <a:t>2021-08-24</a:t>
+              <a:t>2021-08-25</a:t>
             </a:fld>
             <a:endParaRPr lang="ko-KR" altLang="en-US"/>
           </a:p>
@@ -678,7 +678,7 @@
           <a:p>
             <a:fld id="{E7B65EDB-652F-4E7A-AE52-E3012E96CC71}" type="datetimeFigureOut">
               <a:rPr lang="ko-KR" altLang="en-US" smtClean="0"/>
-              <a:t>2021-08-24</a:t>
+              <a:t>2021-08-25</a:t>
             </a:fld>
             <a:endParaRPr lang="ko-KR" altLang="en-US"/>
           </a:p>
@@ -876,7 +876,7 @@
           <a:p>
             <a:fld id="{E7B65EDB-652F-4E7A-AE52-E3012E96CC71}" type="datetimeFigureOut">
               <a:rPr lang="ko-KR" altLang="en-US" smtClean="0"/>
-              <a:t>2021-08-24</a:t>
+              <a:t>2021-08-25</a:t>
             </a:fld>
             <a:endParaRPr lang="ko-KR" altLang="en-US"/>
           </a:p>
@@ -1151,7 +1151,7 @@
           <a:p>
             <a:fld id="{E7B65EDB-652F-4E7A-AE52-E3012E96CC71}" type="datetimeFigureOut">
               <a:rPr lang="ko-KR" altLang="en-US" smtClean="0"/>
-              <a:t>2021-08-24</a:t>
+              <a:t>2021-08-25</a:t>
             </a:fld>
             <a:endParaRPr lang="ko-KR" altLang="en-US"/>
           </a:p>
@@ -1416,7 +1416,7 @@
           <a:p>
             <a:fld id="{E7B65EDB-652F-4E7A-AE52-E3012E96CC71}" type="datetimeFigureOut">
               <a:rPr lang="ko-KR" altLang="en-US" smtClean="0"/>
-              <a:t>2021-08-24</a:t>
+              <a:t>2021-08-25</a:t>
             </a:fld>
             <a:endParaRPr lang="ko-KR" altLang="en-US"/>
           </a:p>
@@ -1828,7 +1828,7 @@
           <a:p>
             <a:fld id="{E7B65EDB-652F-4E7A-AE52-E3012E96CC71}" type="datetimeFigureOut">
               <a:rPr lang="ko-KR" altLang="en-US" smtClean="0"/>
-              <a:t>2021-08-24</a:t>
+              <a:t>2021-08-25</a:t>
             </a:fld>
             <a:endParaRPr lang="ko-KR" altLang="en-US"/>
           </a:p>
@@ -1969,7 +1969,7 @@
           <a:p>
             <a:fld id="{E7B65EDB-652F-4E7A-AE52-E3012E96CC71}" type="datetimeFigureOut">
               <a:rPr lang="ko-KR" altLang="en-US" smtClean="0"/>
-              <a:t>2021-08-24</a:t>
+              <a:t>2021-08-25</a:t>
             </a:fld>
             <a:endParaRPr lang="ko-KR" altLang="en-US"/>
           </a:p>
@@ -2082,7 +2082,7 @@
           <a:p>
             <a:fld id="{E7B65EDB-652F-4E7A-AE52-E3012E96CC71}" type="datetimeFigureOut">
               <a:rPr lang="ko-KR" altLang="en-US" smtClean="0"/>
-              <a:t>2021-08-24</a:t>
+              <a:t>2021-08-25</a:t>
             </a:fld>
             <a:endParaRPr lang="ko-KR" altLang="en-US"/>
           </a:p>
@@ -2393,7 +2393,7 @@
           <a:p>
             <a:fld id="{E7B65EDB-652F-4E7A-AE52-E3012E96CC71}" type="datetimeFigureOut">
               <a:rPr lang="ko-KR" altLang="en-US" smtClean="0"/>
-              <a:t>2021-08-24</a:t>
+              <a:t>2021-08-25</a:t>
             </a:fld>
             <a:endParaRPr lang="ko-KR" altLang="en-US"/>
           </a:p>
@@ -2681,7 +2681,7 @@
           <a:p>
             <a:fld id="{E7B65EDB-652F-4E7A-AE52-E3012E96CC71}" type="datetimeFigureOut">
               <a:rPr lang="ko-KR" altLang="en-US" smtClean="0"/>
-              <a:t>2021-08-24</a:t>
+              <a:t>2021-08-25</a:t>
             </a:fld>
             <a:endParaRPr lang="ko-KR" altLang="en-US"/>
           </a:p>
@@ -2922,7 +2922,7 @@
           <a:p>
             <a:fld id="{E7B65EDB-652F-4E7A-AE52-E3012E96CC71}" type="datetimeFigureOut">
               <a:rPr lang="ko-KR" altLang="en-US" smtClean="0"/>
-              <a:t>2021-08-24</a:t>
+              <a:t>2021-08-25</a:t>
             </a:fld>
             <a:endParaRPr lang="ko-KR" altLang="en-US"/>
           </a:p>

--- a/발표자료/CCMCT_중간발표.pptx
+++ b/발표자료/CCMCT_중간발표.pptx
@@ -5,20 +5,22 @@
     <p:sldMasterId id="2147483648" r:id="rId1"/>
   </p:sldMasterIdLst>
   <p:sldIdLst>
-    <p:sldId id="259" r:id="rId2"/>
-    <p:sldId id="260" r:id="rId3"/>
-    <p:sldId id="261" r:id="rId4"/>
-    <p:sldId id="257" r:id="rId5"/>
-    <p:sldId id="268" r:id="rId6"/>
-    <p:sldId id="262" r:id="rId7"/>
-    <p:sldId id="258" r:id="rId8"/>
-    <p:sldId id="256" r:id="rId9"/>
-    <p:sldId id="264" r:id="rId10"/>
-    <p:sldId id="265" r:id="rId11"/>
-    <p:sldId id="266" r:id="rId12"/>
-    <p:sldId id="263" r:id="rId13"/>
-    <p:sldId id="267" r:id="rId14"/>
-    <p:sldId id="269" r:id="rId15"/>
+    <p:sldId id="271" r:id="rId2"/>
+    <p:sldId id="270" r:id="rId3"/>
+    <p:sldId id="257" r:id="rId4"/>
+    <p:sldId id="262" r:id="rId5"/>
+    <p:sldId id="259" r:id="rId6"/>
+    <p:sldId id="260" r:id="rId7"/>
+    <p:sldId id="261" r:id="rId8"/>
+    <p:sldId id="258" r:id="rId9"/>
+    <p:sldId id="256" r:id="rId10"/>
+    <p:sldId id="272" r:id="rId11"/>
+    <p:sldId id="264" r:id="rId12"/>
+    <p:sldId id="265" r:id="rId13"/>
+    <p:sldId id="266" r:id="rId14"/>
+    <p:sldId id="263" r:id="rId15"/>
+    <p:sldId id="267" r:id="rId16"/>
+    <p:sldId id="269" r:id="rId17"/>
   </p:sldIdLst>
   <p:sldSz cx="12192000" cy="6858000"/>
   <p:notesSz cx="6858000" cy="9144000"/>
@@ -272,7 +274,7 @@
           <a:p>
             <a:fld id="{E7B65EDB-652F-4E7A-AE52-E3012E96CC71}" type="datetimeFigureOut">
               <a:rPr lang="ko-KR" altLang="en-US" smtClean="0"/>
-              <a:t>2021-08-26</a:t>
+              <a:t>2021-08-30</a:t>
             </a:fld>
             <a:endParaRPr lang="ko-KR" altLang="en-US"/>
           </a:p>
@@ -470,7 +472,7 @@
           <a:p>
             <a:fld id="{E7B65EDB-652F-4E7A-AE52-E3012E96CC71}" type="datetimeFigureOut">
               <a:rPr lang="ko-KR" altLang="en-US" smtClean="0"/>
-              <a:t>2021-08-26</a:t>
+              <a:t>2021-08-30</a:t>
             </a:fld>
             <a:endParaRPr lang="ko-KR" altLang="en-US"/>
           </a:p>
@@ -678,7 +680,7 @@
           <a:p>
             <a:fld id="{E7B65EDB-652F-4E7A-AE52-E3012E96CC71}" type="datetimeFigureOut">
               <a:rPr lang="ko-KR" altLang="en-US" smtClean="0"/>
-              <a:t>2021-08-26</a:t>
+              <a:t>2021-08-30</a:t>
             </a:fld>
             <a:endParaRPr lang="ko-KR" altLang="en-US"/>
           </a:p>
@@ -876,7 +878,7 @@
           <a:p>
             <a:fld id="{E7B65EDB-652F-4E7A-AE52-E3012E96CC71}" type="datetimeFigureOut">
               <a:rPr lang="ko-KR" altLang="en-US" smtClean="0"/>
-              <a:t>2021-08-26</a:t>
+              <a:t>2021-08-30</a:t>
             </a:fld>
             <a:endParaRPr lang="ko-KR" altLang="en-US"/>
           </a:p>
@@ -1151,7 +1153,7 @@
           <a:p>
             <a:fld id="{E7B65EDB-652F-4E7A-AE52-E3012E96CC71}" type="datetimeFigureOut">
               <a:rPr lang="ko-KR" altLang="en-US" smtClean="0"/>
-              <a:t>2021-08-26</a:t>
+              <a:t>2021-08-30</a:t>
             </a:fld>
             <a:endParaRPr lang="ko-KR" altLang="en-US"/>
           </a:p>
@@ -1416,7 +1418,7 @@
           <a:p>
             <a:fld id="{E7B65EDB-652F-4E7A-AE52-E3012E96CC71}" type="datetimeFigureOut">
               <a:rPr lang="ko-KR" altLang="en-US" smtClean="0"/>
-              <a:t>2021-08-26</a:t>
+              <a:t>2021-08-30</a:t>
             </a:fld>
             <a:endParaRPr lang="ko-KR" altLang="en-US"/>
           </a:p>
@@ -1828,7 +1830,7 @@
           <a:p>
             <a:fld id="{E7B65EDB-652F-4E7A-AE52-E3012E96CC71}" type="datetimeFigureOut">
               <a:rPr lang="ko-KR" altLang="en-US" smtClean="0"/>
-              <a:t>2021-08-26</a:t>
+              <a:t>2021-08-30</a:t>
             </a:fld>
             <a:endParaRPr lang="ko-KR" altLang="en-US"/>
           </a:p>
@@ -1969,7 +1971,7 @@
           <a:p>
             <a:fld id="{E7B65EDB-652F-4E7A-AE52-E3012E96CC71}" type="datetimeFigureOut">
               <a:rPr lang="ko-KR" altLang="en-US" smtClean="0"/>
-              <a:t>2021-08-26</a:t>
+              <a:t>2021-08-30</a:t>
             </a:fld>
             <a:endParaRPr lang="ko-KR" altLang="en-US"/>
           </a:p>
@@ -2082,7 +2084,7 @@
           <a:p>
             <a:fld id="{E7B65EDB-652F-4E7A-AE52-E3012E96CC71}" type="datetimeFigureOut">
               <a:rPr lang="ko-KR" altLang="en-US" smtClean="0"/>
-              <a:t>2021-08-26</a:t>
+              <a:t>2021-08-30</a:t>
             </a:fld>
             <a:endParaRPr lang="ko-KR" altLang="en-US"/>
           </a:p>
@@ -2393,7 +2395,7 @@
           <a:p>
             <a:fld id="{E7B65EDB-652F-4E7A-AE52-E3012E96CC71}" type="datetimeFigureOut">
               <a:rPr lang="ko-KR" altLang="en-US" smtClean="0"/>
-              <a:t>2021-08-26</a:t>
+              <a:t>2021-08-30</a:t>
             </a:fld>
             <a:endParaRPr lang="ko-KR" altLang="en-US"/>
           </a:p>
@@ -2681,7 +2683,7 @@
           <a:p>
             <a:fld id="{E7B65EDB-652F-4E7A-AE52-E3012E96CC71}" type="datetimeFigureOut">
               <a:rPr lang="ko-KR" altLang="en-US" smtClean="0"/>
-              <a:t>2021-08-26</a:t>
+              <a:t>2021-08-30</a:t>
             </a:fld>
             <a:endParaRPr lang="ko-KR" altLang="en-US"/>
           </a:p>
@@ -2922,7 +2924,7 @@
           <a:p>
             <a:fld id="{E7B65EDB-652F-4E7A-AE52-E3012E96CC71}" type="datetimeFigureOut">
               <a:rPr lang="ko-KR" altLang="en-US" smtClean="0"/>
-              <a:t>2021-08-26</a:t>
+              <a:t>2021-08-30</a:t>
             </a:fld>
             <a:endParaRPr lang="ko-KR" altLang="en-US"/>
           </a:p>
@@ -3339,6 +3341,2814 @@
           <a:chExt cx="0" cy="0"/>
         </a:xfrm>
       </p:grpSpPr>
+      <p:sp>
+        <p:nvSpPr>
+          <p:cNvPr id="4" name="TextBox 3">
+            <a:extLst>
+              <a:ext uri="{FF2B5EF4-FFF2-40B4-BE49-F238E27FC236}">
+                <a16:creationId xmlns:a16="http://schemas.microsoft.com/office/drawing/2014/main" id="{224E7FAC-4B34-4808-8125-2BC7B98A1254}"/>
+              </a:ext>
+            </a:extLst>
+          </p:cNvPr>
+          <p:cNvSpPr txBox="1"/>
+          <p:nvPr/>
+        </p:nvSpPr>
+        <p:spPr>
+          <a:xfrm>
+            <a:off x="1839373" y="1920895"/>
+            <a:ext cx="8513253" cy="3231654"/>
+          </a:xfrm>
+          <a:prstGeom prst="rect">
+            <a:avLst/>
+          </a:prstGeom>
+          <a:noFill/>
+        </p:spPr>
+        <p:txBody>
+          <a:bodyPr wrap="square" rtlCol="0">
+            <a:spAutoFit/>
+          </a:bodyPr>
+          <a:lstStyle/>
+          <a:p>
+            <a:pPr algn="ctr"/>
+            <a:r>
+              <a:rPr lang="en-US" altLang="ko-KR" sz="3600" b="1" dirty="0"/>
+              <a:t>CCMCT </a:t>
+            </a:r>
+          </a:p>
+          <a:p>
+            <a:pPr algn="ctr"/>
+            <a:r>
+              <a:rPr lang="en-US" altLang="ko-KR" sz="2000" b="1" dirty="0"/>
+              <a:t>(C</a:t>
+            </a:r>
+            <a:r>
+              <a:rPr lang="en-US" altLang="ko-KR" sz="2000" b="1" i="0" dirty="0">
+                <a:solidFill>
+                  <a:srgbClr val="222222"/>
+                </a:solidFill>
+                <a:effectLst/>
+                <a:latin typeface="-apple-system"/>
+              </a:rPr>
+              <a:t>anine Cutaneous </a:t>
+            </a:r>
+            <a:r>
+              <a:rPr lang="en-US" altLang="ko-KR" sz="2000" b="1" dirty="0">
+                <a:solidFill>
+                  <a:srgbClr val="222222"/>
+                </a:solidFill>
+                <a:latin typeface="-apple-system"/>
+              </a:rPr>
+              <a:t>M</a:t>
+            </a:r>
+            <a:r>
+              <a:rPr lang="en-US" altLang="ko-KR" sz="2000" b="1" i="0" dirty="0">
+                <a:solidFill>
+                  <a:srgbClr val="222222"/>
+                </a:solidFill>
+                <a:effectLst/>
+                <a:latin typeface="-apple-system"/>
+              </a:rPr>
+              <a:t>ast Cell Tumor</a:t>
+            </a:r>
+            <a:r>
+              <a:rPr lang="ko-KR" altLang="en-US" sz="2000" b="1" i="0" dirty="0">
+                <a:solidFill>
+                  <a:srgbClr val="222222"/>
+                </a:solidFill>
+                <a:effectLst/>
+                <a:latin typeface="-apple-system"/>
+              </a:rPr>
+              <a:t> </a:t>
+            </a:r>
+            <a:r>
+              <a:rPr lang="en-US" altLang="ko-KR" sz="2000" b="1" i="0" dirty="0">
+                <a:solidFill>
+                  <a:srgbClr val="222222"/>
+                </a:solidFill>
+                <a:effectLst/>
+                <a:latin typeface="-apple-system"/>
+              </a:rPr>
+              <a:t>–</a:t>
+            </a:r>
+            <a:r>
+              <a:rPr lang="ko-KR" altLang="en-US" sz="2000" b="1" i="0" dirty="0">
+                <a:solidFill>
+                  <a:srgbClr val="222222"/>
+                </a:solidFill>
+                <a:effectLst/>
+                <a:latin typeface="-apple-system"/>
+              </a:rPr>
+              <a:t> </a:t>
+            </a:r>
+            <a:r>
+              <a:rPr lang="ko-KR" altLang="en-US" sz="2000" b="1" dirty="0">
+                <a:solidFill>
+                  <a:srgbClr val="222222"/>
+                </a:solidFill>
+                <a:latin typeface="-apple-system"/>
+              </a:rPr>
+              <a:t>개 피부 비만 세포 종양 </a:t>
+            </a:r>
+            <a:r>
+              <a:rPr lang="en-US" altLang="ko-KR" sz="2000" b="1" dirty="0">
+                <a:solidFill>
+                  <a:srgbClr val="222222"/>
+                </a:solidFill>
+                <a:latin typeface="-apple-system"/>
+              </a:rPr>
+              <a:t>)</a:t>
+            </a:r>
+          </a:p>
+          <a:p>
+            <a:pPr algn="ctr"/>
+            <a:r>
+              <a:rPr lang="ko-KR" altLang="en-US" sz="2800" b="1" i="0" dirty="0">
+                <a:solidFill>
+                  <a:srgbClr val="222222"/>
+                </a:solidFill>
+                <a:effectLst/>
+                <a:latin typeface="-apple-system"/>
+              </a:rPr>
+              <a:t>분석</a:t>
+            </a:r>
+            <a:r>
+              <a:rPr lang="en-US" altLang="ko-KR" sz="2800" b="1" dirty="0">
+                <a:solidFill>
+                  <a:srgbClr val="222222"/>
+                </a:solidFill>
+                <a:latin typeface="-apple-system"/>
+              </a:rPr>
+              <a:t>, </a:t>
+            </a:r>
+            <a:r>
+              <a:rPr lang="ko-KR" altLang="en-US" sz="2800" b="1" dirty="0">
+                <a:solidFill>
+                  <a:srgbClr val="222222"/>
+                </a:solidFill>
+                <a:latin typeface="-apple-system"/>
+              </a:rPr>
+              <a:t>학습 보고서</a:t>
+            </a:r>
+            <a:endParaRPr lang="en-US" altLang="ko-KR" sz="2800" b="1" dirty="0">
+              <a:solidFill>
+                <a:srgbClr val="222222"/>
+              </a:solidFill>
+              <a:latin typeface="-apple-system"/>
+            </a:endParaRPr>
+          </a:p>
+          <a:p>
+            <a:pPr algn="ctr"/>
+            <a:endParaRPr lang="en-US" altLang="ko-KR" sz="2800" b="1" i="0" dirty="0">
+              <a:solidFill>
+                <a:srgbClr val="222222"/>
+              </a:solidFill>
+              <a:effectLst/>
+              <a:latin typeface="-apple-system"/>
+            </a:endParaRPr>
+          </a:p>
+          <a:p>
+            <a:pPr algn="r"/>
+            <a:r>
+              <a:rPr lang="ko-KR" altLang="en-US" sz="2000" i="0" dirty="0">
+                <a:solidFill>
+                  <a:srgbClr val="222222"/>
+                </a:solidFill>
+                <a:effectLst/>
+                <a:latin typeface="-apple-system"/>
+              </a:rPr>
+              <a:t>영우 글로벌 러닝</a:t>
+            </a:r>
+            <a:endParaRPr lang="en-US" altLang="ko-KR" sz="2000" i="0" dirty="0">
+              <a:solidFill>
+                <a:srgbClr val="222222"/>
+              </a:solidFill>
+              <a:effectLst/>
+              <a:latin typeface="-apple-system"/>
+            </a:endParaRPr>
+          </a:p>
+          <a:p>
+            <a:pPr algn="r"/>
+            <a:r>
+              <a:rPr lang="ko-KR" altLang="en-US" b="0" i="0" u="none" strike="noStrike" dirty="0">
+                <a:effectLst/>
+                <a:latin typeface="Noto Sans KR"/>
+              </a:rPr>
+              <a:t>데이터기반 인공지능 시스템 엔지니어 양성 과정</a:t>
+            </a:r>
+            <a:endParaRPr lang="en-US" altLang="ko-KR" b="0" i="0" u="none" strike="noStrike" dirty="0">
+              <a:effectLst/>
+              <a:latin typeface="Noto Sans KR"/>
+            </a:endParaRPr>
+          </a:p>
+          <a:p>
+            <a:pPr algn="r"/>
+            <a:r>
+              <a:rPr lang="ko-KR" altLang="en-US" sz="2000" i="0" dirty="0">
+                <a:solidFill>
+                  <a:srgbClr val="222222"/>
+                </a:solidFill>
+                <a:effectLst/>
+                <a:latin typeface="-apple-system"/>
+              </a:rPr>
+              <a:t> </a:t>
+            </a:r>
+            <a:r>
+              <a:rPr lang="en-US" altLang="ko-KR" sz="2000" i="0" dirty="0">
+                <a:solidFill>
+                  <a:srgbClr val="222222"/>
+                </a:solidFill>
+                <a:effectLst/>
+                <a:latin typeface="-apple-system"/>
+              </a:rPr>
+              <a:t>2</a:t>
+            </a:r>
+            <a:r>
+              <a:rPr lang="ko-KR" altLang="en-US" sz="2000" dirty="0">
+                <a:solidFill>
+                  <a:srgbClr val="222222"/>
+                </a:solidFill>
+                <a:latin typeface="-apple-system"/>
+              </a:rPr>
+              <a:t>기 교육생 </a:t>
+            </a:r>
+            <a:endParaRPr lang="en-US" altLang="ko-KR" sz="2000" dirty="0">
+              <a:solidFill>
+                <a:srgbClr val="222222"/>
+              </a:solidFill>
+              <a:latin typeface="-apple-system"/>
+            </a:endParaRPr>
+          </a:p>
+          <a:p>
+            <a:pPr algn="r"/>
+            <a:r>
+              <a:rPr lang="ko-KR" altLang="en-US" sz="2000" b="1" dirty="0">
+                <a:solidFill>
+                  <a:srgbClr val="222222"/>
+                </a:solidFill>
+                <a:latin typeface="-apple-system"/>
+              </a:rPr>
+              <a:t>이현수</a:t>
+            </a:r>
+            <a:endParaRPr lang="en-US" altLang="ko-KR" sz="2000" b="1" dirty="0">
+              <a:solidFill>
+                <a:srgbClr val="222222"/>
+              </a:solidFill>
+              <a:latin typeface="-apple-system"/>
+            </a:endParaRPr>
+          </a:p>
+          <a:p>
+            <a:pPr algn="r"/>
+            <a:r>
+              <a:rPr lang="en-US" altLang="ko-KR" sz="1400" b="1" i="0" dirty="0">
+                <a:solidFill>
+                  <a:srgbClr val="222222"/>
+                </a:solidFill>
+                <a:effectLst/>
+                <a:latin typeface="-apple-system"/>
+                <a:hlinkClick r:id="rId2"/>
+              </a:rPr>
+              <a:t>https://github.com/hslee4716/CCMCT.git</a:t>
+            </a:r>
+            <a:endParaRPr lang="en-US" altLang="ko-KR" sz="1400" b="1" i="0" dirty="0">
+              <a:solidFill>
+                <a:srgbClr val="222222"/>
+              </a:solidFill>
+              <a:effectLst/>
+              <a:latin typeface="-apple-system"/>
+            </a:endParaRPr>
+          </a:p>
+        </p:txBody>
+      </p:sp>
+    </p:spTree>
+    <p:extLst>
+      <p:ext uri="{BB962C8B-B14F-4D97-AF65-F5344CB8AC3E}">
+        <p14:creationId xmlns:p14="http://schemas.microsoft.com/office/powerpoint/2010/main" val="707398299"/>
+      </p:ext>
+    </p:extLst>
+  </p:cSld>
+  <p:clrMapOvr>
+    <a:masterClrMapping/>
+  </p:clrMapOvr>
+</p:sld>
+</file>
+
+<file path=ppt/slides/slide10.xml><?xml version="1.0" encoding="utf-8"?>
+<p:sld xmlns:a="http://schemas.openxmlformats.org/drawingml/2006/main" xmlns:r="http://schemas.openxmlformats.org/officeDocument/2006/relationships" xmlns:p="http://schemas.openxmlformats.org/presentationml/2006/main">
+  <p:cSld>
+    <p:spTree>
+      <p:nvGrpSpPr>
+        <p:cNvPr id="1" name=""/>
+        <p:cNvGrpSpPr/>
+        <p:nvPr/>
+      </p:nvGrpSpPr>
+      <p:grpSpPr>
+        <a:xfrm>
+          <a:off x="0" y="0"/>
+          <a:ext cx="0" cy="0"/>
+          <a:chOff x="0" y="0"/>
+          <a:chExt cx="0" cy="0"/>
+        </a:xfrm>
+      </p:grpSpPr>
+      <p:sp>
+        <p:nvSpPr>
+          <p:cNvPr id="12" name="TextBox 11">
+            <a:extLst>
+              <a:ext uri="{FF2B5EF4-FFF2-40B4-BE49-F238E27FC236}">
+                <a16:creationId xmlns:a16="http://schemas.microsoft.com/office/drawing/2014/main" id="{BAE49214-EC67-4EB4-A57C-448A8AEB1084}"/>
+              </a:ext>
+            </a:extLst>
+          </p:cNvPr>
+          <p:cNvSpPr txBox="1"/>
+          <p:nvPr/>
+        </p:nvSpPr>
+        <p:spPr>
+          <a:xfrm>
+            <a:off x="733390" y="370905"/>
+            <a:ext cx="7663990" cy="584775"/>
+          </a:xfrm>
+          <a:prstGeom prst="rect">
+            <a:avLst/>
+          </a:prstGeom>
+          <a:noFill/>
+        </p:spPr>
+        <p:txBody>
+          <a:bodyPr wrap="square" rtlCol="0">
+            <a:spAutoFit/>
+          </a:bodyPr>
+          <a:lstStyle/>
+          <a:p>
+            <a:r>
+              <a:rPr lang="en-US" altLang="ko-KR" sz="3200" b="1" dirty="0"/>
+              <a:t>Train </a:t>
+            </a:r>
+            <a:r>
+              <a:rPr lang="ko-KR" altLang="en-US" sz="3200" b="1" dirty="0"/>
+              <a:t>결과</a:t>
+            </a:r>
+          </a:p>
+        </p:txBody>
+      </p:sp>
+      <p:pic>
+        <p:nvPicPr>
+          <p:cNvPr id="13" name="그림 12" descr="텍스트이(가) 표시된 사진&#10;&#10;자동 생성된 설명">
+            <a:extLst>
+              <a:ext uri="{FF2B5EF4-FFF2-40B4-BE49-F238E27FC236}">
+                <a16:creationId xmlns:a16="http://schemas.microsoft.com/office/drawing/2014/main" id="{562BFC3F-A839-4915-8F0B-334DEA06631C}"/>
+              </a:ext>
+            </a:extLst>
+          </p:cNvPr>
+          <p:cNvPicPr>
+            <a:picLocks noChangeAspect="1"/>
+          </p:cNvPicPr>
+          <p:nvPr/>
+        </p:nvPicPr>
+        <p:blipFill>
+          <a:blip r:embed="rId2"/>
+          <a:stretch>
+            <a:fillRect/>
+          </a:stretch>
+        </p:blipFill>
+        <p:spPr>
+          <a:xfrm>
+            <a:off x="733390" y="1086646"/>
+            <a:ext cx="10689947" cy="1452655"/>
+          </a:xfrm>
+          <a:prstGeom prst="rect">
+            <a:avLst/>
+          </a:prstGeom>
+        </p:spPr>
+      </p:pic>
+      <p:sp>
+        <p:nvSpPr>
+          <p:cNvPr id="14" name="TextBox 13">
+            <a:extLst>
+              <a:ext uri="{FF2B5EF4-FFF2-40B4-BE49-F238E27FC236}">
+                <a16:creationId xmlns:a16="http://schemas.microsoft.com/office/drawing/2014/main" id="{F232FDDC-E269-4947-9932-AA83B8E54EA3}"/>
+              </a:ext>
+            </a:extLst>
+          </p:cNvPr>
+          <p:cNvSpPr txBox="1"/>
+          <p:nvPr/>
+        </p:nvSpPr>
+        <p:spPr>
+          <a:xfrm>
+            <a:off x="733389" y="2539301"/>
+            <a:ext cx="10689947" cy="1323439"/>
+          </a:xfrm>
+          <a:prstGeom prst="rect">
+            <a:avLst/>
+          </a:prstGeom>
+          <a:noFill/>
+        </p:spPr>
+        <p:txBody>
+          <a:bodyPr wrap="square" rtlCol="0">
+            <a:spAutoFit/>
+          </a:bodyPr>
+          <a:lstStyle/>
+          <a:p>
+            <a:r>
+              <a:rPr lang="ko-KR" altLang="en-US" sz="1600" dirty="0"/>
+              <a:t>위 표는 데이터에 대한 설명이 포함된 논문에서 </a:t>
+            </a:r>
+            <a:r>
+              <a:rPr lang="en-US" altLang="ko-KR" sz="1600" dirty="0"/>
+              <a:t>ImageNet</a:t>
+            </a:r>
+            <a:r>
+              <a:rPr lang="ko-KR" altLang="en-US" sz="1600" dirty="0"/>
+              <a:t>으로 학습된 </a:t>
+            </a:r>
+            <a:r>
+              <a:rPr lang="en-US" altLang="ko-KR" sz="1600" dirty="0"/>
+              <a:t>weights</a:t>
+            </a:r>
+            <a:r>
+              <a:rPr lang="ko-KR" altLang="en-US" sz="1600" dirty="0"/>
+              <a:t>를 포함한 </a:t>
+            </a:r>
+            <a:r>
+              <a:rPr lang="en-US" altLang="ko-KR" sz="1600" dirty="0"/>
+              <a:t>ResNet-18 </a:t>
+            </a:r>
+            <a:r>
+              <a:rPr lang="ko-KR" altLang="en-US" sz="1600" dirty="0"/>
+              <a:t>베이스의 </a:t>
+            </a:r>
+            <a:r>
+              <a:rPr lang="en-US" altLang="ko-KR" sz="1600" dirty="0"/>
+              <a:t>CNN</a:t>
+            </a:r>
+            <a:r>
+              <a:rPr lang="ko-KR" altLang="en-US" sz="1600" dirty="0"/>
+              <a:t>모델을 훈련시켜 나온 결과이며 </a:t>
+            </a:r>
+            <a:r>
+              <a:rPr lang="en-US" altLang="ko-KR" sz="1600" dirty="0"/>
+              <a:t>91.390%</a:t>
+            </a:r>
+            <a:r>
+              <a:rPr lang="ko-KR" altLang="en-US" sz="1600" dirty="0"/>
+              <a:t>의 </a:t>
+            </a:r>
+            <a:r>
+              <a:rPr lang="en-US" altLang="ko-KR" sz="1600" dirty="0"/>
+              <a:t>Accuracy</a:t>
+            </a:r>
+            <a:r>
+              <a:rPr lang="ko-KR" altLang="en-US" sz="1600" dirty="0"/>
+              <a:t>를 달성했다고 설명한다</a:t>
+            </a:r>
+            <a:r>
+              <a:rPr lang="en-US" altLang="ko-KR" sz="1600" dirty="0"/>
+              <a:t>.</a:t>
+            </a:r>
+          </a:p>
+          <a:p>
+            <a:endParaRPr lang="en-US" altLang="ko-KR" sz="1600" dirty="0"/>
+          </a:p>
+          <a:p>
+            <a:endParaRPr lang="en-US" altLang="ko-KR" sz="1600" dirty="0"/>
+          </a:p>
+          <a:p>
+            <a:endParaRPr lang="ko-KR" altLang="en-US" sz="1600" dirty="0"/>
+          </a:p>
+        </p:txBody>
+      </p:sp>
+    </p:spTree>
+    <p:extLst>
+      <p:ext uri="{BB962C8B-B14F-4D97-AF65-F5344CB8AC3E}">
+        <p14:creationId xmlns:p14="http://schemas.microsoft.com/office/powerpoint/2010/main" val="3716847769"/>
+      </p:ext>
+    </p:extLst>
+  </p:cSld>
+  <p:clrMapOvr>
+    <a:masterClrMapping/>
+  </p:clrMapOvr>
+</p:sld>
+</file>
+
+<file path=ppt/slides/slide11.xml><?xml version="1.0" encoding="utf-8"?>
+<p:sld xmlns:a="http://schemas.openxmlformats.org/drawingml/2006/main" xmlns:r="http://schemas.openxmlformats.org/officeDocument/2006/relationships" xmlns:p="http://schemas.openxmlformats.org/presentationml/2006/main">
+  <p:cSld>
+    <p:spTree>
+      <p:nvGrpSpPr>
+        <p:cNvPr id="1" name=""/>
+        <p:cNvGrpSpPr/>
+        <p:nvPr/>
+      </p:nvGrpSpPr>
+      <p:grpSpPr>
+        <a:xfrm>
+          <a:off x="0" y="0"/>
+          <a:ext cx="0" cy="0"/>
+          <a:chOff x="0" y="0"/>
+          <a:chExt cx="0" cy="0"/>
+        </a:xfrm>
+      </p:grpSpPr>
+      <p:sp>
+        <p:nvSpPr>
+          <p:cNvPr id="4" name="TextBox 3">
+            <a:extLst>
+              <a:ext uri="{FF2B5EF4-FFF2-40B4-BE49-F238E27FC236}">
+                <a16:creationId xmlns:a16="http://schemas.microsoft.com/office/drawing/2014/main" id="{830DC942-E220-432B-8AF7-AC8818D34143}"/>
+              </a:ext>
+            </a:extLst>
+          </p:cNvPr>
+          <p:cNvSpPr txBox="1"/>
+          <p:nvPr/>
+        </p:nvSpPr>
+        <p:spPr>
+          <a:xfrm>
+            <a:off x="592979" y="361048"/>
+            <a:ext cx="4350871" cy="954107"/>
+          </a:xfrm>
+          <a:prstGeom prst="rect">
+            <a:avLst/>
+          </a:prstGeom>
+          <a:noFill/>
+        </p:spPr>
+        <p:txBody>
+          <a:bodyPr wrap="none" rtlCol="0">
+            <a:spAutoFit/>
+          </a:bodyPr>
+          <a:lstStyle/>
+          <a:p>
+            <a:r>
+              <a:rPr lang="en-US" altLang="ko-KR" sz="2800" b="1" dirty="0"/>
+              <a:t>Yolo_v5</a:t>
+            </a:r>
+          </a:p>
+          <a:p>
+            <a:r>
+              <a:rPr lang="en-US" altLang="ko-KR" sz="2800" b="1" dirty="0"/>
+              <a:t>Imgsz-640 / epochs-100</a:t>
+            </a:r>
+            <a:endParaRPr lang="ko-KR" altLang="en-US" b="1" dirty="0"/>
+          </a:p>
+        </p:txBody>
+      </p:sp>
+      <p:pic>
+        <p:nvPicPr>
+          <p:cNvPr id="6" name="그림 5">
+            <a:extLst>
+              <a:ext uri="{FF2B5EF4-FFF2-40B4-BE49-F238E27FC236}">
+                <a16:creationId xmlns:a16="http://schemas.microsoft.com/office/drawing/2014/main" id="{FB221281-B44E-43A0-964B-D84FBB92E570}"/>
+              </a:ext>
+            </a:extLst>
+          </p:cNvPr>
+          <p:cNvPicPr>
+            <a:picLocks noChangeAspect="1"/>
+          </p:cNvPicPr>
+          <p:nvPr/>
+        </p:nvPicPr>
+        <p:blipFill>
+          <a:blip r:embed="rId2"/>
+          <a:stretch>
+            <a:fillRect/>
+          </a:stretch>
+        </p:blipFill>
+        <p:spPr>
+          <a:xfrm>
+            <a:off x="5271247" y="361048"/>
+            <a:ext cx="5525538" cy="4294873"/>
+          </a:xfrm>
+          <a:prstGeom prst="rect">
+            <a:avLst/>
+          </a:prstGeom>
+        </p:spPr>
+      </p:pic>
+      <p:pic>
+        <p:nvPicPr>
+          <p:cNvPr id="8" name="그림 7" descr="텍스트이(가) 표시된 사진&#10;&#10;자동 생성된 설명">
+            <a:extLst>
+              <a:ext uri="{FF2B5EF4-FFF2-40B4-BE49-F238E27FC236}">
+                <a16:creationId xmlns:a16="http://schemas.microsoft.com/office/drawing/2014/main" id="{C142CBCF-51F9-448D-A02E-E0E433901969}"/>
+              </a:ext>
+            </a:extLst>
+          </p:cNvPr>
+          <p:cNvPicPr>
+            <a:picLocks noChangeAspect="1"/>
+          </p:cNvPicPr>
+          <p:nvPr/>
+        </p:nvPicPr>
+        <p:blipFill>
+          <a:blip r:embed="rId3"/>
+          <a:stretch>
+            <a:fillRect/>
+          </a:stretch>
+        </p:blipFill>
+        <p:spPr>
+          <a:xfrm>
+            <a:off x="0" y="5200759"/>
+            <a:ext cx="12192000" cy="1657241"/>
+          </a:xfrm>
+          <a:prstGeom prst="rect">
+            <a:avLst/>
+          </a:prstGeom>
+        </p:spPr>
+      </p:pic>
+      <p:sp>
+        <p:nvSpPr>
+          <p:cNvPr id="9" name="TextBox 8">
+            <a:extLst>
+              <a:ext uri="{FF2B5EF4-FFF2-40B4-BE49-F238E27FC236}">
+                <a16:creationId xmlns:a16="http://schemas.microsoft.com/office/drawing/2014/main" id="{97EE43DE-9104-4D1E-BE8C-C9B4F9A8CDD4}"/>
+              </a:ext>
+            </a:extLst>
+          </p:cNvPr>
+          <p:cNvSpPr txBox="1"/>
+          <p:nvPr/>
+        </p:nvSpPr>
+        <p:spPr>
+          <a:xfrm>
+            <a:off x="592978" y="1429106"/>
+            <a:ext cx="5195653" cy="523220"/>
+          </a:xfrm>
+          <a:prstGeom prst="rect">
+            <a:avLst/>
+          </a:prstGeom>
+          <a:noFill/>
+        </p:spPr>
+        <p:txBody>
+          <a:bodyPr wrap="none" rtlCol="0">
+            <a:spAutoFit/>
+          </a:bodyPr>
+          <a:lstStyle/>
+          <a:p>
+            <a:r>
+              <a:rPr lang="en-US" altLang="ko-KR" sz="2800" b="1" dirty="0"/>
+              <a:t>Imgsz-320 / epochs-250 </a:t>
+            </a:r>
+            <a:r>
+              <a:rPr lang="ko-KR" altLang="en-US" sz="2800" b="1" dirty="0"/>
+              <a:t>교체</a:t>
+            </a:r>
+            <a:endParaRPr lang="ko-KR" altLang="en-US" b="1" dirty="0"/>
+          </a:p>
+        </p:txBody>
+      </p:sp>
+      <p:sp>
+        <p:nvSpPr>
+          <p:cNvPr id="2" name="TextBox 1">
+            <a:extLst>
+              <a:ext uri="{FF2B5EF4-FFF2-40B4-BE49-F238E27FC236}">
+                <a16:creationId xmlns:a16="http://schemas.microsoft.com/office/drawing/2014/main" id="{20691CF4-CAEB-4F73-9823-C6C1DFA6669F}"/>
+              </a:ext>
+            </a:extLst>
+          </p:cNvPr>
+          <p:cNvSpPr txBox="1"/>
+          <p:nvPr/>
+        </p:nvSpPr>
+        <p:spPr>
+          <a:xfrm>
+            <a:off x="0" y="4831427"/>
+            <a:ext cx="3307316" cy="369332"/>
+          </a:xfrm>
+          <a:prstGeom prst="rect">
+            <a:avLst/>
+          </a:prstGeom>
+          <a:noFill/>
+        </p:spPr>
+        <p:txBody>
+          <a:bodyPr wrap="none" rtlCol="0">
+            <a:spAutoFit/>
+          </a:bodyPr>
+          <a:lstStyle/>
+          <a:p>
+            <a:r>
+              <a:rPr lang="ko-KR" altLang="en-US" dirty="0"/>
+              <a:t>연구기관 결과 </a:t>
+            </a:r>
+            <a:r>
+              <a:rPr lang="en-US" altLang="ko-KR" dirty="0"/>
+              <a:t>: Accuracy 0.91</a:t>
+            </a:r>
+            <a:endParaRPr lang="ko-KR" altLang="en-US" dirty="0"/>
+          </a:p>
+        </p:txBody>
+      </p:sp>
+    </p:spTree>
+    <p:extLst>
+      <p:ext uri="{BB962C8B-B14F-4D97-AF65-F5344CB8AC3E}">
+        <p14:creationId xmlns:p14="http://schemas.microsoft.com/office/powerpoint/2010/main" val="511152781"/>
+      </p:ext>
+    </p:extLst>
+  </p:cSld>
+  <p:clrMapOvr>
+    <a:masterClrMapping/>
+  </p:clrMapOvr>
+</p:sld>
+</file>
+
+<file path=ppt/slides/slide12.xml><?xml version="1.0" encoding="utf-8"?>
+<p:sld xmlns:a="http://schemas.openxmlformats.org/drawingml/2006/main" xmlns:r="http://schemas.openxmlformats.org/officeDocument/2006/relationships" xmlns:p="http://schemas.openxmlformats.org/presentationml/2006/main">
+  <p:cSld>
+    <p:spTree>
+      <p:nvGrpSpPr>
+        <p:cNvPr id="1" name=""/>
+        <p:cNvGrpSpPr/>
+        <p:nvPr/>
+      </p:nvGrpSpPr>
+      <p:grpSpPr>
+        <a:xfrm>
+          <a:off x="0" y="0"/>
+          <a:ext cx="0" cy="0"/>
+          <a:chOff x="0" y="0"/>
+          <a:chExt cx="0" cy="0"/>
+        </a:xfrm>
+      </p:grpSpPr>
+      <p:sp>
+        <p:nvSpPr>
+          <p:cNvPr id="5" name="TextBox 4">
+            <a:extLst>
+              <a:ext uri="{FF2B5EF4-FFF2-40B4-BE49-F238E27FC236}">
+                <a16:creationId xmlns:a16="http://schemas.microsoft.com/office/drawing/2014/main" id="{42371601-B9F2-4BB4-BCEB-1B99B7EA1AFD}"/>
+              </a:ext>
+            </a:extLst>
+          </p:cNvPr>
+          <p:cNvSpPr txBox="1"/>
+          <p:nvPr/>
+        </p:nvSpPr>
+        <p:spPr>
+          <a:xfrm>
+            <a:off x="815788" y="580508"/>
+            <a:ext cx="7915835" cy="2677656"/>
+          </a:xfrm>
+          <a:prstGeom prst="rect">
+            <a:avLst/>
+          </a:prstGeom>
+          <a:noFill/>
+        </p:spPr>
+        <p:txBody>
+          <a:bodyPr wrap="square">
+            <a:spAutoFit/>
+          </a:bodyPr>
+          <a:lstStyle/>
+          <a:p>
+            <a:r>
+              <a:rPr lang="ko-KR" altLang="en-US" sz="2400" b="1" dirty="0"/>
+              <a:t>개 비만 세포 종양 (CMCT)</a:t>
+            </a:r>
+          </a:p>
+          <a:p>
+            <a:r>
+              <a:rPr lang="ko-KR" altLang="en-US" b="1" dirty="0"/>
+              <a:t>예후, 기수 판별에 MC(</a:t>
+            </a:r>
+            <a:r>
+              <a:rPr lang="ko-KR" altLang="en-US" b="1" dirty="0" err="1"/>
+              <a:t>Mitotic</a:t>
+            </a:r>
+            <a:r>
+              <a:rPr lang="ko-KR" altLang="en-US" b="1" dirty="0"/>
+              <a:t> </a:t>
+            </a:r>
+            <a:r>
+              <a:rPr lang="ko-KR" altLang="en-US" b="1" dirty="0" err="1"/>
+              <a:t>count</a:t>
+            </a:r>
+            <a:r>
+              <a:rPr lang="ko-KR" altLang="en-US" b="1" dirty="0"/>
+              <a:t>)가 주요 요소로 작용</a:t>
+            </a:r>
+          </a:p>
+          <a:p>
+            <a:pPr lvl="1"/>
+            <a:r>
+              <a:rPr lang="ko-KR" altLang="en-US" dirty="0"/>
+              <a:t> </a:t>
+            </a:r>
+          </a:p>
+          <a:p>
+            <a:pPr lvl="1"/>
+            <a:endParaRPr lang="en-US" altLang="ko-KR" dirty="0"/>
+          </a:p>
+          <a:p>
+            <a:pPr lvl="1"/>
+            <a:r>
+              <a:rPr lang="ko-KR" altLang="en-US" dirty="0"/>
+              <a:t>MC - 현미경 10배율 당 유사분열체 수</a:t>
+            </a:r>
+          </a:p>
+          <a:p>
+            <a:pPr lvl="1"/>
+            <a:r>
+              <a:rPr lang="ko-KR" altLang="en-US" dirty="0" err="1"/>
+              <a:t>AgNOR</a:t>
+            </a:r>
+            <a:r>
+              <a:rPr lang="ko-KR" altLang="en-US" dirty="0"/>
+              <a:t> - 세포주기 진행속도</a:t>
+            </a:r>
+          </a:p>
+          <a:p>
+            <a:pPr lvl="1"/>
+            <a:r>
+              <a:rPr lang="ko-KR" altLang="en-US" dirty="0"/>
+              <a:t>Ni67 - 성장을 식별하는 면역조직화학(IHC)방법 분수</a:t>
+            </a:r>
+          </a:p>
+          <a:p>
+            <a:pPr lvl="1"/>
+            <a:r>
+              <a:rPr lang="ko-KR" altLang="en-US" dirty="0"/>
+              <a:t>AG67 - </a:t>
+            </a:r>
+            <a:r>
+              <a:rPr lang="ko-KR" altLang="en-US" dirty="0" err="1"/>
+              <a:t>AgNor</a:t>
+            </a:r>
+            <a:r>
+              <a:rPr lang="ko-KR" altLang="en-US" dirty="0"/>
+              <a:t>, Ni67 측정에서 </a:t>
+            </a:r>
+            <a:r>
+              <a:rPr lang="ko-KR" altLang="en-US" dirty="0" err="1"/>
+              <a:t>얻을수</a:t>
+            </a:r>
+            <a:r>
+              <a:rPr lang="ko-KR" altLang="en-US" dirty="0"/>
+              <a:t> 있는 인자</a:t>
+            </a:r>
+          </a:p>
+          <a:p>
+            <a:pPr lvl="1"/>
+            <a:r>
+              <a:rPr lang="ko-KR" altLang="en-US" dirty="0"/>
+              <a:t>...</a:t>
+            </a:r>
+          </a:p>
+        </p:txBody>
+      </p:sp>
+      <p:pic>
+        <p:nvPicPr>
+          <p:cNvPr id="6" name="그림 5">
+            <a:extLst>
+              <a:ext uri="{FF2B5EF4-FFF2-40B4-BE49-F238E27FC236}">
+                <a16:creationId xmlns:a16="http://schemas.microsoft.com/office/drawing/2014/main" id="{97E2D630-FCE7-47C8-9F18-111D11853F51}"/>
+              </a:ext>
+            </a:extLst>
+          </p:cNvPr>
+          <p:cNvPicPr>
+            <a:picLocks noChangeAspect="1"/>
+          </p:cNvPicPr>
+          <p:nvPr/>
+        </p:nvPicPr>
+        <p:blipFill>
+          <a:blip r:embed="rId2"/>
+          <a:stretch>
+            <a:fillRect/>
+          </a:stretch>
+        </p:blipFill>
+        <p:spPr>
+          <a:xfrm>
+            <a:off x="818870" y="3932350"/>
+            <a:ext cx="10554260" cy="1826072"/>
+          </a:xfrm>
+          <a:prstGeom prst="rect">
+            <a:avLst/>
+          </a:prstGeom>
+        </p:spPr>
+      </p:pic>
+    </p:spTree>
+    <p:extLst>
+      <p:ext uri="{BB962C8B-B14F-4D97-AF65-F5344CB8AC3E}">
+        <p14:creationId xmlns:p14="http://schemas.microsoft.com/office/powerpoint/2010/main" val="366933108"/>
+      </p:ext>
+    </p:extLst>
+  </p:cSld>
+  <p:clrMapOvr>
+    <a:masterClrMapping/>
+  </p:clrMapOvr>
+</p:sld>
+</file>
+
+<file path=ppt/slides/slide13.xml><?xml version="1.0" encoding="utf-8"?>
+<p:sld xmlns:a="http://schemas.openxmlformats.org/drawingml/2006/main" xmlns:r="http://schemas.openxmlformats.org/officeDocument/2006/relationships" xmlns:p="http://schemas.openxmlformats.org/presentationml/2006/main">
+  <p:cSld>
+    <p:spTree>
+      <p:nvGrpSpPr>
+        <p:cNvPr id="1" name=""/>
+        <p:cNvGrpSpPr/>
+        <p:nvPr/>
+      </p:nvGrpSpPr>
+      <p:grpSpPr>
+        <a:xfrm>
+          <a:off x="0" y="0"/>
+          <a:ext cx="0" cy="0"/>
+          <a:chOff x="0" y="0"/>
+          <a:chExt cx="0" cy="0"/>
+        </a:xfrm>
+      </p:grpSpPr>
+      <p:pic>
+        <p:nvPicPr>
+          <p:cNvPr id="5" name="그림 4" descr="텍스트이(가) 표시된 사진&#10;&#10;자동 생성된 설명">
+            <a:extLst>
+              <a:ext uri="{FF2B5EF4-FFF2-40B4-BE49-F238E27FC236}">
+                <a16:creationId xmlns:a16="http://schemas.microsoft.com/office/drawing/2014/main" id="{2CBA8066-4E1F-4755-BE8A-82348FB45F0F}"/>
+              </a:ext>
+            </a:extLst>
+          </p:cNvPr>
+          <p:cNvPicPr>
+            <a:picLocks noChangeAspect="1"/>
+          </p:cNvPicPr>
+          <p:nvPr/>
+        </p:nvPicPr>
+        <p:blipFill>
+          <a:blip r:embed="rId2"/>
+          <a:stretch>
+            <a:fillRect/>
+          </a:stretch>
+        </p:blipFill>
+        <p:spPr>
+          <a:xfrm>
+            <a:off x="709284" y="3747052"/>
+            <a:ext cx="5810250" cy="2124075"/>
+          </a:xfrm>
+          <a:prstGeom prst="rect">
+            <a:avLst/>
+          </a:prstGeom>
+        </p:spPr>
+      </p:pic>
+      <p:pic>
+        <p:nvPicPr>
+          <p:cNvPr id="6" name="그림 5" descr="텍스트이(가) 표시된 사진&#10;&#10;자동 생성된 설명">
+            <a:extLst>
+              <a:ext uri="{FF2B5EF4-FFF2-40B4-BE49-F238E27FC236}">
+                <a16:creationId xmlns:a16="http://schemas.microsoft.com/office/drawing/2014/main" id="{619BBC28-D851-4F92-ACEF-AE3F607C8182}"/>
+              </a:ext>
+            </a:extLst>
+          </p:cNvPr>
+          <p:cNvPicPr>
+            <a:picLocks noChangeAspect="1"/>
+          </p:cNvPicPr>
+          <p:nvPr/>
+        </p:nvPicPr>
+        <p:blipFill>
+          <a:blip r:embed="rId3"/>
+          <a:stretch>
+            <a:fillRect/>
+          </a:stretch>
+        </p:blipFill>
+        <p:spPr>
+          <a:xfrm>
+            <a:off x="598783" y="2309979"/>
+            <a:ext cx="7062788" cy="1282847"/>
+          </a:xfrm>
+          <a:prstGeom prst="rect">
+            <a:avLst/>
+          </a:prstGeom>
+        </p:spPr>
+      </p:pic>
+      <p:sp>
+        <p:nvSpPr>
+          <p:cNvPr id="7" name="TextBox 6">
+            <a:extLst>
+              <a:ext uri="{FF2B5EF4-FFF2-40B4-BE49-F238E27FC236}">
+                <a16:creationId xmlns:a16="http://schemas.microsoft.com/office/drawing/2014/main" id="{01A9E543-DABC-41BC-A334-8C0788E5A1B4}"/>
+              </a:ext>
+            </a:extLst>
+          </p:cNvPr>
+          <p:cNvSpPr txBox="1"/>
+          <p:nvPr/>
+        </p:nvSpPr>
+        <p:spPr>
+          <a:xfrm>
+            <a:off x="7930049" y="3841330"/>
+            <a:ext cx="2838450" cy="646331"/>
+          </a:xfrm>
+          <a:prstGeom prst="rect">
+            <a:avLst/>
+          </a:prstGeom>
+          <a:noFill/>
+        </p:spPr>
+        <p:txBody>
+          <a:bodyPr wrap="square" rtlCol="0">
+            <a:spAutoFit/>
+          </a:bodyPr>
+          <a:lstStyle/>
+          <a:p>
+            <a:r>
+              <a:rPr lang="en-US" altLang="ko-KR" dirty="0"/>
+              <a:t>640 x 640</a:t>
+            </a:r>
+            <a:r>
+              <a:rPr lang="ko-KR" altLang="en-US" dirty="0"/>
+              <a:t>당 평균 몇 개의 </a:t>
+            </a:r>
+            <a:r>
+              <a:rPr lang="en-US" altLang="ko-KR" dirty="0"/>
+              <a:t>Mitotic cell </a:t>
+            </a:r>
+            <a:r>
+              <a:rPr lang="ko-KR" altLang="en-US" dirty="0"/>
+              <a:t>이 있는가</a:t>
+            </a:r>
+          </a:p>
+        </p:txBody>
+      </p:sp>
+      <p:sp>
+        <p:nvSpPr>
+          <p:cNvPr id="8" name="TextBox 7">
+            <a:extLst>
+              <a:ext uri="{FF2B5EF4-FFF2-40B4-BE49-F238E27FC236}">
+                <a16:creationId xmlns:a16="http://schemas.microsoft.com/office/drawing/2014/main" id="{6F436CDC-80A1-4A39-BA59-E91EF2702634}"/>
+              </a:ext>
+            </a:extLst>
+          </p:cNvPr>
+          <p:cNvSpPr txBox="1"/>
+          <p:nvPr/>
+        </p:nvSpPr>
+        <p:spPr>
+          <a:xfrm>
+            <a:off x="815788" y="580508"/>
+            <a:ext cx="7915835" cy="369332"/>
+          </a:xfrm>
+          <a:prstGeom prst="rect">
+            <a:avLst/>
+          </a:prstGeom>
+          <a:noFill/>
+        </p:spPr>
+        <p:txBody>
+          <a:bodyPr wrap="square">
+            <a:spAutoFit/>
+          </a:bodyPr>
+          <a:lstStyle/>
+          <a:p>
+            <a:r>
+              <a:rPr lang="ko-KR" altLang="en-US" b="1" dirty="0"/>
+              <a:t>현재 데이터에서 </a:t>
+            </a:r>
+            <a:r>
+              <a:rPr lang="en-US" altLang="ko-KR" b="1" dirty="0"/>
+              <a:t>MC(Mitotic</a:t>
+            </a:r>
+            <a:r>
+              <a:rPr lang="ko-KR" altLang="en-US" b="1" dirty="0"/>
+              <a:t> </a:t>
+            </a:r>
+            <a:r>
+              <a:rPr lang="en-US" altLang="ko-KR" b="1" dirty="0"/>
+              <a:t>count)</a:t>
+            </a:r>
+            <a:r>
+              <a:rPr lang="ko-KR" altLang="en-US" b="1" dirty="0"/>
+              <a:t> 측정</a:t>
+            </a:r>
+            <a:endParaRPr lang="ko-KR" altLang="en-US" dirty="0"/>
+          </a:p>
+        </p:txBody>
+      </p:sp>
+    </p:spTree>
+    <p:extLst>
+      <p:ext uri="{BB962C8B-B14F-4D97-AF65-F5344CB8AC3E}">
+        <p14:creationId xmlns:p14="http://schemas.microsoft.com/office/powerpoint/2010/main" val="4208308462"/>
+      </p:ext>
+    </p:extLst>
+  </p:cSld>
+  <p:clrMapOvr>
+    <a:masterClrMapping/>
+  </p:clrMapOvr>
+</p:sld>
+</file>
+
+<file path=ppt/slides/slide14.xml><?xml version="1.0" encoding="utf-8"?>
+<p:sld xmlns:a="http://schemas.openxmlformats.org/drawingml/2006/main" xmlns:r="http://schemas.openxmlformats.org/officeDocument/2006/relationships" xmlns:p="http://schemas.openxmlformats.org/presentationml/2006/main">
+  <p:cSld>
+    <p:spTree>
+      <p:nvGrpSpPr>
+        <p:cNvPr id="1" name=""/>
+        <p:cNvGrpSpPr/>
+        <p:nvPr/>
+      </p:nvGrpSpPr>
+      <p:grpSpPr>
+        <a:xfrm>
+          <a:off x="0" y="0"/>
+          <a:ext cx="0" cy="0"/>
+          <a:chOff x="0" y="0"/>
+          <a:chExt cx="0" cy="0"/>
+        </a:xfrm>
+      </p:grpSpPr>
+      <p:pic>
+        <p:nvPicPr>
+          <p:cNvPr id="7" name="그림 6">
+            <a:extLst>
+              <a:ext uri="{FF2B5EF4-FFF2-40B4-BE49-F238E27FC236}">
+                <a16:creationId xmlns:a16="http://schemas.microsoft.com/office/drawing/2014/main" id="{52C50A1C-0379-4C9D-86DA-BE5269178CE5}"/>
+              </a:ext>
+            </a:extLst>
+          </p:cNvPr>
+          <p:cNvPicPr>
+            <a:picLocks noChangeAspect="1"/>
+          </p:cNvPicPr>
+          <p:nvPr/>
+        </p:nvPicPr>
+        <p:blipFill>
+          <a:blip r:embed="rId2"/>
+          <a:stretch>
+            <a:fillRect/>
+          </a:stretch>
+        </p:blipFill>
+        <p:spPr>
+          <a:xfrm>
+            <a:off x="815788" y="2163176"/>
+            <a:ext cx="7811060" cy="2531648"/>
+          </a:xfrm>
+          <a:prstGeom prst="rect">
+            <a:avLst/>
+          </a:prstGeom>
+        </p:spPr>
+      </p:pic>
+      <p:sp>
+        <p:nvSpPr>
+          <p:cNvPr id="8" name="TextBox 7">
+            <a:extLst>
+              <a:ext uri="{FF2B5EF4-FFF2-40B4-BE49-F238E27FC236}">
+                <a16:creationId xmlns:a16="http://schemas.microsoft.com/office/drawing/2014/main" id="{517B3557-8AE8-4FA4-82DA-550A87889C3E}"/>
+              </a:ext>
+            </a:extLst>
+          </p:cNvPr>
+          <p:cNvSpPr txBox="1"/>
+          <p:nvPr/>
+        </p:nvSpPr>
+        <p:spPr>
+          <a:xfrm>
+            <a:off x="815788" y="580508"/>
+            <a:ext cx="7915835" cy="646331"/>
+          </a:xfrm>
+          <a:prstGeom prst="rect">
+            <a:avLst/>
+          </a:prstGeom>
+          <a:noFill/>
+        </p:spPr>
+        <p:txBody>
+          <a:bodyPr wrap="square">
+            <a:spAutoFit/>
+          </a:bodyPr>
+          <a:lstStyle/>
+          <a:p>
+            <a:r>
+              <a:rPr lang="ko-KR" altLang="en-US" b="1" dirty="0"/>
+              <a:t>특정 범위에 </a:t>
+            </a:r>
+            <a:r>
+              <a:rPr lang="en-US" altLang="ko-KR" b="1" dirty="0"/>
+              <a:t>Mitotic Cell</a:t>
+            </a:r>
+            <a:r>
+              <a:rPr lang="ko-KR" altLang="en-US" b="1" dirty="0"/>
+              <a:t>이 얼마나 분포되어 있는지도 기수 판별의 주 요소 </a:t>
+            </a:r>
+          </a:p>
+          <a:p>
+            <a:pPr lvl="1"/>
+            <a:r>
+              <a:rPr lang="en-US" altLang="ko-KR" dirty="0"/>
+              <a:t>-&gt;</a:t>
+            </a:r>
+            <a:r>
+              <a:rPr lang="ko-KR" altLang="en-US" dirty="0"/>
+              <a:t> </a:t>
+            </a:r>
+            <a:r>
+              <a:rPr lang="en-US" altLang="ko-KR" dirty="0"/>
+              <a:t>MC</a:t>
+            </a:r>
+            <a:r>
+              <a:rPr lang="ko-KR" altLang="en-US" dirty="0"/>
+              <a:t> 분포 시각화</a:t>
+            </a:r>
+          </a:p>
+        </p:txBody>
+      </p:sp>
+    </p:spTree>
+    <p:extLst>
+      <p:ext uri="{BB962C8B-B14F-4D97-AF65-F5344CB8AC3E}">
+        <p14:creationId xmlns:p14="http://schemas.microsoft.com/office/powerpoint/2010/main" val="2681682413"/>
+      </p:ext>
+    </p:extLst>
+  </p:cSld>
+  <p:clrMapOvr>
+    <a:masterClrMapping/>
+  </p:clrMapOvr>
+</p:sld>
+</file>
+
+<file path=ppt/slides/slide15.xml><?xml version="1.0" encoding="utf-8"?>
+<p:sld xmlns:a="http://schemas.openxmlformats.org/drawingml/2006/main" xmlns:r="http://schemas.openxmlformats.org/officeDocument/2006/relationships" xmlns:p="http://schemas.openxmlformats.org/presentationml/2006/main">
+  <p:cSld>
+    <p:spTree>
+      <p:nvGrpSpPr>
+        <p:cNvPr id="1" name=""/>
+        <p:cNvGrpSpPr/>
+        <p:nvPr/>
+      </p:nvGrpSpPr>
+      <p:grpSpPr>
+        <a:xfrm>
+          <a:off x="0" y="0"/>
+          <a:ext cx="0" cy="0"/>
+          <a:chOff x="0" y="0"/>
+          <a:chExt cx="0" cy="0"/>
+        </a:xfrm>
+      </p:grpSpPr>
+      <p:sp>
+        <p:nvSpPr>
+          <p:cNvPr id="5" name="TextBox 4">
+            <a:extLst>
+              <a:ext uri="{FF2B5EF4-FFF2-40B4-BE49-F238E27FC236}">
+                <a16:creationId xmlns:a16="http://schemas.microsoft.com/office/drawing/2014/main" id="{CF9FE0CA-3DAC-4BFE-9617-75D21A49ADD6}"/>
+              </a:ext>
+            </a:extLst>
+          </p:cNvPr>
+          <p:cNvSpPr txBox="1"/>
+          <p:nvPr/>
+        </p:nvSpPr>
+        <p:spPr>
+          <a:xfrm>
+            <a:off x="546848" y="1119698"/>
+            <a:ext cx="6096000" cy="369332"/>
+          </a:xfrm>
+          <a:prstGeom prst="rect">
+            <a:avLst/>
+          </a:prstGeom>
+          <a:noFill/>
+        </p:spPr>
+        <p:txBody>
+          <a:bodyPr wrap="square">
+            <a:spAutoFit/>
+          </a:bodyPr>
+          <a:lstStyle/>
+          <a:p>
+            <a:r>
+              <a:rPr lang="ko-KR" altLang="en-US" dirty="0"/>
+              <a:t>https://www.nature.com/articles/s41597-019-0290-4</a:t>
+            </a:r>
+          </a:p>
+        </p:txBody>
+      </p:sp>
+      <p:sp>
+        <p:nvSpPr>
+          <p:cNvPr id="6" name="TextBox 5">
+            <a:extLst>
+              <a:ext uri="{FF2B5EF4-FFF2-40B4-BE49-F238E27FC236}">
+                <a16:creationId xmlns:a16="http://schemas.microsoft.com/office/drawing/2014/main" id="{2004FDD7-65CE-40ED-83D9-771F10BCD1A5}"/>
+              </a:ext>
+            </a:extLst>
+          </p:cNvPr>
+          <p:cNvSpPr txBox="1"/>
+          <p:nvPr/>
+        </p:nvSpPr>
+        <p:spPr>
+          <a:xfrm>
+            <a:off x="546848" y="393557"/>
+            <a:ext cx="6096000" cy="523220"/>
+          </a:xfrm>
+          <a:prstGeom prst="rect">
+            <a:avLst/>
+          </a:prstGeom>
+          <a:noFill/>
+        </p:spPr>
+        <p:txBody>
+          <a:bodyPr wrap="square">
+            <a:spAutoFit/>
+          </a:bodyPr>
+          <a:lstStyle/>
+          <a:p>
+            <a:r>
+              <a:rPr lang="ko-KR" altLang="en-US" sz="2800" b="1" dirty="0"/>
+              <a:t>출처</a:t>
+            </a:r>
+          </a:p>
+        </p:txBody>
+      </p:sp>
+      <p:sp>
+        <p:nvSpPr>
+          <p:cNvPr id="7" name="TextBox 6">
+            <a:extLst>
+              <a:ext uri="{FF2B5EF4-FFF2-40B4-BE49-F238E27FC236}">
+                <a16:creationId xmlns:a16="http://schemas.microsoft.com/office/drawing/2014/main" id="{3295E44A-992B-424A-88BF-1B3980E92D60}"/>
+              </a:ext>
+            </a:extLst>
+          </p:cNvPr>
+          <p:cNvSpPr txBox="1"/>
+          <p:nvPr/>
+        </p:nvSpPr>
+        <p:spPr>
+          <a:xfrm>
+            <a:off x="546848" y="1691951"/>
+            <a:ext cx="10201834" cy="369332"/>
+          </a:xfrm>
+          <a:prstGeom prst="rect">
+            <a:avLst/>
+          </a:prstGeom>
+          <a:noFill/>
+        </p:spPr>
+        <p:txBody>
+          <a:bodyPr wrap="square">
+            <a:spAutoFit/>
+          </a:bodyPr>
+          <a:lstStyle/>
+          <a:p>
+            <a:r>
+              <a:rPr lang="ko-KR" altLang="en-US" dirty="0">
+                <a:hlinkClick r:id="rId2"/>
+              </a:rPr>
+              <a:t>https://www.kaggle.com/marcaubreville/first-steps-with-the-mitos-wsi-ccmct-data-set</a:t>
+            </a:r>
+            <a:endParaRPr lang="ko-KR" altLang="en-US" dirty="0"/>
+          </a:p>
+        </p:txBody>
+      </p:sp>
+      <p:sp>
+        <p:nvSpPr>
+          <p:cNvPr id="8" name="TextBox 7">
+            <a:extLst>
+              <a:ext uri="{FF2B5EF4-FFF2-40B4-BE49-F238E27FC236}">
+                <a16:creationId xmlns:a16="http://schemas.microsoft.com/office/drawing/2014/main" id="{7505E8EE-727E-4274-A799-DD8DAF408453}"/>
+              </a:ext>
+            </a:extLst>
+          </p:cNvPr>
+          <p:cNvSpPr txBox="1"/>
+          <p:nvPr/>
+        </p:nvSpPr>
+        <p:spPr>
+          <a:xfrm>
+            <a:off x="546848" y="3149967"/>
+            <a:ext cx="10554259" cy="338554"/>
+          </a:xfrm>
+          <a:prstGeom prst="rect">
+            <a:avLst/>
+          </a:prstGeom>
+          <a:noFill/>
+        </p:spPr>
+        <p:txBody>
+          <a:bodyPr wrap="square">
+            <a:spAutoFit/>
+          </a:bodyPr>
+          <a:lstStyle/>
+          <a:p>
+            <a:r>
+              <a:rPr lang="en-US" altLang="ko-KR" sz="1600" b="0" i="0" dirty="0">
+                <a:solidFill>
+                  <a:schemeClr val="tx1">
+                    <a:lumMod val="50000"/>
+                    <a:lumOff val="50000"/>
+                  </a:schemeClr>
+                </a:solidFill>
+                <a:effectLst/>
+                <a:latin typeface="Roboto" panose="020B0604020202020204" pitchFamily="2" charset="0"/>
+              </a:rPr>
+              <a:t>Histopathology and prognostic panels to aid in the diagnosis and management</a:t>
+            </a:r>
+            <a:endParaRPr lang="ko-KR" altLang="en-US" sz="1600" dirty="0">
+              <a:solidFill>
+                <a:schemeClr val="tx1">
+                  <a:lumMod val="50000"/>
+                  <a:lumOff val="50000"/>
+                </a:schemeClr>
+              </a:solidFill>
+            </a:endParaRPr>
+          </a:p>
+        </p:txBody>
+      </p:sp>
+      <p:sp>
+        <p:nvSpPr>
+          <p:cNvPr id="10" name="TextBox 9">
+            <a:extLst>
+              <a:ext uri="{FF2B5EF4-FFF2-40B4-BE49-F238E27FC236}">
+                <a16:creationId xmlns:a16="http://schemas.microsoft.com/office/drawing/2014/main" id="{A838AAED-99C7-4BDB-8F69-4AE0D505DE9F}"/>
+              </a:ext>
+            </a:extLst>
+          </p:cNvPr>
+          <p:cNvSpPr txBox="1"/>
+          <p:nvPr/>
+        </p:nvSpPr>
+        <p:spPr>
+          <a:xfrm>
+            <a:off x="546848" y="3663531"/>
+            <a:ext cx="8534399" cy="646331"/>
+          </a:xfrm>
+          <a:prstGeom prst="rect">
+            <a:avLst/>
+          </a:prstGeom>
+          <a:noFill/>
+        </p:spPr>
+        <p:txBody>
+          <a:bodyPr wrap="square">
+            <a:spAutoFit/>
+          </a:bodyPr>
+          <a:lstStyle/>
+          <a:p>
+            <a:r>
+              <a:rPr lang="en-US" altLang="ko-KR" dirty="0">
+                <a:solidFill>
+                  <a:schemeClr val="tx1">
+                    <a:lumMod val="50000"/>
+                    <a:lumOff val="50000"/>
+                  </a:schemeClr>
+                </a:solidFill>
+              </a:rPr>
+              <a:t>Computerized Calculation of Mitotic Count Distribution in Canine Cutaneous Mast Cell Tumor Sections: Mitotic Count Is Area Dependent</a:t>
+            </a:r>
+            <a:endParaRPr lang="ko-KR" altLang="en-US" dirty="0">
+              <a:solidFill>
+                <a:schemeClr val="tx1">
+                  <a:lumMod val="50000"/>
+                  <a:lumOff val="50000"/>
+                </a:schemeClr>
+              </a:solidFill>
+            </a:endParaRPr>
+          </a:p>
+        </p:txBody>
+      </p:sp>
+      <p:sp>
+        <p:nvSpPr>
+          <p:cNvPr id="11" name="TextBox 10">
+            <a:extLst>
+              <a:ext uri="{FF2B5EF4-FFF2-40B4-BE49-F238E27FC236}">
+                <a16:creationId xmlns:a16="http://schemas.microsoft.com/office/drawing/2014/main" id="{2B50A4C7-A6EF-4ADF-A02C-827774D8EF9F}"/>
+              </a:ext>
+            </a:extLst>
+          </p:cNvPr>
+          <p:cNvSpPr txBox="1"/>
+          <p:nvPr/>
+        </p:nvSpPr>
+        <p:spPr>
+          <a:xfrm>
+            <a:off x="546848" y="2574847"/>
+            <a:ext cx="6096000" cy="400110"/>
+          </a:xfrm>
+          <a:prstGeom prst="rect">
+            <a:avLst/>
+          </a:prstGeom>
+          <a:noFill/>
+        </p:spPr>
+        <p:txBody>
+          <a:bodyPr wrap="square">
+            <a:spAutoFit/>
+          </a:bodyPr>
+          <a:lstStyle/>
+          <a:p>
+            <a:r>
+              <a:rPr lang="ko-KR" altLang="en-US" sz="2000" b="1"/>
+              <a:t>논문</a:t>
+            </a:r>
+            <a:endParaRPr lang="ko-KR" altLang="en-US" sz="2000" b="1" dirty="0"/>
+          </a:p>
+        </p:txBody>
+      </p:sp>
+      <p:graphicFrame>
+        <p:nvGraphicFramePr>
+          <p:cNvPr id="13" name="개체 12">
+            <a:hlinkClick r:id="" action="ppaction://ole?verb=0"/>
+            <a:extLst>
+              <a:ext uri="{FF2B5EF4-FFF2-40B4-BE49-F238E27FC236}">
+                <a16:creationId xmlns:a16="http://schemas.microsoft.com/office/drawing/2014/main" id="{5C9536E6-009E-482D-AEE2-73041754395F}"/>
+              </a:ext>
+            </a:extLst>
+          </p:cNvPr>
+          <p:cNvGraphicFramePr>
+            <a:graphicFrameLocks noChangeAspect="1"/>
+          </p:cNvGraphicFramePr>
+          <p:nvPr>
+            <p:extLst>
+              <p:ext uri="{D42A27DB-BD31-4B8C-83A1-F6EECF244321}">
+                <p14:modId xmlns:p14="http://schemas.microsoft.com/office/powerpoint/2010/main" val="1140434774"/>
+              </p:ext>
+            </p:extLst>
+          </p:nvPr>
+        </p:nvGraphicFramePr>
+        <p:xfrm>
+          <a:off x="7747000" y="2578100"/>
+          <a:ext cx="1905000" cy="998538"/>
+        </p:xfrm>
+        <a:graphic>
+          <a:graphicData uri="http://schemas.openxmlformats.org/presentationml/2006/ole">
+            <mc:AlternateContent xmlns:mc="http://schemas.openxmlformats.org/markup-compatibility/2006">
+              <mc:Choice xmlns:v="urn:schemas-microsoft-com:vml" Requires="v">
+                <p:oleObj name="포장기 셸 개체" showAsIcon="1" r:id="rId3" imgW="1019880" imgH="534600" progId="Package">
+                  <p:embed/>
+                </p:oleObj>
+              </mc:Choice>
+              <mc:Fallback>
+                <p:oleObj name="포장기 셸 개체" showAsIcon="1" r:id="rId3" imgW="1019880" imgH="534600" progId="Package">
+                  <p:embed/>
+                  <p:pic>
+                    <p:nvPicPr>
+                      <p:cNvPr id="0" name=""/>
+                      <p:cNvPicPr/>
+                      <p:nvPr/>
+                    </p:nvPicPr>
+                    <p:blipFill>
+                      <a:blip r:embed="rId4"/>
+                      <a:stretch>
+                        <a:fillRect/>
+                      </a:stretch>
+                    </p:blipFill>
+                    <p:spPr>
+                      <a:xfrm>
+                        <a:off x="7747000" y="2578100"/>
+                        <a:ext cx="1905000" cy="998538"/>
+                      </a:xfrm>
+                      <a:prstGeom prst="rect">
+                        <a:avLst/>
+                      </a:prstGeom>
+                    </p:spPr>
+                  </p:pic>
+                </p:oleObj>
+              </mc:Fallback>
+            </mc:AlternateContent>
+          </a:graphicData>
+        </a:graphic>
+      </p:graphicFrame>
+    </p:spTree>
+    <p:extLst>
+      <p:ext uri="{BB962C8B-B14F-4D97-AF65-F5344CB8AC3E}">
+        <p14:creationId xmlns:p14="http://schemas.microsoft.com/office/powerpoint/2010/main" val="554509317"/>
+      </p:ext>
+    </p:extLst>
+  </p:cSld>
+  <p:clrMapOvr>
+    <a:masterClrMapping/>
+  </p:clrMapOvr>
+</p:sld>
+</file>
+
+<file path=ppt/slides/slide16.xml><?xml version="1.0" encoding="utf-8"?>
+<p:sld xmlns:a="http://schemas.openxmlformats.org/drawingml/2006/main" xmlns:r="http://schemas.openxmlformats.org/officeDocument/2006/relationships" xmlns:p="http://schemas.openxmlformats.org/presentationml/2006/main">
+  <p:cSld>
+    <p:spTree>
+      <p:nvGrpSpPr>
+        <p:cNvPr id="1" name=""/>
+        <p:cNvGrpSpPr/>
+        <p:nvPr/>
+      </p:nvGrpSpPr>
+      <p:grpSpPr>
+        <a:xfrm>
+          <a:off x="0" y="0"/>
+          <a:ext cx="0" cy="0"/>
+          <a:chOff x="0" y="0"/>
+          <a:chExt cx="0" cy="0"/>
+        </a:xfrm>
+      </p:grpSpPr>
+      <p:sp>
+        <p:nvSpPr>
+          <p:cNvPr id="4" name="TextBox 3">
+            <a:extLst>
+              <a:ext uri="{FF2B5EF4-FFF2-40B4-BE49-F238E27FC236}">
+                <a16:creationId xmlns:a16="http://schemas.microsoft.com/office/drawing/2014/main" id="{92F8DAC5-4575-4671-8AC5-0BBB967E14D7}"/>
+              </a:ext>
+            </a:extLst>
+          </p:cNvPr>
+          <p:cNvSpPr txBox="1"/>
+          <p:nvPr/>
+        </p:nvSpPr>
+        <p:spPr>
+          <a:xfrm>
+            <a:off x="815788" y="580508"/>
+            <a:ext cx="11123663" cy="3693319"/>
+          </a:xfrm>
+          <a:prstGeom prst="rect">
+            <a:avLst/>
+          </a:prstGeom>
+          <a:noFill/>
+        </p:spPr>
+        <p:txBody>
+          <a:bodyPr wrap="square">
+            <a:spAutoFit/>
+          </a:bodyPr>
+          <a:lstStyle/>
+          <a:p>
+            <a:r>
+              <a:rPr lang="ko-KR" altLang="en-US" dirty="0"/>
+              <a:t>과정</a:t>
+            </a:r>
+            <a:endParaRPr lang="en-US" altLang="ko-KR" dirty="0"/>
+          </a:p>
+          <a:p>
+            <a:r>
+              <a:rPr lang="en-US" altLang="ko-KR" dirty="0"/>
+              <a:t>	</a:t>
+            </a:r>
+            <a:r>
+              <a:rPr lang="ko-KR" altLang="en-US" dirty="0" err="1"/>
+              <a:t>전처리</a:t>
+            </a:r>
+            <a:r>
+              <a:rPr lang="ko-KR" altLang="en-US" dirty="0"/>
+              <a:t> </a:t>
+            </a:r>
+            <a:r>
+              <a:rPr lang="en-US" altLang="ko-KR" dirty="0"/>
+              <a:t>– </a:t>
+            </a:r>
+            <a:r>
+              <a:rPr lang="en-US" altLang="ko-KR" dirty="0" err="1"/>
+              <a:t>dcm</a:t>
+            </a:r>
+            <a:r>
+              <a:rPr lang="en-US" altLang="ko-KR" dirty="0"/>
+              <a:t> to </a:t>
+            </a:r>
+            <a:r>
+              <a:rPr lang="en-US" altLang="ko-KR" dirty="0" err="1"/>
+              <a:t>png</a:t>
+            </a:r>
+            <a:r>
+              <a:rPr lang="en-US" altLang="ko-KR" dirty="0"/>
+              <a:t> (640, 320, 256)</a:t>
+            </a:r>
+          </a:p>
+          <a:p>
+            <a:endParaRPr lang="en-US" altLang="ko-KR" dirty="0"/>
+          </a:p>
+          <a:p>
+            <a:r>
+              <a:rPr lang="en-US" altLang="ko-KR" dirty="0"/>
+              <a:t>	1. yolov5s</a:t>
+            </a:r>
+            <a:r>
+              <a:rPr lang="ko-KR" altLang="en-US" dirty="0"/>
+              <a:t> </a:t>
+            </a:r>
+            <a:r>
+              <a:rPr lang="en-US" altLang="ko-KR" dirty="0"/>
+              <a:t>–</a:t>
+            </a:r>
+            <a:r>
+              <a:rPr lang="ko-KR" altLang="en-US" dirty="0"/>
+              <a:t> </a:t>
+            </a:r>
+            <a:r>
+              <a:rPr lang="en-US" altLang="ko-KR" dirty="0"/>
+              <a:t>img640</a:t>
+            </a:r>
+            <a:r>
+              <a:rPr lang="ko-KR" altLang="en-US" dirty="0"/>
+              <a:t> </a:t>
+            </a:r>
+            <a:r>
+              <a:rPr lang="en-US" altLang="ko-KR" dirty="0"/>
+              <a:t>epochs</a:t>
+            </a:r>
+            <a:r>
+              <a:rPr lang="ko-KR" altLang="en-US" dirty="0"/>
+              <a:t> </a:t>
+            </a:r>
+            <a:r>
+              <a:rPr lang="en-US" altLang="ko-KR" dirty="0"/>
+              <a:t>100</a:t>
+            </a:r>
+          </a:p>
+          <a:p>
+            <a:r>
+              <a:rPr lang="en-US" altLang="ko-KR" dirty="0"/>
+              <a:t>	2. yolov5s – img320 epochs 230</a:t>
+            </a:r>
+          </a:p>
+          <a:p>
+            <a:r>
+              <a:rPr lang="en-US" altLang="ko-KR" dirty="0"/>
+              <a:t>	3. yolov5l – img320 epochs 300</a:t>
+            </a:r>
+          </a:p>
+          <a:p>
+            <a:r>
+              <a:rPr lang="en-US" altLang="ko-KR" dirty="0"/>
+              <a:t> </a:t>
+            </a:r>
+          </a:p>
+          <a:p>
+            <a:r>
+              <a:rPr lang="en-US" altLang="ko-KR" dirty="0"/>
+              <a:t>To do</a:t>
+            </a:r>
+          </a:p>
+          <a:p>
+            <a:pPr marL="800100" lvl="1" indent="-342900">
+              <a:buFont typeface="+mj-lt"/>
+              <a:buAutoNum type="arabicPeriod"/>
+            </a:pPr>
+            <a:r>
+              <a:rPr lang="en-US" altLang="ko-KR" strike="sngStrike" dirty="0"/>
+              <a:t>yolov5 + Efficient Net </a:t>
+            </a:r>
+            <a:r>
+              <a:rPr lang="en-US" altLang="ko-KR" dirty="0"/>
+              <a:t>&lt;-</a:t>
+            </a:r>
+            <a:r>
+              <a:rPr lang="ko-KR" altLang="en-US" dirty="0"/>
+              <a:t>보류</a:t>
+            </a:r>
+            <a:endParaRPr lang="en-US" altLang="ko-KR" dirty="0"/>
+          </a:p>
+          <a:p>
+            <a:pPr marL="800100" lvl="1" indent="-342900">
+              <a:buFont typeface="+mj-lt"/>
+              <a:buAutoNum type="arabicPeriod"/>
+            </a:pPr>
+            <a:r>
+              <a:rPr lang="en-US" altLang="ko-KR" strike="sngStrike" dirty="0"/>
+              <a:t>Faster R-CNN </a:t>
+            </a:r>
+            <a:r>
+              <a:rPr lang="en-US" altLang="ko-KR" dirty="0"/>
+              <a:t>&lt; M2det</a:t>
+            </a:r>
+            <a:r>
+              <a:rPr lang="ko-KR" altLang="en-US" dirty="0"/>
+              <a:t>로 전환</a:t>
+            </a:r>
+            <a:r>
+              <a:rPr lang="en-US" altLang="ko-KR" dirty="0"/>
+              <a:t>, </a:t>
+            </a:r>
+            <a:r>
+              <a:rPr lang="ko-KR" altLang="en-US" dirty="0"/>
+              <a:t>진행중</a:t>
+            </a:r>
+            <a:endParaRPr lang="en-US" altLang="ko-KR" dirty="0"/>
+          </a:p>
+          <a:p>
+            <a:pPr marL="800100" lvl="1" indent="-342900">
+              <a:buFont typeface="+mj-lt"/>
+              <a:buAutoNum type="arabicPeriod"/>
+            </a:pPr>
+            <a:r>
+              <a:rPr lang="en-US" altLang="ko-KR" strike="sngStrike" dirty="0"/>
+              <a:t>None</a:t>
+            </a:r>
+            <a:r>
+              <a:rPr lang="ko-KR" altLang="en-US" strike="sngStrike" dirty="0"/>
+              <a:t> 라벨 추가 </a:t>
+            </a:r>
+            <a:r>
+              <a:rPr lang="en-US" altLang="ko-KR" dirty="0"/>
+              <a:t>&lt; M2det </a:t>
+            </a:r>
+            <a:r>
+              <a:rPr lang="ko-KR" altLang="en-US" dirty="0"/>
+              <a:t>테스트 예정</a:t>
+            </a:r>
+            <a:r>
+              <a:rPr lang="en-US" altLang="ko-KR" dirty="0"/>
+              <a:t>, </a:t>
+            </a:r>
+            <a:r>
+              <a:rPr lang="ko-KR" altLang="en-US" dirty="0"/>
+              <a:t>이후 </a:t>
+            </a:r>
+            <a:r>
+              <a:rPr lang="en-US" altLang="ko-KR" dirty="0"/>
+              <a:t>yolo</a:t>
+            </a:r>
+          </a:p>
+          <a:p>
+            <a:pPr marL="800100" lvl="1" indent="-342900">
+              <a:buFont typeface="+mj-lt"/>
+              <a:buAutoNum type="arabicPeriod"/>
+            </a:pPr>
+            <a:r>
+              <a:rPr lang="ko-KR" altLang="en-US" dirty="0"/>
+              <a:t>상업화 </a:t>
+            </a:r>
+            <a:r>
+              <a:rPr lang="en-US" altLang="ko-KR" dirty="0"/>
+              <a:t>– mitotic  cell visualization, mitotic count &gt; </a:t>
+            </a:r>
+            <a:r>
+              <a:rPr lang="ko-KR" altLang="en-US" dirty="0"/>
+              <a:t>이후 과제</a:t>
+            </a:r>
+            <a:r>
+              <a:rPr lang="en-US" altLang="ko-KR" dirty="0"/>
+              <a:t>, </a:t>
+            </a:r>
+            <a:r>
+              <a:rPr lang="ko-KR" altLang="en-US" dirty="0"/>
+              <a:t>현재는 성능에 집중</a:t>
+            </a:r>
+            <a:endParaRPr lang="en-US" altLang="ko-KR" dirty="0"/>
+          </a:p>
+          <a:p>
+            <a:pPr marL="800100" lvl="1" indent="-342900">
+              <a:buFont typeface="+mj-lt"/>
+              <a:buAutoNum type="arabicPeriod"/>
+            </a:pPr>
+            <a:r>
+              <a:rPr lang="ko-KR" altLang="en-US" dirty="0"/>
+              <a:t>모델링 데이터 전부 끌어와서 비교</a:t>
+            </a:r>
+          </a:p>
+        </p:txBody>
+      </p:sp>
+    </p:spTree>
+    <p:extLst>
+      <p:ext uri="{BB962C8B-B14F-4D97-AF65-F5344CB8AC3E}">
+        <p14:creationId xmlns:p14="http://schemas.microsoft.com/office/powerpoint/2010/main" val="2636447043"/>
+      </p:ext>
+    </p:extLst>
+  </p:cSld>
+  <p:clrMapOvr>
+    <a:masterClrMapping/>
+  </p:clrMapOvr>
+</p:sld>
+</file>
+
+<file path=ppt/slides/slide2.xml><?xml version="1.0" encoding="utf-8"?>
+<p:sld xmlns:a="http://schemas.openxmlformats.org/drawingml/2006/main" xmlns:r="http://schemas.openxmlformats.org/officeDocument/2006/relationships" xmlns:p="http://schemas.openxmlformats.org/presentationml/2006/main">
+  <p:cSld>
+    <p:spTree>
+      <p:nvGrpSpPr>
+        <p:cNvPr id="1" name=""/>
+        <p:cNvGrpSpPr/>
+        <p:nvPr/>
+      </p:nvGrpSpPr>
+      <p:grpSpPr>
+        <a:xfrm>
+          <a:off x="0" y="0"/>
+          <a:ext cx="0" cy="0"/>
+          <a:chOff x="0" y="0"/>
+          <a:chExt cx="0" cy="0"/>
+        </a:xfrm>
+      </p:grpSpPr>
+      <p:pic>
+        <p:nvPicPr>
+          <p:cNvPr id="5" name="그림 4">
+            <a:extLst>
+              <a:ext uri="{FF2B5EF4-FFF2-40B4-BE49-F238E27FC236}">
+                <a16:creationId xmlns:a16="http://schemas.microsoft.com/office/drawing/2014/main" id="{57C0D523-8685-4F5D-A056-E1FB94168695}"/>
+              </a:ext>
+            </a:extLst>
+          </p:cNvPr>
+          <p:cNvPicPr>
+            <a:picLocks noChangeAspect="1"/>
+          </p:cNvPicPr>
+          <p:nvPr/>
+        </p:nvPicPr>
+        <p:blipFill>
+          <a:blip r:embed="rId2"/>
+          <a:stretch>
+            <a:fillRect/>
+          </a:stretch>
+        </p:blipFill>
+        <p:spPr>
+          <a:xfrm>
+            <a:off x="450919" y="2649805"/>
+            <a:ext cx="5253595" cy="2532016"/>
+          </a:xfrm>
+          <a:prstGeom prst="rect">
+            <a:avLst/>
+          </a:prstGeom>
+        </p:spPr>
+      </p:pic>
+      <p:pic>
+        <p:nvPicPr>
+          <p:cNvPr id="7" name="그림 6">
+            <a:extLst>
+              <a:ext uri="{FF2B5EF4-FFF2-40B4-BE49-F238E27FC236}">
+                <a16:creationId xmlns:a16="http://schemas.microsoft.com/office/drawing/2014/main" id="{4AFB57C6-FD3D-4EFB-A89E-78CA5F78CD54}"/>
+              </a:ext>
+            </a:extLst>
+          </p:cNvPr>
+          <p:cNvPicPr>
+            <a:picLocks noChangeAspect="1"/>
+          </p:cNvPicPr>
+          <p:nvPr/>
+        </p:nvPicPr>
+        <p:blipFill>
+          <a:blip r:embed="rId3"/>
+          <a:stretch>
+            <a:fillRect/>
+          </a:stretch>
+        </p:blipFill>
+        <p:spPr>
+          <a:xfrm>
+            <a:off x="450919" y="930161"/>
+            <a:ext cx="5185894" cy="1631593"/>
+          </a:xfrm>
+          <a:prstGeom prst="rect">
+            <a:avLst/>
+          </a:prstGeom>
+        </p:spPr>
+      </p:pic>
+      <p:sp>
+        <p:nvSpPr>
+          <p:cNvPr id="8" name="TextBox 7">
+            <a:extLst>
+              <a:ext uri="{FF2B5EF4-FFF2-40B4-BE49-F238E27FC236}">
+                <a16:creationId xmlns:a16="http://schemas.microsoft.com/office/drawing/2014/main" id="{872A3ADF-A852-42CE-9979-FE047CB91FCF}"/>
+              </a:ext>
+            </a:extLst>
+          </p:cNvPr>
+          <p:cNvSpPr txBox="1"/>
+          <p:nvPr/>
+        </p:nvSpPr>
+        <p:spPr>
+          <a:xfrm>
+            <a:off x="450919" y="318890"/>
+            <a:ext cx="2939921" cy="523220"/>
+          </a:xfrm>
+          <a:prstGeom prst="rect">
+            <a:avLst/>
+          </a:prstGeom>
+          <a:noFill/>
+        </p:spPr>
+        <p:txBody>
+          <a:bodyPr wrap="square" rtlCol="0">
+            <a:spAutoFit/>
+          </a:bodyPr>
+          <a:lstStyle/>
+          <a:p>
+            <a:r>
+              <a:rPr lang="ko-KR" altLang="en-US" sz="2800" b="1" dirty="0"/>
+              <a:t>데이터셋 배경</a:t>
+            </a:r>
+          </a:p>
+        </p:txBody>
+      </p:sp>
+      <p:sp>
+        <p:nvSpPr>
+          <p:cNvPr id="9" name="TextBox 8">
+            <a:extLst>
+              <a:ext uri="{FF2B5EF4-FFF2-40B4-BE49-F238E27FC236}">
+                <a16:creationId xmlns:a16="http://schemas.microsoft.com/office/drawing/2014/main" id="{8D150A18-F921-4366-99E1-B825CE5936E5}"/>
+              </a:ext>
+            </a:extLst>
+          </p:cNvPr>
+          <p:cNvSpPr txBox="1"/>
+          <p:nvPr/>
+        </p:nvSpPr>
+        <p:spPr>
+          <a:xfrm>
+            <a:off x="6022608" y="961316"/>
+            <a:ext cx="4270684" cy="1600438"/>
+          </a:xfrm>
+          <a:prstGeom prst="rect">
+            <a:avLst/>
+          </a:prstGeom>
+          <a:noFill/>
+        </p:spPr>
+        <p:txBody>
+          <a:bodyPr wrap="square" rtlCol="0">
+            <a:spAutoFit/>
+          </a:bodyPr>
+          <a:lstStyle/>
+          <a:p>
+            <a:r>
+              <a:rPr lang="en-US" altLang="ko-KR" sz="1400" b="1" dirty="0"/>
+              <a:t>Abstract</a:t>
+            </a:r>
+          </a:p>
+          <a:p>
+            <a:endParaRPr lang="en-US" altLang="ko-KR" sz="1200" dirty="0"/>
+          </a:p>
+          <a:p>
+            <a:r>
+              <a:rPr lang="en-US" altLang="ko-KR" sz="1200" dirty="0"/>
+              <a:t>Kaggle </a:t>
+            </a:r>
+            <a:r>
+              <a:rPr lang="ko-KR" altLang="en-US" sz="1200" dirty="0"/>
+              <a:t>데이터셋에는 훈련 세트로 </a:t>
+            </a:r>
+            <a:r>
+              <a:rPr lang="en-US" altLang="ko-KR" sz="1200" dirty="0"/>
+              <a:t>21</a:t>
+            </a:r>
+            <a:r>
+              <a:rPr lang="ko-KR" altLang="en-US" sz="1200" dirty="0"/>
+              <a:t>개의 </a:t>
+            </a:r>
+            <a:r>
+              <a:rPr lang="en-US" altLang="ko-KR" sz="1200" dirty="0"/>
+              <a:t>slide image</a:t>
+            </a:r>
+            <a:r>
+              <a:rPr lang="ko-KR" altLang="en-US" sz="1200" dirty="0"/>
+              <a:t>만 포함되어 있다</a:t>
+            </a:r>
+            <a:r>
+              <a:rPr lang="en-US" altLang="ko-KR" sz="1200" dirty="0"/>
+              <a:t>.</a:t>
+            </a:r>
+          </a:p>
+          <a:p>
+            <a:endParaRPr lang="en-US" altLang="ko-KR" sz="1200" dirty="0"/>
+          </a:p>
+          <a:p>
+            <a:r>
+              <a:rPr lang="ko-KR" altLang="en-US" sz="1200" dirty="0"/>
+              <a:t>논문에서</a:t>
+            </a:r>
+            <a:r>
+              <a:rPr lang="en-US" altLang="ko-KR" sz="1200" dirty="0"/>
+              <a:t>, </a:t>
+            </a:r>
+            <a:r>
+              <a:rPr lang="ko-KR" altLang="en-US" sz="1200" dirty="0"/>
+              <a:t>모든 </a:t>
+            </a:r>
+            <a:r>
+              <a:rPr lang="en-US" altLang="ko-KR" sz="1200" dirty="0"/>
+              <a:t>slides</a:t>
+            </a:r>
+            <a:r>
+              <a:rPr lang="ko-KR" altLang="en-US" sz="1200" dirty="0"/>
+              <a:t>들은 모든 유사분열체 </a:t>
+            </a:r>
+            <a:r>
+              <a:rPr lang="en-US" altLang="ko-KR" sz="1200" dirty="0"/>
+              <a:t>(</a:t>
+            </a:r>
+            <a:r>
+              <a:rPr lang="ko-KR" altLang="en-US" sz="1200" dirty="0"/>
+              <a:t>뿐만 아니라</a:t>
+            </a:r>
+            <a:r>
+              <a:rPr lang="en-US" altLang="ko-KR" sz="1200" dirty="0"/>
+              <a:t> </a:t>
+            </a:r>
+            <a:r>
+              <a:rPr lang="ko-KR" altLang="en-US" sz="1200" dirty="0" err="1"/>
+              <a:t>과립구</a:t>
+            </a:r>
+            <a:r>
+              <a:rPr lang="en-US" altLang="ko-KR" sz="1200" dirty="0"/>
+              <a:t>, </a:t>
+            </a:r>
+            <a:r>
+              <a:rPr lang="ko-KR" altLang="en-US" sz="1200" dirty="0"/>
+              <a:t>암세포</a:t>
+            </a:r>
+            <a:r>
+              <a:rPr lang="en-US" altLang="ko-KR" sz="1200" dirty="0"/>
+              <a:t>, </a:t>
+            </a:r>
+            <a:r>
+              <a:rPr lang="ko-KR" altLang="en-US" sz="1200" dirty="0"/>
+              <a:t>유사 </a:t>
+            </a:r>
+            <a:r>
+              <a:rPr lang="ko-KR" altLang="en-US" sz="1200" dirty="0" err="1"/>
+              <a:t>분열체</a:t>
+            </a:r>
+            <a:r>
+              <a:rPr lang="ko-KR" altLang="en-US" sz="1200" dirty="0"/>
+              <a:t> 의심 세포 등</a:t>
+            </a:r>
+            <a:r>
+              <a:rPr lang="en-US" altLang="ko-KR" sz="1200" dirty="0"/>
+              <a:t>…)</a:t>
+            </a:r>
+            <a:r>
+              <a:rPr lang="ko-KR" altLang="en-US" sz="1200" dirty="0"/>
+              <a:t>에 대해 </a:t>
+            </a:r>
+            <a:r>
+              <a:rPr lang="en-US" altLang="ko-KR" sz="1200" dirty="0"/>
+              <a:t>annotated </a:t>
+            </a:r>
+            <a:r>
+              <a:rPr lang="ko-KR" altLang="en-US" sz="1200" dirty="0"/>
+              <a:t>되어 있다고 설명한다</a:t>
+            </a:r>
+            <a:r>
+              <a:rPr lang="en-US" altLang="ko-KR" sz="1200" dirty="0"/>
+              <a:t>.</a:t>
+            </a:r>
+            <a:endParaRPr lang="ko-KR" altLang="en-US" sz="1200" dirty="0"/>
+          </a:p>
+        </p:txBody>
+      </p:sp>
+      <p:sp>
+        <p:nvSpPr>
+          <p:cNvPr id="10" name="TextBox 9">
+            <a:extLst>
+              <a:ext uri="{FF2B5EF4-FFF2-40B4-BE49-F238E27FC236}">
+                <a16:creationId xmlns:a16="http://schemas.microsoft.com/office/drawing/2014/main" id="{B8112793-9321-424B-B110-68C74D6BBBAD}"/>
+              </a:ext>
+            </a:extLst>
+          </p:cNvPr>
+          <p:cNvSpPr txBox="1"/>
+          <p:nvPr/>
+        </p:nvSpPr>
+        <p:spPr>
+          <a:xfrm>
+            <a:off x="5879995" y="2649805"/>
+            <a:ext cx="4270684" cy="861774"/>
+          </a:xfrm>
+          <a:prstGeom prst="rect">
+            <a:avLst/>
+          </a:prstGeom>
+          <a:noFill/>
+        </p:spPr>
+        <p:txBody>
+          <a:bodyPr wrap="square" rtlCol="0">
+            <a:spAutoFit/>
+          </a:bodyPr>
+          <a:lstStyle/>
+          <a:p>
+            <a:r>
+              <a:rPr lang="en-US" altLang="ko-KR" sz="1400" b="1" dirty="0"/>
+              <a:t>Background</a:t>
+            </a:r>
+          </a:p>
+          <a:p>
+            <a:endParaRPr lang="en-US" altLang="ko-KR" sz="1200" dirty="0"/>
+          </a:p>
+          <a:p>
+            <a:r>
+              <a:rPr lang="ko-KR" altLang="en-US" sz="1200" dirty="0"/>
+              <a:t>유사 분열체의 개수는 사람</a:t>
+            </a:r>
+            <a:r>
+              <a:rPr lang="en-US" altLang="ko-KR" sz="1200" dirty="0"/>
+              <a:t>, </a:t>
+            </a:r>
+            <a:r>
+              <a:rPr lang="ko-KR" altLang="en-US" sz="1200" dirty="0"/>
+              <a:t>동물 상관 없이 많은 종양 유형과 밀접한 관계가 있다고 설명하고 있다</a:t>
+            </a:r>
+            <a:r>
+              <a:rPr lang="en-US" altLang="ko-KR" sz="1200" dirty="0"/>
+              <a:t>.</a:t>
+            </a:r>
+            <a:endParaRPr lang="ko-KR" altLang="en-US" sz="1200" dirty="0"/>
+          </a:p>
+        </p:txBody>
+      </p:sp>
+      <p:pic>
+        <p:nvPicPr>
+          <p:cNvPr id="11" name="그림 10" descr="텍스트, 스크린샷이(가) 표시된 사진&#10;&#10;자동 생성된 설명">
+            <a:extLst>
+              <a:ext uri="{FF2B5EF4-FFF2-40B4-BE49-F238E27FC236}">
+                <a16:creationId xmlns:a16="http://schemas.microsoft.com/office/drawing/2014/main" id="{CE472B19-344A-4B46-ADBA-7FF8C6D2F3A0}"/>
+              </a:ext>
+            </a:extLst>
+          </p:cNvPr>
+          <p:cNvPicPr>
+            <a:picLocks noChangeAspect="1"/>
+          </p:cNvPicPr>
+          <p:nvPr/>
+        </p:nvPicPr>
+        <p:blipFill>
+          <a:blip r:embed="rId4"/>
+          <a:stretch>
+            <a:fillRect/>
+          </a:stretch>
+        </p:blipFill>
+        <p:spPr>
+          <a:xfrm>
+            <a:off x="6014219" y="3915813"/>
+            <a:ext cx="5535046" cy="2359305"/>
+          </a:xfrm>
+          <a:prstGeom prst="rect">
+            <a:avLst/>
+          </a:prstGeom>
+        </p:spPr>
+      </p:pic>
+    </p:spTree>
+    <p:extLst>
+      <p:ext uri="{BB962C8B-B14F-4D97-AF65-F5344CB8AC3E}">
+        <p14:creationId xmlns:p14="http://schemas.microsoft.com/office/powerpoint/2010/main" val="2034363234"/>
+      </p:ext>
+    </p:extLst>
+  </p:cSld>
+  <p:clrMapOvr>
+    <a:masterClrMapping/>
+  </p:clrMapOvr>
+</p:sld>
+</file>
+
+<file path=ppt/slides/slide3.xml><?xml version="1.0" encoding="utf-8"?>
+<p:sld xmlns:a="http://schemas.openxmlformats.org/drawingml/2006/main" xmlns:r="http://schemas.openxmlformats.org/officeDocument/2006/relationships" xmlns:p="http://schemas.openxmlformats.org/presentationml/2006/main">
+  <p:cSld>
+    <p:spTree>
+      <p:nvGrpSpPr>
+        <p:cNvPr id="1" name=""/>
+        <p:cNvGrpSpPr/>
+        <p:nvPr/>
+      </p:nvGrpSpPr>
+      <p:grpSpPr>
+        <a:xfrm>
+          <a:off x="0" y="0"/>
+          <a:ext cx="0" cy="0"/>
+          <a:chOff x="0" y="0"/>
+          <a:chExt cx="0" cy="0"/>
+        </a:xfrm>
+      </p:grpSpPr>
+      <p:pic>
+        <p:nvPicPr>
+          <p:cNvPr id="3" name="그림 2">
+            <a:extLst>
+              <a:ext uri="{FF2B5EF4-FFF2-40B4-BE49-F238E27FC236}">
+                <a16:creationId xmlns:a16="http://schemas.microsoft.com/office/drawing/2014/main" id="{58FAC1BB-57D1-40D1-AF10-C68AD013AF20}"/>
+              </a:ext>
+            </a:extLst>
+          </p:cNvPr>
+          <p:cNvPicPr>
+            <a:picLocks noChangeAspect="1"/>
+          </p:cNvPicPr>
+          <p:nvPr/>
+        </p:nvPicPr>
+        <p:blipFill>
+          <a:blip r:embed="rId2"/>
+          <a:stretch>
+            <a:fillRect/>
+          </a:stretch>
+        </p:blipFill>
+        <p:spPr>
+          <a:xfrm>
+            <a:off x="534809" y="1595776"/>
+            <a:ext cx="8353425" cy="1743075"/>
+          </a:xfrm>
+          <a:prstGeom prst="rect">
+            <a:avLst/>
+          </a:prstGeom>
+        </p:spPr>
+      </p:pic>
+      <p:sp>
+        <p:nvSpPr>
+          <p:cNvPr id="4" name="TextBox 3">
+            <a:extLst>
+              <a:ext uri="{FF2B5EF4-FFF2-40B4-BE49-F238E27FC236}">
+                <a16:creationId xmlns:a16="http://schemas.microsoft.com/office/drawing/2014/main" id="{04826813-8F9A-4E92-9DDA-EE4230BA7D22}"/>
+              </a:ext>
+            </a:extLst>
+          </p:cNvPr>
+          <p:cNvSpPr txBox="1"/>
+          <p:nvPr/>
+        </p:nvSpPr>
+        <p:spPr>
+          <a:xfrm>
+            <a:off x="534809" y="1226444"/>
+            <a:ext cx="10490565" cy="369332"/>
+          </a:xfrm>
+          <a:prstGeom prst="rect">
+            <a:avLst/>
+          </a:prstGeom>
+          <a:noFill/>
+        </p:spPr>
+        <p:txBody>
+          <a:bodyPr wrap="square" rtlCol="0">
+            <a:spAutoFit/>
+          </a:bodyPr>
+          <a:lstStyle/>
+          <a:p>
+            <a:r>
+              <a:rPr lang="ko-KR" altLang="en-US" dirty="0"/>
+              <a:t>베이스 데이터셋 </a:t>
+            </a:r>
+            <a:r>
+              <a:rPr lang="en-US" altLang="ko-KR" dirty="0"/>
+              <a:t>(MEL</a:t>
+            </a:r>
+            <a:r>
+              <a:rPr lang="ko-KR" altLang="en-US" dirty="0"/>
+              <a:t>- </a:t>
+            </a:r>
+            <a:r>
+              <a:rPr lang="ko-KR" altLang="en-US" dirty="0" err="1"/>
+              <a:t>manually</a:t>
+            </a:r>
+            <a:r>
+              <a:rPr lang="ko-KR" altLang="en-US" dirty="0"/>
+              <a:t>, </a:t>
+            </a:r>
+            <a:r>
+              <a:rPr lang="ko-KR" altLang="en-US" dirty="0" err="1"/>
+              <a:t>expert-labelled</a:t>
+            </a:r>
+            <a:r>
+              <a:rPr lang="ko-KR" altLang="en-US" dirty="0"/>
+              <a:t> </a:t>
+            </a:r>
+            <a:r>
+              <a:rPr lang="ko-KR" altLang="en-US" dirty="0" err="1"/>
+              <a:t>dataset</a:t>
+            </a:r>
+            <a:r>
+              <a:rPr lang="ko-KR" altLang="en-US" dirty="0"/>
+              <a:t> </a:t>
+            </a:r>
+            <a:r>
+              <a:rPr lang="en-US" altLang="ko-KR" dirty="0"/>
+              <a:t>–</a:t>
+            </a:r>
+            <a:r>
+              <a:rPr lang="ko-KR" altLang="en-US" dirty="0"/>
+              <a:t> 전문가 수동 라벨 데이터셋</a:t>
+            </a:r>
+            <a:r>
+              <a:rPr lang="en-US" altLang="ko-KR" dirty="0"/>
+              <a:t>)</a:t>
+            </a:r>
+            <a:endParaRPr lang="ko-KR" altLang="en-US" dirty="0"/>
+          </a:p>
+        </p:txBody>
+      </p:sp>
+      <p:sp>
+        <p:nvSpPr>
+          <p:cNvPr id="5" name="TextBox 4">
+            <a:extLst>
+              <a:ext uri="{FF2B5EF4-FFF2-40B4-BE49-F238E27FC236}">
+                <a16:creationId xmlns:a16="http://schemas.microsoft.com/office/drawing/2014/main" id="{34D7C7CA-8D92-4867-9B73-DC74E80CAD0A}"/>
+              </a:ext>
+            </a:extLst>
+          </p:cNvPr>
+          <p:cNvSpPr txBox="1"/>
+          <p:nvPr/>
+        </p:nvSpPr>
+        <p:spPr>
+          <a:xfrm>
+            <a:off x="534809" y="436336"/>
+            <a:ext cx="4305639" cy="523220"/>
+          </a:xfrm>
+          <a:prstGeom prst="rect">
+            <a:avLst/>
+          </a:prstGeom>
+          <a:noFill/>
+        </p:spPr>
+        <p:txBody>
+          <a:bodyPr wrap="square" rtlCol="0">
+            <a:spAutoFit/>
+          </a:bodyPr>
+          <a:lstStyle/>
+          <a:p>
+            <a:r>
+              <a:rPr lang="ko-KR" altLang="en-US" sz="2800" b="1"/>
+              <a:t>데이터셋 생성 과정</a:t>
+            </a:r>
+            <a:endParaRPr lang="ko-KR" altLang="en-US" sz="2800" b="1" dirty="0"/>
+          </a:p>
+        </p:txBody>
+      </p:sp>
+      <p:pic>
+        <p:nvPicPr>
+          <p:cNvPr id="6" name="그림 5">
+            <a:extLst>
+              <a:ext uri="{FF2B5EF4-FFF2-40B4-BE49-F238E27FC236}">
+                <a16:creationId xmlns:a16="http://schemas.microsoft.com/office/drawing/2014/main" id="{6E347F29-8642-484C-A220-E5693F78AEAE}"/>
+              </a:ext>
+            </a:extLst>
+          </p:cNvPr>
+          <p:cNvPicPr>
+            <a:picLocks noChangeAspect="1"/>
+          </p:cNvPicPr>
+          <p:nvPr/>
+        </p:nvPicPr>
+        <p:blipFill>
+          <a:blip r:embed="rId3"/>
+          <a:stretch>
+            <a:fillRect/>
+          </a:stretch>
+        </p:blipFill>
+        <p:spPr>
+          <a:xfrm>
+            <a:off x="534809" y="4270824"/>
+            <a:ext cx="8682652" cy="2150840"/>
+          </a:xfrm>
+          <a:prstGeom prst="rect">
+            <a:avLst/>
+          </a:prstGeom>
+        </p:spPr>
+      </p:pic>
+      <p:sp>
+        <p:nvSpPr>
+          <p:cNvPr id="7" name="TextBox 6">
+            <a:extLst>
+              <a:ext uri="{FF2B5EF4-FFF2-40B4-BE49-F238E27FC236}">
+                <a16:creationId xmlns:a16="http://schemas.microsoft.com/office/drawing/2014/main" id="{A1AC274F-85DF-424E-8A85-489C6DBA15C9}"/>
+              </a:ext>
+            </a:extLst>
+          </p:cNvPr>
+          <p:cNvSpPr txBox="1"/>
+          <p:nvPr/>
+        </p:nvSpPr>
+        <p:spPr>
+          <a:xfrm>
+            <a:off x="534809" y="3624493"/>
+            <a:ext cx="11180952" cy="646331"/>
+          </a:xfrm>
+          <a:prstGeom prst="rect">
+            <a:avLst/>
+          </a:prstGeom>
+          <a:noFill/>
+        </p:spPr>
+        <p:txBody>
+          <a:bodyPr wrap="square" rtlCol="0">
+            <a:spAutoFit/>
+          </a:bodyPr>
+          <a:lstStyle/>
+          <a:p>
+            <a:r>
+              <a:rPr lang="ko-KR" altLang="en-US" dirty="0"/>
+              <a:t>모호 클래스 데이터셋 결정 과정</a:t>
+            </a:r>
+            <a:r>
+              <a:rPr lang="en-US" altLang="ko-KR" dirty="0"/>
+              <a:t>(</a:t>
+            </a:r>
+            <a:r>
+              <a:rPr lang="ko-KR" altLang="en-US" dirty="0"/>
+              <a:t>HEAL - </a:t>
+            </a:r>
+            <a:r>
+              <a:rPr lang="ko-KR" altLang="en-US" dirty="0" err="1"/>
+              <a:t>Hard-example</a:t>
+            </a:r>
+            <a:r>
+              <a:rPr lang="ko-KR" altLang="en-US" dirty="0"/>
+              <a:t> </a:t>
+            </a:r>
+            <a:r>
+              <a:rPr lang="ko-KR" altLang="en-US" dirty="0" err="1"/>
+              <a:t>augmented</a:t>
+            </a:r>
+            <a:r>
+              <a:rPr lang="ko-KR" altLang="en-US" dirty="0"/>
+              <a:t> </a:t>
+            </a:r>
+            <a:r>
+              <a:rPr lang="ko-KR" altLang="en-US" dirty="0" err="1"/>
+              <a:t>expert</a:t>
+            </a:r>
+            <a:r>
+              <a:rPr lang="ko-KR" altLang="en-US" dirty="0"/>
+              <a:t> </a:t>
+            </a:r>
+            <a:r>
+              <a:rPr lang="ko-KR" altLang="en-US" dirty="0" err="1"/>
+              <a:t>labelled</a:t>
+            </a:r>
+            <a:r>
+              <a:rPr lang="ko-KR" altLang="en-US" dirty="0"/>
+              <a:t> </a:t>
+            </a:r>
+            <a:r>
+              <a:rPr lang="ko-KR" altLang="en-US" dirty="0" err="1"/>
+              <a:t>dataset</a:t>
+            </a:r>
+            <a:r>
+              <a:rPr lang="ko-KR" altLang="en-US" dirty="0"/>
+              <a:t> </a:t>
+            </a:r>
+            <a:r>
+              <a:rPr lang="ko-KR" altLang="en-US" dirty="0" err="1"/>
+              <a:t>variant</a:t>
+            </a:r>
+            <a:r>
+              <a:rPr lang="en-US" altLang="ko-KR" dirty="0"/>
+              <a:t>)</a:t>
+            </a:r>
+          </a:p>
+          <a:p>
+            <a:r>
+              <a:rPr lang="en-US" altLang="ko-KR" dirty="0"/>
+              <a:t>	- AI</a:t>
+            </a:r>
+            <a:r>
+              <a:rPr lang="ko-KR" altLang="en-US" dirty="0"/>
+              <a:t>활용 증강 데이터셋</a:t>
+            </a:r>
+          </a:p>
+        </p:txBody>
+      </p:sp>
+    </p:spTree>
+    <p:extLst>
+      <p:ext uri="{BB962C8B-B14F-4D97-AF65-F5344CB8AC3E}">
+        <p14:creationId xmlns:p14="http://schemas.microsoft.com/office/powerpoint/2010/main" val="3969011409"/>
+      </p:ext>
+    </p:extLst>
+  </p:cSld>
+  <p:clrMapOvr>
+    <a:masterClrMapping/>
+  </p:clrMapOvr>
+</p:sld>
+</file>
+
+<file path=ppt/slides/slide4.xml><?xml version="1.0" encoding="utf-8"?>
+<p:sld xmlns:a="http://schemas.openxmlformats.org/drawingml/2006/main" xmlns:r="http://schemas.openxmlformats.org/officeDocument/2006/relationships" xmlns:p="http://schemas.openxmlformats.org/presentationml/2006/main">
+  <p:cSld>
+    <p:spTree>
+      <p:nvGrpSpPr>
+        <p:cNvPr id="1" name=""/>
+        <p:cNvGrpSpPr/>
+        <p:nvPr/>
+      </p:nvGrpSpPr>
+      <p:grpSpPr>
+        <a:xfrm>
+          <a:off x="0" y="0"/>
+          <a:ext cx="0" cy="0"/>
+          <a:chOff x="0" y="0"/>
+          <a:chExt cx="0" cy="0"/>
+        </a:xfrm>
+      </p:grpSpPr>
+      <p:pic>
+        <p:nvPicPr>
+          <p:cNvPr id="3" name="그림 2">
+            <a:extLst>
+              <a:ext uri="{FF2B5EF4-FFF2-40B4-BE49-F238E27FC236}">
+                <a16:creationId xmlns:a16="http://schemas.microsoft.com/office/drawing/2014/main" id="{DE7F68BC-434C-4422-828A-631B796B85AB}"/>
+              </a:ext>
+            </a:extLst>
+          </p:cNvPr>
+          <p:cNvPicPr>
+            <a:picLocks noChangeAspect="1"/>
+          </p:cNvPicPr>
+          <p:nvPr/>
+        </p:nvPicPr>
+        <p:blipFill>
+          <a:blip r:embed="rId2"/>
+          <a:stretch>
+            <a:fillRect/>
+          </a:stretch>
+        </p:blipFill>
+        <p:spPr>
+          <a:xfrm>
+            <a:off x="440596" y="1826882"/>
+            <a:ext cx="7797393" cy="2725132"/>
+          </a:xfrm>
+          <a:prstGeom prst="rect">
+            <a:avLst/>
+          </a:prstGeom>
+        </p:spPr>
+      </p:pic>
+      <p:sp>
+        <p:nvSpPr>
+          <p:cNvPr id="7" name="TextBox 6">
+            <a:extLst>
+              <a:ext uri="{FF2B5EF4-FFF2-40B4-BE49-F238E27FC236}">
+                <a16:creationId xmlns:a16="http://schemas.microsoft.com/office/drawing/2014/main" id="{44243207-87FC-42A1-924C-AFD807A53D64}"/>
+              </a:ext>
+            </a:extLst>
+          </p:cNvPr>
+          <p:cNvSpPr txBox="1"/>
+          <p:nvPr/>
+        </p:nvSpPr>
+        <p:spPr>
+          <a:xfrm>
+            <a:off x="440597" y="563046"/>
+            <a:ext cx="11592012" cy="1415772"/>
+          </a:xfrm>
+          <a:prstGeom prst="rect">
+            <a:avLst/>
+          </a:prstGeom>
+          <a:noFill/>
+        </p:spPr>
+        <p:txBody>
+          <a:bodyPr wrap="square" rtlCol="0">
+            <a:spAutoFit/>
+          </a:bodyPr>
+          <a:lstStyle/>
+          <a:p>
+            <a:r>
+              <a:rPr lang="ko-KR" altLang="en-US" dirty="0"/>
+              <a:t>잠재적 유사분열 클래스 데이터셋 결정 과정</a:t>
+            </a:r>
+            <a:endParaRPr lang="en-US" altLang="ko-KR" dirty="0"/>
+          </a:p>
+          <a:p>
+            <a:r>
+              <a:rPr lang="en-US" altLang="ko-KR" dirty="0"/>
+              <a:t>	-(</a:t>
+            </a:r>
+            <a:r>
+              <a:rPr lang="ko-KR" altLang="en-US" dirty="0"/>
+              <a:t>ODAEL - </a:t>
+            </a:r>
+            <a:r>
+              <a:rPr lang="ko-KR" altLang="en-US" dirty="0" err="1"/>
+              <a:t>Object-detection</a:t>
+            </a:r>
+            <a:r>
+              <a:rPr lang="ko-KR" altLang="en-US" dirty="0"/>
+              <a:t> </a:t>
+            </a:r>
+            <a:r>
+              <a:rPr lang="ko-KR" altLang="en-US" dirty="0" err="1"/>
+              <a:t>augmented</a:t>
+            </a:r>
+            <a:r>
+              <a:rPr lang="ko-KR" altLang="en-US" dirty="0"/>
+              <a:t> </a:t>
+            </a:r>
+            <a:r>
+              <a:rPr lang="ko-KR" altLang="en-US" dirty="0" err="1"/>
+              <a:t>expert</a:t>
+            </a:r>
+            <a:r>
+              <a:rPr lang="ko-KR" altLang="en-US" dirty="0"/>
+              <a:t> </a:t>
+            </a:r>
+            <a:r>
+              <a:rPr lang="ko-KR" altLang="en-US" dirty="0" err="1"/>
+              <a:t>labelled</a:t>
+            </a:r>
+            <a:r>
+              <a:rPr lang="ko-KR" altLang="en-US" dirty="0"/>
+              <a:t> </a:t>
+            </a:r>
+            <a:r>
+              <a:rPr lang="ko-KR" altLang="en-US" dirty="0" err="1"/>
+              <a:t>dataset</a:t>
+            </a:r>
+            <a:r>
+              <a:rPr lang="ko-KR" altLang="en-US" dirty="0"/>
+              <a:t> </a:t>
+            </a:r>
+            <a:r>
+              <a:rPr lang="ko-KR" altLang="en-US" dirty="0" err="1"/>
+              <a:t>variant</a:t>
+            </a:r>
+            <a:r>
+              <a:rPr lang="en-US" altLang="ko-KR" dirty="0"/>
+              <a:t>) </a:t>
+            </a:r>
+          </a:p>
+          <a:p>
+            <a:r>
+              <a:rPr lang="en-US" altLang="ko-KR" dirty="0"/>
+              <a:t>	- </a:t>
+            </a:r>
+            <a:r>
+              <a:rPr lang="ko-KR" altLang="en-US" sz="1400" dirty="0"/>
+              <a:t>잠재적 유사 분열 </a:t>
+            </a:r>
+            <a:r>
+              <a:rPr lang="ko-KR" altLang="en-US" sz="1400" dirty="0" err="1"/>
+              <a:t>figure을</a:t>
+            </a:r>
+            <a:r>
+              <a:rPr lang="ko-KR" altLang="en-US" sz="1400" dirty="0"/>
+              <a:t> </a:t>
+            </a:r>
+            <a:r>
+              <a:rPr lang="en-US" altLang="ko-KR" sz="1400" dirty="0" err="1"/>
+              <a:t>DeepLearning</a:t>
+            </a:r>
+            <a:r>
+              <a:rPr lang="ko-KR" altLang="en-US" sz="1400" dirty="0"/>
+              <a:t>을 이용해 추가로 제안, 전문가가 데이터 세트의 다른 그룹으로 등급을 지정하고 할당.</a:t>
+            </a:r>
+            <a:endParaRPr lang="en-US" altLang="ko-KR" sz="1400" dirty="0"/>
+          </a:p>
+          <a:p>
+            <a:r>
+              <a:rPr lang="en-US" altLang="ko-KR" sz="1400" dirty="0"/>
+              <a:t>	- Mitotic cell lookalikes, other cells </a:t>
+            </a:r>
+            <a:r>
+              <a:rPr lang="ko-KR" altLang="en-US" sz="1400" dirty="0"/>
+              <a:t>라벨 추가</a:t>
+            </a:r>
+          </a:p>
+          <a:p>
+            <a:endParaRPr lang="ko-KR" altLang="en-US" dirty="0"/>
+          </a:p>
+        </p:txBody>
+      </p:sp>
+      <p:pic>
+        <p:nvPicPr>
+          <p:cNvPr id="9" name="그림 8">
+            <a:extLst>
+              <a:ext uri="{FF2B5EF4-FFF2-40B4-BE49-F238E27FC236}">
+                <a16:creationId xmlns:a16="http://schemas.microsoft.com/office/drawing/2014/main" id="{26026F75-7601-4C47-9A79-FE1791E481D0}"/>
+              </a:ext>
+            </a:extLst>
+          </p:cNvPr>
+          <p:cNvPicPr>
+            <a:picLocks noChangeAspect="1"/>
+          </p:cNvPicPr>
+          <p:nvPr/>
+        </p:nvPicPr>
+        <p:blipFill>
+          <a:blip r:embed="rId3"/>
+          <a:stretch>
+            <a:fillRect/>
+          </a:stretch>
+        </p:blipFill>
+        <p:spPr>
+          <a:xfrm>
+            <a:off x="440595" y="4552014"/>
+            <a:ext cx="7548860" cy="2008248"/>
+          </a:xfrm>
+          <a:prstGeom prst="rect">
+            <a:avLst/>
+          </a:prstGeom>
+        </p:spPr>
+      </p:pic>
+      <p:sp>
+        <p:nvSpPr>
+          <p:cNvPr id="10" name="TextBox 9">
+            <a:extLst>
+              <a:ext uri="{FF2B5EF4-FFF2-40B4-BE49-F238E27FC236}">
+                <a16:creationId xmlns:a16="http://schemas.microsoft.com/office/drawing/2014/main" id="{8BA8B7F1-EDB7-4489-9801-CF31D46284B6}"/>
+              </a:ext>
+            </a:extLst>
+          </p:cNvPr>
+          <p:cNvSpPr txBox="1"/>
+          <p:nvPr/>
+        </p:nvSpPr>
+        <p:spPr>
+          <a:xfrm>
+            <a:off x="8237989" y="4632808"/>
+            <a:ext cx="3361900" cy="738664"/>
+          </a:xfrm>
+          <a:prstGeom prst="rect">
+            <a:avLst/>
+          </a:prstGeom>
+          <a:noFill/>
+        </p:spPr>
+        <p:txBody>
+          <a:bodyPr wrap="square" rtlCol="0">
+            <a:spAutoFit/>
+          </a:bodyPr>
+          <a:lstStyle/>
+          <a:p>
+            <a:r>
+              <a:rPr lang="ko-KR" altLang="en-US" sz="1400" dirty="0"/>
+              <a:t>총 </a:t>
+            </a:r>
+            <a:r>
+              <a:rPr lang="en-US" altLang="ko-KR" sz="1400" dirty="0"/>
+              <a:t>21</a:t>
+            </a:r>
+            <a:r>
+              <a:rPr lang="ko-KR" altLang="en-US" sz="1400" dirty="0"/>
+              <a:t>개의 대용량 </a:t>
+            </a:r>
+            <a:r>
+              <a:rPr lang="en-US" altLang="ko-KR" sz="1400" dirty="0"/>
+              <a:t>slide </a:t>
+            </a:r>
+            <a:r>
+              <a:rPr lang="ko-KR" altLang="en-US" sz="1400" dirty="0"/>
+              <a:t>이미지</a:t>
+            </a:r>
+            <a:r>
+              <a:rPr lang="en-US" altLang="ko-KR" sz="1400" dirty="0"/>
+              <a:t>(.</a:t>
+            </a:r>
+            <a:r>
+              <a:rPr lang="en-US" altLang="ko-KR" sz="1400" dirty="0" err="1"/>
+              <a:t>dcm</a:t>
+            </a:r>
+            <a:r>
+              <a:rPr lang="en-US" altLang="ko-KR" sz="1400" dirty="0"/>
+              <a:t>) </a:t>
+            </a:r>
+            <a:r>
+              <a:rPr lang="ko-KR" altLang="en-US" sz="1400" dirty="0"/>
+              <a:t>와 </a:t>
+            </a:r>
+            <a:r>
+              <a:rPr lang="en-US" altLang="ko-KR" sz="1400" dirty="0"/>
+              <a:t>annotation</a:t>
+            </a:r>
+            <a:r>
+              <a:rPr lang="ko-KR" altLang="en-US" sz="1400" dirty="0"/>
+              <a:t>이 포함된 데이터 베이스 파일로 나뉘어진다</a:t>
+            </a:r>
+            <a:r>
+              <a:rPr lang="en-US" altLang="ko-KR" sz="1400" dirty="0"/>
+              <a:t>.</a:t>
+            </a:r>
+            <a:endParaRPr lang="ko-KR" altLang="en-US" sz="1400" dirty="0"/>
+          </a:p>
+        </p:txBody>
+      </p:sp>
+    </p:spTree>
+    <p:extLst>
+      <p:ext uri="{BB962C8B-B14F-4D97-AF65-F5344CB8AC3E}">
+        <p14:creationId xmlns:p14="http://schemas.microsoft.com/office/powerpoint/2010/main" val="2978650128"/>
+      </p:ext>
+    </p:extLst>
+  </p:cSld>
+  <p:clrMapOvr>
+    <a:masterClrMapping/>
+  </p:clrMapOvr>
+</p:sld>
+</file>
+
+<file path=ppt/slides/slide5.xml><?xml version="1.0" encoding="utf-8"?>
+<p:sld xmlns:a="http://schemas.openxmlformats.org/drawingml/2006/main" xmlns:r="http://schemas.openxmlformats.org/officeDocument/2006/relationships" xmlns:p="http://schemas.openxmlformats.org/presentationml/2006/main">
+  <p:cSld>
+    <p:spTree>
+      <p:nvGrpSpPr>
+        <p:cNvPr id="1" name=""/>
+        <p:cNvGrpSpPr/>
+        <p:nvPr/>
+      </p:nvGrpSpPr>
+      <p:grpSpPr>
+        <a:xfrm>
+          <a:off x="0" y="0"/>
+          <a:ext cx="0" cy="0"/>
+          <a:chOff x="0" y="0"/>
+          <a:chExt cx="0" cy="0"/>
+        </a:xfrm>
+      </p:grpSpPr>
       <p:grpSp>
         <p:nvGrpSpPr>
           <p:cNvPr id="3" name="그룹 2">
@@ -4769,1123 +7579,7 @@
 </p:sld>
 </file>
 
-<file path=ppt/slides/slide10.xml><?xml version="1.0" encoding="utf-8"?>
-<p:sld xmlns:a="http://schemas.openxmlformats.org/drawingml/2006/main" xmlns:r="http://schemas.openxmlformats.org/officeDocument/2006/relationships" xmlns:p="http://schemas.openxmlformats.org/presentationml/2006/main">
-  <p:cSld>
-    <p:spTree>
-      <p:nvGrpSpPr>
-        <p:cNvPr id="1" name=""/>
-        <p:cNvGrpSpPr/>
-        <p:nvPr/>
-      </p:nvGrpSpPr>
-      <p:grpSpPr>
-        <a:xfrm>
-          <a:off x="0" y="0"/>
-          <a:ext cx="0" cy="0"/>
-          <a:chOff x="0" y="0"/>
-          <a:chExt cx="0" cy="0"/>
-        </a:xfrm>
-      </p:grpSpPr>
-      <p:sp>
-        <p:nvSpPr>
-          <p:cNvPr id="5" name="TextBox 4">
-            <a:extLst>
-              <a:ext uri="{FF2B5EF4-FFF2-40B4-BE49-F238E27FC236}">
-                <a16:creationId xmlns:a16="http://schemas.microsoft.com/office/drawing/2014/main" id="{42371601-B9F2-4BB4-BCEB-1B99B7EA1AFD}"/>
-              </a:ext>
-            </a:extLst>
-          </p:cNvPr>
-          <p:cNvSpPr txBox="1"/>
-          <p:nvPr/>
-        </p:nvSpPr>
-        <p:spPr>
-          <a:xfrm>
-            <a:off x="815788" y="580508"/>
-            <a:ext cx="7915835" cy="2677656"/>
-          </a:xfrm>
-          <a:prstGeom prst="rect">
-            <a:avLst/>
-          </a:prstGeom>
-          <a:noFill/>
-        </p:spPr>
-        <p:txBody>
-          <a:bodyPr wrap="square">
-            <a:spAutoFit/>
-          </a:bodyPr>
-          <a:lstStyle/>
-          <a:p>
-            <a:r>
-              <a:rPr lang="ko-KR" altLang="en-US" sz="2400" b="1" dirty="0"/>
-              <a:t>개 비만 세포 종양 (CMCT)</a:t>
-            </a:r>
-          </a:p>
-          <a:p>
-            <a:r>
-              <a:rPr lang="ko-KR" altLang="en-US" b="1" dirty="0"/>
-              <a:t>예후, 기수 판별에 MC(</a:t>
-            </a:r>
-            <a:r>
-              <a:rPr lang="ko-KR" altLang="en-US" b="1" dirty="0" err="1"/>
-              <a:t>Mitotic</a:t>
-            </a:r>
-            <a:r>
-              <a:rPr lang="ko-KR" altLang="en-US" b="1" dirty="0"/>
-              <a:t> </a:t>
-            </a:r>
-            <a:r>
-              <a:rPr lang="ko-KR" altLang="en-US" b="1" dirty="0" err="1"/>
-              <a:t>count</a:t>
-            </a:r>
-            <a:r>
-              <a:rPr lang="ko-KR" altLang="en-US" b="1" dirty="0"/>
-              <a:t>)가 주요 요소로 작용</a:t>
-            </a:r>
-          </a:p>
-          <a:p>
-            <a:pPr lvl="1"/>
-            <a:r>
-              <a:rPr lang="ko-KR" altLang="en-US" dirty="0"/>
-              <a:t> </a:t>
-            </a:r>
-          </a:p>
-          <a:p>
-            <a:pPr lvl="1"/>
-            <a:endParaRPr lang="en-US" altLang="ko-KR" dirty="0"/>
-          </a:p>
-          <a:p>
-            <a:pPr lvl="1"/>
-            <a:r>
-              <a:rPr lang="ko-KR" altLang="en-US" dirty="0"/>
-              <a:t>MC - 현미경 10배율 당 유사분열체 수</a:t>
-            </a:r>
-          </a:p>
-          <a:p>
-            <a:pPr lvl="1"/>
-            <a:r>
-              <a:rPr lang="ko-KR" altLang="en-US" dirty="0" err="1"/>
-              <a:t>AgNOR</a:t>
-            </a:r>
-            <a:r>
-              <a:rPr lang="ko-KR" altLang="en-US" dirty="0"/>
-              <a:t> - 세포주기 진행속도</a:t>
-            </a:r>
-          </a:p>
-          <a:p>
-            <a:pPr lvl="1"/>
-            <a:r>
-              <a:rPr lang="ko-KR" altLang="en-US" dirty="0"/>
-              <a:t>Ni67 - 성장을 식별하는 면역조직화학(IHC)방법 분수</a:t>
-            </a:r>
-          </a:p>
-          <a:p>
-            <a:pPr lvl="1"/>
-            <a:r>
-              <a:rPr lang="ko-KR" altLang="en-US" dirty="0"/>
-              <a:t>AG67 - </a:t>
-            </a:r>
-            <a:r>
-              <a:rPr lang="ko-KR" altLang="en-US" dirty="0" err="1"/>
-              <a:t>AgNor</a:t>
-            </a:r>
-            <a:r>
-              <a:rPr lang="ko-KR" altLang="en-US" dirty="0"/>
-              <a:t>, Ni67 측정에서 </a:t>
-            </a:r>
-            <a:r>
-              <a:rPr lang="ko-KR" altLang="en-US" dirty="0" err="1"/>
-              <a:t>얻을수</a:t>
-            </a:r>
-            <a:r>
-              <a:rPr lang="ko-KR" altLang="en-US" dirty="0"/>
-              <a:t> 있는 인자</a:t>
-            </a:r>
-          </a:p>
-          <a:p>
-            <a:pPr lvl="1"/>
-            <a:r>
-              <a:rPr lang="ko-KR" altLang="en-US" dirty="0"/>
-              <a:t>...</a:t>
-            </a:r>
-          </a:p>
-        </p:txBody>
-      </p:sp>
-      <p:pic>
-        <p:nvPicPr>
-          <p:cNvPr id="6" name="그림 5">
-            <a:extLst>
-              <a:ext uri="{FF2B5EF4-FFF2-40B4-BE49-F238E27FC236}">
-                <a16:creationId xmlns:a16="http://schemas.microsoft.com/office/drawing/2014/main" id="{97E2D630-FCE7-47C8-9F18-111D11853F51}"/>
-              </a:ext>
-            </a:extLst>
-          </p:cNvPr>
-          <p:cNvPicPr>
-            <a:picLocks noChangeAspect="1"/>
-          </p:cNvPicPr>
-          <p:nvPr/>
-        </p:nvPicPr>
-        <p:blipFill>
-          <a:blip r:embed="rId2"/>
-          <a:stretch>
-            <a:fillRect/>
-          </a:stretch>
-        </p:blipFill>
-        <p:spPr>
-          <a:xfrm>
-            <a:off x="818870" y="3932350"/>
-            <a:ext cx="10554260" cy="1826072"/>
-          </a:xfrm>
-          <a:prstGeom prst="rect">
-            <a:avLst/>
-          </a:prstGeom>
-        </p:spPr>
-      </p:pic>
-    </p:spTree>
-    <p:extLst>
-      <p:ext uri="{BB962C8B-B14F-4D97-AF65-F5344CB8AC3E}">
-        <p14:creationId xmlns:p14="http://schemas.microsoft.com/office/powerpoint/2010/main" val="366933108"/>
-      </p:ext>
-    </p:extLst>
-  </p:cSld>
-  <p:clrMapOvr>
-    <a:masterClrMapping/>
-  </p:clrMapOvr>
-</p:sld>
-</file>
-
-<file path=ppt/slides/slide11.xml><?xml version="1.0" encoding="utf-8"?>
-<p:sld xmlns:a="http://schemas.openxmlformats.org/drawingml/2006/main" xmlns:r="http://schemas.openxmlformats.org/officeDocument/2006/relationships" xmlns:p="http://schemas.openxmlformats.org/presentationml/2006/main">
-  <p:cSld>
-    <p:spTree>
-      <p:nvGrpSpPr>
-        <p:cNvPr id="1" name=""/>
-        <p:cNvGrpSpPr/>
-        <p:nvPr/>
-      </p:nvGrpSpPr>
-      <p:grpSpPr>
-        <a:xfrm>
-          <a:off x="0" y="0"/>
-          <a:ext cx="0" cy="0"/>
-          <a:chOff x="0" y="0"/>
-          <a:chExt cx="0" cy="0"/>
-        </a:xfrm>
-      </p:grpSpPr>
-      <p:pic>
-        <p:nvPicPr>
-          <p:cNvPr id="5" name="그림 4" descr="텍스트이(가) 표시된 사진&#10;&#10;자동 생성된 설명">
-            <a:extLst>
-              <a:ext uri="{FF2B5EF4-FFF2-40B4-BE49-F238E27FC236}">
-                <a16:creationId xmlns:a16="http://schemas.microsoft.com/office/drawing/2014/main" id="{2CBA8066-4E1F-4755-BE8A-82348FB45F0F}"/>
-              </a:ext>
-            </a:extLst>
-          </p:cNvPr>
-          <p:cNvPicPr>
-            <a:picLocks noChangeAspect="1"/>
-          </p:cNvPicPr>
-          <p:nvPr/>
-        </p:nvPicPr>
-        <p:blipFill>
-          <a:blip r:embed="rId2"/>
-          <a:stretch>
-            <a:fillRect/>
-          </a:stretch>
-        </p:blipFill>
-        <p:spPr>
-          <a:xfrm>
-            <a:off x="709284" y="3747052"/>
-            <a:ext cx="5810250" cy="2124075"/>
-          </a:xfrm>
-          <a:prstGeom prst="rect">
-            <a:avLst/>
-          </a:prstGeom>
-        </p:spPr>
-      </p:pic>
-      <p:pic>
-        <p:nvPicPr>
-          <p:cNvPr id="6" name="그림 5" descr="텍스트이(가) 표시된 사진&#10;&#10;자동 생성된 설명">
-            <a:extLst>
-              <a:ext uri="{FF2B5EF4-FFF2-40B4-BE49-F238E27FC236}">
-                <a16:creationId xmlns:a16="http://schemas.microsoft.com/office/drawing/2014/main" id="{619BBC28-D851-4F92-ACEF-AE3F607C8182}"/>
-              </a:ext>
-            </a:extLst>
-          </p:cNvPr>
-          <p:cNvPicPr>
-            <a:picLocks noChangeAspect="1"/>
-          </p:cNvPicPr>
-          <p:nvPr/>
-        </p:nvPicPr>
-        <p:blipFill>
-          <a:blip r:embed="rId3"/>
-          <a:stretch>
-            <a:fillRect/>
-          </a:stretch>
-        </p:blipFill>
-        <p:spPr>
-          <a:xfrm>
-            <a:off x="598783" y="2309979"/>
-            <a:ext cx="7062788" cy="1282847"/>
-          </a:xfrm>
-          <a:prstGeom prst="rect">
-            <a:avLst/>
-          </a:prstGeom>
-        </p:spPr>
-      </p:pic>
-      <p:sp>
-        <p:nvSpPr>
-          <p:cNvPr id="7" name="TextBox 6">
-            <a:extLst>
-              <a:ext uri="{FF2B5EF4-FFF2-40B4-BE49-F238E27FC236}">
-                <a16:creationId xmlns:a16="http://schemas.microsoft.com/office/drawing/2014/main" id="{01A9E543-DABC-41BC-A334-8C0788E5A1B4}"/>
-              </a:ext>
-            </a:extLst>
-          </p:cNvPr>
-          <p:cNvSpPr txBox="1"/>
-          <p:nvPr/>
-        </p:nvSpPr>
-        <p:spPr>
-          <a:xfrm>
-            <a:off x="7930049" y="3841330"/>
-            <a:ext cx="2838450" cy="646331"/>
-          </a:xfrm>
-          <a:prstGeom prst="rect">
-            <a:avLst/>
-          </a:prstGeom>
-          <a:noFill/>
-        </p:spPr>
-        <p:txBody>
-          <a:bodyPr wrap="square" rtlCol="0">
-            <a:spAutoFit/>
-          </a:bodyPr>
-          <a:lstStyle/>
-          <a:p>
-            <a:r>
-              <a:rPr lang="en-US" altLang="ko-KR" dirty="0"/>
-              <a:t>640 x 640</a:t>
-            </a:r>
-            <a:r>
-              <a:rPr lang="ko-KR" altLang="en-US" dirty="0"/>
-              <a:t>당 평균 몇 개의 </a:t>
-            </a:r>
-            <a:r>
-              <a:rPr lang="en-US" altLang="ko-KR" dirty="0"/>
-              <a:t>Mitotic cell </a:t>
-            </a:r>
-            <a:r>
-              <a:rPr lang="ko-KR" altLang="en-US" dirty="0"/>
-              <a:t>이 있는가</a:t>
-            </a:r>
-          </a:p>
-        </p:txBody>
-      </p:sp>
-      <p:sp>
-        <p:nvSpPr>
-          <p:cNvPr id="8" name="TextBox 7">
-            <a:extLst>
-              <a:ext uri="{FF2B5EF4-FFF2-40B4-BE49-F238E27FC236}">
-                <a16:creationId xmlns:a16="http://schemas.microsoft.com/office/drawing/2014/main" id="{6F436CDC-80A1-4A39-BA59-E91EF2702634}"/>
-              </a:ext>
-            </a:extLst>
-          </p:cNvPr>
-          <p:cNvSpPr txBox="1"/>
-          <p:nvPr/>
-        </p:nvSpPr>
-        <p:spPr>
-          <a:xfrm>
-            <a:off x="815788" y="580508"/>
-            <a:ext cx="7915835" cy="369332"/>
-          </a:xfrm>
-          <a:prstGeom prst="rect">
-            <a:avLst/>
-          </a:prstGeom>
-          <a:noFill/>
-        </p:spPr>
-        <p:txBody>
-          <a:bodyPr wrap="square">
-            <a:spAutoFit/>
-          </a:bodyPr>
-          <a:lstStyle/>
-          <a:p>
-            <a:r>
-              <a:rPr lang="ko-KR" altLang="en-US" b="1" dirty="0"/>
-              <a:t>현재 데이터에서 </a:t>
-            </a:r>
-            <a:r>
-              <a:rPr lang="en-US" altLang="ko-KR" b="1" dirty="0"/>
-              <a:t>MC(Mitotic</a:t>
-            </a:r>
-            <a:r>
-              <a:rPr lang="ko-KR" altLang="en-US" b="1" dirty="0"/>
-              <a:t> </a:t>
-            </a:r>
-            <a:r>
-              <a:rPr lang="en-US" altLang="ko-KR" b="1" dirty="0"/>
-              <a:t>count)</a:t>
-            </a:r>
-            <a:r>
-              <a:rPr lang="ko-KR" altLang="en-US" b="1" dirty="0"/>
-              <a:t> 측정</a:t>
-            </a:r>
-            <a:endParaRPr lang="ko-KR" altLang="en-US" dirty="0"/>
-          </a:p>
-        </p:txBody>
-      </p:sp>
-    </p:spTree>
-    <p:extLst>
-      <p:ext uri="{BB962C8B-B14F-4D97-AF65-F5344CB8AC3E}">
-        <p14:creationId xmlns:p14="http://schemas.microsoft.com/office/powerpoint/2010/main" val="4208308462"/>
-      </p:ext>
-    </p:extLst>
-  </p:cSld>
-  <p:clrMapOvr>
-    <a:masterClrMapping/>
-  </p:clrMapOvr>
-</p:sld>
-</file>
-
-<file path=ppt/slides/slide12.xml><?xml version="1.0" encoding="utf-8"?>
-<p:sld xmlns:a="http://schemas.openxmlformats.org/drawingml/2006/main" xmlns:r="http://schemas.openxmlformats.org/officeDocument/2006/relationships" xmlns:p="http://schemas.openxmlformats.org/presentationml/2006/main">
-  <p:cSld>
-    <p:spTree>
-      <p:nvGrpSpPr>
-        <p:cNvPr id="1" name=""/>
-        <p:cNvGrpSpPr/>
-        <p:nvPr/>
-      </p:nvGrpSpPr>
-      <p:grpSpPr>
-        <a:xfrm>
-          <a:off x="0" y="0"/>
-          <a:ext cx="0" cy="0"/>
-          <a:chOff x="0" y="0"/>
-          <a:chExt cx="0" cy="0"/>
-        </a:xfrm>
-      </p:grpSpPr>
-      <p:pic>
-        <p:nvPicPr>
-          <p:cNvPr id="7" name="그림 6">
-            <a:extLst>
-              <a:ext uri="{FF2B5EF4-FFF2-40B4-BE49-F238E27FC236}">
-                <a16:creationId xmlns:a16="http://schemas.microsoft.com/office/drawing/2014/main" id="{52C50A1C-0379-4C9D-86DA-BE5269178CE5}"/>
-              </a:ext>
-            </a:extLst>
-          </p:cNvPr>
-          <p:cNvPicPr>
-            <a:picLocks noChangeAspect="1"/>
-          </p:cNvPicPr>
-          <p:nvPr/>
-        </p:nvPicPr>
-        <p:blipFill>
-          <a:blip r:embed="rId2"/>
-          <a:stretch>
-            <a:fillRect/>
-          </a:stretch>
-        </p:blipFill>
-        <p:spPr>
-          <a:xfrm>
-            <a:off x="815788" y="2163176"/>
-            <a:ext cx="7811060" cy="2531648"/>
-          </a:xfrm>
-          <a:prstGeom prst="rect">
-            <a:avLst/>
-          </a:prstGeom>
-        </p:spPr>
-      </p:pic>
-      <p:sp>
-        <p:nvSpPr>
-          <p:cNvPr id="8" name="TextBox 7">
-            <a:extLst>
-              <a:ext uri="{FF2B5EF4-FFF2-40B4-BE49-F238E27FC236}">
-                <a16:creationId xmlns:a16="http://schemas.microsoft.com/office/drawing/2014/main" id="{517B3557-8AE8-4FA4-82DA-550A87889C3E}"/>
-              </a:ext>
-            </a:extLst>
-          </p:cNvPr>
-          <p:cNvSpPr txBox="1"/>
-          <p:nvPr/>
-        </p:nvSpPr>
-        <p:spPr>
-          <a:xfrm>
-            <a:off x="815788" y="580508"/>
-            <a:ext cx="7915835" cy="646331"/>
-          </a:xfrm>
-          <a:prstGeom prst="rect">
-            <a:avLst/>
-          </a:prstGeom>
-          <a:noFill/>
-        </p:spPr>
-        <p:txBody>
-          <a:bodyPr wrap="square">
-            <a:spAutoFit/>
-          </a:bodyPr>
-          <a:lstStyle/>
-          <a:p>
-            <a:r>
-              <a:rPr lang="ko-KR" altLang="en-US" b="1" dirty="0"/>
-              <a:t>특정 범위에 </a:t>
-            </a:r>
-            <a:r>
-              <a:rPr lang="en-US" altLang="ko-KR" b="1" dirty="0"/>
-              <a:t>Mitotic Cell</a:t>
-            </a:r>
-            <a:r>
-              <a:rPr lang="ko-KR" altLang="en-US" b="1" dirty="0"/>
-              <a:t>이 얼마나 분포되어 있는지도 기수 판별의 주 요소 </a:t>
-            </a:r>
-          </a:p>
-          <a:p>
-            <a:pPr lvl="1"/>
-            <a:r>
-              <a:rPr lang="en-US" altLang="ko-KR" dirty="0"/>
-              <a:t>-&gt;</a:t>
-            </a:r>
-            <a:r>
-              <a:rPr lang="ko-KR" altLang="en-US" dirty="0"/>
-              <a:t> </a:t>
-            </a:r>
-            <a:r>
-              <a:rPr lang="en-US" altLang="ko-KR" dirty="0"/>
-              <a:t>MC</a:t>
-            </a:r>
-            <a:r>
-              <a:rPr lang="ko-KR" altLang="en-US" dirty="0"/>
-              <a:t> 분포 시각화</a:t>
-            </a:r>
-          </a:p>
-        </p:txBody>
-      </p:sp>
-    </p:spTree>
-    <p:extLst>
-      <p:ext uri="{BB962C8B-B14F-4D97-AF65-F5344CB8AC3E}">
-        <p14:creationId xmlns:p14="http://schemas.microsoft.com/office/powerpoint/2010/main" val="2681682413"/>
-      </p:ext>
-    </p:extLst>
-  </p:cSld>
-  <p:clrMapOvr>
-    <a:masterClrMapping/>
-  </p:clrMapOvr>
-</p:sld>
-</file>
-
-<file path=ppt/slides/slide13.xml><?xml version="1.0" encoding="utf-8"?>
-<p:sld xmlns:a="http://schemas.openxmlformats.org/drawingml/2006/main" xmlns:r="http://schemas.openxmlformats.org/officeDocument/2006/relationships" xmlns:p="http://schemas.openxmlformats.org/presentationml/2006/main">
-  <p:cSld>
-    <p:spTree>
-      <p:nvGrpSpPr>
-        <p:cNvPr id="1" name=""/>
-        <p:cNvGrpSpPr/>
-        <p:nvPr/>
-      </p:nvGrpSpPr>
-      <p:grpSpPr>
-        <a:xfrm>
-          <a:off x="0" y="0"/>
-          <a:ext cx="0" cy="0"/>
-          <a:chOff x="0" y="0"/>
-          <a:chExt cx="0" cy="0"/>
-        </a:xfrm>
-      </p:grpSpPr>
-      <p:sp>
-        <p:nvSpPr>
-          <p:cNvPr id="5" name="TextBox 4">
-            <a:extLst>
-              <a:ext uri="{FF2B5EF4-FFF2-40B4-BE49-F238E27FC236}">
-                <a16:creationId xmlns:a16="http://schemas.microsoft.com/office/drawing/2014/main" id="{CF9FE0CA-3DAC-4BFE-9617-75D21A49ADD6}"/>
-              </a:ext>
-            </a:extLst>
-          </p:cNvPr>
-          <p:cNvSpPr txBox="1"/>
-          <p:nvPr/>
-        </p:nvSpPr>
-        <p:spPr>
-          <a:xfrm>
-            <a:off x="546848" y="1119698"/>
-            <a:ext cx="6096000" cy="369332"/>
-          </a:xfrm>
-          <a:prstGeom prst="rect">
-            <a:avLst/>
-          </a:prstGeom>
-          <a:noFill/>
-        </p:spPr>
-        <p:txBody>
-          <a:bodyPr wrap="square">
-            <a:spAutoFit/>
-          </a:bodyPr>
-          <a:lstStyle/>
-          <a:p>
-            <a:r>
-              <a:rPr lang="ko-KR" altLang="en-US" dirty="0"/>
-              <a:t>https://www.nature.com/articles/s41597-019-0290-4</a:t>
-            </a:r>
-          </a:p>
-        </p:txBody>
-      </p:sp>
-      <p:sp>
-        <p:nvSpPr>
-          <p:cNvPr id="6" name="TextBox 5">
-            <a:extLst>
-              <a:ext uri="{FF2B5EF4-FFF2-40B4-BE49-F238E27FC236}">
-                <a16:creationId xmlns:a16="http://schemas.microsoft.com/office/drawing/2014/main" id="{2004FDD7-65CE-40ED-83D9-771F10BCD1A5}"/>
-              </a:ext>
-            </a:extLst>
-          </p:cNvPr>
-          <p:cNvSpPr txBox="1"/>
-          <p:nvPr/>
-        </p:nvSpPr>
-        <p:spPr>
-          <a:xfrm>
-            <a:off x="546848" y="393557"/>
-            <a:ext cx="6096000" cy="523220"/>
-          </a:xfrm>
-          <a:prstGeom prst="rect">
-            <a:avLst/>
-          </a:prstGeom>
-          <a:noFill/>
-        </p:spPr>
-        <p:txBody>
-          <a:bodyPr wrap="square">
-            <a:spAutoFit/>
-          </a:bodyPr>
-          <a:lstStyle/>
-          <a:p>
-            <a:r>
-              <a:rPr lang="ko-KR" altLang="en-US" sz="2800" b="1" dirty="0"/>
-              <a:t>출처</a:t>
-            </a:r>
-          </a:p>
-        </p:txBody>
-      </p:sp>
-      <p:sp>
-        <p:nvSpPr>
-          <p:cNvPr id="7" name="TextBox 6">
-            <a:extLst>
-              <a:ext uri="{FF2B5EF4-FFF2-40B4-BE49-F238E27FC236}">
-                <a16:creationId xmlns:a16="http://schemas.microsoft.com/office/drawing/2014/main" id="{3295E44A-992B-424A-88BF-1B3980E92D60}"/>
-              </a:ext>
-            </a:extLst>
-          </p:cNvPr>
-          <p:cNvSpPr txBox="1"/>
-          <p:nvPr/>
-        </p:nvSpPr>
-        <p:spPr>
-          <a:xfrm>
-            <a:off x="546848" y="1691951"/>
-            <a:ext cx="10201834" cy="369332"/>
-          </a:xfrm>
-          <a:prstGeom prst="rect">
-            <a:avLst/>
-          </a:prstGeom>
-          <a:noFill/>
-        </p:spPr>
-        <p:txBody>
-          <a:bodyPr wrap="square">
-            <a:spAutoFit/>
-          </a:bodyPr>
-          <a:lstStyle/>
-          <a:p>
-            <a:r>
-              <a:rPr lang="ko-KR" altLang="en-US" dirty="0">
-                <a:hlinkClick r:id="rId2"/>
-              </a:rPr>
-              <a:t>https://www.kaggle.com/marcaubreville/first-steps-with-the-mitos-wsi-ccmct-data-set</a:t>
-            </a:r>
-            <a:endParaRPr lang="ko-KR" altLang="en-US" dirty="0"/>
-          </a:p>
-        </p:txBody>
-      </p:sp>
-      <p:sp>
-        <p:nvSpPr>
-          <p:cNvPr id="8" name="TextBox 7">
-            <a:extLst>
-              <a:ext uri="{FF2B5EF4-FFF2-40B4-BE49-F238E27FC236}">
-                <a16:creationId xmlns:a16="http://schemas.microsoft.com/office/drawing/2014/main" id="{7505E8EE-727E-4274-A799-DD8DAF408453}"/>
-              </a:ext>
-            </a:extLst>
-          </p:cNvPr>
-          <p:cNvSpPr txBox="1"/>
-          <p:nvPr/>
-        </p:nvSpPr>
-        <p:spPr>
-          <a:xfrm>
-            <a:off x="546848" y="3149967"/>
-            <a:ext cx="10554259" cy="338554"/>
-          </a:xfrm>
-          <a:prstGeom prst="rect">
-            <a:avLst/>
-          </a:prstGeom>
-          <a:noFill/>
-        </p:spPr>
-        <p:txBody>
-          <a:bodyPr wrap="square">
-            <a:spAutoFit/>
-          </a:bodyPr>
-          <a:lstStyle/>
-          <a:p>
-            <a:r>
-              <a:rPr lang="en-US" altLang="ko-KR" sz="1600" b="0" i="0" dirty="0">
-                <a:solidFill>
-                  <a:schemeClr val="tx1">
-                    <a:lumMod val="50000"/>
-                    <a:lumOff val="50000"/>
-                  </a:schemeClr>
-                </a:solidFill>
-                <a:effectLst/>
-                <a:latin typeface="Roboto" panose="020B0604020202020204" pitchFamily="2" charset="0"/>
-              </a:rPr>
-              <a:t>Histopathology and prognostic panels to aid in the diagnosis and management</a:t>
-            </a:r>
-            <a:endParaRPr lang="ko-KR" altLang="en-US" sz="1600" dirty="0">
-              <a:solidFill>
-                <a:schemeClr val="tx1">
-                  <a:lumMod val="50000"/>
-                  <a:lumOff val="50000"/>
-                </a:schemeClr>
-              </a:solidFill>
-            </a:endParaRPr>
-          </a:p>
-        </p:txBody>
-      </p:sp>
-      <p:sp>
-        <p:nvSpPr>
-          <p:cNvPr id="10" name="TextBox 9">
-            <a:extLst>
-              <a:ext uri="{FF2B5EF4-FFF2-40B4-BE49-F238E27FC236}">
-                <a16:creationId xmlns:a16="http://schemas.microsoft.com/office/drawing/2014/main" id="{A838AAED-99C7-4BDB-8F69-4AE0D505DE9F}"/>
-              </a:ext>
-            </a:extLst>
-          </p:cNvPr>
-          <p:cNvSpPr txBox="1"/>
-          <p:nvPr/>
-        </p:nvSpPr>
-        <p:spPr>
-          <a:xfrm>
-            <a:off x="546848" y="3663531"/>
-            <a:ext cx="8534399" cy="646331"/>
-          </a:xfrm>
-          <a:prstGeom prst="rect">
-            <a:avLst/>
-          </a:prstGeom>
-          <a:noFill/>
-        </p:spPr>
-        <p:txBody>
-          <a:bodyPr wrap="square">
-            <a:spAutoFit/>
-          </a:bodyPr>
-          <a:lstStyle/>
-          <a:p>
-            <a:r>
-              <a:rPr lang="en-US" altLang="ko-KR" dirty="0">
-                <a:solidFill>
-                  <a:schemeClr val="tx1">
-                    <a:lumMod val="50000"/>
-                    <a:lumOff val="50000"/>
-                  </a:schemeClr>
-                </a:solidFill>
-              </a:rPr>
-              <a:t>Computerized Calculation of Mitotic Count Distribution in Canine Cutaneous Mast Cell Tumor Sections: Mitotic Count Is Area Dependent</a:t>
-            </a:r>
-            <a:endParaRPr lang="ko-KR" altLang="en-US" dirty="0">
-              <a:solidFill>
-                <a:schemeClr val="tx1">
-                  <a:lumMod val="50000"/>
-                  <a:lumOff val="50000"/>
-                </a:schemeClr>
-              </a:solidFill>
-            </a:endParaRPr>
-          </a:p>
-        </p:txBody>
-      </p:sp>
-      <p:sp>
-        <p:nvSpPr>
-          <p:cNvPr id="11" name="TextBox 10">
-            <a:extLst>
-              <a:ext uri="{FF2B5EF4-FFF2-40B4-BE49-F238E27FC236}">
-                <a16:creationId xmlns:a16="http://schemas.microsoft.com/office/drawing/2014/main" id="{2B50A4C7-A6EF-4ADF-A02C-827774D8EF9F}"/>
-              </a:ext>
-            </a:extLst>
-          </p:cNvPr>
-          <p:cNvSpPr txBox="1"/>
-          <p:nvPr/>
-        </p:nvSpPr>
-        <p:spPr>
-          <a:xfrm>
-            <a:off x="546848" y="2574847"/>
-            <a:ext cx="6096000" cy="400110"/>
-          </a:xfrm>
-          <a:prstGeom prst="rect">
-            <a:avLst/>
-          </a:prstGeom>
-          <a:noFill/>
-        </p:spPr>
-        <p:txBody>
-          <a:bodyPr wrap="square">
-            <a:spAutoFit/>
-          </a:bodyPr>
-          <a:lstStyle/>
-          <a:p>
-            <a:r>
-              <a:rPr lang="ko-KR" altLang="en-US" sz="2000" b="1"/>
-              <a:t>논문</a:t>
-            </a:r>
-            <a:endParaRPr lang="ko-KR" altLang="en-US" sz="2000" b="1" dirty="0"/>
-          </a:p>
-        </p:txBody>
-      </p:sp>
-      <p:graphicFrame>
-        <p:nvGraphicFramePr>
-          <p:cNvPr id="13" name="개체 12">
-            <a:hlinkClick r:id="" action="ppaction://ole?verb=0"/>
-            <a:extLst>
-              <a:ext uri="{FF2B5EF4-FFF2-40B4-BE49-F238E27FC236}">
-                <a16:creationId xmlns:a16="http://schemas.microsoft.com/office/drawing/2014/main" id="{5C9536E6-009E-482D-AEE2-73041754395F}"/>
-              </a:ext>
-            </a:extLst>
-          </p:cNvPr>
-          <p:cNvGraphicFramePr>
-            <a:graphicFrameLocks noChangeAspect="1"/>
-          </p:cNvGraphicFramePr>
-          <p:nvPr>
-            <p:extLst>
-              <p:ext uri="{D42A27DB-BD31-4B8C-83A1-F6EECF244321}">
-                <p14:modId xmlns:p14="http://schemas.microsoft.com/office/powerpoint/2010/main" val="4292594884"/>
-              </p:ext>
-            </p:extLst>
-          </p:nvPr>
-        </p:nvGraphicFramePr>
-        <p:xfrm>
-          <a:off x="7928723" y="2667180"/>
-          <a:ext cx="1541869" cy="821341"/>
-        </p:xfrm>
-        <a:graphic>
-          <a:graphicData uri="http://schemas.openxmlformats.org/presentationml/2006/ole">
-            <mc:AlternateContent xmlns:mc="http://schemas.openxmlformats.org/markup-compatibility/2006">
-              <mc:Choice xmlns:v="urn:schemas-microsoft-com:vml" Requires="v">
-                <p:oleObj name="포장기 셸 개체" showAsIcon="1" r:id="rId3" imgW="825480" imgH="439560" progId="Package">
-                  <p:embed/>
-                </p:oleObj>
-              </mc:Choice>
-              <mc:Fallback>
-                <p:oleObj name="포장기 셸 개체" showAsIcon="1" r:id="rId3" imgW="825480" imgH="439560" progId="Package">
-                  <p:embed/>
-                  <p:pic>
-                    <p:nvPicPr>
-                      <p:cNvPr id="0" name=""/>
-                      <p:cNvPicPr/>
-                      <p:nvPr/>
-                    </p:nvPicPr>
-                    <p:blipFill>
-                      <a:blip r:embed="rId4"/>
-                      <a:stretch>
-                        <a:fillRect/>
-                      </a:stretch>
-                    </p:blipFill>
-                    <p:spPr>
-                      <a:xfrm>
-                        <a:off x="7928723" y="2667180"/>
-                        <a:ext cx="1541869" cy="821341"/>
-                      </a:xfrm>
-                      <a:prstGeom prst="rect">
-                        <a:avLst/>
-                      </a:prstGeom>
-                    </p:spPr>
-                  </p:pic>
-                </p:oleObj>
-              </mc:Fallback>
-            </mc:AlternateContent>
-          </a:graphicData>
-        </a:graphic>
-      </p:graphicFrame>
-    </p:spTree>
-    <p:extLst>
-      <p:ext uri="{BB962C8B-B14F-4D97-AF65-F5344CB8AC3E}">
-        <p14:creationId xmlns:p14="http://schemas.microsoft.com/office/powerpoint/2010/main" val="554509317"/>
-      </p:ext>
-    </p:extLst>
-  </p:cSld>
-  <p:clrMapOvr>
-    <a:masterClrMapping/>
-  </p:clrMapOvr>
-</p:sld>
-</file>
-
-<file path=ppt/slides/slide14.xml><?xml version="1.0" encoding="utf-8"?>
-<p:sld xmlns:a="http://schemas.openxmlformats.org/drawingml/2006/main" xmlns:r="http://schemas.openxmlformats.org/officeDocument/2006/relationships" xmlns:p="http://schemas.openxmlformats.org/presentationml/2006/main">
-  <p:cSld>
-    <p:spTree>
-      <p:nvGrpSpPr>
-        <p:cNvPr id="1" name=""/>
-        <p:cNvGrpSpPr/>
-        <p:nvPr/>
-      </p:nvGrpSpPr>
-      <p:grpSpPr>
-        <a:xfrm>
-          <a:off x="0" y="0"/>
-          <a:ext cx="0" cy="0"/>
-          <a:chOff x="0" y="0"/>
-          <a:chExt cx="0" cy="0"/>
-        </a:xfrm>
-      </p:grpSpPr>
-      <p:sp>
-        <p:nvSpPr>
-          <p:cNvPr id="4" name="TextBox 3">
-            <a:extLst>
-              <a:ext uri="{FF2B5EF4-FFF2-40B4-BE49-F238E27FC236}">
-                <a16:creationId xmlns:a16="http://schemas.microsoft.com/office/drawing/2014/main" id="{92F8DAC5-4575-4671-8AC5-0BBB967E14D7}"/>
-              </a:ext>
-            </a:extLst>
-          </p:cNvPr>
-          <p:cNvSpPr txBox="1"/>
-          <p:nvPr/>
-        </p:nvSpPr>
-        <p:spPr>
-          <a:xfrm>
-            <a:off x="815788" y="580508"/>
-            <a:ext cx="11123663" cy="3693319"/>
-          </a:xfrm>
-          <a:prstGeom prst="rect">
-            <a:avLst/>
-          </a:prstGeom>
-          <a:noFill/>
-        </p:spPr>
-        <p:txBody>
-          <a:bodyPr wrap="square">
-            <a:spAutoFit/>
-          </a:bodyPr>
-          <a:lstStyle/>
-          <a:p>
-            <a:r>
-              <a:rPr lang="ko-KR" altLang="en-US" dirty="0"/>
-              <a:t>과정</a:t>
-            </a:r>
-            <a:endParaRPr lang="en-US" altLang="ko-KR" dirty="0"/>
-          </a:p>
-          <a:p>
-            <a:r>
-              <a:rPr lang="en-US" altLang="ko-KR" dirty="0"/>
-              <a:t>	</a:t>
-            </a:r>
-            <a:r>
-              <a:rPr lang="ko-KR" altLang="en-US" dirty="0" err="1"/>
-              <a:t>전처리</a:t>
-            </a:r>
-            <a:r>
-              <a:rPr lang="ko-KR" altLang="en-US" dirty="0"/>
-              <a:t> </a:t>
-            </a:r>
-            <a:r>
-              <a:rPr lang="en-US" altLang="ko-KR" dirty="0"/>
-              <a:t>– </a:t>
-            </a:r>
-            <a:r>
-              <a:rPr lang="en-US" altLang="ko-KR" dirty="0" err="1"/>
-              <a:t>dcm</a:t>
-            </a:r>
-            <a:r>
-              <a:rPr lang="en-US" altLang="ko-KR" dirty="0"/>
-              <a:t> to </a:t>
-            </a:r>
-            <a:r>
-              <a:rPr lang="en-US" altLang="ko-KR" dirty="0" err="1"/>
-              <a:t>png</a:t>
-            </a:r>
-            <a:r>
-              <a:rPr lang="en-US" altLang="ko-KR" dirty="0"/>
-              <a:t> (640, 320, 256)</a:t>
-            </a:r>
-          </a:p>
-          <a:p>
-            <a:endParaRPr lang="en-US" altLang="ko-KR" dirty="0"/>
-          </a:p>
-          <a:p>
-            <a:r>
-              <a:rPr lang="en-US" altLang="ko-KR" dirty="0"/>
-              <a:t>	1. yolov5s</a:t>
-            </a:r>
-            <a:r>
-              <a:rPr lang="ko-KR" altLang="en-US" dirty="0"/>
-              <a:t> </a:t>
-            </a:r>
-            <a:r>
-              <a:rPr lang="en-US" altLang="ko-KR" dirty="0"/>
-              <a:t>–</a:t>
-            </a:r>
-            <a:r>
-              <a:rPr lang="ko-KR" altLang="en-US" dirty="0"/>
-              <a:t> </a:t>
-            </a:r>
-            <a:r>
-              <a:rPr lang="en-US" altLang="ko-KR" dirty="0"/>
-              <a:t>img640</a:t>
-            </a:r>
-            <a:r>
-              <a:rPr lang="ko-KR" altLang="en-US" dirty="0"/>
-              <a:t> </a:t>
-            </a:r>
-            <a:r>
-              <a:rPr lang="en-US" altLang="ko-KR" dirty="0"/>
-              <a:t>epochs</a:t>
-            </a:r>
-            <a:r>
-              <a:rPr lang="ko-KR" altLang="en-US" dirty="0"/>
-              <a:t> </a:t>
-            </a:r>
-            <a:r>
-              <a:rPr lang="en-US" altLang="ko-KR" dirty="0"/>
-              <a:t>100</a:t>
-            </a:r>
-          </a:p>
-          <a:p>
-            <a:r>
-              <a:rPr lang="en-US" altLang="ko-KR" dirty="0"/>
-              <a:t>	2. yolov5s – img320 epochs 230</a:t>
-            </a:r>
-          </a:p>
-          <a:p>
-            <a:r>
-              <a:rPr lang="en-US" altLang="ko-KR" dirty="0"/>
-              <a:t>	3. yolov5l – img320 epochs 300</a:t>
-            </a:r>
-          </a:p>
-          <a:p>
-            <a:r>
-              <a:rPr lang="en-US" altLang="ko-KR" dirty="0"/>
-              <a:t> </a:t>
-            </a:r>
-          </a:p>
-          <a:p>
-            <a:r>
-              <a:rPr lang="en-US" altLang="ko-KR" dirty="0"/>
-              <a:t>To do</a:t>
-            </a:r>
-          </a:p>
-          <a:p>
-            <a:pPr marL="800100" lvl="1" indent="-342900">
-              <a:buFont typeface="+mj-lt"/>
-              <a:buAutoNum type="arabicPeriod"/>
-            </a:pPr>
-            <a:r>
-              <a:rPr lang="en-US" altLang="ko-KR" strike="sngStrike" dirty="0"/>
-              <a:t>yolov5 + Efficient Net </a:t>
-            </a:r>
-            <a:r>
-              <a:rPr lang="en-US" altLang="ko-KR" dirty="0"/>
-              <a:t>&lt;-</a:t>
-            </a:r>
-            <a:r>
-              <a:rPr lang="ko-KR" altLang="en-US" dirty="0"/>
-              <a:t>보류</a:t>
-            </a:r>
-            <a:endParaRPr lang="en-US" altLang="ko-KR" dirty="0"/>
-          </a:p>
-          <a:p>
-            <a:pPr marL="800100" lvl="1" indent="-342900">
-              <a:buFont typeface="+mj-lt"/>
-              <a:buAutoNum type="arabicPeriod"/>
-            </a:pPr>
-            <a:r>
-              <a:rPr lang="en-US" altLang="ko-KR" strike="sngStrike" dirty="0"/>
-              <a:t>Faster R-CNN </a:t>
-            </a:r>
-            <a:r>
-              <a:rPr lang="en-US" altLang="ko-KR" dirty="0"/>
-              <a:t>&lt; M2det</a:t>
-            </a:r>
-            <a:r>
-              <a:rPr lang="ko-KR" altLang="en-US" dirty="0"/>
-              <a:t>로 전환</a:t>
-            </a:r>
-            <a:r>
-              <a:rPr lang="en-US" altLang="ko-KR" dirty="0"/>
-              <a:t>, </a:t>
-            </a:r>
-            <a:r>
-              <a:rPr lang="ko-KR" altLang="en-US" dirty="0"/>
-              <a:t>진행중</a:t>
-            </a:r>
-            <a:endParaRPr lang="en-US" altLang="ko-KR" dirty="0"/>
-          </a:p>
-          <a:p>
-            <a:pPr marL="800100" lvl="1" indent="-342900">
-              <a:buFont typeface="+mj-lt"/>
-              <a:buAutoNum type="arabicPeriod"/>
-            </a:pPr>
-            <a:r>
-              <a:rPr lang="en-US" altLang="ko-KR" strike="sngStrike" dirty="0"/>
-              <a:t>None</a:t>
-            </a:r>
-            <a:r>
-              <a:rPr lang="ko-KR" altLang="en-US" strike="sngStrike" dirty="0"/>
-              <a:t> 라벨 추가 </a:t>
-            </a:r>
-            <a:r>
-              <a:rPr lang="en-US" altLang="ko-KR" dirty="0"/>
-              <a:t>&lt; M2det </a:t>
-            </a:r>
-            <a:r>
-              <a:rPr lang="ko-KR" altLang="en-US" dirty="0"/>
-              <a:t>테스트 예정</a:t>
-            </a:r>
-            <a:r>
-              <a:rPr lang="en-US" altLang="ko-KR" dirty="0"/>
-              <a:t>, </a:t>
-            </a:r>
-            <a:r>
-              <a:rPr lang="ko-KR" altLang="en-US" dirty="0"/>
-              <a:t>이후 </a:t>
-            </a:r>
-            <a:r>
-              <a:rPr lang="en-US" altLang="ko-KR" dirty="0"/>
-              <a:t>yolo</a:t>
-            </a:r>
-          </a:p>
-          <a:p>
-            <a:pPr marL="800100" lvl="1" indent="-342900">
-              <a:buFont typeface="+mj-lt"/>
-              <a:buAutoNum type="arabicPeriod"/>
-            </a:pPr>
-            <a:r>
-              <a:rPr lang="ko-KR" altLang="en-US" dirty="0"/>
-              <a:t>상업화 </a:t>
-            </a:r>
-            <a:r>
-              <a:rPr lang="en-US" altLang="ko-KR" dirty="0"/>
-              <a:t>– mitotic  cell visualization, mitotic count &gt; </a:t>
-            </a:r>
-            <a:r>
-              <a:rPr lang="ko-KR" altLang="en-US" dirty="0"/>
-              <a:t>이후 과제</a:t>
-            </a:r>
-            <a:r>
-              <a:rPr lang="en-US" altLang="ko-KR" dirty="0"/>
-              <a:t>, </a:t>
-            </a:r>
-            <a:r>
-              <a:rPr lang="ko-KR" altLang="en-US" dirty="0"/>
-              <a:t>현재는 성능에 집중</a:t>
-            </a:r>
-            <a:endParaRPr lang="en-US" altLang="ko-KR" dirty="0"/>
-          </a:p>
-          <a:p>
-            <a:pPr marL="800100" lvl="1" indent="-342900">
-              <a:buFont typeface="+mj-lt"/>
-              <a:buAutoNum type="arabicPeriod"/>
-            </a:pPr>
-            <a:r>
-              <a:rPr lang="ko-KR" altLang="en-US" dirty="0"/>
-              <a:t>모델링 데이터 전부 끌어와서 비교</a:t>
-            </a:r>
-          </a:p>
-        </p:txBody>
-      </p:sp>
-    </p:spTree>
-    <p:extLst>
-      <p:ext uri="{BB962C8B-B14F-4D97-AF65-F5344CB8AC3E}">
-        <p14:creationId xmlns:p14="http://schemas.microsoft.com/office/powerpoint/2010/main" val="2636447043"/>
-      </p:ext>
-    </p:extLst>
-  </p:cSld>
-  <p:clrMapOvr>
-    <a:masterClrMapping/>
-  </p:clrMapOvr>
-</p:sld>
-</file>
-
-<file path=ppt/slides/slide2.xml><?xml version="1.0" encoding="utf-8"?>
+<file path=ppt/slides/slide6.xml><?xml version="1.0" encoding="utf-8"?>
 <p:sld xmlns:a="http://schemas.openxmlformats.org/drawingml/2006/main" xmlns:r="http://schemas.openxmlformats.org/officeDocument/2006/relationships" xmlns:p="http://schemas.openxmlformats.org/presentationml/2006/main">
   <p:cSld>
     <p:spTree>
@@ -9022,7 +10716,7 @@
 </p:sld>
 </file>
 
-<file path=ppt/slides/slide3.xml><?xml version="1.0" encoding="utf-8"?>
+<file path=ppt/slides/slide7.xml><?xml version="1.0" encoding="utf-8"?>
 <p:sld xmlns:a="http://schemas.openxmlformats.org/drawingml/2006/main" xmlns:r="http://schemas.openxmlformats.org/officeDocument/2006/relationships" xmlns:p="http://schemas.openxmlformats.org/presentationml/2006/main">
   <p:cSld>
     <p:spTree>
@@ -9676,72 +11370,12 @@
           </a:prstGeom>
         </p:spPr>
       </p:pic>
-    </p:spTree>
-    <p:extLst>
-      <p:ext uri="{BB962C8B-B14F-4D97-AF65-F5344CB8AC3E}">
-        <p14:creationId xmlns:p14="http://schemas.microsoft.com/office/powerpoint/2010/main" val="2621464974"/>
-      </p:ext>
-    </p:extLst>
-  </p:cSld>
-  <p:clrMapOvr>
-    <a:masterClrMapping/>
-  </p:clrMapOvr>
-</p:sld>
-</file>
-
-<file path=ppt/slides/slide4.xml><?xml version="1.0" encoding="utf-8"?>
-<p:sld xmlns:a="http://schemas.openxmlformats.org/drawingml/2006/main" xmlns:r="http://schemas.openxmlformats.org/officeDocument/2006/relationships" xmlns:p="http://schemas.openxmlformats.org/presentationml/2006/main">
-  <p:cSld>
-    <p:spTree>
-      <p:nvGrpSpPr>
-        <p:cNvPr id="1" name=""/>
-        <p:cNvGrpSpPr/>
-        <p:nvPr/>
-      </p:nvGrpSpPr>
-      <p:grpSpPr>
-        <a:xfrm>
-          <a:off x="0" y="0"/>
-          <a:ext cx="0" cy="0"/>
-          <a:chOff x="0" y="0"/>
-          <a:chExt cx="0" cy="0"/>
-        </a:xfrm>
-      </p:grpSpPr>
-      <p:pic>
-        <p:nvPicPr>
-          <p:cNvPr id="3" name="그림 2">
-            <a:extLst>
-              <a:ext uri="{FF2B5EF4-FFF2-40B4-BE49-F238E27FC236}">
-                <a16:creationId xmlns:a16="http://schemas.microsoft.com/office/drawing/2014/main" id="{58FAC1BB-57D1-40D1-AF10-C68AD013AF20}"/>
-              </a:ext>
-            </a:extLst>
-          </p:cNvPr>
-          <p:cNvPicPr>
-            <a:picLocks noChangeAspect="1"/>
-          </p:cNvPicPr>
-          <p:nvPr/>
-        </p:nvPicPr>
-        <p:blipFill>
-          <a:blip r:embed="rId2"/>
-          <a:stretch>
-            <a:fillRect/>
-          </a:stretch>
-        </p:blipFill>
-        <p:spPr>
-          <a:xfrm>
-            <a:off x="852487" y="713534"/>
-            <a:ext cx="8353425" cy="1743075"/>
-          </a:xfrm>
-          <a:prstGeom prst="rect">
-            <a:avLst/>
-          </a:prstGeom>
-        </p:spPr>
-      </p:pic>
       <p:sp>
         <p:nvSpPr>
-          <p:cNvPr id="4" name="TextBox 3">
-            <a:extLst>
-              <a:ext uri="{FF2B5EF4-FFF2-40B4-BE49-F238E27FC236}">
-                <a16:creationId xmlns:a16="http://schemas.microsoft.com/office/drawing/2014/main" id="{04826813-8F9A-4E92-9DDA-EE4230BA7D22}"/>
+          <p:cNvPr id="2" name="TextBox 1">
+            <a:extLst>
+              <a:ext uri="{FF2B5EF4-FFF2-40B4-BE49-F238E27FC236}">
+                <a16:creationId xmlns:a16="http://schemas.microsoft.com/office/drawing/2014/main" id="{384867B2-BB80-4086-8B0F-4841321E21B4}"/>
               </a:ext>
             </a:extLst>
           </p:cNvPr>
@@ -9750,8 +11384,8 @@
         </p:nvSpPr>
         <p:spPr>
           <a:xfrm>
-            <a:off x="842962" y="528868"/>
-            <a:ext cx="6027419" cy="369332"/>
+            <a:off x="7148945" y="643228"/>
+            <a:ext cx="3996916" cy="923330"/>
           </a:xfrm>
           <a:prstGeom prst="rect">
             <a:avLst/>
@@ -9765,308 +11399,33 @@
           <a:lstStyle/>
           <a:p>
             <a:r>
+              <a:rPr lang="en-US" altLang="ko-KR" dirty="0"/>
+              <a:t>Binucleated cell, multinucleated cell</a:t>
+            </a:r>
+            <a:r>
               <a:rPr lang="ko-KR" altLang="en-US" dirty="0"/>
-              <a:t>데이터셋 생성 과정 </a:t>
+              <a:t>은 </a:t>
             </a:r>
             <a:r>
               <a:rPr lang="en-US" altLang="ko-KR" dirty="0"/>
-              <a:t>(MEL)</a:t>
-            </a:r>
-            <a:endParaRPr lang="ko-KR" altLang="en-US" dirty="0"/>
-          </a:p>
-        </p:txBody>
-      </p:sp>
-      <p:pic>
-        <p:nvPicPr>
-          <p:cNvPr id="8" name="그림 7" descr="텍스트, 스크린샷이(가) 표시된 사진&#10;&#10;자동 생성된 설명">
-            <a:extLst>
-              <a:ext uri="{FF2B5EF4-FFF2-40B4-BE49-F238E27FC236}">
-                <a16:creationId xmlns:a16="http://schemas.microsoft.com/office/drawing/2014/main" id="{66962B84-9702-4315-A13F-719AD349F6D1}"/>
-              </a:ext>
-            </a:extLst>
-          </p:cNvPr>
-          <p:cNvPicPr>
-            <a:picLocks noChangeAspect="1"/>
-          </p:cNvPicPr>
-          <p:nvPr/>
-        </p:nvPicPr>
-        <p:blipFill>
-          <a:blip r:embed="rId3"/>
-          <a:stretch>
-            <a:fillRect/>
-          </a:stretch>
-        </p:blipFill>
-        <p:spPr>
-          <a:xfrm>
-            <a:off x="852487" y="2641275"/>
-            <a:ext cx="8201025" cy="3495675"/>
-          </a:xfrm>
-          <a:prstGeom prst="rect">
-            <a:avLst/>
-          </a:prstGeom>
-        </p:spPr>
-      </p:pic>
-    </p:spTree>
-    <p:extLst>
-      <p:ext uri="{BB962C8B-B14F-4D97-AF65-F5344CB8AC3E}">
-        <p14:creationId xmlns:p14="http://schemas.microsoft.com/office/powerpoint/2010/main" val="3969011409"/>
-      </p:ext>
-    </p:extLst>
-  </p:cSld>
-  <p:clrMapOvr>
-    <a:masterClrMapping/>
-  </p:clrMapOvr>
-</p:sld>
-</file>
-
-<file path=ppt/slides/slide5.xml><?xml version="1.0" encoding="utf-8"?>
-<p:sld xmlns:a="http://schemas.openxmlformats.org/drawingml/2006/main" xmlns:r="http://schemas.openxmlformats.org/officeDocument/2006/relationships" xmlns:p="http://schemas.openxmlformats.org/presentationml/2006/main">
-  <p:cSld>
-    <p:spTree>
-      <p:nvGrpSpPr>
-        <p:cNvPr id="1" name=""/>
-        <p:cNvGrpSpPr/>
-        <p:nvPr/>
-      </p:nvGrpSpPr>
-      <p:grpSpPr>
-        <a:xfrm>
-          <a:off x="0" y="0"/>
-          <a:ext cx="0" cy="0"/>
-          <a:chOff x="0" y="0"/>
-          <a:chExt cx="0" cy="0"/>
-        </a:xfrm>
-      </p:grpSpPr>
-      <p:sp>
-        <p:nvSpPr>
-          <p:cNvPr id="5" name="TextBox 4">
-            <a:extLst>
-              <a:ext uri="{FF2B5EF4-FFF2-40B4-BE49-F238E27FC236}">
-                <a16:creationId xmlns:a16="http://schemas.microsoft.com/office/drawing/2014/main" id="{82D05277-2A5D-41EA-8F5F-F2469E9FBF2D}"/>
-              </a:ext>
-            </a:extLst>
-          </p:cNvPr>
-          <p:cNvSpPr txBox="1"/>
-          <p:nvPr/>
-        </p:nvSpPr>
-        <p:spPr>
-          <a:xfrm>
-            <a:off x="380222" y="446926"/>
-            <a:ext cx="8306577" cy="3970318"/>
-          </a:xfrm>
-          <a:prstGeom prst="rect">
-            <a:avLst/>
-          </a:prstGeom>
-          <a:noFill/>
-        </p:spPr>
-        <p:txBody>
-          <a:bodyPr wrap="square">
-            <a:spAutoFit/>
-          </a:bodyPr>
-          <a:lstStyle/>
-          <a:p>
+              <a:t>train set(</a:t>
+            </a:r>
             <a:r>
               <a:rPr lang="ko-KR" altLang="en-US" dirty="0"/>
-              <a:t>MEL - </a:t>
-            </a:r>
-            <a:r>
-              <a:rPr lang="ko-KR" altLang="en-US" dirty="0" err="1"/>
-              <a:t>manually</a:t>
+              <a:t>제공받은 </a:t>
+            </a:r>
+            <a:r>
+              <a:rPr lang="en-US" altLang="ko-KR" dirty="0"/>
+              <a:t>Kaggle data)</a:t>
             </a:r>
             <a:r>
               <a:rPr lang="ko-KR" altLang="en-US" dirty="0"/>
-              <a:t>, </a:t>
-            </a:r>
-            <a:r>
-              <a:rPr lang="ko-KR" altLang="en-US" dirty="0" err="1"/>
-              <a:t>expert-labelled</a:t>
-            </a:r>
-            <a:r>
-              <a:rPr lang="ko-KR" altLang="en-US" dirty="0"/>
-              <a:t> </a:t>
-            </a:r>
-            <a:r>
-              <a:rPr lang="ko-KR" altLang="en-US" dirty="0" err="1"/>
-              <a:t>dataset</a:t>
-            </a:r>
-            <a:r>
-              <a:rPr lang="ko-KR" altLang="en-US" dirty="0"/>
-              <a:t> - 기존 전문가 데이터셋</a:t>
-            </a:r>
-          </a:p>
-          <a:p>
-            <a:endParaRPr lang="ko-KR" altLang="en-US" dirty="0"/>
-          </a:p>
-          <a:p>
-            <a:r>
-              <a:rPr lang="ko-KR" altLang="en-US" dirty="0"/>
-              <a:t>이걸 변형시켜서 </a:t>
-            </a:r>
-          </a:p>
-          <a:p>
-            <a:endParaRPr lang="ko-KR" altLang="en-US" dirty="0"/>
-          </a:p>
-          <a:p>
-            <a:r>
-              <a:rPr lang="ko-KR" altLang="en-US" dirty="0"/>
-              <a:t>HEAL - </a:t>
-            </a:r>
-            <a:r>
-              <a:rPr lang="ko-KR" altLang="en-US" dirty="0" err="1"/>
-              <a:t>Hard-example</a:t>
-            </a:r>
-            <a:r>
-              <a:rPr lang="ko-KR" altLang="en-US" dirty="0"/>
-              <a:t> </a:t>
-            </a:r>
-            <a:r>
-              <a:rPr lang="ko-KR" altLang="en-US" dirty="0" err="1"/>
-              <a:t>augmented</a:t>
-            </a:r>
-            <a:r>
-              <a:rPr lang="ko-KR" altLang="en-US" dirty="0"/>
-              <a:t> </a:t>
-            </a:r>
-            <a:r>
-              <a:rPr lang="ko-KR" altLang="en-US" dirty="0" err="1"/>
-              <a:t>expert</a:t>
-            </a:r>
-            <a:r>
-              <a:rPr lang="ko-KR" altLang="en-US" dirty="0"/>
-              <a:t> </a:t>
-            </a:r>
-            <a:r>
-              <a:rPr lang="ko-KR" altLang="en-US" dirty="0" err="1"/>
-              <a:t>labelled</a:t>
-            </a:r>
-            <a:r>
-              <a:rPr lang="ko-KR" altLang="en-US" dirty="0"/>
-              <a:t> </a:t>
-            </a:r>
-            <a:r>
-              <a:rPr lang="ko-KR" altLang="en-US" dirty="0" err="1"/>
-              <a:t>dataset</a:t>
-            </a:r>
-            <a:r>
-              <a:rPr lang="ko-KR" altLang="en-US" dirty="0"/>
-              <a:t> </a:t>
-            </a:r>
-            <a:r>
-              <a:rPr lang="ko-KR" altLang="en-US" dirty="0" err="1"/>
-              <a:t>variant</a:t>
-            </a:r>
-            <a:endParaRPr lang="ko-KR" altLang="en-US" dirty="0"/>
-          </a:p>
-          <a:p>
-            <a:r>
-              <a:rPr lang="ko-KR" altLang="en-US" dirty="0"/>
-              <a:t>증강 전문가 데이터셋 1</a:t>
-            </a:r>
-          </a:p>
-          <a:p>
-            <a:endParaRPr lang="ko-KR" altLang="en-US" dirty="0"/>
-          </a:p>
-          <a:p>
-            <a:r>
-              <a:rPr lang="ko-KR" altLang="en-US" dirty="0"/>
-              <a:t>ODAEL - </a:t>
-            </a:r>
-            <a:r>
-              <a:rPr lang="ko-KR" altLang="en-US" dirty="0" err="1"/>
-              <a:t>Object-detection</a:t>
-            </a:r>
-            <a:r>
-              <a:rPr lang="ko-KR" altLang="en-US" dirty="0"/>
-              <a:t> </a:t>
-            </a:r>
-            <a:r>
-              <a:rPr lang="ko-KR" altLang="en-US" dirty="0" err="1"/>
-              <a:t>augmented</a:t>
-            </a:r>
-            <a:r>
-              <a:rPr lang="ko-KR" altLang="en-US" dirty="0"/>
-              <a:t> </a:t>
-            </a:r>
-            <a:r>
-              <a:rPr lang="ko-KR" altLang="en-US" dirty="0" err="1"/>
-              <a:t>expert</a:t>
-            </a:r>
-            <a:r>
-              <a:rPr lang="ko-KR" altLang="en-US" dirty="0"/>
-              <a:t> </a:t>
-            </a:r>
-            <a:r>
-              <a:rPr lang="ko-KR" altLang="en-US" dirty="0" err="1"/>
-              <a:t>labelled</a:t>
-            </a:r>
-            <a:r>
-              <a:rPr lang="ko-KR" altLang="en-US" dirty="0"/>
-              <a:t> </a:t>
-            </a:r>
-            <a:r>
-              <a:rPr lang="ko-KR" altLang="en-US" dirty="0" err="1"/>
-              <a:t>dataset</a:t>
-            </a:r>
-            <a:r>
-              <a:rPr lang="ko-KR" altLang="en-US" dirty="0"/>
-              <a:t> </a:t>
-            </a:r>
-            <a:r>
-              <a:rPr lang="ko-KR" altLang="en-US" dirty="0" err="1"/>
-              <a:t>variant</a:t>
-            </a:r>
-            <a:r>
-              <a:rPr lang="ko-KR" altLang="en-US" dirty="0"/>
-              <a:t> </a:t>
-            </a:r>
-          </a:p>
-          <a:p>
-            <a:r>
-              <a:rPr lang="ko-KR" altLang="en-US" dirty="0"/>
-              <a:t>잠재적 유사 분열 </a:t>
-            </a:r>
-            <a:r>
-              <a:rPr lang="ko-KR" altLang="en-US" dirty="0" err="1"/>
-              <a:t>figure을</a:t>
-            </a:r>
-            <a:r>
-              <a:rPr lang="ko-KR" altLang="en-US" dirty="0"/>
-              <a:t> </a:t>
-            </a:r>
-            <a:r>
-              <a:rPr lang="en-US" altLang="ko-KR" dirty="0" err="1"/>
-              <a:t>DeepLearning</a:t>
-            </a:r>
-            <a:r>
-              <a:rPr lang="ko-KR" altLang="en-US" dirty="0"/>
-              <a:t>을 이용해 추가로 제안, 전문가가 데이터 세트의 다른 그룹으로 등급을 지정하고 할당.</a:t>
-            </a:r>
-          </a:p>
-          <a:p>
-            <a:endParaRPr lang="ko-KR" altLang="en-US" dirty="0"/>
-          </a:p>
-          <a:p>
-            <a:r>
-              <a:rPr lang="ko-KR" altLang="en-US" dirty="0" err="1"/>
-              <a:t>granulocyte</a:t>
-            </a:r>
-            <a:r>
-              <a:rPr lang="ko-KR" altLang="en-US" dirty="0"/>
-              <a:t> - </a:t>
-            </a:r>
-            <a:r>
-              <a:rPr lang="ko-KR" altLang="en-US" dirty="0" err="1"/>
-              <a:t>과립구</a:t>
-            </a:r>
-            <a:r>
-              <a:rPr lang="ko-KR" altLang="en-US" dirty="0"/>
-              <a:t> - 세포질에 과립이 있는 백혈구</a:t>
-            </a:r>
-            <a:endParaRPr lang="en-US" altLang="ko-KR" dirty="0"/>
-          </a:p>
-          <a:p>
-            <a:endParaRPr lang="en-US" altLang="ko-KR" dirty="0"/>
-          </a:p>
-          <a:p>
+              <a:t>에 는 포함되어 있지 않다</a:t>
+            </a:r>
+            <a:r>
+              <a:rPr lang="en-US" altLang="ko-KR" dirty="0"/>
+              <a:t>.</a:t>
+            </a:r>
             <a:endParaRPr lang="ko-KR" altLang="en-US" dirty="0"/>
           </a:p>
         </p:txBody>
@@ -10074,333 +11433,7 @@
     </p:spTree>
     <p:extLst>
       <p:ext uri="{BB962C8B-B14F-4D97-AF65-F5344CB8AC3E}">
-        <p14:creationId xmlns:p14="http://schemas.microsoft.com/office/powerpoint/2010/main" val="2326840119"/>
-      </p:ext>
-    </p:extLst>
-  </p:cSld>
-  <p:clrMapOvr>
-    <a:masterClrMapping/>
-  </p:clrMapOvr>
-</p:sld>
-</file>
-
-<file path=ppt/slides/slide6.xml><?xml version="1.0" encoding="utf-8"?>
-<p:sld xmlns:a="http://schemas.openxmlformats.org/drawingml/2006/main" xmlns:r="http://schemas.openxmlformats.org/officeDocument/2006/relationships" xmlns:p="http://schemas.openxmlformats.org/presentationml/2006/main">
-  <p:cSld>
-    <p:spTree>
-      <p:nvGrpSpPr>
-        <p:cNvPr id="1" name=""/>
-        <p:cNvGrpSpPr/>
-        <p:nvPr/>
-      </p:nvGrpSpPr>
-      <p:grpSpPr>
-        <a:xfrm>
-          <a:off x="0" y="0"/>
-          <a:ext cx="0" cy="0"/>
-          <a:chOff x="0" y="0"/>
-          <a:chExt cx="0" cy="0"/>
-        </a:xfrm>
-      </p:grpSpPr>
-      <p:pic>
-        <p:nvPicPr>
-          <p:cNvPr id="5" name="그림 4">
-            <a:extLst>
-              <a:ext uri="{FF2B5EF4-FFF2-40B4-BE49-F238E27FC236}">
-                <a16:creationId xmlns:a16="http://schemas.microsoft.com/office/drawing/2014/main" id="{2350F916-9018-4944-9954-1F6D9C3F168A}"/>
-              </a:ext>
-            </a:extLst>
-          </p:cNvPr>
-          <p:cNvPicPr>
-            <a:picLocks noChangeAspect="1"/>
-          </p:cNvPicPr>
-          <p:nvPr/>
-        </p:nvPicPr>
-        <p:blipFill>
-          <a:blip r:embed="rId2"/>
-          <a:stretch>
-            <a:fillRect/>
-          </a:stretch>
-        </p:blipFill>
-        <p:spPr>
-          <a:xfrm>
-            <a:off x="804862" y="1007507"/>
-            <a:ext cx="8343900" cy="2066925"/>
-          </a:xfrm>
-          <a:prstGeom prst="rect">
-            <a:avLst/>
-          </a:prstGeom>
-        </p:spPr>
-      </p:pic>
-      <p:sp>
-        <p:nvSpPr>
-          <p:cNvPr id="6" name="TextBox 5">
-            <a:extLst>
-              <a:ext uri="{FF2B5EF4-FFF2-40B4-BE49-F238E27FC236}">
-                <a16:creationId xmlns:a16="http://schemas.microsoft.com/office/drawing/2014/main" id="{2AEF1D8F-7A8A-4DB6-91DB-5EE821587054}"/>
-              </a:ext>
-            </a:extLst>
-          </p:cNvPr>
-          <p:cNvSpPr txBox="1"/>
-          <p:nvPr/>
-        </p:nvSpPr>
-        <p:spPr>
-          <a:xfrm>
-            <a:off x="857250" y="638175"/>
-            <a:ext cx="5379719" cy="369332"/>
-          </a:xfrm>
-          <a:prstGeom prst="rect">
-            <a:avLst/>
-          </a:prstGeom>
-          <a:noFill/>
-        </p:spPr>
-        <p:txBody>
-          <a:bodyPr wrap="square" rtlCol="0">
-            <a:spAutoFit/>
-          </a:bodyPr>
-          <a:lstStyle/>
-          <a:p>
-            <a:r>
-              <a:rPr lang="ko-KR" altLang="en-US" dirty="0"/>
-              <a:t>모호 클래스 데이터셋 결정 과정</a:t>
-            </a:r>
-            <a:r>
-              <a:rPr lang="en-US" altLang="ko-KR" dirty="0"/>
-              <a:t>(HEAL)</a:t>
-            </a:r>
-            <a:endParaRPr lang="ko-KR" altLang="en-US" dirty="0"/>
-          </a:p>
-        </p:txBody>
-      </p:sp>
-      <p:pic>
-        <p:nvPicPr>
-          <p:cNvPr id="3" name="그림 2">
-            <a:extLst>
-              <a:ext uri="{FF2B5EF4-FFF2-40B4-BE49-F238E27FC236}">
-                <a16:creationId xmlns:a16="http://schemas.microsoft.com/office/drawing/2014/main" id="{DE7F68BC-434C-4422-828A-631B796B85AB}"/>
-              </a:ext>
-            </a:extLst>
-          </p:cNvPr>
-          <p:cNvPicPr>
-            <a:picLocks noChangeAspect="1"/>
-          </p:cNvPicPr>
-          <p:nvPr/>
-        </p:nvPicPr>
-        <p:blipFill>
-          <a:blip r:embed="rId3"/>
-          <a:stretch>
-            <a:fillRect/>
-          </a:stretch>
-        </p:blipFill>
-        <p:spPr>
-          <a:xfrm>
-            <a:off x="804862" y="3580180"/>
-            <a:ext cx="8448675" cy="2952750"/>
-          </a:xfrm>
-          <a:prstGeom prst="rect">
-            <a:avLst/>
-          </a:prstGeom>
-        </p:spPr>
-      </p:pic>
-      <p:sp>
-        <p:nvSpPr>
-          <p:cNvPr id="7" name="TextBox 6">
-            <a:extLst>
-              <a:ext uri="{FF2B5EF4-FFF2-40B4-BE49-F238E27FC236}">
-                <a16:creationId xmlns:a16="http://schemas.microsoft.com/office/drawing/2014/main" id="{44243207-87FC-42A1-924C-AFD807A53D64}"/>
-              </a:ext>
-            </a:extLst>
-          </p:cNvPr>
-          <p:cNvSpPr txBox="1"/>
-          <p:nvPr/>
-        </p:nvSpPr>
-        <p:spPr>
-          <a:xfrm>
-            <a:off x="857250" y="3277820"/>
-            <a:ext cx="6699997" cy="369332"/>
-          </a:xfrm>
-          <a:prstGeom prst="rect">
-            <a:avLst/>
-          </a:prstGeom>
-          <a:noFill/>
-        </p:spPr>
-        <p:txBody>
-          <a:bodyPr wrap="square" rtlCol="0">
-            <a:spAutoFit/>
-          </a:bodyPr>
-          <a:lstStyle/>
-          <a:p>
-            <a:r>
-              <a:rPr lang="ko-KR" altLang="en-US" dirty="0"/>
-              <a:t>잠재적 유사분열 클래스 데이터셋 결정 과정</a:t>
-            </a:r>
-            <a:r>
-              <a:rPr lang="en-US" altLang="ko-KR" dirty="0"/>
-              <a:t>(ODEAL)</a:t>
-            </a:r>
-            <a:endParaRPr lang="ko-KR" altLang="en-US" dirty="0"/>
-          </a:p>
-        </p:txBody>
-      </p:sp>
-    </p:spTree>
-    <p:extLst>
-      <p:ext uri="{BB962C8B-B14F-4D97-AF65-F5344CB8AC3E}">
-        <p14:creationId xmlns:p14="http://schemas.microsoft.com/office/powerpoint/2010/main" val="2978650128"/>
-      </p:ext>
-    </p:extLst>
-  </p:cSld>
-  <p:clrMapOvr>
-    <a:masterClrMapping/>
-  </p:clrMapOvr>
-</p:sld>
-</file>
-
-<file path=ppt/slides/slide7.xml><?xml version="1.0" encoding="utf-8"?>
-<p:sld xmlns:a="http://schemas.openxmlformats.org/drawingml/2006/main" xmlns:r="http://schemas.openxmlformats.org/officeDocument/2006/relationships" xmlns:p="http://schemas.openxmlformats.org/presentationml/2006/main">
-  <p:cSld>
-    <p:spTree>
-      <p:nvGrpSpPr>
-        <p:cNvPr id="1" name=""/>
-        <p:cNvGrpSpPr/>
-        <p:nvPr/>
-      </p:nvGrpSpPr>
-      <p:grpSpPr>
-        <a:xfrm>
-          <a:off x="0" y="0"/>
-          <a:ext cx="0" cy="0"/>
-          <a:chOff x="0" y="0"/>
-          <a:chExt cx="0" cy="0"/>
-        </a:xfrm>
-      </p:grpSpPr>
-      <p:pic>
-        <p:nvPicPr>
-          <p:cNvPr id="3" name="그림 2">
-            <a:extLst>
-              <a:ext uri="{FF2B5EF4-FFF2-40B4-BE49-F238E27FC236}">
-                <a16:creationId xmlns:a16="http://schemas.microsoft.com/office/drawing/2014/main" id="{9EAB3580-8171-4281-A46C-2DB20499C82A}"/>
-              </a:ext>
-            </a:extLst>
-          </p:cNvPr>
-          <p:cNvPicPr>
-            <a:picLocks noChangeAspect="1"/>
-          </p:cNvPicPr>
-          <p:nvPr/>
-        </p:nvPicPr>
-        <p:blipFill>
-          <a:blip r:embed="rId2"/>
-          <a:stretch>
-            <a:fillRect/>
-          </a:stretch>
-        </p:blipFill>
-        <p:spPr>
-          <a:xfrm>
-            <a:off x="588305" y="1323975"/>
-            <a:ext cx="5418047" cy="4210050"/>
-          </a:xfrm>
-          <a:prstGeom prst="rect">
-            <a:avLst/>
-          </a:prstGeom>
-        </p:spPr>
-      </p:pic>
-      <p:pic>
-        <p:nvPicPr>
-          <p:cNvPr id="6" name="그림 5">
-            <a:extLst>
-              <a:ext uri="{FF2B5EF4-FFF2-40B4-BE49-F238E27FC236}">
-                <a16:creationId xmlns:a16="http://schemas.microsoft.com/office/drawing/2014/main" id="{A7962483-D701-41A6-9ADB-B2924EC26CAE}"/>
-              </a:ext>
-            </a:extLst>
-          </p:cNvPr>
-          <p:cNvPicPr>
-            <a:picLocks noChangeAspect="1"/>
-          </p:cNvPicPr>
-          <p:nvPr/>
-        </p:nvPicPr>
-        <p:blipFill>
-          <a:blip r:embed="rId3"/>
-          <a:stretch>
-            <a:fillRect/>
-          </a:stretch>
-        </p:blipFill>
-        <p:spPr>
-          <a:xfrm>
-            <a:off x="4026540" y="2981181"/>
-            <a:ext cx="7691322" cy="1107994"/>
-          </a:xfrm>
-          <a:prstGeom prst="rect">
-            <a:avLst/>
-          </a:prstGeom>
-        </p:spPr>
-      </p:pic>
-      <p:pic>
-        <p:nvPicPr>
-          <p:cNvPr id="11" name="그림 10">
-            <a:extLst>
-              <a:ext uri="{FF2B5EF4-FFF2-40B4-BE49-F238E27FC236}">
-                <a16:creationId xmlns:a16="http://schemas.microsoft.com/office/drawing/2014/main" id="{8DF944AB-2076-4E9F-8CC5-F5B77FB2212E}"/>
-              </a:ext>
-            </a:extLst>
-          </p:cNvPr>
-          <p:cNvPicPr>
-            <a:picLocks noChangeAspect="1"/>
-          </p:cNvPicPr>
-          <p:nvPr/>
-        </p:nvPicPr>
-        <p:blipFill>
-          <a:blip r:embed="rId4"/>
-          <a:stretch>
-            <a:fillRect/>
-          </a:stretch>
-        </p:blipFill>
-        <p:spPr>
-          <a:xfrm>
-            <a:off x="4522792" y="4120924"/>
-            <a:ext cx="7195070" cy="781400"/>
-          </a:xfrm>
-          <a:prstGeom prst="rect">
-            <a:avLst/>
-          </a:prstGeom>
-        </p:spPr>
-      </p:pic>
-      <p:sp>
-        <p:nvSpPr>
-          <p:cNvPr id="12" name="TextBox 11">
-            <a:extLst>
-              <a:ext uri="{FF2B5EF4-FFF2-40B4-BE49-F238E27FC236}">
-                <a16:creationId xmlns:a16="http://schemas.microsoft.com/office/drawing/2014/main" id="{4B87EC36-4815-452E-8997-2C644A65D1ED}"/>
-              </a:ext>
-            </a:extLst>
-          </p:cNvPr>
-          <p:cNvSpPr txBox="1"/>
-          <p:nvPr/>
-        </p:nvSpPr>
-        <p:spPr>
-          <a:xfrm>
-            <a:off x="4513675" y="316751"/>
-            <a:ext cx="3164649" cy="584775"/>
-          </a:xfrm>
-          <a:prstGeom prst="rect">
-            <a:avLst/>
-          </a:prstGeom>
-          <a:noFill/>
-        </p:spPr>
-        <p:txBody>
-          <a:bodyPr wrap="none" rtlCol="0">
-            <a:spAutoFit/>
-          </a:bodyPr>
-          <a:lstStyle/>
-          <a:p>
-            <a:r>
-              <a:rPr lang="en-US" altLang="ko-KR" sz="3200" b="1" dirty="0"/>
-              <a:t>Tiling, Labeling</a:t>
-            </a:r>
-            <a:endParaRPr lang="ko-KR" altLang="en-US" sz="3200" b="1" dirty="0"/>
-          </a:p>
-        </p:txBody>
-      </p:sp>
-    </p:spTree>
-    <p:extLst>
-      <p:ext uri="{BB962C8B-B14F-4D97-AF65-F5344CB8AC3E}">
-        <p14:creationId xmlns:p14="http://schemas.microsoft.com/office/powerpoint/2010/main" val="3120199826"/>
+        <p14:creationId xmlns:p14="http://schemas.microsoft.com/office/powerpoint/2010/main" val="2621464974"/>
       </p:ext>
     </p:extLst>
   </p:cSld>
@@ -10429,10 +11462,10 @@
       </p:grpSpPr>
       <p:pic>
         <p:nvPicPr>
-          <p:cNvPr id="9" name="그림 8">
-            <a:extLst>
-              <a:ext uri="{FF2B5EF4-FFF2-40B4-BE49-F238E27FC236}">
-                <a16:creationId xmlns:a16="http://schemas.microsoft.com/office/drawing/2014/main" id="{03E48C26-D731-4FFA-B258-E35668525486}"/>
+          <p:cNvPr id="3" name="그림 2">
+            <a:extLst>
+              <a:ext uri="{FF2B5EF4-FFF2-40B4-BE49-F238E27FC236}">
+                <a16:creationId xmlns:a16="http://schemas.microsoft.com/office/drawing/2014/main" id="{9EAB3580-8171-4281-A46C-2DB20499C82A}"/>
               </a:ext>
             </a:extLst>
           </p:cNvPr>
@@ -10449,63 +11482,20 @@
         </p:blipFill>
         <p:spPr>
           <a:xfrm>
-            <a:off x="7030468" y="1268845"/>
-            <a:ext cx="4066799" cy="3345912"/>
+            <a:off x="473623" y="1323975"/>
+            <a:ext cx="5418047" cy="4210050"/>
           </a:xfrm>
           <a:prstGeom prst="rect">
             <a:avLst/>
           </a:prstGeom>
         </p:spPr>
       </p:pic>
-      <p:sp>
-        <p:nvSpPr>
-          <p:cNvPr id="10" name="TextBox 9">
-            <a:extLst>
-              <a:ext uri="{FF2B5EF4-FFF2-40B4-BE49-F238E27FC236}">
-                <a16:creationId xmlns:a16="http://schemas.microsoft.com/office/drawing/2014/main" id="{84273D46-5F81-432B-B855-EAA98A906999}"/>
-              </a:ext>
-            </a:extLst>
-          </p:cNvPr>
-          <p:cNvSpPr txBox="1"/>
-          <p:nvPr/>
-        </p:nvSpPr>
-        <p:spPr>
-          <a:xfrm>
-            <a:off x="1561167" y="468624"/>
-            <a:ext cx="3472297" cy="800219"/>
-          </a:xfrm>
-          <a:prstGeom prst="rect">
-            <a:avLst/>
-          </a:prstGeom>
-          <a:noFill/>
-        </p:spPr>
-        <p:txBody>
-          <a:bodyPr wrap="none" rtlCol="0">
-            <a:spAutoFit/>
-          </a:bodyPr>
-          <a:lstStyle/>
-          <a:p>
-            <a:r>
-              <a:rPr lang="en-US" altLang="ko-KR" sz="2800" b="1" dirty="0"/>
-              <a:t>Large Scale Images</a:t>
-            </a:r>
-          </a:p>
-          <a:p>
-            <a:pPr algn="ctr"/>
-            <a:r>
-              <a:rPr lang="en-US" altLang="ko-KR" b="1" dirty="0"/>
-              <a:t>.DCM</a:t>
-            </a:r>
-            <a:endParaRPr lang="ko-KR" altLang="en-US" b="1" dirty="0"/>
-          </a:p>
-        </p:txBody>
-      </p:sp>
       <p:pic>
         <p:nvPicPr>
-          <p:cNvPr id="14" name="그림 13" descr="빨간색이(가) 표시된 사진&#10;&#10;자동 생성된 설명">
-            <a:extLst>
-              <a:ext uri="{FF2B5EF4-FFF2-40B4-BE49-F238E27FC236}">
-                <a16:creationId xmlns:a16="http://schemas.microsoft.com/office/drawing/2014/main" id="{C9C08BA4-9EE5-41FA-BA71-FA3E9E297394}"/>
+          <p:cNvPr id="6" name="그림 5">
+            <a:extLst>
+              <a:ext uri="{FF2B5EF4-FFF2-40B4-BE49-F238E27FC236}">
+                <a16:creationId xmlns:a16="http://schemas.microsoft.com/office/drawing/2014/main" id="{A7962483-D701-41A6-9ADB-B2924EC26CAE}"/>
               </a:ext>
             </a:extLst>
           </p:cNvPr>
@@ -10522,226 +11512,20 @@
         </p:blipFill>
         <p:spPr>
           <a:xfrm>
-            <a:off x="1167450" y="1412278"/>
-            <a:ext cx="4259729" cy="4309608"/>
+            <a:off x="4091195" y="4117254"/>
+            <a:ext cx="7691322" cy="1107994"/>
           </a:xfrm>
           <a:prstGeom prst="rect">
             <a:avLst/>
           </a:prstGeom>
         </p:spPr>
       </p:pic>
-      <p:sp>
-        <p:nvSpPr>
-          <p:cNvPr id="15" name="화살표: 오른쪽 14">
-            <a:extLst>
-              <a:ext uri="{FF2B5EF4-FFF2-40B4-BE49-F238E27FC236}">
-                <a16:creationId xmlns:a16="http://schemas.microsoft.com/office/drawing/2014/main" id="{46D6EBE3-BF0D-4EE0-B2FC-E63C26121B0A}"/>
-              </a:ext>
-            </a:extLst>
-          </p:cNvPr>
-          <p:cNvSpPr/>
-          <p:nvPr/>
-        </p:nvSpPr>
-        <p:spPr>
-          <a:xfrm>
-            <a:off x="5756685" y="3257800"/>
-            <a:ext cx="1120588" cy="618564"/>
-          </a:xfrm>
-          <a:prstGeom prst="rightArrow">
-            <a:avLst/>
-          </a:prstGeom>
-          <a:solidFill>
-            <a:srgbClr val="FF0000"/>
-          </a:solidFill>
-        </p:spPr>
-        <p:style>
-          <a:lnRef idx="2">
-            <a:schemeClr val="accent1">
-              <a:shade val="50000"/>
-            </a:schemeClr>
-          </a:lnRef>
-          <a:fillRef idx="1">
-            <a:schemeClr val="accent1"/>
-          </a:fillRef>
-          <a:effectRef idx="0">
-            <a:schemeClr val="accent1"/>
-          </a:effectRef>
-          <a:fontRef idx="minor">
-            <a:schemeClr val="lt1"/>
-          </a:fontRef>
-        </p:style>
-        <p:txBody>
-          <a:bodyPr rtlCol="0" anchor="ctr"/>
-          <a:lstStyle/>
-          <a:p>
-            <a:pPr algn="ctr"/>
-            <a:endParaRPr lang="ko-KR" altLang="en-US"/>
-          </a:p>
-        </p:txBody>
-      </p:sp>
-      <p:sp>
-        <p:nvSpPr>
-          <p:cNvPr id="16" name="TextBox 15">
-            <a:extLst>
-              <a:ext uri="{FF2B5EF4-FFF2-40B4-BE49-F238E27FC236}">
-                <a16:creationId xmlns:a16="http://schemas.microsoft.com/office/drawing/2014/main" id="{545C8418-C412-4F31-A22C-134207CE32A9}"/>
-              </a:ext>
-            </a:extLst>
-          </p:cNvPr>
-          <p:cNvSpPr txBox="1"/>
-          <p:nvPr/>
-        </p:nvSpPr>
-        <p:spPr>
-          <a:xfrm>
-            <a:off x="7965649" y="468625"/>
-            <a:ext cx="2361544" cy="800219"/>
-          </a:xfrm>
-          <a:prstGeom prst="rect">
-            <a:avLst/>
-          </a:prstGeom>
-          <a:noFill/>
-        </p:spPr>
-        <p:txBody>
-          <a:bodyPr wrap="none" rtlCol="0">
-            <a:spAutoFit/>
-          </a:bodyPr>
-          <a:lstStyle/>
-          <a:p>
-            <a:r>
-              <a:rPr lang="en-US" altLang="ko-KR" sz="2800" b="1" dirty="0"/>
-              <a:t>Tiled Images</a:t>
-            </a:r>
-          </a:p>
-          <a:p>
-            <a:pPr algn="ctr"/>
-            <a:r>
-              <a:rPr lang="en-US" altLang="ko-KR" b="1" dirty="0"/>
-              <a:t>.</a:t>
-            </a:r>
-            <a:r>
-              <a:rPr lang="en-US" altLang="ko-KR" b="1" dirty="0" err="1"/>
-              <a:t>png</a:t>
-            </a:r>
-            <a:r>
-              <a:rPr lang="en-US" altLang="ko-KR" b="1" dirty="0"/>
-              <a:t> </a:t>
-            </a:r>
-            <a:r>
-              <a:rPr lang="en-US" altLang="ko-KR" sz="1400" b="1" dirty="0"/>
-              <a:t>(640 x</a:t>
-            </a:r>
-            <a:r>
-              <a:rPr lang="ko-KR" altLang="en-US" sz="1400" b="1" dirty="0"/>
-              <a:t> </a:t>
-            </a:r>
-            <a:r>
-              <a:rPr lang="en-US" altLang="ko-KR" sz="1400" b="1" dirty="0"/>
-              <a:t>640)</a:t>
-            </a:r>
-            <a:endParaRPr lang="ko-KR" altLang="en-US" b="1" dirty="0"/>
-          </a:p>
-        </p:txBody>
-      </p:sp>
-      <p:sp>
-        <p:nvSpPr>
-          <p:cNvPr id="17" name="십자형 16">
-            <a:extLst>
-              <a:ext uri="{FF2B5EF4-FFF2-40B4-BE49-F238E27FC236}">
-                <a16:creationId xmlns:a16="http://schemas.microsoft.com/office/drawing/2014/main" id="{683D87D7-56FF-44FF-B1E3-CF25D076CF66}"/>
-              </a:ext>
-            </a:extLst>
-          </p:cNvPr>
-          <p:cNvSpPr/>
-          <p:nvPr/>
-        </p:nvSpPr>
-        <p:spPr>
-          <a:xfrm>
-            <a:off x="8815108" y="4811808"/>
-            <a:ext cx="502022" cy="484094"/>
-          </a:xfrm>
-          <a:prstGeom prst="plus">
-            <a:avLst>
-              <a:gd name="adj" fmla="val 39000"/>
-            </a:avLst>
-          </a:prstGeom>
-          <a:solidFill>
-            <a:srgbClr val="FF0000"/>
-          </a:solidFill>
-        </p:spPr>
-        <p:style>
-          <a:lnRef idx="2">
-            <a:schemeClr val="accent1">
-              <a:shade val="50000"/>
-            </a:schemeClr>
-          </a:lnRef>
-          <a:fillRef idx="1">
-            <a:schemeClr val="accent1"/>
-          </a:fillRef>
-          <a:effectRef idx="0">
-            <a:schemeClr val="accent1"/>
-          </a:effectRef>
-          <a:fontRef idx="minor">
-            <a:schemeClr val="lt1"/>
-          </a:fontRef>
-        </p:style>
-        <p:txBody>
-          <a:bodyPr rtlCol="0" anchor="ctr"/>
-          <a:lstStyle/>
-          <a:p>
-            <a:pPr algn="ctr"/>
-            <a:endParaRPr lang="ko-KR" altLang="en-US"/>
-          </a:p>
-        </p:txBody>
-      </p:sp>
-      <p:sp>
-        <p:nvSpPr>
-          <p:cNvPr id="18" name="TextBox 17">
-            <a:extLst>
-              <a:ext uri="{FF2B5EF4-FFF2-40B4-BE49-F238E27FC236}">
-                <a16:creationId xmlns:a16="http://schemas.microsoft.com/office/drawing/2014/main" id="{7957EBD9-FA81-4B9C-8F33-A44B4D34D5D8}"/>
-              </a:ext>
-            </a:extLst>
-          </p:cNvPr>
-          <p:cNvSpPr txBox="1"/>
-          <p:nvPr/>
-        </p:nvSpPr>
-        <p:spPr>
-          <a:xfrm>
-            <a:off x="6381189" y="5512955"/>
-            <a:ext cx="1162498" cy="800219"/>
-          </a:xfrm>
-          <a:prstGeom prst="rect">
-            <a:avLst/>
-          </a:prstGeom>
-          <a:noFill/>
-        </p:spPr>
-        <p:txBody>
-          <a:bodyPr wrap="none" rtlCol="0">
-            <a:spAutoFit/>
-          </a:bodyPr>
-          <a:lstStyle/>
-          <a:p>
-            <a:r>
-              <a:rPr lang="en-US" altLang="ko-KR" sz="2800" b="1" dirty="0"/>
-              <a:t>labels</a:t>
-            </a:r>
-          </a:p>
-          <a:p>
-            <a:pPr algn="ctr"/>
-            <a:r>
-              <a:rPr lang="en-US" altLang="ko-KR" b="1" dirty="0"/>
-              <a:t>.txt</a:t>
-            </a:r>
-            <a:endParaRPr lang="ko-KR" altLang="en-US" b="1" dirty="0"/>
-          </a:p>
-        </p:txBody>
-      </p:sp>
       <p:pic>
         <p:nvPicPr>
-          <p:cNvPr id="20" name="그림 19" descr="텍스트이(가) 표시된 사진&#10;&#10;자동 생성된 설명">
-            <a:extLst>
-              <a:ext uri="{FF2B5EF4-FFF2-40B4-BE49-F238E27FC236}">
-                <a16:creationId xmlns:a16="http://schemas.microsoft.com/office/drawing/2014/main" id="{4FD17491-04E7-4D7A-B996-0560F23322C9}"/>
+          <p:cNvPr id="11" name="그림 10">
+            <a:extLst>
+              <a:ext uri="{FF2B5EF4-FFF2-40B4-BE49-F238E27FC236}">
+                <a16:creationId xmlns:a16="http://schemas.microsoft.com/office/drawing/2014/main" id="{8DF944AB-2076-4E9F-8CC5-F5B77FB2212E}"/>
               </a:ext>
             </a:extLst>
           </p:cNvPr>
@@ -10758,18 +11542,125 @@
         </p:blipFill>
         <p:spPr>
           <a:xfrm>
-            <a:off x="7580930" y="5346557"/>
-            <a:ext cx="2965873" cy="1248789"/>
+            <a:off x="4587447" y="5256997"/>
+            <a:ext cx="7195070" cy="781400"/>
           </a:xfrm>
           <a:prstGeom prst="rect">
             <a:avLst/>
           </a:prstGeom>
         </p:spPr>
       </p:pic>
+      <p:sp>
+        <p:nvSpPr>
+          <p:cNvPr id="12" name="TextBox 11">
+            <a:extLst>
+              <a:ext uri="{FF2B5EF4-FFF2-40B4-BE49-F238E27FC236}">
+                <a16:creationId xmlns:a16="http://schemas.microsoft.com/office/drawing/2014/main" id="{4B87EC36-4815-452E-8997-2C644A65D1ED}"/>
+              </a:ext>
+            </a:extLst>
+          </p:cNvPr>
+          <p:cNvSpPr txBox="1"/>
+          <p:nvPr/>
+        </p:nvSpPr>
+        <p:spPr>
+          <a:xfrm>
+            <a:off x="4513675" y="316751"/>
+            <a:ext cx="3164649" cy="584775"/>
+          </a:xfrm>
+          <a:prstGeom prst="rect">
+            <a:avLst/>
+          </a:prstGeom>
+          <a:noFill/>
+        </p:spPr>
+        <p:txBody>
+          <a:bodyPr wrap="none" rtlCol="0">
+            <a:spAutoFit/>
+          </a:bodyPr>
+          <a:lstStyle/>
+          <a:p>
+            <a:r>
+              <a:rPr lang="en-US" altLang="ko-KR" sz="3200" b="1" dirty="0"/>
+              <a:t>Tiling, Labeling</a:t>
+            </a:r>
+            <a:endParaRPr lang="ko-KR" altLang="en-US" sz="3200" b="1" dirty="0"/>
+          </a:p>
+        </p:txBody>
+      </p:sp>
+      <p:sp>
+        <p:nvSpPr>
+          <p:cNvPr id="7" name="TextBox 6">
+            <a:extLst>
+              <a:ext uri="{FF2B5EF4-FFF2-40B4-BE49-F238E27FC236}">
+                <a16:creationId xmlns:a16="http://schemas.microsoft.com/office/drawing/2014/main" id="{288A5288-53F0-4486-8D05-6484F41BAD13}"/>
+              </a:ext>
+            </a:extLst>
+          </p:cNvPr>
+          <p:cNvSpPr txBox="1"/>
+          <p:nvPr/>
+        </p:nvSpPr>
+        <p:spPr>
+          <a:xfrm>
+            <a:off x="5891670" y="2349536"/>
+            <a:ext cx="5152759" cy="1200329"/>
+          </a:xfrm>
+          <a:prstGeom prst="rect">
+            <a:avLst/>
+          </a:prstGeom>
+          <a:noFill/>
+        </p:spPr>
+        <p:txBody>
+          <a:bodyPr wrap="square" rtlCol="0">
+            <a:spAutoFit/>
+          </a:bodyPr>
+          <a:lstStyle/>
+          <a:p>
+            <a:r>
+              <a:rPr lang="ko-KR" altLang="en-US" dirty="0"/>
+              <a:t>왼쪽 코드를 이용해 엄청나게 큰 </a:t>
+            </a:r>
+            <a:r>
+              <a:rPr lang="en-US" altLang="ko-KR" dirty="0" err="1"/>
+              <a:t>dcm</a:t>
+            </a:r>
+            <a:r>
+              <a:rPr lang="en-US" altLang="ko-KR" dirty="0"/>
+              <a:t> </a:t>
+            </a:r>
+            <a:r>
+              <a:rPr lang="ko-KR" altLang="en-US" dirty="0" err="1"/>
+              <a:t>포멧</a:t>
+            </a:r>
+            <a:r>
+              <a:rPr lang="ko-KR" altLang="en-US" dirty="0"/>
+              <a:t> 파일에서 특정 타일을 조회할 수 있고</a:t>
+            </a:r>
+            <a:r>
+              <a:rPr lang="en-US" altLang="ko-KR" dirty="0"/>
+              <a:t>, </a:t>
+            </a:r>
+            <a:r>
+              <a:rPr lang="ko-KR" altLang="en-US" dirty="0"/>
+              <a:t>아래 코드로 </a:t>
+            </a:r>
+            <a:r>
+              <a:rPr lang="en-US" altLang="ko-KR" dirty="0" err="1"/>
+              <a:t>sqlite</a:t>
+            </a:r>
+            <a:r>
+              <a:rPr lang="ko-KR" altLang="en-US" dirty="0"/>
+              <a:t>파일의 데이터셋에 접근해 정보를 얻을 수 있다</a:t>
+            </a:r>
+            <a:r>
+              <a:rPr lang="en-US" altLang="ko-KR" dirty="0"/>
+              <a:t>.</a:t>
+            </a:r>
+          </a:p>
+        </p:txBody>
+      </p:sp>
     </p:spTree>
     <p:extLst>
       <p:ext uri="{BB962C8B-B14F-4D97-AF65-F5344CB8AC3E}">
-        <p14:creationId xmlns:p14="http://schemas.microsoft.com/office/powerpoint/2010/main" val="3495909874"/>
+        <p14:creationId xmlns:p14="http://schemas.microsoft.com/office/powerpoint/2010/main" val="3120199826"/>
       </p:ext>
     </p:extLst>
   </p:cSld>
@@ -10796,12 +11687,371 @@
           <a:chExt cx="0" cy="0"/>
         </a:xfrm>
       </p:grpSpPr>
+      <p:grpSp>
+        <p:nvGrpSpPr>
+          <p:cNvPr id="2" name="그룹 1">
+            <a:extLst>
+              <a:ext uri="{FF2B5EF4-FFF2-40B4-BE49-F238E27FC236}">
+                <a16:creationId xmlns:a16="http://schemas.microsoft.com/office/drawing/2014/main" id="{DDE70896-3CD1-4C5B-A4A9-7C1720C744E2}"/>
+              </a:ext>
+            </a:extLst>
+          </p:cNvPr>
+          <p:cNvGrpSpPr/>
+          <p:nvPr/>
+        </p:nvGrpSpPr>
+        <p:grpSpPr>
+          <a:xfrm>
+            <a:off x="2467178" y="460235"/>
+            <a:ext cx="6467097" cy="3532925"/>
+            <a:chOff x="1561167" y="468624"/>
+            <a:chExt cx="9536100" cy="6126722"/>
+          </a:xfrm>
+        </p:grpSpPr>
+        <p:pic>
+          <p:nvPicPr>
+            <p:cNvPr id="9" name="그림 8">
+              <a:extLst>
+                <a:ext uri="{FF2B5EF4-FFF2-40B4-BE49-F238E27FC236}">
+                  <a16:creationId xmlns:a16="http://schemas.microsoft.com/office/drawing/2014/main" id="{03E48C26-D731-4FFA-B258-E35668525486}"/>
+                </a:ext>
+              </a:extLst>
+            </p:cNvPr>
+            <p:cNvPicPr>
+              <a:picLocks noChangeAspect="1"/>
+            </p:cNvPicPr>
+            <p:nvPr/>
+          </p:nvPicPr>
+          <p:blipFill>
+            <a:blip r:embed="rId2"/>
+            <a:stretch>
+              <a:fillRect/>
+            </a:stretch>
+          </p:blipFill>
+          <p:spPr>
+            <a:xfrm>
+              <a:off x="7030468" y="1268845"/>
+              <a:ext cx="4066799" cy="3345912"/>
+            </a:xfrm>
+            <a:prstGeom prst="rect">
+              <a:avLst/>
+            </a:prstGeom>
+          </p:spPr>
+        </p:pic>
+        <p:sp>
+          <p:nvSpPr>
+            <p:cNvPr id="10" name="TextBox 9">
+              <a:extLst>
+                <a:ext uri="{FF2B5EF4-FFF2-40B4-BE49-F238E27FC236}">
+                  <a16:creationId xmlns:a16="http://schemas.microsoft.com/office/drawing/2014/main" id="{84273D46-5F81-432B-B855-EAA98A906999}"/>
+                </a:ext>
+              </a:extLst>
+            </p:cNvPr>
+            <p:cNvSpPr txBox="1"/>
+            <p:nvPr/>
+          </p:nvSpPr>
+          <p:spPr>
+            <a:xfrm>
+              <a:off x="1561167" y="468624"/>
+              <a:ext cx="3041065" cy="907357"/>
+            </a:xfrm>
+            <a:prstGeom prst="rect">
+              <a:avLst/>
+            </a:prstGeom>
+            <a:noFill/>
+          </p:spPr>
+          <p:txBody>
+            <a:bodyPr wrap="none" rtlCol="0">
+              <a:spAutoFit/>
+            </a:bodyPr>
+            <a:lstStyle/>
+            <a:p>
+              <a:r>
+                <a:rPr lang="en-US" altLang="ko-KR" sz="1600" b="1" dirty="0"/>
+                <a:t>Large Scale Images</a:t>
+              </a:r>
+            </a:p>
+            <a:p>
+              <a:pPr algn="ctr"/>
+              <a:r>
+                <a:rPr lang="en-US" altLang="ko-KR" sz="1100" b="1" dirty="0"/>
+                <a:t>.DCM</a:t>
+              </a:r>
+              <a:endParaRPr lang="ko-KR" altLang="en-US" sz="1100" b="1" dirty="0"/>
+            </a:p>
+          </p:txBody>
+        </p:sp>
+        <p:sp>
+          <p:nvSpPr>
+            <p:cNvPr id="15" name="화살표: 오른쪽 14">
+              <a:extLst>
+                <a:ext uri="{FF2B5EF4-FFF2-40B4-BE49-F238E27FC236}">
+                  <a16:creationId xmlns:a16="http://schemas.microsoft.com/office/drawing/2014/main" id="{46D6EBE3-BF0D-4EE0-B2FC-E63C26121B0A}"/>
+                </a:ext>
+              </a:extLst>
+            </p:cNvPr>
+            <p:cNvSpPr/>
+            <p:nvPr/>
+          </p:nvSpPr>
+          <p:spPr>
+            <a:xfrm>
+              <a:off x="5756685" y="3257800"/>
+              <a:ext cx="1120588" cy="618564"/>
+            </a:xfrm>
+            <a:prstGeom prst="rightArrow">
+              <a:avLst/>
+            </a:prstGeom>
+            <a:solidFill>
+              <a:srgbClr val="FF0000"/>
+            </a:solidFill>
+          </p:spPr>
+          <p:style>
+            <a:lnRef idx="2">
+              <a:schemeClr val="accent1">
+                <a:shade val="50000"/>
+              </a:schemeClr>
+            </a:lnRef>
+            <a:fillRef idx="1">
+              <a:schemeClr val="accent1"/>
+            </a:fillRef>
+            <a:effectRef idx="0">
+              <a:schemeClr val="accent1"/>
+            </a:effectRef>
+            <a:fontRef idx="minor">
+              <a:schemeClr val="lt1"/>
+            </a:fontRef>
+          </p:style>
+          <p:txBody>
+            <a:bodyPr rtlCol="0" anchor="ctr"/>
+            <a:lstStyle/>
+            <a:p>
+              <a:pPr algn="ctr"/>
+              <a:endParaRPr lang="ko-KR" altLang="en-US" sz="1100"/>
+            </a:p>
+          </p:txBody>
+        </p:sp>
+        <p:sp>
+          <p:nvSpPr>
+            <p:cNvPr id="16" name="TextBox 15">
+              <a:extLst>
+                <a:ext uri="{FF2B5EF4-FFF2-40B4-BE49-F238E27FC236}">
+                  <a16:creationId xmlns:a16="http://schemas.microsoft.com/office/drawing/2014/main" id="{545C8418-C412-4F31-A22C-134207CE32A9}"/>
+                </a:ext>
+              </a:extLst>
+            </p:cNvPr>
+            <p:cNvSpPr txBox="1"/>
+            <p:nvPr/>
+          </p:nvSpPr>
+          <p:spPr>
+            <a:xfrm>
+              <a:off x="7965650" y="468626"/>
+              <a:ext cx="2108911" cy="907357"/>
+            </a:xfrm>
+            <a:prstGeom prst="rect">
+              <a:avLst/>
+            </a:prstGeom>
+            <a:noFill/>
+          </p:spPr>
+          <p:txBody>
+            <a:bodyPr wrap="none" rtlCol="0">
+              <a:spAutoFit/>
+            </a:bodyPr>
+            <a:lstStyle/>
+            <a:p>
+              <a:r>
+                <a:rPr lang="en-US" altLang="ko-KR" sz="1600" b="1" dirty="0"/>
+                <a:t>Tiled Images</a:t>
+              </a:r>
+            </a:p>
+            <a:p>
+              <a:pPr algn="ctr"/>
+              <a:r>
+                <a:rPr lang="en-US" altLang="ko-KR" sz="1100" b="1" dirty="0"/>
+                <a:t>.</a:t>
+              </a:r>
+              <a:r>
+                <a:rPr lang="en-US" altLang="ko-KR" sz="1100" b="1" dirty="0" err="1"/>
+                <a:t>png</a:t>
+              </a:r>
+              <a:endParaRPr lang="ko-KR" altLang="en-US" sz="1100" b="1" dirty="0"/>
+            </a:p>
+          </p:txBody>
+        </p:sp>
+        <p:sp>
+          <p:nvSpPr>
+            <p:cNvPr id="17" name="십자형 16">
+              <a:extLst>
+                <a:ext uri="{FF2B5EF4-FFF2-40B4-BE49-F238E27FC236}">
+                  <a16:creationId xmlns:a16="http://schemas.microsoft.com/office/drawing/2014/main" id="{683D87D7-56FF-44FF-B1E3-CF25D076CF66}"/>
+                </a:ext>
+              </a:extLst>
+            </p:cNvPr>
+            <p:cNvSpPr/>
+            <p:nvPr/>
+          </p:nvSpPr>
+          <p:spPr>
+            <a:xfrm>
+              <a:off x="8815108" y="4811808"/>
+              <a:ext cx="502022" cy="484094"/>
+            </a:xfrm>
+            <a:prstGeom prst="plus">
+              <a:avLst>
+                <a:gd name="adj" fmla="val 39000"/>
+              </a:avLst>
+            </a:prstGeom>
+            <a:solidFill>
+              <a:srgbClr val="FF0000"/>
+            </a:solidFill>
+          </p:spPr>
+          <p:style>
+            <a:lnRef idx="2">
+              <a:schemeClr val="accent1">
+                <a:shade val="50000"/>
+              </a:schemeClr>
+            </a:lnRef>
+            <a:fillRef idx="1">
+              <a:schemeClr val="accent1"/>
+            </a:fillRef>
+            <a:effectRef idx="0">
+              <a:schemeClr val="accent1"/>
+            </a:effectRef>
+            <a:fontRef idx="minor">
+              <a:schemeClr val="lt1"/>
+            </a:fontRef>
+          </p:style>
+          <p:txBody>
+            <a:bodyPr rtlCol="0" anchor="ctr"/>
+            <a:lstStyle/>
+            <a:p>
+              <a:pPr algn="ctr"/>
+              <a:endParaRPr lang="ko-KR" altLang="en-US" sz="1100"/>
+            </a:p>
+          </p:txBody>
+        </p:sp>
+        <p:sp>
+          <p:nvSpPr>
+            <p:cNvPr id="18" name="TextBox 17">
+              <a:extLst>
+                <a:ext uri="{FF2B5EF4-FFF2-40B4-BE49-F238E27FC236}">
+                  <a16:creationId xmlns:a16="http://schemas.microsoft.com/office/drawing/2014/main" id="{7957EBD9-FA81-4B9C-8F33-A44B4D34D5D8}"/>
+                </a:ext>
+              </a:extLst>
+            </p:cNvPr>
+            <p:cNvSpPr txBox="1"/>
+            <p:nvPr/>
+          </p:nvSpPr>
+          <p:spPr>
+            <a:xfrm>
+              <a:off x="6381188" y="5512955"/>
+              <a:ext cx="1097238" cy="907357"/>
+            </a:xfrm>
+            <a:prstGeom prst="rect">
+              <a:avLst/>
+            </a:prstGeom>
+            <a:noFill/>
+          </p:spPr>
+          <p:txBody>
+            <a:bodyPr wrap="none" rtlCol="0">
+              <a:spAutoFit/>
+            </a:bodyPr>
+            <a:lstStyle/>
+            <a:p>
+              <a:r>
+                <a:rPr lang="en-US" altLang="ko-KR" sz="1600" b="1" dirty="0"/>
+                <a:t>labels</a:t>
+              </a:r>
+            </a:p>
+            <a:p>
+              <a:pPr algn="ctr"/>
+              <a:r>
+                <a:rPr lang="en-US" altLang="ko-KR" sz="1100" b="1" dirty="0"/>
+                <a:t>.txt</a:t>
+              </a:r>
+              <a:endParaRPr lang="ko-KR" altLang="en-US" sz="1100" b="1" dirty="0"/>
+            </a:p>
+          </p:txBody>
+        </p:sp>
+        <p:pic>
+          <p:nvPicPr>
+            <p:cNvPr id="20" name="그림 19" descr="텍스트이(가) 표시된 사진&#10;&#10;자동 생성된 설명">
+              <a:extLst>
+                <a:ext uri="{FF2B5EF4-FFF2-40B4-BE49-F238E27FC236}">
+                  <a16:creationId xmlns:a16="http://schemas.microsoft.com/office/drawing/2014/main" id="{4FD17491-04E7-4D7A-B996-0560F23322C9}"/>
+                </a:ext>
+              </a:extLst>
+            </p:cNvPr>
+            <p:cNvPicPr>
+              <a:picLocks noChangeAspect="1"/>
+            </p:cNvPicPr>
+            <p:nvPr/>
+          </p:nvPicPr>
+          <p:blipFill>
+            <a:blip r:embed="rId3"/>
+            <a:stretch>
+              <a:fillRect/>
+            </a:stretch>
+          </p:blipFill>
+          <p:spPr>
+            <a:xfrm>
+              <a:off x="7580930" y="5346557"/>
+              <a:ext cx="2965873" cy="1248789"/>
+            </a:xfrm>
+            <a:prstGeom prst="rect">
+              <a:avLst/>
+            </a:prstGeom>
+          </p:spPr>
+        </p:pic>
+        <p:pic>
+          <p:nvPicPr>
+            <p:cNvPr id="11" name="Picture 2" descr="arXiv:1902.05414v3 [cs.CV] 21 Oct 2020">
+              <a:extLst>
+                <a:ext uri="{FF2B5EF4-FFF2-40B4-BE49-F238E27FC236}">
+                  <a16:creationId xmlns:a16="http://schemas.microsoft.com/office/drawing/2014/main" id="{D473F51B-181B-4C04-8712-6FA316095CDF}"/>
+                </a:ext>
+              </a:extLst>
+            </p:cNvPr>
+            <p:cNvPicPr>
+              <a:picLocks noChangeAspect="1" noChangeArrowheads="1"/>
+            </p:cNvPicPr>
+            <p:nvPr/>
+          </p:nvPicPr>
+          <p:blipFill rotWithShape="1">
+            <a:blip r:embed="rId4">
+              <a:extLst>
+                <a:ext uri="{28A0092B-C50C-407E-A947-70E740481C1C}">
+                  <a14:useLocalDpi xmlns:a14="http://schemas.microsoft.com/office/drawing/2010/main" val="0"/>
+                </a:ext>
+              </a:extLst>
+            </a:blip>
+            <a:srcRect r="28891" b="42388"/>
+            <a:stretch/>
+          </p:blipFill>
+          <p:spPr bwMode="auto">
+            <a:xfrm rot="5400000">
+              <a:off x="894916" y="2203409"/>
+              <a:ext cx="4804796" cy="3345911"/>
+            </a:xfrm>
+            <a:prstGeom prst="rect">
+              <a:avLst/>
+            </a:prstGeom>
+            <a:noFill/>
+            <a:extLst>
+              <a:ext uri="{909E8E84-426E-40DD-AFC4-6F175D3DCCD1}">
+                <a14:hiddenFill xmlns:a14="http://schemas.microsoft.com/office/drawing/2010/main">
+                  <a:solidFill>
+                    <a:srgbClr val="FFFFFF"/>
+                  </a:solidFill>
+                </a14:hiddenFill>
+              </a:ext>
+            </a:extLst>
+          </p:spPr>
+        </p:pic>
+      </p:grpSp>
       <p:sp>
         <p:nvSpPr>
-          <p:cNvPr id="4" name="TextBox 3">
-            <a:extLst>
-              <a:ext uri="{FF2B5EF4-FFF2-40B4-BE49-F238E27FC236}">
-                <a16:creationId xmlns:a16="http://schemas.microsoft.com/office/drawing/2014/main" id="{830DC942-E220-432B-8AF7-AC8818D34143}"/>
+          <p:cNvPr id="3" name="TextBox 2">
+            <a:extLst>
+              <a:ext uri="{FF2B5EF4-FFF2-40B4-BE49-F238E27FC236}">
+                <a16:creationId xmlns:a16="http://schemas.microsoft.com/office/drawing/2014/main" id="{84449672-89EB-49AB-BDCF-B756EA503A68}"/>
               </a:ext>
             </a:extLst>
           </p:cNvPr>
@@ -10810,8 +12060,8 @@
         </p:nvSpPr>
         <p:spPr>
           <a:xfrm>
-            <a:off x="592979" y="361048"/>
-            <a:ext cx="4350871" cy="954107"/>
+            <a:off x="2432884" y="4629110"/>
+            <a:ext cx="7273178" cy="1815882"/>
           </a:xfrm>
           <a:prstGeom prst="rect">
             <a:avLst/>
@@ -10819,169 +12069,192 @@
           <a:noFill/>
         </p:spPr>
         <p:txBody>
-          <a:bodyPr wrap="none" rtlCol="0">
+          <a:bodyPr wrap="square" rtlCol="0">
             <a:spAutoFit/>
           </a:bodyPr>
           <a:lstStyle/>
           <a:p>
             <a:r>
-              <a:rPr lang="en-US" altLang="ko-KR" sz="2800" b="1" dirty="0"/>
+              <a:rPr lang="ko-KR" altLang="en-US" sz="1400" dirty="0"/>
+              <a:t>전 슬라이드의 코드와 </a:t>
+            </a:r>
+            <a:r>
+              <a:rPr lang="en-US" altLang="ko-KR" sz="1400" dirty="0" err="1"/>
+              <a:t>dcm</a:t>
+            </a:r>
+            <a:r>
+              <a:rPr lang="en-US" altLang="ko-KR" sz="1400" dirty="0"/>
+              <a:t> </a:t>
+            </a:r>
+            <a:r>
+              <a:rPr lang="ko-KR" altLang="en-US" sz="1400" dirty="0"/>
+              <a:t>이미지</a:t>
+            </a:r>
+            <a:r>
+              <a:rPr lang="en-US" altLang="ko-KR" sz="1400" dirty="0"/>
+              <a:t>, </a:t>
+            </a:r>
+            <a:r>
+              <a:rPr lang="en-US" altLang="ko-KR" sz="1400" dirty="0" err="1"/>
+              <a:t>sqlite</a:t>
+            </a:r>
+            <a:r>
+              <a:rPr lang="ko-KR" altLang="en-US" sz="1400" dirty="0"/>
+              <a:t>파일을 활용해 원하는 크기의 </a:t>
+            </a:r>
+            <a:r>
+              <a:rPr lang="en-US" altLang="ko-KR" sz="1400" dirty="0"/>
               <a:t>Yolo_v5</a:t>
             </a:r>
-          </a:p>
-          <a:p>
-            <a:r>
-              <a:rPr lang="en-US" altLang="ko-KR" sz="2800" b="1" dirty="0"/>
-              <a:t>Imgsz-640 / epochs-100</a:t>
-            </a:r>
-            <a:endParaRPr lang="ko-KR" altLang="en-US" b="1" dirty="0"/>
-          </a:p>
-        </p:txBody>
-      </p:sp>
-      <p:pic>
-        <p:nvPicPr>
-          <p:cNvPr id="6" name="그림 5">
-            <a:extLst>
-              <a:ext uri="{FF2B5EF4-FFF2-40B4-BE49-F238E27FC236}">
-                <a16:creationId xmlns:a16="http://schemas.microsoft.com/office/drawing/2014/main" id="{FB221281-B44E-43A0-964B-D84FBB92E570}"/>
-              </a:ext>
-            </a:extLst>
-          </p:cNvPr>
-          <p:cNvPicPr>
-            <a:picLocks noChangeAspect="1"/>
-          </p:cNvPicPr>
-          <p:nvPr/>
-        </p:nvPicPr>
-        <p:blipFill>
-          <a:blip r:embed="rId2"/>
-          <a:stretch>
-            <a:fillRect/>
-          </a:stretch>
-        </p:blipFill>
-        <p:spPr>
-          <a:xfrm>
-            <a:off x="5271247" y="361048"/>
-            <a:ext cx="5525538" cy="4294873"/>
-          </a:xfrm>
-          <a:prstGeom prst="rect">
-            <a:avLst/>
-          </a:prstGeom>
-        </p:spPr>
-      </p:pic>
-      <p:pic>
-        <p:nvPicPr>
-          <p:cNvPr id="8" name="그림 7" descr="텍스트이(가) 표시된 사진&#10;&#10;자동 생성된 설명">
-            <a:extLst>
-              <a:ext uri="{FF2B5EF4-FFF2-40B4-BE49-F238E27FC236}">
-                <a16:creationId xmlns:a16="http://schemas.microsoft.com/office/drawing/2014/main" id="{C142CBCF-51F9-448D-A02E-E0E433901969}"/>
-              </a:ext>
-            </a:extLst>
-          </p:cNvPr>
-          <p:cNvPicPr>
-            <a:picLocks noChangeAspect="1"/>
-          </p:cNvPicPr>
-          <p:nvPr/>
-        </p:nvPicPr>
-        <p:blipFill>
-          <a:blip r:embed="rId3"/>
-          <a:stretch>
-            <a:fillRect/>
-          </a:stretch>
-        </p:blipFill>
-        <p:spPr>
-          <a:xfrm>
-            <a:off x="0" y="5200759"/>
-            <a:ext cx="12192000" cy="1657241"/>
-          </a:xfrm>
-          <a:prstGeom prst="rect">
-            <a:avLst/>
-          </a:prstGeom>
-        </p:spPr>
-      </p:pic>
-      <p:sp>
-        <p:nvSpPr>
-          <p:cNvPr id="9" name="TextBox 8">
-            <a:extLst>
-              <a:ext uri="{FF2B5EF4-FFF2-40B4-BE49-F238E27FC236}">
-                <a16:creationId xmlns:a16="http://schemas.microsoft.com/office/drawing/2014/main" id="{97EE43DE-9104-4D1E-BE8C-C9B4F9A8CDD4}"/>
-              </a:ext>
-            </a:extLst>
-          </p:cNvPr>
-          <p:cNvSpPr txBox="1"/>
-          <p:nvPr/>
-        </p:nvSpPr>
-        <p:spPr>
-          <a:xfrm>
-            <a:off x="592978" y="1429106"/>
-            <a:ext cx="5195653" cy="523220"/>
-          </a:xfrm>
-          <a:prstGeom prst="rect">
-            <a:avLst/>
-          </a:prstGeom>
-          <a:noFill/>
-        </p:spPr>
-        <p:txBody>
-          <a:bodyPr wrap="none" rtlCol="0">
-            <a:spAutoFit/>
-          </a:bodyPr>
-          <a:lstStyle/>
-          <a:p>
-            <a:r>
-              <a:rPr lang="en-US" altLang="ko-KR" sz="2800" b="1" dirty="0"/>
-              <a:t>Imgsz-320 / epochs-250 </a:t>
-            </a:r>
-            <a:r>
-              <a:rPr lang="ko-KR" altLang="en-US" sz="2800" b="1" dirty="0"/>
-              <a:t>교체</a:t>
-            </a:r>
-            <a:endParaRPr lang="ko-KR" altLang="en-US" b="1" dirty="0"/>
-          </a:p>
-        </p:txBody>
-      </p:sp>
-      <p:sp>
-        <p:nvSpPr>
-          <p:cNvPr id="2" name="TextBox 1">
-            <a:extLst>
-              <a:ext uri="{FF2B5EF4-FFF2-40B4-BE49-F238E27FC236}">
-                <a16:creationId xmlns:a16="http://schemas.microsoft.com/office/drawing/2014/main" id="{20691CF4-CAEB-4F73-9823-C6C1DFA6669F}"/>
-              </a:ext>
-            </a:extLst>
-          </p:cNvPr>
-          <p:cNvSpPr txBox="1"/>
-          <p:nvPr/>
-        </p:nvSpPr>
-        <p:spPr>
-          <a:xfrm>
-            <a:off x="0" y="4831427"/>
-            <a:ext cx="3307316" cy="369332"/>
-          </a:xfrm>
-          <a:prstGeom prst="rect">
-            <a:avLst/>
-          </a:prstGeom>
-          <a:noFill/>
-        </p:spPr>
-        <p:txBody>
-          <a:bodyPr wrap="none" rtlCol="0">
-            <a:spAutoFit/>
-          </a:bodyPr>
-          <a:lstStyle/>
-          <a:p>
-            <a:r>
-              <a:rPr lang="ko-KR" altLang="en-US" dirty="0"/>
-              <a:t>연구기관 결과 </a:t>
-            </a:r>
-            <a:r>
-              <a:rPr lang="en-US" altLang="ko-KR" dirty="0"/>
-              <a:t>: Accuracy 0.91</a:t>
-            </a:r>
-            <a:endParaRPr lang="ko-KR" altLang="en-US" dirty="0"/>
+            <a:r>
+              <a:rPr lang="ko-KR" altLang="en-US" sz="1400" dirty="0"/>
+              <a:t> 학습 데이터를 만드는 모듈을 제작했으며 여러 </a:t>
+            </a:r>
+            <a:r>
+              <a:rPr lang="en-US" altLang="ko-KR" sz="1400" dirty="0"/>
+              <a:t>resolution(320 * 320, 640 * 640, 256 * 256)</a:t>
+            </a:r>
+            <a:r>
+              <a:rPr lang="ko-KR" altLang="en-US" sz="1400" dirty="0"/>
+              <a:t>의 </a:t>
+            </a:r>
+            <a:r>
+              <a:rPr lang="en-US" altLang="ko-KR" sz="1400" dirty="0"/>
+              <a:t>trainset</a:t>
+            </a:r>
+            <a:r>
+              <a:rPr lang="ko-KR" altLang="en-US" sz="1400" dirty="0"/>
+              <a:t>을 만들어 </a:t>
+            </a:r>
+            <a:r>
+              <a:rPr lang="en-US" altLang="ko-KR" sz="1400" dirty="0"/>
+              <a:t>model</a:t>
+            </a:r>
+            <a:r>
+              <a:rPr lang="ko-KR" altLang="en-US" sz="1400" dirty="0"/>
+              <a:t>을 학습시켰다</a:t>
+            </a:r>
+            <a:r>
+              <a:rPr lang="en-US" altLang="ko-KR" sz="1400" dirty="0"/>
+              <a:t>.</a:t>
+            </a:r>
+          </a:p>
+          <a:p>
+            <a:endParaRPr lang="en-US" altLang="ko-KR" sz="1400" dirty="0"/>
+          </a:p>
+          <a:p>
+            <a:r>
+              <a:rPr lang="ko-KR" altLang="en-US" sz="1400" dirty="0"/>
+              <a:t>이 때</a:t>
+            </a:r>
+            <a:r>
+              <a:rPr lang="en-US" altLang="ko-KR" sz="1400" dirty="0"/>
+              <a:t>, </a:t>
+            </a:r>
+            <a:r>
+              <a:rPr lang="ko-KR" altLang="en-US" sz="1400" dirty="0"/>
+              <a:t>이미지의 모든 </a:t>
+            </a:r>
+            <a:r>
+              <a:rPr lang="en-US" altLang="ko-KR" sz="1400" dirty="0"/>
+              <a:t>tile</a:t>
+            </a:r>
+            <a:r>
+              <a:rPr lang="ko-KR" altLang="en-US" sz="1400" dirty="0"/>
+              <a:t>을 저장한다면 </a:t>
+            </a:r>
+            <a:r>
+              <a:rPr lang="en-US" altLang="ko-KR" sz="1400" dirty="0"/>
+              <a:t>320*320</a:t>
+            </a:r>
+            <a:r>
+              <a:rPr lang="ko-KR" altLang="en-US" sz="1400" dirty="0"/>
+              <a:t>사이즈의 </a:t>
+            </a:r>
+            <a:r>
+              <a:rPr lang="en-US" altLang="ko-KR" sz="1400" dirty="0" err="1"/>
+              <a:t>png</a:t>
+            </a:r>
+            <a:r>
+              <a:rPr lang="ko-KR" altLang="en-US" sz="1400" dirty="0"/>
+              <a:t>파일이 약 </a:t>
+            </a:r>
+            <a:r>
+              <a:rPr lang="en-US" altLang="ko-KR" sz="1400" dirty="0"/>
+              <a:t>124</a:t>
+            </a:r>
+            <a:r>
+              <a:rPr lang="ko-KR" altLang="en-US" sz="1400" dirty="0"/>
+              <a:t>만장 가까이 나오며 </a:t>
+            </a:r>
+            <a:r>
+              <a:rPr lang="en-US" altLang="ko-KR" sz="1400" dirty="0"/>
+              <a:t>annotation</a:t>
+            </a:r>
+            <a:r>
+              <a:rPr lang="ko-KR" altLang="en-US" sz="1400" dirty="0"/>
+              <a:t>이 없는 이미지만 </a:t>
+            </a:r>
+            <a:r>
+              <a:rPr lang="en-US" altLang="ko-KR" sz="1400" dirty="0"/>
+              <a:t>100</a:t>
+            </a:r>
+            <a:r>
+              <a:rPr lang="ko-KR" altLang="en-US" sz="1400" dirty="0"/>
+              <a:t>만장이 넘게 나온다</a:t>
+            </a:r>
+            <a:r>
+              <a:rPr lang="en-US" altLang="ko-KR" sz="1400" dirty="0"/>
+              <a:t>.  </a:t>
+            </a:r>
+            <a:r>
+              <a:rPr lang="ko-KR" altLang="en-US" sz="1400" dirty="0"/>
+              <a:t>때문에 효율성을 위해 </a:t>
+            </a:r>
+            <a:r>
+              <a:rPr lang="en-US" altLang="ko-KR" sz="1400" dirty="0" err="1"/>
+              <a:t>sql</a:t>
+            </a:r>
+            <a:r>
+              <a:rPr lang="ko-KR" altLang="en-US" sz="1400" dirty="0"/>
+              <a:t>을 먼저 조회해 이상 세포가 존재하는 </a:t>
+            </a:r>
+            <a:r>
+              <a:rPr lang="en-US" altLang="ko-KR" sz="1400" dirty="0"/>
+              <a:t>tile</a:t>
+            </a:r>
+            <a:r>
+              <a:rPr lang="ko-KR" altLang="en-US" sz="1400" dirty="0"/>
+              <a:t>만 가져오도록 하였으며 </a:t>
+            </a:r>
+            <a:r>
+              <a:rPr lang="en-US" altLang="ko-KR" sz="1400" dirty="0"/>
+              <a:t>12</a:t>
+            </a:r>
+            <a:r>
+              <a:rPr lang="ko-KR" altLang="en-US" sz="1400" dirty="0"/>
+              <a:t>시간 가까이 하던 이미지 분할 시간을 </a:t>
+            </a:r>
+            <a:r>
+              <a:rPr lang="en-US" altLang="ko-KR" sz="1400" dirty="0"/>
+              <a:t>2 ~ 3</a:t>
+            </a:r>
+            <a:r>
+              <a:rPr lang="ko-KR" altLang="en-US" sz="1400" dirty="0"/>
+              <a:t>시간으로 단축시킬 수 있었다</a:t>
+            </a:r>
+            <a:r>
+              <a:rPr lang="en-US" altLang="ko-KR" sz="1400" dirty="0"/>
+              <a:t>.</a:t>
+            </a:r>
+            <a:endParaRPr lang="ko-KR" altLang="en-US" sz="1400" dirty="0"/>
           </a:p>
         </p:txBody>
       </p:sp>
     </p:spTree>
     <p:extLst>
       <p:ext uri="{BB962C8B-B14F-4D97-AF65-F5344CB8AC3E}">
-        <p14:creationId xmlns:p14="http://schemas.microsoft.com/office/powerpoint/2010/main" val="511152781"/>
+        <p14:creationId xmlns:p14="http://schemas.microsoft.com/office/powerpoint/2010/main" val="3495909874"/>
       </p:ext>
     </p:extLst>
   </p:cSld>

--- a/발표자료/CCMCT_중간발표.pptx
+++ b/발표자료/CCMCT_중간발표.pptx
@@ -16,11 +16,13 @@
     <p:sldId id="256" r:id="rId10"/>
     <p:sldId id="272" r:id="rId11"/>
     <p:sldId id="264" r:id="rId12"/>
-    <p:sldId id="265" r:id="rId13"/>
-    <p:sldId id="266" r:id="rId14"/>
-    <p:sldId id="263" r:id="rId15"/>
-    <p:sldId id="267" r:id="rId16"/>
-    <p:sldId id="269" r:id="rId17"/>
+    <p:sldId id="273" r:id="rId13"/>
+    <p:sldId id="274" r:id="rId14"/>
+    <p:sldId id="275" r:id="rId15"/>
+    <p:sldId id="265" r:id="rId16"/>
+    <p:sldId id="266" r:id="rId17"/>
+    <p:sldId id="263" r:id="rId18"/>
+    <p:sldId id="267" r:id="rId19"/>
   </p:sldIdLst>
   <p:sldSz cx="12192000" cy="6858000"/>
   <p:notesSz cx="6858000" cy="9144000"/>
@@ -3710,7 +3712,7 @@
         </p:blipFill>
         <p:spPr>
           <a:xfrm>
-            <a:off x="733390" y="1086646"/>
+            <a:off x="733388" y="1397681"/>
             <a:ext cx="10689947" cy="1452655"/>
           </a:xfrm>
           <a:prstGeom prst="rect">
@@ -3732,8 +3734,8 @@
         </p:nvSpPr>
         <p:spPr>
           <a:xfrm>
-            <a:off x="733389" y="2539301"/>
-            <a:ext cx="10689947" cy="1323439"/>
+            <a:off x="733389" y="3292337"/>
+            <a:ext cx="10689947" cy="1815882"/>
           </a:xfrm>
           <a:prstGeom prst="rect">
             <a:avLst/>
@@ -3797,6 +3799,19 @@
             <a:r>
               <a:rPr lang="ko-KR" altLang="en-US" sz="1600" dirty="0"/>
               <a:t>를 달성했다고 설명한다</a:t>
+            </a:r>
+            <a:r>
+              <a:rPr lang="en-US" altLang="ko-KR" sz="1600" dirty="0"/>
+              <a:t>.</a:t>
+            </a:r>
+          </a:p>
+          <a:p>
+            <a:endParaRPr lang="en-US" altLang="ko-KR" sz="1600" dirty="0"/>
+          </a:p>
+          <a:p>
+            <a:r>
+              <a:rPr lang="ko-KR" altLang="en-US" sz="1600" dirty="0"/>
+              <a:t>이번 프로젝트에서는 해당 수치를 목표로 두고 학습을 진행했다</a:t>
             </a:r>
             <a:r>
               <a:rPr lang="en-US" altLang="ko-KR" sz="1600" dirty="0"/>
@@ -3846,10 +3861,10 @@
       </p:grpSpPr>
       <p:sp>
         <p:nvSpPr>
-          <p:cNvPr id="4" name="TextBox 3">
-            <a:extLst>
-              <a:ext uri="{FF2B5EF4-FFF2-40B4-BE49-F238E27FC236}">
-                <a16:creationId xmlns:a16="http://schemas.microsoft.com/office/drawing/2014/main" id="{830DC942-E220-432B-8AF7-AC8818D34143}"/>
+          <p:cNvPr id="7" name="TextBox 6">
+            <a:extLst>
+              <a:ext uri="{FF2B5EF4-FFF2-40B4-BE49-F238E27FC236}">
+                <a16:creationId xmlns:a16="http://schemas.microsoft.com/office/drawing/2014/main" id="{B8AC12DE-86C9-4265-9576-28FC28CEB918}"/>
               </a:ext>
             </a:extLst>
           </p:cNvPr>
@@ -3858,8 +3873,8 @@
         </p:nvSpPr>
         <p:spPr>
           <a:xfrm>
-            <a:off x="592979" y="361048"/>
-            <a:ext cx="4350871" cy="954107"/>
+            <a:off x="733390" y="370905"/>
+            <a:ext cx="7663990" cy="1415772"/>
           </a:xfrm>
           <a:prstGeom prst="rect">
             <a:avLst/>
@@ -3867,31 +3882,59 @@
           <a:noFill/>
         </p:spPr>
         <p:txBody>
-          <a:bodyPr wrap="none" rtlCol="0">
+          <a:bodyPr wrap="square" rtlCol="0">
             <a:spAutoFit/>
           </a:bodyPr>
           <a:lstStyle/>
           <a:p>
             <a:r>
-              <a:rPr lang="en-US" altLang="ko-KR" sz="2800" b="1" dirty="0"/>
-              <a:t>Yolo_v5</a:t>
-            </a:r>
-          </a:p>
-          <a:p>
-            <a:r>
-              <a:rPr lang="en-US" altLang="ko-KR" sz="2800" b="1" dirty="0"/>
-              <a:t>Imgsz-640 / epochs-100</a:t>
-            </a:r>
-            <a:endParaRPr lang="ko-KR" altLang="en-US" b="1" dirty="0"/>
+              <a:rPr lang="en-US" altLang="ko-KR" sz="3200" b="1" dirty="0"/>
+              <a:t>Train Result</a:t>
+            </a:r>
+          </a:p>
+          <a:p>
+            <a:r>
+              <a:rPr lang="en-US" altLang="ko-KR" b="1" dirty="0"/>
+              <a:t>	- </a:t>
+            </a:r>
+            <a:r>
+              <a:rPr lang="en-US" altLang="ko-KR" dirty="0" err="1"/>
+              <a:t>imgsz</a:t>
+            </a:r>
+            <a:r>
+              <a:rPr lang="en-US" altLang="ko-KR" dirty="0"/>
+              <a:t>: 640 / </a:t>
+            </a:r>
+            <a:r>
+              <a:rPr lang="en-US" altLang="ko-KR" dirty="0" err="1"/>
+              <a:t>train_imgsz</a:t>
+            </a:r>
+            <a:r>
+              <a:rPr lang="en-US" altLang="ko-KR" dirty="0"/>
+              <a:t>: 640</a:t>
+            </a:r>
+          </a:p>
+          <a:p>
+            <a:r>
+              <a:rPr lang="en-US" altLang="ko-KR" dirty="0"/>
+              <a:t>	- epochs: 100 / weight: yolov5m.pt</a:t>
+            </a:r>
+          </a:p>
+          <a:p>
+            <a:r>
+              <a:rPr lang="en-US" altLang="ko-KR" dirty="0"/>
+              <a:t>	- 5Labels</a:t>
+            </a:r>
+            <a:endParaRPr lang="ko-KR" altLang="en-US" dirty="0"/>
           </a:p>
         </p:txBody>
       </p:sp>
       <p:pic>
         <p:nvPicPr>
-          <p:cNvPr id="6" name="그림 5">
-            <a:extLst>
-              <a:ext uri="{FF2B5EF4-FFF2-40B4-BE49-F238E27FC236}">
-                <a16:creationId xmlns:a16="http://schemas.microsoft.com/office/drawing/2014/main" id="{FB221281-B44E-43A0-964B-D84FBB92E570}"/>
+          <p:cNvPr id="5" name="그림 4">
+            <a:extLst>
+              <a:ext uri="{FF2B5EF4-FFF2-40B4-BE49-F238E27FC236}">
+                <a16:creationId xmlns:a16="http://schemas.microsoft.com/office/drawing/2014/main" id="{55117856-44B3-478A-80AD-EFB009420BED}"/>
               </a:ext>
             </a:extLst>
           </p:cNvPr>
@@ -3901,15 +3944,21 @@
           <p:nvPr/>
         </p:nvPicPr>
         <p:blipFill>
-          <a:blip r:embed="rId2"/>
+          <a:blip r:embed="rId2">
+            <a:extLst>
+              <a:ext uri="{28A0092B-C50C-407E-A947-70E740481C1C}">
+                <a14:useLocalDpi xmlns:a14="http://schemas.microsoft.com/office/drawing/2010/main" val="0"/>
+              </a:ext>
+            </a:extLst>
+          </a:blip>
           <a:stretch>
             <a:fillRect/>
           </a:stretch>
         </p:blipFill>
         <p:spPr>
           <a:xfrm>
-            <a:off x="5271247" y="361048"/>
-            <a:ext cx="5525538" cy="4294873"/>
+            <a:off x="733390" y="1829370"/>
+            <a:ext cx="5762660" cy="4321995"/>
           </a:xfrm>
           <a:prstGeom prst="rect">
             <a:avLst/>
@@ -3918,10 +3967,10 @@
       </p:pic>
       <p:pic>
         <p:nvPicPr>
-          <p:cNvPr id="8" name="그림 7" descr="텍스트이(가) 표시된 사진&#10;&#10;자동 생성된 설명">
-            <a:extLst>
-              <a:ext uri="{FF2B5EF4-FFF2-40B4-BE49-F238E27FC236}">
-                <a16:creationId xmlns:a16="http://schemas.microsoft.com/office/drawing/2014/main" id="{C142CBCF-51F9-448D-A02E-E0E433901969}"/>
+          <p:cNvPr id="11" name="그림 10">
+            <a:extLst>
+              <a:ext uri="{FF2B5EF4-FFF2-40B4-BE49-F238E27FC236}">
+                <a16:creationId xmlns:a16="http://schemas.microsoft.com/office/drawing/2014/main" id="{1BFB6555-363B-4433-AECF-4DE828AED2C8}"/>
               </a:ext>
             </a:extLst>
           </p:cNvPr>
@@ -3931,15 +3980,21 @@
           <p:nvPr/>
         </p:nvPicPr>
         <p:blipFill>
-          <a:blip r:embed="rId3"/>
+          <a:blip r:embed="rId3">
+            <a:extLst>
+              <a:ext uri="{28A0092B-C50C-407E-A947-70E740481C1C}">
+                <a14:useLocalDpi xmlns:a14="http://schemas.microsoft.com/office/drawing/2010/main" val="0"/>
+              </a:ext>
+            </a:extLst>
+          </a:blip>
           <a:stretch>
             <a:fillRect/>
           </a:stretch>
         </p:blipFill>
         <p:spPr>
           <a:xfrm>
-            <a:off x="0" y="5200759"/>
-            <a:ext cx="12192000" cy="1657241"/>
+            <a:off x="6320118" y="1786677"/>
+            <a:ext cx="5762660" cy="4321995"/>
           </a:xfrm>
           <a:prstGeom prst="rect">
             <a:avLst/>
@@ -3948,10 +4003,10 @@
       </p:pic>
       <p:sp>
         <p:nvSpPr>
-          <p:cNvPr id="9" name="TextBox 8">
-            <a:extLst>
-              <a:ext uri="{FF2B5EF4-FFF2-40B4-BE49-F238E27FC236}">
-                <a16:creationId xmlns:a16="http://schemas.microsoft.com/office/drawing/2014/main" id="{97EE43DE-9104-4D1E-BE8C-C9B4F9A8CDD4}"/>
+          <p:cNvPr id="12" name="TextBox 11">
+            <a:extLst>
+              <a:ext uri="{FF2B5EF4-FFF2-40B4-BE49-F238E27FC236}">
+                <a16:creationId xmlns:a16="http://schemas.microsoft.com/office/drawing/2014/main" id="{F5DC11B5-2603-41FE-8C3A-83E4CF8BB8BA}"/>
               </a:ext>
             </a:extLst>
           </p:cNvPr>
@@ -3960,8 +4015,8 @@
         </p:nvSpPr>
         <p:spPr>
           <a:xfrm>
-            <a:off x="592978" y="1429106"/>
-            <a:ext cx="5195653" cy="523220"/>
+            <a:off x="6096000" y="370905"/>
+            <a:ext cx="5844988" cy="1200329"/>
           </a:xfrm>
           <a:prstGeom prst="rect">
             <a:avLst/>
@@ -3969,58 +4024,45 @@
           <a:noFill/>
         </p:spPr>
         <p:txBody>
-          <a:bodyPr wrap="none" rtlCol="0">
+          <a:bodyPr wrap="square" rtlCol="0">
             <a:spAutoFit/>
           </a:bodyPr>
           <a:lstStyle/>
           <a:p>
-            <a:r>
-              <a:rPr lang="en-US" altLang="ko-KR" sz="2800" b="1" dirty="0"/>
-              <a:t>Imgsz-320 / epochs-250 </a:t>
-            </a:r>
-            <a:r>
-              <a:rPr lang="ko-KR" altLang="en-US" sz="2800" b="1" dirty="0"/>
-              <a:t>교체</a:t>
-            </a:r>
-            <a:endParaRPr lang="ko-KR" altLang="en-US" b="1" dirty="0"/>
-          </a:p>
-        </p:txBody>
-      </p:sp>
-      <p:sp>
-        <p:nvSpPr>
-          <p:cNvPr id="2" name="TextBox 1">
-            <a:extLst>
-              <a:ext uri="{FF2B5EF4-FFF2-40B4-BE49-F238E27FC236}">
-                <a16:creationId xmlns:a16="http://schemas.microsoft.com/office/drawing/2014/main" id="{20691CF4-CAEB-4F73-9823-C6C1DFA6669F}"/>
-              </a:ext>
-            </a:extLst>
-          </p:cNvPr>
-          <p:cNvSpPr txBox="1"/>
-          <p:nvPr/>
-        </p:nvSpPr>
-        <p:spPr>
-          <a:xfrm>
-            <a:off x="0" y="4831427"/>
-            <a:ext cx="3307316" cy="369332"/>
-          </a:xfrm>
-          <a:prstGeom prst="rect">
-            <a:avLst/>
-          </a:prstGeom>
-          <a:noFill/>
-        </p:spPr>
-        <p:txBody>
-          <a:bodyPr wrap="none" rtlCol="0">
-            <a:spAutoFit/>
-          </a:bodyPr>
-          <a:lstStyle/>
-          <a:p>
-            <a:r>
-              <a:rPr lang="ko-KR" altLang="en-US" dirty="0"/>
-              <a:t>연구기관 결과 </a:t>
+            <a:endParaRPr lang="en-US" altLang="ko-KR" b="1" dirty="0"/>
+          </a:p>
+          <a:p>
+            <a:r>
+              <a:rPr lang="en-US" altLang="ko-KR" b="1" dirty="0"/>
+              <a:t>	- </a:t>
+            </a:r>
+            <a:r>
+              <a:rPr lang="en-US" altLang="ko-KR" dirty="0" err="1"/>
+              <a:t>imgsz</a:t>
             </a:r>
             <a:r>
               <a:rPr lang="en-US" altLang="ko-KR" dirty="0"/>
-              <a:t>: Accuracy 0.91</a:t>
+              <a:t>: 320 / </a:t>
+            </a:r>
+            <a:r>
+              <a:rPr lang="en-US" altLang="ko-KR" dirty="0" err="1"/>
+              <a:t>train_imgsz</a:t>
+            </a:r>
+            <a:r>
+              <a:rPr lang="en-US" altLang="ko-KR" dirty="0"/>
+              <a:t>: 320</a:t>
+            </a:r>
+          </a:p>
+          <a:p>
+            <a:r>
+              <a:rPr lang="en-US" altLang="ko-KR" dirty="0"/>
+              <a:t>	- epochs: 250 / weight: yolov5s.pt</a:t>
+            </a:r>
+          </a:p>
+          <a:p>
+            <a:r>
+              <a:rPr lang="en-US" altLang="ko-KR" dirty="0"/>
+              <a:t>	- 5Labels</a:t>
             </a:r>
             <a:endParaRPr lang="ko-KR" altLang="en-US" dirty="0"/>
           </a:p>
@@ -4056,12 +4098,84 @@
           <a:chExt cx="0" cy="0"/>
         </a:xfrm>
       </p:grpSpPr>
+      <p:pic>
+        <p:nvPicPr>
+          <p:cNvPr id="6" name="그림 5">
+            <a:extLst>
+              <a:ext uri="{FF2B5EF4-FFF2-40B4-BE49-F238E27FC236}">
+                <a16:creationId xmlns:a16="http://schemas.microsoft.com/office/drawing/2014/main" id="{CCC7E364-A26E-4C0A-AE32-0C86B6C73582}"/>
+              </a:ext>
+            </a:extLst>
+          </p:cNvPr>
+          <p:cNvPicPr>
+            <a:picLocks noChangeAspect="1"/>
+          </p:cNvPicPr>
+          <p:nvPr/>
+        </p:nvPicPr>
+        <p:blipFill>
+          <a:blip r:embed="rId2">
+            <a:extLst>
+              <a:ext uri="{28A0092B-C50C-407E-A947-70E740481C1C}">
+                <a14:useLocalDpi xmlns:a14="http://schemas.microsoft.com/office/drawing/2010/main" val="0"/>
+              </a:ext>
+            </a:extLst>
+          </a:blip>
+          <a:stretch>
+            <a:fillRect/>
+          </a:stretch>
+        </p:blipFill>
+        <p:spPr>
+          <a:xfrm>
+            <a:off x="6096000" y="1829370"/>
+            <a:ext cx="5762661" cy="4321996"/>
+          </a:xfrm>
+          <a:prstGeom prst="rect">
+            <a:avLst/>
+          </a:prstGeom>
+        </p:spPr>
+      </p:pic>
+      <p:pic>
+        <p:nvPicPr>
+          <p:cNvPr id="3" name="그림 2">
+            <a:extLst>
+              <a:ext uri="{FF2B5EF4-FFF2-40B4-BE49-F238E27FC236}">
+                <a16:creationId xmlns:a16="http://schemas.microsoft.com/office/drawing/2014/main" id="{D15D1549-FB65-4CEE-90DC-C23CB7076809}"/>
+              </a:ext>
+            </a:extLst>
+          </p:cNvPr>
+          <p:cNvPicPr>
+            <a:picLocks noChangeAspect="1"/>
+          </p:cNvPicPr>
+          <p:nvPr/>
+        </p:nvPicPr>
+        <p:blipFill>
+          <a:blip r:embed="rId3">
+            <a:extLst>
+              <a:ext uri="{28A0092B-C50C-407E-A947-70E740481C1C}">
+                <a14:useLocalDpi xmlns:a14="http://schemas.microsoft.com/office/drawing/2010/main" val="0"/>
+              </a:ext>
+            </a:extLst>
+          </a:blip>
+          <a:stretch>
+            <a:fillRect/>
+          </a:stretch>
+        </p:blipFill>
+        <p:spPr>
+          <a:xfrm>
+            <a:off x="557457" y="1829370"/>
+            <a:ext cx="5762661" cy="4321996"/>
+          </a:xfrm>
+          <a:prstGeom prst="rect">
+            <a:avLst/>
+          </a:prstGeom>
+        </p:spPr>
+      </p:pic>
       <p:sp>
         <p:nvSpPr>
-          <p:cNvPr id="5" name="TextBox 4">
-            <a:extLst>
-              <a:ext uri="{FF2B5EF4-FFF2-40B4-BE49-F238E27FC236}">
-                <a16:creationId xmlns:a16="http://schemas.microsoft.com/office/drawing/2014/main" id="{42371601-B9F2-4BB4-BCEB-1B99B7EA1AFD}"/>
+          <p:cNvPr id="7" name="TextBox 6">
+            <a:extLst>
+              <a:ext uri="{FF2B5EF4-FFF2-40B4-BE49-F238E27FC236}">
+                <a16:creationId xmlns:a16="http://schemas.microsoft.com/office/drawing/2014/main" id="{B8AC12DE-86C9-4265-9576-28FC28CEB918}"/>
               </a:ext>
             </a:extLst>
           </p:cNvPr>
@@ -4070,8 +4184,8 @@
         </p:nvSpPr>
         <p:spPr>
           <a:xfrm>
-            <a:off x="815788" y="580508"/>
-            <a:ext cx="7915835" cy="2677656"/>
+            <a:off x="733390" y="370905"/>
+            <a:ext cx="7663990" cy="1415772"/>
           </a:xfrm>
           <a:prstGeom prst="rect">
             <a:avLst/>
@@ -4079,140 +4193,124 @@
           <a:noFill/>
         </p:spPr>
         <p:txBody>
-          <a:bodyPr wrap="square">
+          <a:bodyPr wrap="square" rtlCol="0">
             <a:spAutoFit/>
           </a:bodyPr>
           <a:lstStyle/>
           <a:p>
             <a:r>
-              <a:rPr lang="ko-KR" altLang="en-US" sz="2400" b="1" dirty="0"/>
-              <a:t>개 비만 세포 종양 (CMCT)</a:t>
-            </a:r>
-          </a:p>
-          <a:p>
-            <a:r>
-              <a:rPr lang="ko-KR" altLang="en-US" b="1" dirty="0"/>
-              <a:t>예후, 기수 판별에 MC(</a:t>
-            </a:r>
-            <a:r>
-              <a:rPr lang="ko-KR" altLang="en-US" b="1" dirty="0" err="1"/>
-              <a:t>Mitotic</a:t>
-            </a:r>
-            <a:r>
-              <a:rPr lang="ko-KR" altLang="en-US" b="1" dirty="0"/>
-              <a:t> </a:t>
-            </a:r>
-            <a:r>
-              <a:rPr lang="ko-KR" altLang="en-US" b="1" dirty="0" err="1"/>
-              <a:t>count</a:t>
-            </a:r>
-            <a:r>
-              <a:rPr lang="ko-KR" altLang="en-US" b="1" dirty="0"/>
-              <a:t>)가 주요 요소로 작용</a:t>
-            </a:r>
-          </a:p>
-          <a:p>
-            <a:pPr lvl="1"/>
-            <a:r>
-              <a:rPr lang="ko-KR" altLang="en-US" dirty="0"/>
-              <a:t> </a:t>
-            </a:r>
-          </a:p>
-          <a:p>
-            <a:pPr lvl="1"/>
-            <a:endParaRPr lang="en-US" altLang="ko-KR" dirty="0"/>
-          </a:p>
-          <a:p>
-            <a:pPr lvl="1"/>
-            <a:r>
-              <a:rPr lang="ko-KR" altLang="en-US" dirty="0"/>
-              <a:t>MC - 현미경 10배율 당 유사분열체 수</a:t>
-            </a:r>
-          </a:p>
-          <a:p>
-            <a:pPr lvl="1"/>
-            <a:r>
-              <a:rPr lang="ko-KR" altLang="en-US" dirty="0" err="1"/>
-              <a:t>AgNOR</a:t>
-            </a:r>
-            <a:r>
-              <a:rPr lang="ko-KR" altLang="en-US" dirty="0"/>
-              <a:t> - 세포주기 진행속도</a:t>
-            </a:r>
-          </a:p>
-          <a:p>
-            <a:pPr lvl="1"/>
-            <a:r>
-              <a:rPr lang="ko-KR" altLang="en-US" dirty="0"/>
-              <a:t>Ni67 - 성장을 식별하는 면역조직화학(IHC)방법 분수</a:t>
-            </a:r>
-          </a:p>
-          <a:p>
-            <a:pPr lvl="1"/>
-            <a:r>
-              <a:rPr lang="ko-KR" altLang="en-US" dirty="0"/>
-              <a:t>AG67 - </a:t>
-            </a:r>
-            <a:r>
-              <a:rPr lang="ko-KR" altLang="en-US" dirty="0" err="1"/>
-              <a:t>AgNor</a:t>
-            </a:r>
-            <a:r>
-              <a:rPr lang="ko-KR" altLang="en-US" dirty="0"/>
-              <a:t>, Ni67 측정에서 </a:t>
-            </a:r>
-            <a:r>
-              <a:rPr lang="ko-KR" altLang="en-US" dirty="0" err="1"/>
-              <a:t>얻을수</a:t>
-            </a:r>
-            <a:r>
-              <a:rPr lang="ko-KR" altLang="en-US" dirty="0"/>
-              <a:t> 있는 인자</a:t>
-            </a:r>
-          </a:p>
-          <a:p>
-            <a:pPr lvl="1"/>
-            <a:r>
-              <a:rPr lang="ko-KR" altLang="en-US" dirty="0"/>
-              <a:t>...</a:t>
-            </a:r>
+              <a:rPr lang="en-US" altLang="ko-KR" sz="3200" b="1" dirty="0"/>
+              <a:t>Train Result</a:t>
+            </a:r>
+          </a:p>
+          <a:p>
+            <a:r>
+              <a:rPr lang="en-US" altLang="ko-KR" b="1" dirty="0"/>
+              <a:t>	- </a:t>
+            </a:r>
+            <a:r>
+              <a:rPr lang="en-US" altLang="ko-KR" dirty="0" err="1"/>
+              <a:t>imgsz</a:t>
+            </a:r>
+            <a:r>
+              <a:rPr lang="en-US" altLang="ko-KR" dirty="0"/>
+              <a:t>: 320 / </a:t>
+            </a:r>
+            <a:r>
+              <a:rPr lang="en-US" altLang="ko-KR" dirty="0" err="1"/>
+              <a:t>train_imgsz</a:t>
+            </a:r>
+            <a:r>
+              <a:rPr lang="en-US" altLang="ko-KR" dirty="0"/>
+              <a:t>: 640</a:t>
+            </a:r>
+          </a:p>
+          <a:p>
+            <a:r>
+              <a:rPr lang="en-US" altLang="ko-KR" dirty="0"/>
+              <a:t>	- epochs: 200 / weight: yolov5s.pt</a:t>
+            </a:r>
+          </a:p>
+          <a:p>
+            <a:r>
+              <a:rPr lang="en-US" altLang="ko-KR" dirty="0"/>
+              <a:t>	- 4Labels</a:t>
+            </a:r>
+            <a:endParaRPr lang="ko-KR" altLang="en-US" dirty="0"/>
           </a:p>
         </p:txBody>
       </p:sp>
-      <p:pic>
-        <p:nvPicPr>
-          <p:cNvPr id="6" name="그림 5">
-            <a:extLst>
-              <a:ext uri="{FF2B5EF4-FFF2-40B4-BE49-F238E27FC236}">
-                <a16:creationId xmlns:a16="http://schemas.microsoft.com/office/drawing/2014/main" id="{97E2D630-FCE7-47C8-9F18-111D11853F51}"/>
-              </a:ext>
-            </a:extLst>
-          </p:cNvPr>
-          <p:cNvPicPr>
-            <a:picLocks noChangeAspect="1"/>
-          </p:cNvPicPr>
+      <p:sp>
+        <p:nvSpPr>
+          <p:cNvPr id="12" name="TextBox 11">
+            <a:extLst>
+              <a:ext uri="{FF2B5EF4-FFF2-40B4-BE49-F238E27FC236}">
+                <a16:creationId xmlns:a16="http://schemas.microsoft.com/office/drawing/2014/main" id="{F5DC11B5-2603-41FE-8C3A-83E4CF8BB8BA}"/>
+              </a:ext>
+            </a:extLst>
+          </p:cNvPr>
+          <p:cNvSpPr txBox="1"/>
           <p:nvPr/>
-        </p:nvPicPr>
-        <p:blipFill>
-          <a:blip r:embed="rId2"/>
-          <a:stretch>
-            <a:fillRect/>
-          </a:stretch>
-        </p:blipFill>
+        </p:nvSpPr>
         <p:spPr>
           <a:xfrm>
-            <a:off x="818870" y="3932350"/>
-            <a:ext cx="10554260" cy="1826072"/>
+            <a:off x="6096000" y="370905"/>
+            <a:ext cx="5844988" cy="1415772"/>
           </a:xfrm>
           <a:prstGeom prst="rect">
             <a:avLst/>
           </a:prstGeom>
+          <a:noFill/>
         </p:spPr>
-      </p:pic>
+        <p:txBody>
+          <a:bodyPr wrap="square" rtlCol="0">
+            <a:spAutoFit/>
+          </a:bodyPr>
+          <a:lstStyle/>
+          <a:p>
+            <a:endParaRPr lang="en-US" altLang="ko-KR" sz="3200" b="1" dirty="0"/>
+          </a:p>
+          <a:p>
+            <a:r>
+              <a:rPr lang="en-US" altLang="ko-KR" b="1" dirty="0"/>
+              <a:t>	- </a:t>
+            </a:r>
+            <a:r>
+              <a:rPr lang="en-US" altLang="ko-KR" dirty="0" err="1"/>
+              <a:t>imgsz</a:t>
+            </a:r>
+            <a:r>
+              <a:rPr lang="en-US" altLang="ko-KR" dirty="0"/>
+              <a:t>: 320 / </a:t>
+            </a:r>
+            <a:r>
+              <a:rPr lang="en-US" altLang="ko-KR" dirty="0" err="1"/>
+              <a:t>train_imgsz</a:t>
+            </a:r>
+            <a:r>
+              <a:rPr lang="en-US" altLang="ko-KR" dirty="0"/>
+              <a:t>: 320</a:t>
+            </a:r>
+          </a:p>
+          <a:p>
+            <a:r>
+              <a:rPr lang="en-US" altLang="ko-KR" dirty="0"/>
+              <a:t>	- epochs: 120 / weight: yolov5l.pt</a:t>
+            </a:r>
+          </a:p>
+          <a:p>
+            <a:r>
+              <a:rPr lang="en-US" altLang="ko-KR" dirty="0"/>
+              <a:t>	- 4Labels</a:t>
+            </a:r>
+            <a:endParaRPr lang="ko-KR" altLang="en-US" dirty="0"/>
+          </a:p>
+        </p:txBody>
+      </p:sp>
     </p:spTree>
     <p:extLst>
       <p:ext uri="{BB962C8B-B14F-4D97-AF65-F5344CB8AC3E}">
-        <p14:creationId xmlns:p14="http://schemas.microsoft.com/office/powerpoint/2010/main" val="366933108"/>
+        <p14:creationId xmlns:p14="http://schemas.microsoft.com/office/powerpoint/2010/main" val="2976307014"/>
       </p:ext>
     </p:extLst>
   </p:cSld>
@@ -4239,72 +4337,12 @@
           <a:chExt cx="0" cy="0"/>
         </a:xfrm>
       </p:grpSpPr>
-      <p:pic>
-        <p:nvPicPr>
-          <p:cNvPr id="5" name="그림 4" descr="텍스트이(가) 표시된 사진&#10;&#10;자동 생성된 설명">
-            <a:extLst>
-              <a:ext uri="{FF2B5EF4-FFF2-40B4-BE49-F238E27FC236}">
-                <a16:creationId xmlns:a16="http://schemas.microsoft.com/office/drawing/2014/main" id="{2CBA8066-4E1F-4755-BE8A-82348FB45F0F}"/>
-              </a:ext>
-            </a:extLst>
-          </p:cNvPr>
-          <p:cNvPicPr>
-            <a:picLocks noChangeAspect="1"/>
-          </p:cNvPicPr>
-          <p:nvPr/>
-        </p:nvPicPr>
-        <p:blipFill>
-          <a:blip r:embed="rId2"/>
-          <a:stretch>
-            <a:fillRect/>
-          </a:stretch>
-        </p:blipFill>
-        <p:spPr>
-          <a:xfrm>
-            <a:off x="709284" y="3747052"/>
-            <a:ext cx="5810250" cy="2124075"/>
-          </a:xfrm>
-          <a:prstGeom prst="rect">
-            <a:avLst/>
-          </a:prstGeom>
-        </p:spPr>
-      </p:pic>
-      <p:pic>
-        <p:nvPicPr>
-          <p:cNvPr id="6" name="그림 5" descr="텍스트이(가) 표시된 사진&#10;&#10;자동 생성된 설명">
-            <a:extLst>
-              <a:ext uri="{FF2B5EF4-FFF2-40B4-BE49-F238E27FC236}">
-                <a16:creationId xmlns:a16="http://schemas.microsoft.com/office/drawing/2014/main" id="{619BBC28-D851-4F92-ACEF-AE3F607C8182}"/>
-              </a:ext>
-            </a:extLst>
-          </p:cNvPr>
-          <p:cNvPicPr>
-            <a:picLocks noChangeAspect="1"/>
-          </p:cNvPicPr>
-          <p:nvPr/>
-        </p:nvPicPr>
-        <p:blipFill>
-          <a:blip r:embed="rId3"/>
-          <a:stretch>
-            <a:fillRect/>
-          </a:stretch>
-        </p:blipFill>
-        <p:spPr>
-          <a:xfrm>
-            <a:off x="598783" y="2309979"/>
-            <a:ext cx="7062788" cy="1282847"/>
-          </a:xfrm>
-          <a:prstGeom prst="rect">
-            <a:avLst/>
-          </a:prstGeom>
-        </p:spPr>
-      </p:pic>
       <p:sp>
         <p:nvSpPr>
-          <p:cNvPr id="7" name="TextBox 6">
-            <a:extLst>
-              <a:ext uri="{FF2B5EF4-FFF2-40B4-BE49-F238E27FC236}">
-                <a16:creationId xmlns:a16="http://schemas.microsoft.com/office/drawing/2014/main" id="{01A9E543-DABC-41BC-A334-8C0788E5A1B4}"/>
+          <p:cNvPr id="4" name="TextBox 3">
+            <a:extLst>
+              <a:ext uri="{FF2B5EF4-FFF2-40B4-BE49-F238E27FC236}">
+                <a16:creationId xmlns:a16="http://schemas.microsoft.com/office/drawing/2014/main" id="{90754EC6-166D-48D5-8683-7C7DD13A34F7}"/>
               </a:ext>
             </a:extLst>
           </p:cNvPr>
@@ -4313,8 +4351,8 @@
         </p:nvSpPr>
         <p:spPr>
           <a:xfrm>
-            <a:off x="7930049" y="3841330"/>
-            <a:ext cx="2838450" cy="646331"/>
+            <a:off x="733390" y="370905"/>
+            <a:ext cx="7663990" cy="584775"/>
           </a:xfrm>
           <a:prstGeom prst="rect">
             <a:avLst/>
@@ -4328,30 +4366,18 @@
           <a:lstStyle/>
           <a:p>
             <a:r>
-              <a:rPr lang="en-US" altLang="ko-KR" dirty="0"/>
-              <a:t>640 x 640</a:t>
-            </a:r>
-            <a:r>
-              <a:rPr lang="ko-KR" altLang="en-US" dirty="0"/>
-              <a:t>당 평균 몇 개의 </a:t>
-            </a:r>
-            <a:r>
-              <a:rPr lang="en-US" altLang="ko-KR" dirty="0"/>
-              <a:t>Mitotic cell </a:t>
-            </a:r>
-            <a:r>
-              <a:rPr lang="ko-KR" altLang="en-US" dirty="0"/>
-              <a:t>이 있는가</a:t>
+              <a:rPr lang="en-US" altLang="ko-KR" sz="3200" b="1" dirty="0"/>
+              <a:t>Summary</a:t>
             </a:r>
           </a:p>
         </p:txBody>
       </p:sp>
       <p:sp>
         <p:nvSpPr>
-          <p:cNvPr id="8" name="TextBox 7">
-            <a:extLst>
-              <a:ext uri="{FF2B5EF4-FFF2-40B4-BE49-F238E27FC236}">
-                <a16:creationId xmlns:a16="http://schemas.microsoft.com/office/drawing/2014/main" id="{6F436CDC-80A1-4A39-BA59-E91EF2702634}"/>
+          <p:cNvPr id="5" name="TextBox 4">
+            <a:extLst>
+              <a:ext uri="{FF2B5EF4-FFF2-40B4-BE49-F238E27FC236}">
+                <a16:creationId xmlns:a16="http://schemas.microsoft.com/office/drawing/2014/main" id="{DC40318C-EA48-4C27-84B0-B5F84A491992}"/>
               </a:ext>
             </a:extLst>
           </p:cNvPr>
@@ -4360,8 +4386,8 @@
         </p:nvSpPr>
         <p:spPr>
           <a:xfrm>
-            <a:off x="815788" y="580508"/>
-            <a:ext cx="7915835" cy="369332"/>
+            <a:off x="733390" y="1437705"/>
+            <a:ext cx="9073550" cy="4770537"/>
           </a:xfrm>
           <a:prstGeom prst="rect">
             <a:avLst/>
@@ -4369,39 +4395,349 @@
           <a:noFill/>
         </p:spPr>
         <p:txBody>
-          <a:bodyPr wrap="square">
+          <a:bodyPr wrap="square" rtlCol="0">
             <a:spAutoFit/>
           </a:bodyPr>
           <a:lstStyle/>
           <a:p>
-            <a:r>
-              <a:rPr lang="ko-KR" altLang="en-US" b="1" dirty="0"/>
-              <a:t>현재 데이터에서 </a:t>
-            </a:r>
-            <a:r>
-              <a:rPr lang="en-US" altLang="ko-KR" b="1" dirty="0"/>
-              <a:t>MC(Mitotic</a:t>
-            </a:r>
-            <a:r>
-              <a:rPr lang="ko-KR" altLang="en-US" b="1" dirty="0"/>
+            <a:pPr marL="285750" indent="-285750">
+              <a:buFontTx/>
+              <a:buChar char="-"/>
+            </a:pPr>
+            <a:r>
+              <a:rPr lang="ko-KR" altLang="en-US" sz="1600" b="1" dirty="0"/>
+              <a:t>총 </a:t>
+            </a:r>
+            <a:r>
+              <a:rPr lang="en-US" altLang="ko-KR" sz="1600" b="1" dirty="0"/>
+              <a:t>10</a:t>
+            </a:r>
+            <a:r>
+              <a:rPr lang="ko-KR" altLang="en-US" sz="1600" b="1" dirty="0"/>
+              <a:t>번 이상의 학습 중 라벨 수나</a:t>
+            </a:r>
+            <a:r>
+              <a:rPr lang="en-US" altLang="ko-KR" sz="1600" b="1" dirty="0"/>
+              <a:t>, </a:t>
+            </a:r>
+            <a:r>
+              <a:rPr lang="ko-KR" altLang="en-US" sz="1600" b="1" dirty="0"/>
+              <a:t>원본 데이터셋에 변화를 주거나 했던</a:t>
+            </a:r>
+            <a:r>
+              <a:rPr lang="en-US" altLang="ko-KR" sz="1600" b="1" dirty="0"/>
+              <a:t>, </a:t>
+            </a:r>
+            <a:r>
+              <a:rPr lang="ko-KR" altLang="en-US" sz="1600" b="1" dirty="0"/>
+              <a:t>큰 변화를 주었을 때 </a:t>
+            </a:r>
+            <a:r>
+              <a:rPr lang="en-US" altLang="ko-KR" sz="1600" b="1" dirty="0"/>
+              <a:t>4</a:t>
+            </a:r>
+            <a:r>
+              <a:rPr lang="ko-KR" altLang="en-US" sz="1600" b="1" dirty="0"/>
+              <a:t>가지 훈련의 </a:t>
+            </a:r>
+            <a:r>
+              <a:rPr lang="en-US" altLang="ko-KR" sz="1600" b="1" dirty="0"/>
+              <a:t>confusion matrix</a:t>
+            </a:r>
+            <a:r>
+              <a:rPr lang="ko-KR" altLang="en-US" sz="1600" b="1" dirty="0"/>
+              <a:t>이다</a:t>
+            </a:r>
+            <a:r>
+              <a:rPr lang="en-US" altLang="ko-KR" sz="1600" b="1" dirty="0"/>
+              <a:t>.</a:t>
+            </a:r>
+          </a:p>
+          <a:p>
+            <a:pPr marL="285750" indent="-285750">
+              <a:buFontTx/>
+              <a:buChar char="-"/>
+            </a:pPr>
+            <a:endParaRPr lang="en-US" altLang="ko-KR" sz="1600" b="1" dirty="0"/>
+          </a:p>
+          <a:p>
+            <a:pPr marL="285750" indent="-285750">
+              <a:buFontTx/>
+              <a:buChar char="-"/>
+            </a:pPr>
+            <a:r>
+              <a:rPr lang="ko-KR" altLang="en-US" sz="1600" b="1" dirty="0"/>
+              <a:t>이미지가 클수록 이미지 크기 대비 작은 객체 탐지에서 불리하다</a:t>
+            </a:r>
+            <a:r>
+              <a:rPr lang="en-US" altLang="ko-KR" sz="1600" b="1" dirty="0"/>
+              <a:t>. </a:t>
+            </a:r>
+            <a:r>
+              <a:rPr lang="ko-KR" altLang="en-US" sz="1600" b="1" dirty="0"/>
+              <a:t>따라서 원본 이미지 사이즈를 </a:t>
+            </a:r>
+            <a:r>
+              <a:rPr lang="en-US" altLang="ko-KR" sz="1600" b="1" dirty="0"/>
+              <a:t>640-&gt;320</a:t>
+            </a:r>
+            <a:r>
+              <a:rPr lang="ko-KR" altLang="en-US" sz="1600" b="1" dirty="0"/>
+              <a:t>으로 줄였을 때 </a:t>
+            </a:r>
+            <a:r>
+              <a:rPr lang="en-US" altLang="ko-KR" sz="1600" b="1" dirty="0" err="1"/>
+              <a:t>BackgroundFN</a:t>
+            </a:r>
+            <a:r>
+              <a:rPr lang="en-US" altLang="ko-KR" sz="1600" b="1" dirty="0"/>
+              <a:t>( </a:t>
+            </a:r>
+            <a:r>
+              <a:rPr lang="ko-KR" altLang="en-US" sz="1600" b="1" dirty="0"/>
+              <a:t>잘못된 </a:t>
+            </a:r>
+            <a:r>
+              <a:rPr lang="ko-KR" altLang="en-US" sz="1600" b="1" dirty="0" err="1"/>
+              <a:t>바운딩</a:t>
+            </a:r>
+            <a:r>
+              <a:rPr lang="ko-KR" altLang="en-US" sz="1600" b="1" dirty="0"/>
+              <a:t> 박스</a:t>
+            </a:r>
+            <a:r>
+              <a:rPr lang="en-US" altLang="ko-KR" sz="1600" b="1" dirty="0"/>
+              <a:t> )</a:t>
+            </a:r>
+            <a:r>
+              <a:rPr lang="ko-KR" altLang="en-US" sz="1600" b="1" dirty="0"/>
+              <a:t>비율이 확연히 줄었다</a:t>
+            </a:r>
+            <a:r>
+              <a:rPr lang="en-US" altLang="ko-KR" sz="1600" b="1" dirty="0"/>
+              <a:t>.</a:t>
+            </a:r>
+          </a:p>
+          <a:p>
+            <a:pPr marL="285750" indent="-285750">
+              <a:buFontTx/>
+              <a:buChar char="-"/>
+            </a:pPr>
+            <a:endParaRPr lang="en-US" altLang="ko-KR" sz="1600" b="1" dirty="0"/>
+          </a:p>
+          <a:p>
+            <a:pPr marL="285750" indent="-285750">
+              <a:buFontTx/>
+              <a:buChar char="-"/>
+            </a:pPr>
+            <a:r>
+              <a:rPr lang="en-US" altLang="ko-KR" sz="1600" b="1" dirty="0"/>
+              <a:t>320*320</a:t>
+            </a:r>
+            <a:r>
+              <a:rPr lang="ko-KR" altLang="en-US" sz="1600" b="1" dirty="0"/>
+              <a:t> 사이즈의 이미지를 </a:t>
+            </a:r>
+            <a:r>
+              <a:rPr lang="en-US" altLang="ko-KR" sz="1600" b="1" dirty="0"/>
+              <a:t>640*640</a:t>
+            </a:r>
+            <a:r>
+              <a:rPr lang="ko-KR" altLang="en-US" sz="1600" b="1" dirty="0"/>
+              <a:t>이미지로 </a:t>
+            </a:r>
+            <a:r>
+              <a:rPr lang="en-US" altLang="ko-KR" sz="1600" b="1" dirty="0"/>
+              <a:t>resizing</a:t>
+            </a:r>
+            <a:r>
+              <a:rPr lang="ko-KR" altLang="en-US" sz="1600" b="1" dirty="0"/>
+              <a:t>해서 학습시킨 결과 그냥 학습 시킨 것과 큰 차이가 없었다</a:t>
+            </a:r>
+            <a:r>
+              <a:rPr lang="en-US" altLang="ko-KR" sz="1600" b="1" dirty="0"/>
+              <a:t>.</a:t>
+            </a:r>
+          </a:p>
+          <a:p>
+            <a:pPr marL="285750" indent="-285750">
+              <a:buFontTx/>
+              <a:buChar char="-"/>
+            </a:pPr>
+            <a:endParaRPr lang="en-US" altLang="ko-KR" sz="1600" b="1" dirty="0"/>
+          </a:p>
+          <a:p>
+            <a:pPr marL="285750" indent="-285750">
+              <a:buFontTx/>
+              <a:buChar char="-"/>
+            </a:pPr>
+            <a:endParaRPr lang="en-US" altLang="ko-KR" sz="1600" b="1" dirty="0"/>
+          </a:p>
+          <a:p>
+            <a:pPr marL="285750" indent="-285750">
+              <a:buFontTx/>
+              <a:buChar char="-"/>
+            </a:pPr>
+            <a:r>
+              <a:rPr lang="en-US" altLang="ko-KR" sz="1600" b="1" dirty="0"/>
+              <a:t>Annotation</a:t>
+            </a:r>
+            <a:r>
+              <a:rPr lang="ko-KR" altLang="en-US" sz="1600" b="1" dirty="0"/>
+              <a:t>을 가지고 있지 않은 </a:t>
+            </a:r>
+            <a:r>
+              <a:rPr lang="en-US" altLang="ko-KR" sz="1600" b="1" dirty="0"/>
+              <a:t>tile</a:t>
+            </a:r>
+            <a:r>
+              <a:rPr lang="ko-KR" altLang="en-US" sz="1600" b="1" dirty="0"/>
+              <a:t>의 이미지를 포함해 학습시켰을 때</a:t>
+            </a:r>
+            <a:r>
+              <a:rPr lang="en-US" altLang="ko-KR" sz="1600" b="1" dirty="0"/>
+              <a:t>, tumor cell</a:t>
+            </a:r>
+            <a:r>
+              <a:rPr lang="ko-KR" altLang="en-US" sz="1600" b="1" dirty="0"/>
+              <a:t>의 </a:t>
+            </a:r>
+            <a:r>
+              <a:rPr lang="en-US" altLang="ko-KR" sz="1600" b="1" dirty="0"/>
+              <a:t>FP</a:t>
+            </a:r>
+            <a:r>
+              <a:rPr lang="ko-KR" altLang="en-US" sz="1600" b="1" dirty="0"/>
               <a:t> </a:t>
             </a:r>
             <a:r>
-              <a:rPr lang="en-US" altLang="ko-KR" b="1" dirty="0"/>
-              <a:t>count)</a:t>
-            </a:r>
-            <a:r>
-              <a:rPr lang="ko-KR" altLang="en-US" b="1" dirty="0"/>
-              <a:t> 측정</a:t>
-            </a:r>
-            <a:endParaRPr lang="ko-KR" altLang="en-US" dirty="0"/>
+              <a:rPr lang="en-US" altLang="ko-KR" sz="1600" b="1" dirty="0"/>
+              <a:t>rate</a:t>
+            </a:r>
+            <a:r>
+              <a:rPr lang="ko-KR" altLang="en-US" sz="1600" b="1" dirty="0"/>
+              <a:t>는 확연히 줄었지만</a:t>
+            </a:r>
+            <a:r>
+              <a:rPr lang="en-US" altLang="ko-KR" sz="1600" b="1" dirty="0"/>
+              <a:t>, </a:t>
+            </a:r>
+            <a:r>
+              <a:rPr lang="ko-KR" altLang="en-US" sz="1600" b="1" dirty="0"/>
+              <a:t>나머지에선 큰 변화가 없었고</a:t>
+            </a:r>
+            <a:r>
+              <a:rPr lang="en-US" altLang="ko-KR" sz="1600" b="1" dirty="0"/>
+              <a:t>, </a:t>
+            </a:r>
+            <a:r>
+              <a:rPr lang="ko-KR" altLang="en-US" sz="1600" b="1" dirty="0"/>
+              <a:t>오히려 성능이 떨어졌다</a:t>
+            </a:r>
+            <a:r>
+              <a:rPr lang="en-US" altLang="ko-KR" sz="1600" b="1" dirty="0"/>
+              <a:t>. -&gt; </a:t>
+            </a:r>
+            <a:r>
+              <a:rPr lang="ko-KR" altLang="en-US" sz="1600" b="1" dirty="0"/>
+              <a:t>이때 </a:t>
+            </a:r>
+            <a:r>
+              <a:rPr lang="en-US" altLang="ko-KR" sz="1600" b="1" dirty="0"/>
+              <a:t>epochs</a:t>
+            </a:r>
+            <a:r>
+              <a:rPr lang="ko-KR" altLang="en-US" sz="1600" b="1" dirty="0"/>
+              <a:t>가 </a:t>
+            </a:r>
+            <a:r>
+              <a:rPr lang="en-US" altLang="ko-KR" sz="1600" b="1" dirty="0"/>
+              <a:t>120</a:t>
+            </a:r>
+            <a:r>
+              <a:rPr lang="ko-KR" altLang="en-US" sz="1600" b="1" dirty="0"/>
+              <a:t>이었는데</a:t>
+            </a:r>
+            <a:r>
+              <a:rPr lang="en-US" altLang="ko-KR" sz="1600" b="1" dirty="0"/>
+              <a:t>, </a:t>
+            </a:r>
+            <a:r>
+              <a:rPr lang="ko-KR" altLang="en-US" sz="1600" b="1" dirty="0"/>
+              <a:t>더 늘려서 학습 시켜볼 필요성이 있다고 판단된다</a:t>
+            </a:r>
+            <a:r>
+              <a:rPr lang="en-US" altLang="ko-KR" sz="1600" b="1" dirty="0"/>
+              <a:t>. </a:t>
+            </a:r>
+          </a:p>
+          <a:p>
+            <a:pPr marL="285750" indent="-285750">
+              <a:buFontTx/>
+              <a:buChar char="-"/>
+            </a:pPr>
+            <a:endParaRPr lang="en-US" altLang="ko-KR" sz="1600" b="1" dirty="0"/>
+          </a:p>
+          <a:p>
+            <a:pPr marL="285750" indent="-285750">
+              <a:buFontTx/>
+              <a:buChar char="-"/>
+            </a:pPr>
+            <a:r>
+              <a:rPr lang="ko-KR" altLang="en-US" sz="1600" b="1" dirty="0"/>
+              <a:t>원래 </a:t>
+            </a:r>
+            <a:r>
+              <a:rPr lang="en-US" altLang="ko-KR" sz="1600" b="1" dirty="0"/>
+              <a:t>target</a:t>
+            </a:r>
+            <a:r>
+              <a:rPr lang="ko-KR" altLang="en-US" sz="1600" b="1" dirty="0"/>
+              <a:t>인 </a:t>
+            </a:r>
+            <a:r>
+              <a:rPr lang="en-US" altLang="ko-KR" sz="1600" b="1" dirty="0"/>
+              <a:t>Mitotic cell</a:t>
+            </a:r>
+            <a:r>
+              <a:rPr lang="ko-KR" altLang="en-US" sz="1600" b="1" dirty="0"/>
+              <a:t>의 경우 논문의 결과와 유사한 </a:t>
+            </a:r>
+            <a:r>
+              <a:rPr lang="en-US" altLang="ko-KR" sz="1600" b="1" dirty="0"/>
+              <a:t>accuracy</a:t>
+            </a:r>
+            <a:r>
+              <a:rPr lang="ko-KR" altLang="en-US" sz="1600" b="1" dirty="0"/>
+              <a:t>를 달성했지만 나머지의 경우는 크게 떨어진다</a:t>
+            </a:r>
+            <a:r>
+              <a:rPr lang="en-US" altLang="ko-KR" sz="1600" b="1" dirty="0"/>
+              <a:t>. -&gt; Background FN, FP</a:t>
+            </a:r>
+            <a:r>
+              <a:rPr lang="ko-KR" altLang="en-US" sz="1600" b="1" dirty="0"/>
+              <a:t>를 줄이는 방향으로 간다면 도달할 수 있을 것이라 생각된다</a:t>
+            </a:r>
+            <a:endParaRPr lang="en-US" altLang="ko-KR" sz="1600" b="1" dirty="0"/>
+          </a:p>
+          <a:p>
+            <a:pPr marL="285750" indent="-285750">
+              <a:buFontTx/>
+              <a:buChar char="-"/>
+            </a:pPr>
+            <a:endParaRPr lang="en-US" altLang="ko-KR" sz="1600" b="1" dirty="0"/>
+          </a:p>
+          <a:p>
+            <a:pPr lvl="1"/>
+            <a:endParaRPr lang="en-US" altLang="ko-KR" sz="1600" b="1" dirty="0"/>
           </a:p>
         </p:txBody>
       </p:sp>
     </p:spTree>
     <p:extLst>
       <p:ext uri="{BB962C8B-B14F-4D97-AF65-F5344CB8AC3E}">
-        <p14:creationId xmlns:p14="http://schemas.microsoft.com/office/powerpoint/2010/main" val="4208308462"/>
+        <p14:creationId xmlns:p14="http://schemas.microsoft.com/office/powerpoint/2010/main" val="3319792250"/>
       </p:ext>
     </p:extLst>
   </p:cSld>
@@ -4428,12 +4764,416 @@
           <a:chExt cx="0" cy="0"/>
         </a:xfrm>
       </p:grpSpPr>
+      <p:sp>
+        <p:nvSpPr>
+          <p:cNvPr id="4" name="TextBox 3">
+            <a:extLst>
+              <a:ext uri="{FF2B5EF4-FFF2-40B4-BE49-F238E27FC236}">
+                <a16:creationId xmlns:a16="http://schemas.microsoft.com/office/drawing/2014/main" id="{59012329-73EB-4EB4-8353-6CA1775A9755}"/>
+              </a:ext>
+            </a:extLst>
+          </p:cNvPr>
+          <p:cNvSpPr txBox="1"/>
+          <p:nvPr/>
+        </p:nvSpPr>
+        <p:spPr>
+          <a:xfrm>
+            <a:off x="733390" y="370905"/>
+            <a:ext cx="7663990" cy="584775"/>
+          </a:xfrm>
+          <a:prstGeom prst="rect">
+            <a:avLst/>
+          </a:prstGeom>
+          <a:noFill/>
+        </p:spPr>
+        <p:txBody>
+          <a:bodyPr wrap="square" rtlCol="0">
+            <a:spAutoFit/>
+          </a:bodyPr>
+          <a:lstStyle/>
+          <a:p>
+            <a:r>
+              <a:rPr lang="ko-KR" altLang="en-US" sz="3200" b="1" dirty="0"/>
+              <a:t>회고</a:t>
+            </a:r>
+            <a:endParaRPr lang="en-US" altLang="ko-KR" sz="3200" b="1" dirty="0"/>
+          </a:p>
+        </p:txBody>
+      </p:sp>
+      <p:sp>
+        <p:nvSpPr>
+          <p:cNvPr id="5" name="TextBox 4">
+            <a:extLst>
+              <a:ext uri="{FF2B5EF4-FFF2-40B4-BE49-F238E27FC236}">
+                <a16:creationId xmlns:a16="http://schemas.microsoft.com/office/drawing/2014/main" id="{6BBD39D4-A9DF-4488-A399-EAAB82ECDF80}"/>
+              </a:ext>
+            </a:extLst>
+          </p:cNvPr>
+          <p:cNvSpPr txBox="1"/>
+          <p:nvPr/>
+        </p:nvSpPr>
+        <p:spPr>
+          <a:xfrm>
+            <a:off x="733390" y="1751469"/>
+            <a:ext cx="10687646" cy="2062103"/>
+          </a:xfrm>
+          <a:prstGeom prst="rect">
+            <a:avLst/>
+          </a:prstGeom>
+          <a:noFill/>
+        </p:spPr>
+        <p:txBody>
+          <a:bodyPr wrap="square" rtlCol="0">
+            <a:spAutoFit/>
+          </a:bodyPr>
+          <a:lstStyle/>
+          <a:p>
+            <a:pPr marL="285750" indent="-285750">
+              <a:buFontTx/>
+              <a:buChar char="-"/>
+            </a:pPr>
+            <a:r>
+              <a:rPr lang="ko-KR" altLang="en-US" sz="1600" b="1" dirty="0"/>
+              <a:t>원본이 </a:t>
+            </a:r>
+            <a:r>
+              <a:rPr lang="en-US" altLang="ko-KR" sz="1600" b="1" dirty="0"/>
+              <a:t>.</a:t>
+            </a:r>
+            <a:r>
+              <a:rPr lang="en-US" altLang="ko-KR" sz="1600" b="1" dirty="0" err="1"/>
+              <a:t>dcm</a:t>
+            </a:r>
+            <a:r>
+              <a:rPr lang="ko-KR" altLang="en-US" sz="1600" b="1" dirty="0"/>
+              <a:t>파일이었는데 해당 파일을 </a:t>
+            </a:r>
+            <a:r>
+              <a:rPr lang="en-US" altLang="ko-KR" sz="1600" b="1" dirty="0" err="1"/>
+              <a:t>png</a:t>
+            </a:r>
+            <a:r>
+              <a:rPr lang="ko-KR" altLang="en-US" sz="1600" b="1" dirty="0"/>
+              <a:t>파일로 </a:t>
+            </a:r>
+            <a:r>
+              <a:rPr lang="en-US" altLang="ko-KR" sz="1600" b="1" dirty="0"/>
+              <a:t>tiling</a:t>
+            </a:r>
+            <a:r>
+              <a:rPr lang="ko-KR" altLang="en-US" sz="1600" b="1" dirty="0" err="1"/>
+              <a:t>할때</a:t>
+            </a:r>
+            <a:r>
+              <a:rPr lang="ko-KR" altLang="en-US" sz="1600" b="1" dirty="0"/>
+              <a:t> 짧으면 </a:t>
+            </a:r>
+            <a:r>
+              <a:rPr lang="en-US" altLang="ko-KR" sz="1600" b="1" dirty="0"/>
+              <a:t>2</a:t>
+            </a:r>
+            <a:r>
+              <a:rPr lang="ko-KR" altLang="en-US" sz="1600" b="1" dirty="0"/>
+              <a:t>시간 </a:t>
+            </a:r>
+            <a:r>
+              <a:rPr lang="en-US" altLang="ko-KR" sz="1600" b="1" dirty="0"/>
+              <a:t>~ </a:t>
+            </a:r>
+            <a:r>
+              <a:rPr lang="ko-KR" altLang="en-US" sz="1600" b="1" dirty="0"/>
+              <a:t>길면 </a:t>
+            </a:r>
+            <a:r>
+              <a:rPr lang="en-US" altLang="ko-KR" sz="1600" b="1" dirty="0"/>
+              <a:t>12</a:t>
+            </a:r>
+            <a:r>
+              <a:rPr lang="ko-KR" altLang="en-US" sz="1600" b="1" dirty="0"/>
+              <a:t>시간까지 소요됐다</a:t>
+            </a:r>
+            <a:r>
+              <a:rPr lang="en-US" altLang="ko-KR" sz="1600" b="1" dirty="0"/>
+              <a:t>. </a:t>
+            </a:r>
+            <a:r>
+              <a:rPr lang="ko-KR" altLang="en-US" sz="1600" b="1" dirty="0"/>
+              <a:t>코드를 최적화 시키며 많이 나아 졌지만 초반에 이때문에 시간이 많이 소요됐고</a:t>
+            </a:r>
+            <a:r>
+              <a:rPr lang="en-US" altLang="ko-KR" sz="1600" b="1" dirty="0"/>
+              <a:t>, </a:t>
+            </a:r>
+            <a:r>
+              <a:rPr lang="ko-KR" altLang="en-US" sz="1600" b="1" dirty="0"/>
+              <a:t>미리 </a:t>
+            </a:r>
+            <a:r>
+              <a:rPr lang="en-US" altLang="ko-KR" sz="1600" b="1" dirty="0"/>
+              <a:t>train set </a:t>
+            </a:r>
+            <a:r>
+              <a:rPr lang="ko-KR" altLang="en-US" sz="1600" b="1" dirty="0"/>
+              <a:t>생성 모듈을 완벽하게 만들어 놓는 것에 대한 필요성을 많이 느낄 수 있었다</a:t>
+            </a:r>
+            <a:r>
+              <a:rPr lang="en-US" altLang="ko-KR" sz="1600" b="1" dirty="0"/>
+              <a:t>.</a:t>
+            </a:r>
+          </a:p>
+          <a:p>
+            <a:pPr marL="285750" indent="-285750">
+              <a:buFontTx/>
+              <a:buChar char="-"/>
+            </a:pPr>
+            <a:endParaRPr lang="en-US" altLang="ko-KR" sz="1600" b="1" dirty="0"/>
+          </a:p>
+          <a:p>
+            <a:pPr marL="285750" indent="-285750">
+              <a:buFontTx/>
+              <a:buChar char="-"/>
+            </a:pPr>
+            <a:r>
+              <a:rPr lang="ko-KR" altLang="en-US" sz="1600" b="1" dirty="0"/>
+              <a:t>이번 프로젝트에서는 한 모델만 가지고 </a:t>
+            </a:r>
+            <a:r>
+              <a:rPr lang="ko-KR" altLang="en-US" sz="1600" b="1" dirty="0" err="1"/>
+              <a:t>하이퍼파라메터와</a:t>
+            </a:r>
+            <a:r>
+              <a:rPr lang="ko-KR" altLang="en-US" sz="1600" b="1" dirty="0"/>
+              <a:t> </a:t>
+            </a:r>
+            <a:r>
+              <a:rPr lang="en-US" altLang="ko-KR" sz="1600" b="1" dirty="0"/>
+              <a:t>trainset</a:t>
+            </a:r>
+            <a:r>
+              <a:rPr lang="ko-KR" altLang="en-US" sz="1600" b="1" dirty="0"/>
+              <a:t>만 바꿔가며 학습시켰는데</a:t>
+            </a:r>
+            <a:r>
+              <a:rPr lang="en-US" altLang="ko-KR" sz="1600" b="1" dirty="0"/>
+              <a:t> </a:t>
+            </a:r>
+            <a:r>
+              <a:rPr lang="ko-KR" altLang="en-US" sz="1600" b="1" dirty="0"/>
+              <a:t>만족스런 결과는 나오지 않았다</a:t>
+            </a:r>
+            <a:r>
+              <a:rPr lang="en-US" altLang="ko-KR" sz="1600" b="1" dirty="0"/>
+              <a:t>. </a:t>
+            </a:r>
+            <a:r>
+              <a:rPr lang="ko-KR" altLang="en-US" sz="1600" b="1" dirty="0"/>
+              <a:t>더 많은 모델을 가용해서 학습시켜볼 필요성이 있다</a:t>
+            </a:r>
+            <a:r>
+              <a:rPr lang="en-US" altLang="ko-KR" sz="1600" b="1" dirty="0"/>
+              <a:t>.</a:t>
+            </a:r>
+          </a:p>
+          <a:p>
+            <a:pPr marL="285750" indent="-285750">
+              <a:buFontTx/>
+              <a:buChar char="-"/>
+            </a:pPr>
+            <a:endParaRPr lang="en-US" altLang="ko-KR" sz="1600" b="1" dirty="0"/>
+          </a:p>
+          <a:p>
+            <a:pPr marL="285750" indent="-285750">
+              <a:buFontTx/>
+              <a:buChar char="-"/>
+            </a:pPr>
+            <a:r>
+              <a:rPr lang="ko-KR" altLang="en-US" sz="1600" b="1" dirty="0"/>
+              <a:t>익숙하지 않은 </a:t>
+            </a:r>
+            <a:r>
+              <a:rPr lang="en-US" altLang="ko-KR" sz="1600" b="1" dirty="0"/>
+              <a:t>domain</a:t>
+            </a:r>
+            <a:r>
+              <a:rPr lang="ko-KR" altLang="en-US" sz="1600" b="1" dirty="0"/>
+              <a:t>이어서 그런지 초반 갈피를 잡는데 시간이 많이 걸렸다</a:t>
+            </a:r>
+            <a:r>
+              <a:rPr lang="en-US" altLang="ko-KR" sz="1600" b="1" dirty="0"/>
+              <a:t>.</a:t>
+            </a:r>
+          </a:p>
+        </p:txBody>
+      </p:sp>
+    </p:spTree>
+    <p:extLst>
+      <p:ext uri="{BB962C8B-B14F-4D97-AF65-F5344CB8AC3E}">
+        <p14:creationId xmlns:p14="http://schemas.microsoft.com/office/powerpoint/2010/main" val="553068865"/>
+      </p:ext>
+    </p:extLst>
+  </p:cSld>
+  <p:clrMapOvr>
+    <a:masterClrMapping/>
+  </p:clrMapOvr>
+</p:sld>
+</file>
+
+<file path=ppt/slides/slide15.xml><?xml version="1.0" encoding="utf-8"?>
+<p:sld xmlns:a="http://schemas.openxmlformats.org/drawingml/2006/main" xmlns:r="http://schemas.openxmlformats.org/officeDocument/2006/relationships" xmlns:p="http://schemas.openxmlformats.org/presentationml/2006/main">
+  <p:cSld>
+    <p:spTree>
+      <p:nvGrpSpPr>
+        <p:cNvPr id="1" name=""/>
+        <p:cNvGrpSpPr/>
+        <p:nvPr/>
+      </p:nvGrpSpPr>
+      <p:grpSpPr>
+        <a:xfrm>
+          <a:off x="0" y="0"/>
+          <a:ext cx="0" cy="0"/>
+          <a:chOff x="0" y="0"/>
+          <a:chExt cx="0" cy="0"/>
+        </a:xfrm>
+      </p:grpSpPr>
+      <p:sp>
+        <p:nvSpPr>
+          <p:cNvPr id="5" name="TextBox 4">
+            <a:extLst>
+              <a:ext uri="{FF2B5EF4-FFF2-40B4-BE49-F238E27FC236}">
+                <a16:creationId xmlns:a16="http://schemas.microsoft.com/office/drawing/2014/main" id="{42371601-B9F2-4BB4-BCEB-1B99B7EA1AFD}"/>
+              </a:ext>
+            </a:extLst>
+          </p:cNvPr>
+          <p:cNvSpPr txBox="1"/>
+          <p:nvPr/>
+        </p:nvSpPr>
+        <p:spPr>
+          <a:xfrm>
+            <a:off x="711294" y="481897"/>
+            <a:ext cx="7915835" cy="3416320"/>
+          </a:xfrm>
+          <a:prstGeom prst="rect">
+            <a:avLst/>
+          </a:prstGeom>
+          <a:noFill/>
+        </p:spPr>
+        <p:txBody>
+          <a:bodyPr wrap="square">
+            <a:spAutoFit/>
+          </a:bodyPr>
+          <a:lstStyle/>
+          <a:p>
+            <a:r>
+              <a:rPr lang="ko-KR" altLang="en-US" sz="2400" b="1" dirty="0"/>
+              <a:t>서비스화</a:t>
+            </a:r>
+            <a:endParaRPr lang="en-US" altLang="ko-KR" sz="2400" b="1" dirty="0"/>
+          </a:p>
+          <a:p>
+            <a:endParaRPr lang="en-US" altLang="ko-KR" sz="2400" b="1" dirty="0"/>
+          </a:p>
+          <a:p>
+            <a:r>
+              <a:rPr lang="ko-KR" altLang="en-US" sz="2400" b="1" dirty="0"/>
+              <a:t>개 비만 세포 종양 (CMCT)</a:t>
+            </a:r>
+          </a:p>
+          <a:p>
+            <a:r>
+              <a:rPr lang="ko-KR" altLang="en-US" b="1" dirty="0"/>
+              <a:t>예후, 기수 판별에 MC(</a:t>
+            </a:r>
+            <a:r>
+              <a:rPr lang="ko-KR" altLang="en-US" b="1" dirty="0" err="1"/>
+              <a:t>Mitotic</a:t>
+            </a:r>
+            <a:r>
+              <a:rPr lang="ko-KR" altLang="en-US" b="1" dirty="0"/>
+              <a:t> </a:t>
+            </a:r>
+            <a:r>
+              <a:rPr lang="ko-KR" altLang="en-US" b="1" dirty="0" err="1"/>
+              <a:t>count</a:t>
+            </a:r>
+            <a:r>
+              <a:rPr lang="ko-KR" altLang="en-US" b="1" dirty="0"/>
+              <a:t>)가 주요 요소로 작용</a:t>
+            </a:r>
+          </a:p>
+          <a:p>
+            <a:pPr lvl="1"/>
+            <a:r>
+              <a:rPr lang="ko-KR" altLang="en-US" dirty="0"/>
+              <a:t> </a:t>
+            </a:r>
+          </a:p>
+          <a:p>
+            <a:pPr lvl="1"/>
+            <a:endParaRPr lang="en-US" altLang="ko-KR" dirty="0"/>
+          </a:p>
+          <a:p>
+            <a:pPr lvl="1"/>
+            <a:r>
+              <a:rPr lang="ko-KR" altLang="en-US" b="1" dirty="0"/>
+              <a:t>MC - 현미경 10배율 당 유사분열체 수</a:t>
+            </a:r>
+          </a:p>
+          <a:p>
+            <a:pPr lvl="1"/>
+            <a:r>
+              <a:rPr lang="ko-KR" altLang="en-US" dirty="0" err="1"/>
+              <a:t>AgNOR</a:t>
+            </a:r>
+            <a:r>
+              <a:rPr lang="ko-KR" altLang="en-US" dirty="0"/>
+              <a:t> - 세포주기 진행속도</a:t>
+            </a:r>
+          </a:p>
+          <a:p>
+            <a:pPr lvl="1"/>
+            <a:r>
+              <a:rPr lang="ko-KR" altLang="en-US" dirty="0"/>
+              <a:t>Ni67 - 성장을 식별하는 면역조직화학(IHC)방법 분수</a:t>
+            </a:r>
+          </a:p>
+          <a:p>
+            <a:pPr lvl="1"/>
+            <a:r>
+              <a:rPr lang="ko-KR" altLang="en-US" dirty="0"/>
+              <a:t>AG67 - </a:t>
+            </a:r>
+            <a:r>
+              <a:rPr lang="ko-KR" altLang="en-US" dirty="0" err="1"/>
+              <a:t>AgNor</a:t>
+            </a:r>
+            <a:r>
+              <a:rPr lang="ko-KR" altLang="en-US" dirty="0"/>
+              <a:t>, Ni67 측정에서 </a:t>
+            </a:r>
+            <a:r>
+              <a:rPr lang="ko-KR" altLang="en-US" dirty="0" err="1"/>
+              <a:t>얻을수</a:t>
+            </a:r>
+            <a:r>
+              <a:rPr lang="ko-KR" altLang="en-US" dirty="0"/>
+              <a:t> 있는 인자</a:t>
+            </a:r>
+          </a:p>
+          <a:p>
+            <a:pPr lvl="1"/>
+            <a:r>
+              <a:rPr lang="ko-KR" altLang="en-US" dirty="0"/>
+              <a:t>...</a:t>
+            </a:r>
+          </a:p>
+        </p:txBody>
+      </p:sp>
       <p:pic>
         <p:nvPicPr>
-          <p:cNvPr id="7" name="그림 6">
-            <a:extLst>
-              <a:ext uri="{FF2B5EF4-FFF2-40B4-BE49-F238E27FC236}">
-                <a16:creationId xmlns:a16="http://schemas.microsoft.com/office/drawing/2014/main" id="{52C50A1C-0379-4C9D-86DA-BE5269178CE5}"/>
+          <p:cNvPr id="6" name="그림 5">
+            <a:extLst>
+              <a:ext uri="{FF2B5EF4-FFF2-40B4-BE49-F238E27FC236}">
+                <a16:creationId xmlns:a16="http://schemas.microsoft.com/office/drawing/2014/main" id="{97E2D630-FCE7-47C8-9F18-111D11853F51}"/>
               </a:ext>
             </a:extLst>
           </p:cNvPr>
@@ -4450,8 +5190,98 @@
         </p:blipFill>
         <p:spPr>
           <a:xfrm>
-            <a:off x="815788" y="2163176"/>
-            <a:ext cx="7811060" cy="2531648"/>
+            <a:off x="818870" y="4326797"/>
+            <a:ext cx="10554260" cy="1826072"/>
+          </a:xfrm>
+          <a:prstGeom prst="rect">
+            <a:avLst/>
+          </a:prstGeom>
+        </p:spPr>
+      </p:pic>
+    </p:spTree>
+    <p:extLst>
+      <p:ext uri="{BB962C8B-B14F-4D97-AF65-F5344CB8AC3E}">
+        <p14:creationId xmlns:p14="http://schemas.microsoft.com/office/powerpoint/2010/main" val="366933108"/>
+      </p:ext>
+    </p:extLst>
+  </p:cSld>
+  <p:clrMapOvr>
+    <a:masterClrMapping/>
+  </p:clrMapOvr>
+</p:sld>
+</file>
+
+<file path=ppt/slides/slide16.xml><?xml version="1.0" encoding="utf-8"?>
+<p:sld xmlns:a="http://schemas.openxmlformats.org/drawingml/2006/main" xmlns:r="http://schemas.openxmlformats.org/officeDocument/2006/relationships" xmlns:p="http://schemas.openxmlformats.org/presentationml/2006/main">
+  <p:cSld>
+    <p:spTree>
+      <p:nvGrpSpPr>
+        <p:cNvPr id="1" name=""/>
+        <p:cNvGrpSpPr/>
+        <p:nvPr/>
+      </p:nvGrpSpPr>
+      <p:grpSpPr>
+        <a:xfrm>
+          <a:off x="0" y="0"/>
+          <a:ext cx="0" cy="0"/>
+          <a:chOff x="0" y="0"/>
+          <a:chExt cx="0" cy="0"/>
+        </a:xfrm>
+      </p:grpSpPr>
+      <p:pic>
+        <p:nvPicPr>
+          <p:cNvPr id="5" name="그림 4" descr="텍스트이(가) 표시된 사진&#10;&#10;자동 생성된 설명">
+            <a:extLst>
+              <a:ext uri="{FF2B5EF4-FFF2-40B4-BE49-F238E27FC236}">
+                <a16:creationId xmlns:a16="http://schemas.microsoft.com/office/drawing/2014/main" id="{2CBA8066-4E1F-4755-BE8A-82348FB45F0F}"/>
+              </a:ext>
+            </a:extLst>
+          </p:cNvPr>
+          <p:cNvPicPr>
+            <a:picLocks noChangeAspect="1"/>
+          </p:cNvPicPr>
+          <p:nvPr/>
+        </p:nvPicPr>
+        <p:blipFill>
+          <a:blip r:embed="rId2"/>
+          <a:stretch>
+            <a:fillRect/>
+          </a:stretch>
+        </p:blipFill>
+        <p:spPr>
+          <a:xfrm>
+            <a:off x="709284" y="3747052"/>
+            <a:ext cx="5810250" cy="2124075"/>
+          </a:xfrm>
+          <a:prstGeom prst="rect">
+            <a:avLst/>
+          </a:prstGeom>
+        </p:spPr>
+      </p:pic>
+      <p:pic>
+        <p:nvPicPr>
+          <p:cNvPr id="6" name="그림 5" descr="텍스트이(가) 표시된 사진&#10;&#10;자동 생성된 설명">
+            <a:extLst>
+              <a:ext uri="{FF2B5EF4-FFF2-40B4-BE49-F238E27FC236}">
+                <a16:creationId xmlns:a16="http://schemas.microsoft.com/office/drawing/2014/main" id="{619BBC28-D851-4F92-ACEF-AE3F607C8182}"/>
+              </a:ext>
+            </a:extLst>
+          </p:cNvPr>
+          <p:cNvPicPr>
+            <a:picLocks noChangeAspect="1"/>
+          </p:cNvPicPr>
+          <p:nvPr/>
+        </p:nvPicPr>
+        <p:blipFill>
+          <a:blip r:embed="rId3"/>
+          <a:stretch>
+            <a:fillRect/>
+          </a:stretch>
+        </p:blipFill>
+        <p:spPr>
+          <a:xfrm>
+            <a:off x="598783" y="2309979"/>
+            <a:ext cx="7062788" cy="1282847"/>
           </a:xfrm>
           <a:prstGeom prst="rect">
             <a:avLst/>
@@ -4460,10 +5290,10 @@
       </p:pic>
       <p:sp>
         <p:nvSpPr>
-          <p:cNvPr id="8" name="TextBox 7">
-            <a:extLst>
-              <a:ext uri="{FF2B5EF4-FFF2-40B4-BE49-F238E27FC236}">
-                <a16:creationId xmlns:a16="http://schemas.microsoft.com/office/drawing/2014/main" id="{517B3557-8AE8-4FA4-82DA-550A87889C3E}"/>
+          <p:cNvPr id="7" name="TextBox 6">
+            <a:extLst>
+              <a:ext uri="{FF2B5EF4-FFF2-40B4-BE49-F238E27FC236}">
+                <a16:creationId xmlns:a16="http://schemas.microsoft.com/office/drawing/2014/main" id="{01A9E543-DABC-41BC-A334-8C0788E5A1B4}"/>
               </a:ext>
             </a:extLst>
           </p:cNvPr>
@@ -4472,8 +5302,60 @@
         </p:nvSpPr>
         <p:spPr>
           <a:xfrm>
-            <a:off x="815788" y="580508"/>
-            <a:ext cx="7915835" cy="646331"/>
+            <a:off x="7894190" y="3747052"/>
+            <a:ext cx="2838450" cy="646331"/>
+          </a:xfrm>
+          <a:prstGeom prst="rect">
+            <a:avLst/>
+          </a:prstGeom>
+          <a:noFill/>
+        </p:spPr>
+        <p:txBody>
+          <a:bodyPr wrap="square" rtlCol="0">
+            <a:spAutoFit/>
+          </a:bodyPr>
+          <a:lstStyle/>
+          <a:p>
+            <a:r>
+              <a:rPr lang="en-US" altLang="ko-KR" dirty="0"/>
+              <a:t>640 x 640</a:t>
+            </a:r>
+            <a:r>
+              <a:rPr lang="ko-KR" altLang="en-US" dirty="0"/>
+              <a:t>당 평균 몇 개의 </a:t>
+            </a:r>
+            <a:r>
+              <a:rPr lang="en-US" altLang="ko-KR" dirty="0"/>
+              <a:t>Mitotic cell </a:t>
+            </a:r>
+            <a:r>
+              <a:rPr lang="ko-KR" altLang="en-US" dirty="0"/>
+              <a:t>이 있는가</a:t>
+            </a:r>
+            <a:r>
+              <a:rPr lang="en-US" altLang="ko-KR" dirty="0"/>
+              <a:t>?</a:t>
+            </a:r>
+            <a:endParaRPr lang="ko-KR" altLang="en-US" dirty="0"/>
+          </a:p>
+        </p:txBody>
+      </p:sp>
+      <p:sp>
+        <p:nvSpPr>
+          <p:cNvPr id="8" name="TextBox 7">
+            <a:extLst>
+              <a:ext uri="{FF2B5EF4-FFF2-40B4-BE49-F238E27FC236}">
+                <a16:creationId xmlns:a16="http://schemas.microsoft.com/office/drawing/2014/main" id="{6F436CDC-80A1-4A39-BA59-E91EF2702634}"/>
+              </a:ext>
+            </a:extLst>
+          </p:cNvPr>
+          <p:cNvSpPr txBox="1"/>
+          <p:nvPr/>
+        </p:nvSpPr>
+        <p:spPr>
+          <a:xfrm>
+            <a:off x="709284" y="479041"/>
+            <a:ext cx="7915835" cy="1846659"/>
           </a:xfrm>
           <a:prstGeom prst="rect">
             <a:avLst/>
@@ -4487,6 +5369,254 @@
           <a:lstStyle/>
           <a:p>
             <a:r>
+              <a:rPr lang="ko-KR" altLang="en-US" sz="2400" b="1" dirty="0"/>
+              <a:t>서비스화</a:t>
+            </a:r>
+            <a:endParaRPr lang="en-US" altLang="ko-KR" sz="2400" b="1" dirty="0"/>
+          </a:p>
+          <a:p>
+            <a:endParaRPr lang="en-US" altLang="ko-KR" b="1" dirty="0"/>
+          </a:p>
+          <a:p>
+            <a:r>
+              <a:rPr lang="ko-KR" altLang="en-US" b="1" dirty="0"/>
+              <a:t>현재 데이터에서 </a:t>
+            </a:r>
+            <a:r>
+              <a:rPr lang="en-US" altLang="ko-KR" b="1" dirty="0"/>
+              <a:t>MC(Mitotic</a:t>
+            </a:r>
+            <a:r>
+              <a:rPr lang="ko-KR" altLang="en-US" b="1" dirty="0"/>
+              <a:t> </a:t>
+            </a:r>
+            <a:r>
+              <a:rPr lang="en-US" altLang="ko-KR" b="1" dirty="0"/>
+              <a:t>count)</a:t>
+            </a:r>
+            <a:r>
+              <a:rPr lang="ko-KR" altLang="en-US" b="1" dirty="0"/>
+              <a:t> 측정</a:t>
+            </a:r>
+            <a:endParaRPr lang="en-US" altLang="ko-KR" b="1" dirty="0"/>
+          </a:p>
+          <a:p>
+            <a:endParaRPr lang="en-US" altLang="ko-KR" b="1" dirty="0"/>
+          </a:p>
+          <a:p>
+            <a:r>
+              <a:rPr lang="ko-KR" altLang="en-US" dirty="0"/>
+              <a:t>해당 데이터셋의 경우 </a:t>
+            </a:r>
+            <a:r>
+              <a:rPr lang="en-US" altLang="ko-KR" dirty="0"/>
+              <a:t>640 * 640</a:t>
+            </a:r>
+            <a:r>
+              <a:rPr lang="ko-KR" altLang="en-US" dirty="0"/>
+              <a:t>사이즈로 잘랐을 때 평균 몇 개의 </a:t>
+            </a:r>
+            <a:r>
+              <a:rPr lang="en-US" altLang="ko-KR" dirty="0"/>
+              <a:t>Mitotic cell</a:t>
+            </a:r>
+            <a:r>
+              <a:rPr lang="ko-KR" altLang="en-US" dirty="0"/>
+              <a:t>이 관측되는지 계산하면 </a:t>
+            </a:r>
+            <a:r>
+              <a:rPr lang="en-US" altLang="ko-KR" dirty="0"/>
+              <a:t>MC</a:t>
+            </a:r>
+            <a:r>
+              <a:rPr lang="ko-KR" altLang="en-US" dirty="0"/>
+              <a:t>를 얻을 수 있다</a:t>
+            </a:r>
+            <a:r>
+              <a:rPr lang="en-US" altLang="ko-KR" dirty="0"/>
+              <a:t>.</a:t>
+            </a:r>
+            <a:endParaRPr lang="ko-KR" altLang="en-US" dirty="0"/>
+          </a:p>
+        </p:txBody>
+      </p:sp>
+      <p:cxnSp>
+        <p:nvCxnSpPr>
+          <p:cNvPr id="3" name="직선 화살표 연결선 2">
+            <a:extLst>
+              <a:ext uri="{FF2B5EF4-FFF2-40B4-BE49-F238E27FC236}">
+                <a16:creationId xmlns:a16="http://schemas.microsoft.com/office/drawing/2014/main" id="{19B4AF3F-4195-4CE5-B756-68D3FDBFD9F7}"/>
+              </a:ext>
+            </a:extLst>
+          </p:cNvPr>
+          <p:cNvCxnSpPr/>
+          <p:nvPr/>
+        </p:nvCxnSpPr>
+        <p:spPr>
+          <a:xfrm>
+            <a:off x="7010400" y="3429000"/>
+            <a:ext cx="762000" cy="407894"/>
+          </a:xfrm>
+          <a:prstGeom prst="straightConnector1">
+            <a:avLst/>
+          </a:prstGeom>
+          <a:ln>
+            <a:tailEnd type="triangle"/>
+          </a:ln>
+        </p:spPr>
+        <p:style>
+          <a:lnRef idx="1">
+            <a:schemeClr val="accent1"/>
+          </a:lnRef>
+          <a:fillRef idx="0">
+            <a:schemeClr val="accent1"/>
+          </a:fillRef>
+          <a:effectRef idx="0">
+            <a:schemeClr val="accent1"/>
+          </a:effectRef>
+          <a:fontRef idx="minor">
+            <a:schemeClr val="tx1"/>
+          </a:fontRef>
+        </p:style>
+      </p:cxnSp>
+      <p:cxnSp>
+        <p:nvCxnSpPr>
+          <p:cNvPr id="9" name="직선 화살표 연결선 8">
+            <a:extLst>
+              <a:ext uri="{FF2B5EF4-FFF2-40B4-BE49-F238E27FC236}">
+                <a16:creationId xmlns:a16="http://schemas.microsoft.com/office/drawing/2014/main" id="{555A8DC9-95A5-43C6-9115-34822F24B034}"/>
+              </a:ext>
+            </a:extLst>
+          </p:cNvPr>
+          <p:cNvCxnSpPr/>
+          <p:nvPr/>
+        </p:nvCxnSpPr>
+        <p:spPr>
+          <a:xfrm flipV="1">
+            <a:off x="7082118" y="4303059"/>
+            <a:ext cx="708211" cy="286870"/>
+          </a:xfrm>
+          <a:prstGeom prst="straightConnector1">
+            <a:avLst/>
+          </a:prstGeom>
+          <a:ln>
+            <a:tailEnd type="triangle"/>
+          </a:ln>
+        </p:spPr>
+        <p:style>
+          <a:lnRef idx="1">
+            <a:schemeClr val="accent1"/>
+          </a:lnRef>
+          <a:fillRef idx="0">
+            <a:schemeClr val="accent1"/>
+          </a:fillRef>
+          <a:effectRef idx="0">
+            <a:schemeClr val="accent1"/>
+          </a:effectRef>
+          <a:fontRef idx="minor">
+            <a:schemeClr val="tx1"/>
+          </a:fontRef>
+        </p:style>
+      </p:cxnSp>
+    </p:spTree>
+    <p:extLst>
+      <p:ext uri="{BB962C8B-B14F-4D97-AF65-F5344CB8AC3E}">
+        <p14:creationId xmlns:p14="http://schemas.microsoft.com/office/powerpoint/2010/main" val="4208308462"/>
+      </p:ext>
+    </p:extLst>
+  </p:cSld>
+  <p:clrMapOvr>
+    <a:masterClrMapping/>
+  </p:clrMapOvr>
+</p:sld>
+</file>
+
+<file path=ppt/slides/slide17.xml><?xml version="1.0" encoding="utf-8"?>
+<p:sld xmlns:a="http://schemas.openxmlformats.org/drawingml/2006/main" xmlns:r="http://schemas.openxmlformats.org/officeDocument/2006/relationships" xmlns:p="http://schemas.openxmlformats.org/presentationml/2006/main">
+  <p:cSld>
+    <p:spTree>
+      <p:nvGrpSpPr>
+        <p:cNvPr id="1" name=""/>
+        <p:cNvGrpSpPr/>
+        <p:nvPr/>
+      </p:nvGrpSpPr>
+      <p:grpSpPr>
+        <a:xfrm>
+          <a:off x="0" y="0"/>
+          <a:ext cx="0" cy="0"/>
+          <a:chOff x="0" y="0"/>
+          <a:chExt cx="0" cy="0"/>
+        </a:xfrm>
+      </p:grpSpPr>
+      <p:pic>
+        <p:nvPicPr>
+          <p:cNvPr id="7" name="그림 6">
+            <a:extLst>
+              <a:ext uri="{FF2B5EF4-FFF2-40B4-BE49-F238E27FC236}">
+                <a16:creationId xmlns:a16="http://schemas.microsoft.com/office/drawing/2014/main" id="{52C50A1C-0379-4C9D-86DA-BE5269178CE5}"/>
+              </a:ext>
+            </a:extLst>
+          </p:cNvPr>
+          <p:cNvPicPr>
+            <a:picLocks noChangeAspect="1"/>
+          </p:cNvPicPr>
+          <p:nvPr/>
+        </p:nvPicPr>
+        <p:blipFill>
+          <a:blip r:embed="rId2"/>
+          <a:stretch>
+            <a:fillRect/>
+          </a:stretch>
+        </p:blipFill>
+        <p:spPr>
+          <a:xfrm>
+            <a:off x="1216397" y="3158259"/>
+            <a:ext cx="9423577" cy="3054282"/>
+          </a:xfrm>
+          <a:prstGeom prst="rect">
+            <a:avLst/>
+          </a:prstGeom>
+        </p:spPr>
+      </p:pic>
+      <p:sp>
+        <p:nvSpPr>
+          <p:cNvPr id="8" name="TextBox 7">
+            <a:extLst>
+              <a:ext uri="{FF2B5EF4-FFF2-40B4-BE49-F238E27FC236}">
+                <a16:creationId xmlns:a16="http://schemas.microsoft.com/office/drawing/2014/main" id="{517B3557-8AE8-4FA4-82DA-550A87889C3E}"/>
+              </a:ext>
+            </a:extLst>
+          </p:cNvPr>
+          <p:cNvSpPr txBox="1"/>
+          <p:nvPr/>
+        </p:nvSpPr>
+        <p:spPr>
+          <a:xfrm>
+            <a:off x="815788" y="481896"/>
+            <a:ext cx="10004612" cy="2400657"/>
+          </a:xfrm>
+          <a:prstGeom prst="rect">
+            <a:avLst/>
+          </a:prstGeom>
+          <a:noFill/>
+        </p:spPr>
+        <p:txBody>
+          <a:bodyPr wrap="square">
+            <a:spAutoFit/>
+          </a:bodyPr>
+          <a:lstStyle/>
+          <a:p>
+            <a:r>
+              <a:rPr lang="ko-KR" altLang="en-US" sz="2400" b="1" dirty="0"/>
+              <a:t>서비스화</a:t>
+            </a:r>
+            <a:endParaRPr lang="en-US" altLang="ko-KR" sz="2400" b="1" dirty="0"/>
+          </a:p>
+          <a:p>
+            <a:endParaRPr lang="en-US" altLang="ko-KR" b="1" dirty="0"/>
+          </a:p>
+          <a:p>
+            <a:r>
               <a:rPr lang="ko-KR" altLang="en-US" b="1" dirty="0"/>
               <a:t>특정 범위에 </a:t>
             </a:r>
@@ -4507,16 +5637,80 @@
             </a:r>
             <a:r>
               <a:rPr lang="ko-KR" altLang="en-US" dirty="0"/>
-              <a:t> </a:t>
+              <a:t> 모든 이미지를 </a:t>
             </a:r>
             <a:r>
               <a:rPr lang="en-US" altLang="ko-KR" dirty="0"/>
-              <a:t>MC</a:t>
+              <a:t>tiling</a:t>
             </a:r>
             <a:r>
               <a:rPr lang="ko-KR" altLang="en-US" dirty="0"/>
-              <a:t> 분포 시각화</a:t>
-            </a:r>
+              <a:t>하여 </a:t>
+            </a:r>
+            <a:r>
+              <a:rPr lang="en-US" altLang="ko-KR" dirty="0"/>
+              <a:t>detection</a:t>
+            </a:r>
+            <a:r>
+              <a:rPr lang="ko-KR" altLang="en-US" dirty="0"/>
+              <a:t>시키고</a:t>
+            </a:r>
+            <a:r>
+              <a:rPr lang="en-US" altLang="ko-KR" dirty="0"/>
+              <a:t>, Mitotic cell</a:t>
+            </a:r>
+            <a:r>
+              <a:rPr lang="ko-KR" altLang="en-US" dirty="0"/>
+              <a:t>이 검출된 </a:t>
+            </a:r>
+            <a:r>
+              <a:rPr lang="en-US" altLang="ko-KR" dirty="0"/>
+              <a:t>tile</a:t>
+            </a:r>
+            <a:r>
+              <a:rPr lang="ko-KR" altLang="en-US" dirty="0"/>
+              <a:t>을 표시하여 아래 이미지와 같이 표시할 수 있다</a:t>
+            </a:r>
+            <a:r>
+              <a:rPr lang="en-US" altLang="ko-KR" dirty="0"/>
+              <a:t>.</a:t>
+            </a:r>
+          </a:p>
+          <a:p>
+            <a:pPr lvl="1"/>
+            <a:endParaRPr lang="en-US" altLang="ko-KR" dirty="0"/>
+          </a:p>
+          <a:p>
+            <a:pPr lvl="1"/>
+            <a:r>
+              <a:rPr lang="en-US" altLang="ko-KR" dirty="0"/>
+              <a:t>-&gt; </a:t>
+            </a:r>
+            <a:r>
+              <a:rPr lang="ko-KR" altLang="en-US" dirty="0"/>
+              <a:t>의사가 각 </a:t>
+            </a:r>
+            <a:r>
+              <a:rPr lang="en-US" altLang="ko-KR" dirty="0"/>
+              <a:t>tile</a:t>
+            </a:r>
+            <a:r>
+              <a:rPr lang="ko-KR" altLang="en-US" dirty="0"/>
+              <a:t>을 직접 보고 하나하나 표시하지 않아도</a:t>
+            </a:r>
+            <a:r>
+              <a:rPr lang="en-US" altLang="ko-KR" dirty="0"/>
+              <a:t> MC</a:t>
+            </a:r>
+            <a:r>
+              <a:rPr lang="ko-KR" altLang="en-US" dirty="0"/>
+              <a:t>와 분포를 알 수 있으며 종양의 상태를 확인하는데 중요한 정보를 제공할 수 있다</a:t>
+            </a:r>
+            <a:r>
+              <a:rPr lang="en-US" altLang="ko-KR" dirty="0"/>
+              <a:t>.</a:t>
+            </a:r>
+            <a:endParaRPr lang="ko-KR" altLang="en-US" dirty="0"/>
           </a:p>
         </p:txBody>
       </p:sp>
@@ -4533,7 +5727,7 @@
 </p:sld>
 </file>
 
-<file path=ppt/slides/slide15.xml><?xml version="1.0" encoding="utf-8"?>
+<file path=ppt/slides/slide18.xml><?xml version="1.0" encoding="utf-8"?>
 <p:sld xmlns:a="http://schemas.openxmlformats.org/drawingml/2006/main" xmlns:r="http://schemas.openxmlformats.org/officeDocument/2006/relationships" xmlns:p="http://schemas.openxmlformats.org/presentationml/2006/main">
   <p:cSld>
     <p:spTree>
@@ -4864,288 +6058,6 @@
     <p:extLst>
       <p:ext uri="{BB962C8B-B14F-4D97-AF65-F5344CB8AC3E}">
         <p14:creationId xmlns:p14="http://schemas.microsoft.com/office/powerpoint/2010/main" val="554509317"/>
-      </p:ext>
-    </p:extLst>
-  </p:cSld>
-  <p:clrMapOvr>
-    <a:masterClrMapping/>
-  </p:clrMapOvr>
-</p:sld>
-</file>
-
-<file path=ppt/slides/slide16.xml><?xml version="1.0" encoding="utf-8"?>
-<p:sld xmlns:a="http://schemas.openxmlformats.org/drawingml/2006/main" xmlns:r="http://schemas.openxmlformats.org/officeDocument/2006/relationships" xmlns:p="http://schemas.openxmlformats.org/presentationml/2006/main">
-  <p:cSld>
-    <p:spTree>
-      <p:nvGrpSpPr>
-        <p:cNvPr id="1" name=""/>
-        <p:cNvGrpSpPr/>
-        <p:nvPr/>
-      </p:nvGrpSpPr>
-      <p:grpSpPr>
-        <a:xfrm>
-          <a:off x="0" y="0"/>
-          <a:ext cx="0" cy="0"/>
-          <a:chOff x="0" y="0"/>
-          <a:chExt cx="0" cy="0"/>
-        </a:xfrm>
-      </p:grpSpPr>
-      <p:sp>
-        <p:nvSpPr>
-          <p:cNvPr id="4" name="TextBox 3">
-            <a:extLst>
-              <a:ext uri="{FF2B5EF4-FFF2-40B4-BE49-F238E27FC236}">
-                <a16:creationId xmlns:a16="http://schemas.microsoft.com/office/drawing/2014/main" id="{92F8DAC5-4575-4671-8AC5-0BBB967E14D7}"/>
-              </a:ext>
-            </a:extLst>
-          </p:cNvPr>
-          <p:cNvSpPr txBox="1"/>
-          <p:nvPr/>
-        </p:nvSpPr>
-        <p:spPr>
-          <a:xfrm>
-            <a:off x="815788" y="580508"/>
-            <a:ext cx="11123663" cy="3693319"/>
-          </a:xfrm>
-          <a:prstGeom prst="rect">
-            <a:avLst/>
-          </a:prstGeom>
-          <a:noFill/>
-        </p:spPr>
-        <p:txBody>
-          <a:bodyPr wrap="square">
-            <a:spAutoFit/>
-          </a:bodyPr>
-          <a:lstStyle/>
-          <a:p>
-            <a:r>
-              <a:rPr lang="ko-KR" altLang="en-US" dirty="0"/>
-              <a:t>과정</a:t>
-            </a:r>
-            <a:endParaRPr lang="en-US" altLang="ko-KR" dirty="0"/>
-          </a:p>
-          <a:p>
-            <a:r>
-              <a:rPr lang="en-US" altLang="ko-KR" dirty="0"/>
-              <a:t>	</a:t>
-            </a:r>
-            <a:r>
-              <a:rPr lang="ko-KR" altLang="en-US" dirty="0" err="1"/>
-              <a:t>전처리</a:t>
-            </a:r>
-            <a:r>
-              <a:rPr lang="ko-KR" altLang="en-US" dirty="0"/>
-              <a:t> </a:t>
-            </a:r>
-            <a:r>
-              <a:rPr lang="en-US" altLang="ko-KR" dirty="0"/>
-              <a:t>– </a:t>
-            </a:r>
-            <a:r>
-              <a:rPr lang="en-US" altLang="ko-KR" dirty="0" err="1"/>
-              <a:t>dcm</a:t>
-            </a:r>
-            <a:r>
-              <a:rPr lang="en-US" altLang="ko-KR" dirty="0"/>
-              <a:t> to </a:t>
-            </a:r>
-            <a:r>
-              <a:rPr lang="en-US" altLang="ko-KR" dirty="0" err="1"/>
-              <a:t>png</a:t>
-            </a:r>
-            <a:r>
-              <a:rPr lang="en-US" altLang="ko-KR" dirty="0"/>
-              <a:t> (640, 320, 256)</a:t>
-            </a:r>
-          </a:p>
-          <a:p>
-            <a:endParaRPr lang="en-US" altLang="ko-KR" dirty="0"/>
-          </a:p>
-          <a:p>
-            <a:r>
-              <a:rPr lang="en-US" altLang="ko-KR" dirty="0"/>
-              <a:t>	1. yolov5s</a:t>
-            </a:r>
-            <a:r>
-              <a:rPr lang="ko-KR" altLang="en-US" dirty="0"/>
-              <a:t> </a:t>
-            </a:r>
-            <a:r>
-              <a:rPr lang="en-US" altLang="ko-KR" dirty="0"/>
-              <a:t>–</a:t>
-            </a:r>
-            <a:r>
-              <a:rPr lang="ko-KR" altLang="en-US" dirty="0"/>
-              <a:t> </a:t>
-            </a:r>
-            <a:r>
-              <a:rPr lang="en-US" altLang="ko-KR" dirty="0"/>
-              <a:t>img640</a:t>
-            </a:r>
-            <a:r>
-              <a:rPr lang="ko-KR" altLang="en-US" dirty="0"/>
-              <a:t> </a:t>
-            </a:r>
-            <a:r>
-              <a:rPr lang="en-US" altLang="ko-KR" dirty="0"/>
-              <a:t>epochs</a:t>
-            </a:r>
-            <a:r>
-              <a:rPr lang="ko-KR" altLang="en-US" dirty="0"/>
-              <a:t> </a:t>
-            </a:r>
-            <a:r>
-              <a:rPr lang="en-US" altLang="ko-KR" dirty="0"/>
-              <a:t>100</a:t>
-            </a:r>
-          </a:p>
-          <a:p>
-            <a:r>
-              <a:rPr lang="en-US" altLang="ko-KR" dirty="0"/>
-              <a:t>	2. yolov5s – img320 epochs 230</a:t>
-            </a:r>
-          </a:p>
-          <a:p>
-            <a:r>
-              <a:rPr lang="en-US" altLang="ko-KR" dirty="0"/>
-              <a:t>	3. yolov5l – img320 epochs 300</a:t>
-            </a:r>
-          </a:p>
-          <a:p>
-            <a:r>
-              <a:rPr lang="en-US" altLang="ko-KR" dirty="0"/>
-              <a:t> </a:t>
-            </a:r>
-          </a:p>
-          <a:p>
-            <a:r>
-              <a:rPr lang="en-US" altLang="ko-KR" dirty="0"/>
-              <a:t>To do</a:t>
-            </a:r>
-          </a:p>
-          <a:p>
-            <a:pPr marL="800100" lvl="1" indent="-342900">
-              <a:buFont typeface="+mj-lt"/>
-              <a:buAutoNum type="arabicPeriod"/>
-            </a:pPr>
-            <a:r>
-              <a:rPr lang="en-US" altLang="ko-KR" strike="sngStrike" dirty="0"/>
-              <a:t>yolov5 + Efficient Net </a:t>
-            </a:r>
-            <a:r>
-              <a:rPr lang="en-US" altLang="ko-KR" dirty="0"/>
-              <a:t>&lt;-</a:t>
-            </a:r>
-            <a:r>
-              <a:rPr lang="ko-KR" altLang="en-US" dirty="0"/>
-              <a:t>보류</a:t>
-            </a:r>
-            <a:endParaRPr lang="en-US" altLang="ko-KR" dirty="0"/>
-          </a:p>
-          <a:p>
-            <a:pPr marL="800100" lvl="1" indent="-342900">
-              <a:buFont typeface="+mj-lt"/>
-              <a:buAutoNum type="arabicPeriod"/>
-            </a:pPr>
-            <a:r>
-              <a:rPr lang="en-US" altLang="ko-KR" strike="sngStrike" dirty="0"/>
-              <a:t>Faster R-CNN </a:t>
-            </a:r>
-            <a:r>
-              <a:rPr lang="en-US" altLang="ko-KR" dirty="0"/>
-              <a:t>&lt; M2det</a:t>
-            </a:r>
-            <a:r>
-              <a:rPr lang="ko-KR" altLang="en-US" dirty="0"/>
-              <a:t>로 전환</a:t>
-            </a:r>
-            <a:r>
-              <a:rPr lang="en-US" altLang="ko-KR" dirty="0"/>
-              <a:t>, </a:t>
-            </a:r>
-            <a:r>
-              <a:rPr lang="ko-KR" altLang="en-US" dirty="0"/>
-              <a:t>진행중</a:t>
-            </a:r>
-            <a:endParaRPr lang="en-US" altLang="ko-KR" dirty="0"/>
-          </a:p>
-          <a:p>
-            <a:pPr marL="800100" lvl="1" indent="-342900">
-              <a:buFont typeface="+mj-lt"/>
-              <a:buAutoNum type="arabicPeriod"/>
-            </a:pPr>
-            <a:r>
-              <a:rPr lang="en-US" altLang="ko-KR" strike="sngStrike" dirty="0"/>
-              <a:t>None</a:t>
-            </a:r>
-            <a:r>
-              <a:rPr lang="ko-KR" altLang="en-US" strike="sngStrike" dirty="0"/>
-              <a:t> 라벨 추가 </a:t>
-            </a:r>
-            <a:r>
-              <a:rPr lang="en-US" altLang="ko-KR" dirty="0"/>
-              <a:t>&lt; M2det </a:t>
-            </a:r>
-            <a:r>
-              <a:rPr lang="ko-KR" altLang="en-US" dirty="0"/>
-              <a:t>테스트 예정</a:t>
-            </a:r>
-            <a:r>
-              <a:rPr lang="en-US" altLang="ko-KR" dirty="0"/>
-              <a:t>, </a:t>
-            </a:r>
-            <a:r>
-              <a:rPr lang="ko-KR" altLang="en-US" dirty="0"/>
-              <a:t>이후 </a:t>
-            </a:r>
-            <a:r>
-              <a:rPr lang="en-US" altLang="ko-KR" dirty="0"/>
-              <a:t>yolo</a:t>
-            </a:r>
-          </a:p>
-          <a:p>
-            <a:pPr marL="800100" lvl="1" indent="-342900">
-              <a:buFont typeface="+mj-lt"/>
-              <a:buAutoNum type="arabicPeriod"/>
-            </a:pPr>
-            <a:r>
-              <a:rPr lang="ko-KR" altLang="en-US" dirty="0"/>
-              <a:t>상업화 </a:t>
-            </a:r>
-            <a:r>
-              <a:rPr lang="en-US" altLang="ko-KR" dirty="0"/>
-              <a:t>– mitotic  cell visualization, mitotic count &gt; </a:t>
-            </a:r>
-            <a:r>
-              <a:rPr lang="ko-KR" altLang="en-US" dirty="0"/>
-              <a:t>이후 과제</a:t>
-            </a:r>
-            <a:r>
-              <a:rPr lang="en-US" altLang="ko-KR" dirty="0"/>
-              <a:t>, </a:t>
-            </a:r>
-            <a:r>
-              <a:rPr lang="ko-KR" altLang="en-US" dirty="0"/>
-              <a:t>현재는 성능에 집중</a:t>
-            </a:r>
-            <a:endParaRPr lang="en-US" altLang="ko-KR" dirty="0"/>
-          </a:p>
-          <a:p>
-            <a:pPr marL="800100" lvl="1" indent="-342900">
-              <a:buFont typeface="+mj-lt"/>
-              <a:buAutoNum type="arabicPeriod"/>
-            </a:pPr>
-            <a:r>
-              <a:rPr lang="ko-KR" altLang="en-US" dirty="0"/>
-              <a:t>모델링 데이터 전부 끌어와서 비교</a:t>
-            </a:r>
-          </a:p>
-        </p:txBody>
-      </p:sp>
-    </p:spTree>
-    <p:extLst>
-      <p:ext uri="{BB962C8B-B14F-4D97-AF65-F5344CB8AC3E}">
-        <p14:creationId xmlns:p14="http://schemas.microsoft.com/office/powerpoint/2010/main" val="2636447043"/>
       </p:ext>
     </p:extLst>
   </p:cSld>
